--- a/helloWorld/ppt_template/diyun_land_report_template.pptx
+++ b/helloWorld/ppt_template/diyun_land_report_template.pptx
@@ -7609,7 +7609,7 @@
           <p:nvPr>
             <p:extLst>
               <p:ext uri="{D42A27DB-BD31-4B8C-83A1-F6EECF244321}">
-                <p14:modId xmlns:p14="http://schemas.microsoft.com/office/powerpoint/2010/main" val="1035769769"/>
+                <p14:modId xmlns:p14="http://schemas.microsoft.com/office/powerpoint/2010/main" val="1820715205"/>
               </p:ext>
             </p:extLst>
           </p:nvPr>
@@ -7711,12 +7711,37 @@
                     <a:p>
                       <a:pPr algn="l"/>
                       <a:r>
-                        <a:rPr sz="1200">
-                          <a:latin typeface="+mn-lt"/>
-                        </a:rPr>
-                        <a:t>龙华区民治街道</a:t>
-                      </a:r>
-                      <a:endParaRPr sz="1200" b="0">
+                        <a:rPr lang="en-US" sz="1200" b="0" dirty="0" smtClean="0">
+                          <a:solidFill>
+                            <a:srgbClr val="3A4043"/>
+                          </a:solidFill>
+                          <a:latin typeface="+mn-lt"/>
+                          <a:ea typeface="楷体" panose="02010609060101010101" charset="-122"/>
+                        </a:rPr>
+                        <a:t>{</a:t>
+                      </a:r>
+                      <a:r>
+                        <a:rPr lang="en-US" sz="1200" kern="1200" dirty="0" err="1" smtClean="0">
+                          <a:solidFill>
+                            <a:schemeClr val="dk1"/>
+                          </a:solidFill>
+                          <a:latin typeface="+mn-lt"/>
+                          <a:ea typeface="+mn-ea"/>
+                          <a:cs typeface="+mn-cs"/>
+                        </a:rPr>
+                        <a:t>land_location</a:t>
+                      </a:r>
+                      <a:r>
+                        <a:rPr lang="en-US" sz="1200" b="0" dirty="0" smtClean="0">
+                          <a:solidFill>
+                            <a:srgbClr val="3A4043"/>
+                          </a:solidFill>
+                          <a:latin typeface="+mn-lt"/>
+                          <a:ea typeface="楷体" panose="02010609060101010101" charset="-122"/>
+                        </a:rPr>
+                        <a:t>}</a:t>
+                      </a:r>
+                      <a:endParaRPr sz="1200" b="0" dirty="0">
                         <a:solidFill>
                           <a:srgbClr val="3A4043"/>
                         </a:solidFill>
@@ -7764,10 +7789,35 @@
                     <a:p>
                       <a:pPr algn="l"/>
                       <a:r>
-                        <a:rPr sz="1200" dirty="0">
-                          <a:latin typeface="+mn-lt"/>
-                        </a:rPr>
-                        <a:t>A817-0609</a:t>
+                        <a:rPr lang="en-US" altLang="zh-CN" sz="1200" b="0" dirty="0" smtClean="0">
+                          <a:solidFill>
+                            <a:schemeClr val="dk1"/>
+                          </a:solidFill>
+                          <a:latin typeface="+mn-lt"/>
+                          <a:ea typeface="+mn-ea"/>
+                        </a:rPr>
+                        <a:t>{</a:t>
+                      </a:r>
+                      <a:r>
+                        <a:rPr lang="en-US" altLang="zh-CN" sz="1200" kern="1200" dirty="0" err="1" smtClean="0">
+                          <a:solidFill>
+                            <a:schemeClr val="dk1"/>
+                          </a:solidFill>
+                          <a:latin typeface="+mn-lt"/>
+                          <a:ea typeface="+mn-ea"/>
+                          <a:cs typeface="+mn-cs"/>
+                        </a:rPr>
+                        <a:t>land_sn</a:t>
+                      </a:r>
+                      <a:r>
+                        <a:rPr lang="en-US" altLang="zh-CN" sz="1200" b="0" dirty="0" smtClean="0">
+                          <a:solidFill>
+                            <a:schemeClr val="dk1"/>
+                          </a:solidFill>
+                          <a:latin typeface="+mn-lt"/>
+                          <a:ea typeface="+mn-ea"/>
+                        </a:rPr>
+                        <a:t>}</a:t>
                       </a:r>
                       <a:endParaRPr sz="1200" b="0" dirty="0">
                         <a:solidFill>
@@ -7817,12 +7867,36 @@
                     <a:p>
                       <a:pPr algn="l"/>
                       <a:r>
-                        <a:rPr sz="1200">
-                          <a:latin typeface="+mn-lt"/>
-                        </a:rPr>
-                        <a:t>居住用地</a:t>
-                      </a:r>
-                      <a:endParaRPr sz="1200" b="0">
+                        <a:rPr lang="en-US" sz="1200" b="0" dirty="0" smtClean="0">
+                          <a:solidFill>
+                            <a:schemeClr val="dk1"/>
+                          </a:solidFill>
+                          <a:latin typeface="+mn-lt"/>
+                          <a:ea typeface="+mn-ea"/>
+                        </a:rPr>
+                        <a:t>{</a:t>
+                      </a:r>
+                      <a:r>
+                        <a:rPr lang="en-US" sz="1200" b="0" dirty="0" err="1" smtClean="0">
+                          <a:solidFill>
+                            <a:schemeClr val="dk1"/>
+                          </a:solidFill>
+                          <a:latin typeface="+mn-lt"/>
+                          <a:ea typeface="+mn-ea"/>
+                        </a:rPr>
+                        <a:t>land_use_details</a:t>
+                      </a:r>
+                      <a:r>
+                        <a:rPr lang="en-US" sz="1200" b="0" dirty="0" smtClean="0">
+                          <a:solidFill>
+                            <a:schemeClr val="dk1"/>
+                          </a:solidFill>
+                          <a:latin typeface="+mn-lt"/>
+                          <a:ea typeface="+mn-ea"/>
+                        </a:rPr>
+                        <a:t>}</a:t>
+                      </a:r>
+                      <a:endParaRPr sz="1200" b="0" dirty="0">
                         <a:solidFill>
                           <a:srgbClr val="3A4043"/>
                         </a:solidFill>
@@ -7870,10 +7944,14 @@
                     <a:p>
                       <a:pPr algn="l"/>
                       <a:r>
-                        <a:rPr sz="1200" dirty="0" err="1">
-                          <a:latin typeface="+mn-lt"/>
-                        </a:rPr>
-                        <a:t>挂牌</a:t>
+                        <a:rPr lang="en-US" sz="1200" b="0" dirty="0" smtClean="0">
+                          <a:solidFill>
+                            <a:schemeClr val="dk1"/>
+                          </a:solidFill>
+                          <a:latin typeface="+mn-lt"/>
+                          <a:ea typeface="+mn-ea"/>
+                        </a:rPr>
+                        <a:t>{type}</a:t>
                       </a:r>
                       <a:endParaRPr sz="1200" b="0" dirty="0">
                         <a:solidFill>
@@ -7900,10 +7978,16 @@
                     <a:p>
                       <a:pPr algn="ctr"/>
                       <a:r>
+                        <a:rPr lang="zh-CN" altLang="en-US" sz="1200" dirty="0" smtClean="0">
+                          <a:latin typeface="+mn-lt"/>
+                        </a:rPr>
+                        <a:t>用</a:t>
+                      </a:r>
+                      <a:r>
                         <a:rPr lang="zh-CN" altLang="en-US" sz="1200" dirty="0">
                           <a:latin typeface="+mn-lt"/>
                         </a:rPr>
-                        <a:t>建设用地</a:t>
+                        <a:t>地</a:t>
                       </a:r>
                       <a:r>
                         <a:rPr sz="1200" dirty="0" err="1">
@@ -7929,22 +8013,76 @@
                     <a:p>
                       <a:pPr algn="l"/>
                       <a:r>
-                        <a:rPr sz="1200" dirty="0">
-                          <a:latin typeface="+mn-lt"/>
-                        </a:rPr>
-                        <a:t>8</a:t>
-                      </a:r>
-                      <a:r>
-                        <a:rPr lang="en-US" altLang="zh-CN" sz="1200" dirty="0">
-                          <a:latin typeface="+mn-lt"/>
-                        </a:rPr>
-                        <a:t>6</a:t>
-                      </a:r>
-                      <a:r>
-                        <a:rPr sz="1200" dirty="0">
-                          <a:latin typeface="+mn-lt"/>
-                        </a:rPr>
-                        <a:t>00㎡</a:t>
+                        <a:rPr lang="en-US" altLang="zh-CN" sz="1200" b="0" dirty="0" smtClean="0">
+                          <a:solidFill>
+                            <a:srgbClr val="3A4043"/>
+                          </a:solidFill>
+                          <a:latin typeface="+mn-lt"/>
+                          <a:ea typeface="楷体" panose="02010609060101010101" charset="-122"/>
+                        </a:rPr>
+                        <a:t>{</a:t>
+                      </a:r>
+                      <a:r>
+                        <a:rPr lang="en-US" altLang="zh-CN" sz="1200" b="0" dirty="0" err="1" smtClean="0">
+                          <a:solidFill>
+                            <a:srgbClr val="3A4043"/>
+                          </a:solidFill>
+                          <a:latin typeface="+mn-lt"/>
+                          <a:ea typeface="楷体" panose="02010609060101010101" charset="-122"/>
+                        </a:rPr>
+                        <a:t>land_total_area</a:t>
+                      </a:r>
+                      <a:r>
+                        <a:rPr lang="en-US" altLang="zh-CN" sz="1200" b="0" dirty="0" smtClean="0">
+                          <a:solidFill>
+                            <a:srgbClr val="3A4043"/>
+                          </a:solidFill>
+                          <a:latin typeface="+mn-lt"/>
+                          <a:ea typeface="楷体" panose="02010609060101010101" charset="-122"/>
+                        </a:rPr>
+                        <a:t>}</a:t>
+                      </a:r>
+                      <a:r>
+                        <a:rPr lang="zh-CN" altLang="en-US" sz="1200" kern="1200" dirty="0" smtClean="0">
+                          <a:solidFill>
+                            <a:schemeClr val="dk1"/>
+                          </a:solidFill>
+                          <a:latin typeface="+mn-lt"/>
+                          <a:ea typeface="+mn-ea"/>
+                          <a:cs typeface="+mn-cs"/>
+                        </a:rPr>
+                        <a:t>平米</a:t>
+                      </a:r>
+                      <a:endParaRPr sz="1200" kern="1200" dirty="0">
+                        <a:solidFill>
+                          <a:schemeClr val="dk1"/>
+                        </a:solidFill>
+                        <a:latin typeface="+mn-lt"/>
+                        <a:ea typeface="+mn-ea"/>
+                        <a:cs typeface="+mn-cs"/>
+                      </a:endParaRPr>
+                    </a:p>
+                  </a:txBody>
+                  <a:tcPr marL="91445" marR="91445" marT="45732" marB="45732" anchor="ctr"/>
+                </a:tc>
+                <a:extLst>
+                  <a:ext uri="{0D108BD9-81ED-4DB2-BD59-A6C34878D82A}">
+                    <a16:rowId xmlns:a16="http://schemas.microsoft.com/office/drawing/2014/main" val="3478773896"/>
+                  </a:ext>
+                </a:extLst>
+              </a:tr>
+              <a:tr h="331961">
+                <a:tc>
+                  <a:txBody>
+                    <a:bodyPr/>
+                    <a:lstStyle/>
+                    <a:p>
+                      <a:pPr algn="ctr"/>
+                      <a:r>
+                        <a:rPr lang="zh-CN" altLang="en-US" sz="1200" dirty="0" smtClean="0">
+                          <a:latin typeface="+mn-lt"/>
+                        </a:rPr>
+                        <a:t>出让年限</a:t>
                       </a:r>
                       <a:endParaRPr sz="1200" b="0" dirty="0">
                         <a:solidFill>
@@ -7957,9 +8095,68 @@
                   </a:txBody>
                   <a:tcPr marL="91445" marR="91445" marT="45732" marB="45732" anchor="ctr"/>
                 </a:tc>
+                <a:tc>
+                  <a:txBody>
+                    <a:bodyPr/>
+                    <a:lstStyle/>
+                    <a:p>
+                      <a:pPr algn="l"/>
+                      <a:r>
+                        <a:rPr lang="en-US" altLang="zh-CN" sz="1200" b="0" dirty="0" smtClean="0">
+                          <a:solidFill>
+                            <a:srgbClr val="3A4043"/>
+                          </a:solidFill>
+                          <a:latin typeface="+mn-lt"/>
+                          <a:ea typeface="楷体" panose="02010609060101010101" charset="-122"/>
+                        </a:rPr>
+                        <a:t>{</a:t>
+                      </a:r>
+                      <a:r>
+                        <a:rPr lang="en-US" altLang="zh-CN" sz="1200" b="0" dirty="0" err="1" smtClean="0">
+                          <a:solidFill>
+                            <a:srgbClr val="3A4043"/>
+                          </a:solidFill>
+                          <a:latin typeface="+mn-lt"/>
+                          <a:ea typeface="楷体" panose="02010609060101010101" charset="-122"/>
+                        </a:rPr>
+                        <a:t>sale_time</a:t>
+                      </a:r>
+                      <a:r>
+                        <a:rPr lang="en-US" altLang="zh-CN" sz="1200" b="0" dirty="0" smtClean="0">
+                          <a:solidFill>
+                            <a:srgbClr val="3A4043"/>
+                          </a:solidFill>
+                          <a:latin typeface="+mn-lt"/>
+                          <a:ea typeface="楷体" panose="02010609060101010101" charset="-122"/>
+                        </a:rPr>
+                        <a:t>}</a:t>
+                      </a:r>
+                      <a:r>
+                        <a:rPr lang="zh-CN" altLang="en-US" sz="1200" kern="1200" dirty="0" smtClean="0">
+                          <a:solidFill>
+                            <a:schemeClr val="dk1"/>
+                          </a:solidFill>
+                          <a:latin typeface="+mn-lt"/>
+                          <a:ea typeface="+mn-ea"/>
+                          <a:cs typeface="+mn-cs"/>
+                        </a:rPr>
+                        <a:t>年</a:t>
+                      </a:r>
+                      <a:endParaRPr sz="1200" kern="1200" dirty="0">
+                        <a:solidFill>
+                          <a:schemeClr val="dk1"/>
+                        </a:solidFill>
+                        <a:latin typeface="+mn-lt"/>
+                        <a:ea typeface="+mn-ea"/>
+                        <a:cs typeface="+mn-cs"/>
+                      </a:endParaRPr>
+                    </a:p>
+                  </a:txBody>
+                  <a:tcPr marL="91445" marR="91445" marT="45732" marB="45732" anchor="ctr"/>
+                </a:tc>
                 <a:extLst>
                   <a:ext uri="{0D108BD9-81ED-4DB2-BD59-A6C34878D82A}">
-                    <a16:rowId xmlns:a16="http://schemas.microsoft.com/office/drawing/2014/main" val="3478773896"/>
+                    <a16:rowId xmlns:a16="http://schemas.microsoft.com/office/drawing/2014/main" val="10005"/>
                   </a:ext>
                 </a:extLst>
               </a:tr>
@@ -7974,7 +8171,7 @@
                         <a:rPr sz="1200" dirty="0" err="1">
                           <a:latin typeface="+mn-lt"/>
                         </a:rPr>
-                        <a:t>规划建筑面积</a:t>
+                        <a:t>容积率</a:t>
                       </a:r>
                       <a:endParaRPr sz="1200" b="0" dirty="0">
                         <a:solidFill>
@@ -7994,10 +8191,34 @@
                     <a:p>
                       <a:pPr algn="l"/>
                       <a:r>
-                        <a:rPr sz="1200" dirty="0">
-                          <a:latin typeface="+mn-lt"/>
-                        </a:rPr>
-                        <a:t>148300㎡</a:t>
+                        <a:rPr lang="en-US" altLang="zh-CN" sz="1200" b="0" dirty="0" smtClean="0">
+                          <a:solidFill>
+                            <a:srgbClr val="3A4043"/>
+                          </a:solidFill>
+                          <a:latin typeface="+mn-lt"/>
+                          <a:ea typeface="楷体" panose="02010609060101010101" charset="-122"/>
+                        </a:rPr>
+                        <a:t>{</a:t>
+                      </a:r>
+                      <a:r>
+                        <a:rPr lang="en-US" altLang="zh-CN" sz="1200" b="0" dirty="0" err="1" smtClean="0">
+                          <a:solidFill>
+                            <a:srgbClr val="3A4043"/>
+                          </a:solidFill>
+                          <a:latin typeface="+mn-lt"/>
+                          <a:ea typeface="楷体" panose="02010609060101010101" charset="-122"/>
+                        </a:rPr>
+                        <a:t>plot_ratio</a:t>
+                      </a:r>
+                      <a:r>
+                        <a:rPr lang="en-US" altLang="zh-CN" sz="1200" b="0" dirty="0" smtClean="0">
+                          <a:solidFill>
+                            <a:srgbClr val="3A4043"/>
+                          </a:solidFill>
+                          <a:latin typeface="+mn-lt"/>
+                          <a:ea typeface="楷体" panose="02010609060101010101" charset="-122"/>
+                        </a:rPr>
+                        <a:t>}</a:t>
                       </a:r>
                       <a:endParaRPr sz="1200" b="0" dirty="0">
                         <a:solidFill>
@@ -8012,7 +8233,7 @@
                 </a:tc>
                 <a:extLst>
                   <a:ext uri="{0D108BD9-81ED-4DB2-BD59-A6C34878D82A}">
-                    <a16:rowId xmlns:a16="http://schemas.microsoft.com/office/drawing/2014/main" val="10005"/>
+                    <a16:rowId xmlns:a16="http://schemas.microsoft.com/office/drawing/2014/main" val="10006"/>
                   </a:ext>
                 </a:extLst>
               </a:tr>
@@ -8027,7 +8248,7 @@
                         <a:rPr sz="1200" dirty="0" err="1">
                           <a:latin typeface="+mn-lt"/>
                         </a:rPr>
-                        <a:t>容积率</a:t>
+                        <a:t>建筑密度</a:t>
                       </a:r>
                       <a:endParaRPr sz="1200" b="0" dirty="0">
                         <a:solidFill>
@@ -8046,6 +8267,36 @@
                     <a:lstStyle/>
                     <a:p>
                       <a:pPr algn="l"/>
+                      <a:r>
+                        <a:rPr lang="en-US" altLang="zh-CN" sz="1200" b="0" dirty="0" smtClean="0">
+                          <a:solidFill>
+                            <a:srgbClr val="3A4043"/>
+                          </a:solidFill>
+                          <a:latin typeface="+mn-lt"/>
+                          <a:ea typeface="楷体" panose="02010609060101010101" charset="-122"/>
+                        </a:rPr>
+                        <a:t>{</a:t>
+                      </a:r>
+                      <a:r>
+                        <a:rPr lang="en-US" altLang="zh-CN" sz="1200" b="0" dirty="0" err="1" smtClean="0">
+                          <a:solidFill>
+                            <a:srgbClr val="3A4043"/>
+                          </a:solidFill>
+                          <a:latin typeface="+mn-lt"/>
+                          <a:ea typeface="楷体" panose="02010609060101010101" charset="-122"/>
+                        </a:rPr>
+                        <a:t>building_density</a:t>
+                      </a:r>
+                      <a:r>
+                        <a:rPr lang="en-US" altLang="zh-CN" sz="1200" b="0" dirty="0" smtClean="0">
+                          <a:solidFill>
+                            <a:srgbClr val="3A4043"/>
+                          </a:solidFill>
+                          <a:latin typeface="+mn-lt"/>
+                          <a:ea typeface="楷体" panose="02010609060101010101" charset="-122"/>
+                        </a:rPr>
+                        <a:t>}</a:t>
+                      </a:r>
                       <a:endParaRPr sz="1200" b="0" dirty="0">
                         <a:solidFill>
                           <a:srgbClr val="3A4043"/>
@@ -8059,7 +8310,7 @@
                 </a:tc>
                 <a:extLst>
                   <a:ext uri="{0D108BD9-81ED-4DB2-BD59-A6C34878D82A}">
-                    <a16:rowId xmlns:a16="http://schemas.microsoft.com/office/drawing/2014/main" val="10006"/>
+                    <a16:rowId xmlns:a16="http://schemas.microsoft.com/office/drawing/2014/main" val="10007"/>
                   </a:ext>
                 </a:extLst>
               </a:tr>
@@ -8074,7 +8325,7 @@
                         <a:rPr sz="1200" dirty="0" err="1">
                           <a:latin typeface="+mn-lt"/>
                         </a:rPr>
-                        <a:t>建筑密度</a:t>
+                        <a:t>绿化率</a:t>
                       </a:r>
                       <a:endParaRPr sz="1200" b="0" dirty="0">
                         <a:solidFill>
@@ -8093,6 +8344,36 @@
                     <a:lstStyle/>
                     <a:p>
                       <a:pPr algn="l"/>
+                      <a:r>
+                        <a:rPr lang="en-US" altLang="zh-CN" sz="1200" b="0" dirty="0" smtClean="0">
+                          <a:solidFill>
+                            <a:srgbClr val="3A4043"/>
+                          </a:solidFill>
+                          <a:latin typeface="+mn-lt"/>
+                          <a:ea typeface="楷体" panose="02010609060101010101" charset="-122"/>
+                        </a:rPr>
+                        <a:t>{</a:t>
+                      </a:r>
+                      <a:r>
+                        <a:rPr lang="en-US" altLang="zh-CN" sz="1200" b="0" dirty="0" err="1" smtClean="0">
+                          <a:solidFill>
+                            <a:srgbClr val="3A4043"/>
+                          </a:solidFill>
+                          <a:latin typeface="+mn-lt"/>
+                          <a:ea typeface="楷体" panose="02010609060101010101" charset="-122"/>
+                        </a:rPr>
+                        <a:t>greening_rate</a:t>
+                      </a:r>
+                      <a:r>
+                        <a:rPr lang="en-US" altLang="zh-CN" sz="1200" b="0" dirty="0" smtClean="0">
+                          <a:solidFill>
+                            <a:srgbClr val="3A4043"/>
+                          </a:solidFill>
+                          <a:latin typeface="+mn-lt"/>
+                          <a:ea typeface="楷体" panose="02010609060101010101" charset="-122"/>
+                        </a:rPr>
+                        <a:t>}</a:t>
+                      </a:r>
                       <a:endParaRPr sz="1200" b="0" dirty="0">
                         <a:solidFill>
                           <a:srgbClr val="3A4043"/>
@@ -8106,7 +8387,7 @@
                 </a:tc>
                 <a:extLst>
                   <a:ext uri="{0D108BD9-81ED-4DB2-BD59-A6C34878D82A}">
-                    <a16:rowId xmlns:a16="http://schemas.microsoft.com/office/drawing/2014/main" val="10007"/>
+                    <a16:rowId xmlns:a16="http://schemas.microsoft.com/office/drawing/2014/main" val="10008"/>
                   </a:ext>
                 </a:extLst>
               </a:tr>
@@ -8121,7 +8402,7 @@
                         <a:rPr sz="1200" dirty="0" err="1">
                           <a:latin typeface="+mn-lt"/>
                         </a:rPr>
-                        <a:t>绿化率</a:t>
+                        <a:t>限高</a:t>
                       </a:r>
                       <a:endParaRPr sz="1200" b="0" dirty="0">
                         <a:solidFill>
@@ -8140,53 +8421,36 @@
                     <a:lstStyle/>
                     <a:p>
                       <a:pPr algn="l"/>
-                      <a:endParaRPr sz="1200" b="0">
-                        <a:solidFill>
-                          <a:srgbClr val="3A4043"/>
-                        </a:solidFill>
-                        <a:latin typeface="+mn-lt"/>
-                        <a:ea typeface="楷体" panose="02010609060101010101" charset="-122"/>
-                      </a:endParaRPr>
-                    </a:p>
-                  </a:txBody>
-                  <a:tcPr marL="91445" marR="91445" marT="45732" marB="45732" anchor="ctr"/>
-                </a:tc>
-                <a:extLst>
-                  <a:ext uri="{0D108BD9-81ED-4DB2-BD59-A6C34878D82A}">
-                    <a16:rowId xmlns:a16="http://schemas.microsoft.com/office/drawing/2014/main" val="10008"/>
-                  </a:ext>
-                </a:extLst>
-              </a:tr>
-              <a:tr h="331961">
-                <a:tc>
-                  <a:txBody>
-                    <a:bodyPr/>
-                    <a:lstStyle/>
-                    <a:p>
-                      <a:pPr algn="ctr"/>
-                      <a:r>
-                        <a:rPr sz="1200" dirty="0" err="1">
-                          <a:latin typeface="+mn-lt"/>
-                        </a:rPr>
-                        <a:t>限高</a:t>
-                      </a:r>
-                      <a:endParaRPr sz="1200" b="0" dirty="0">
-                        <a:solidFill>
-                          <a:srgbClr val="3A4043"/>
-                        </a:solidFill>
-                        <a:latin typeface="+mn-lt"/>
-                        <a:ea typeface="楷体" panose="02010609060101010101" charset="-122"/>
-                      </a:endParaRPr>
-                    </a:p>
-                  </a:txBody>
-                  <a:tcPr marL="91445" marR="91445" marT="45732" marB="45732" anchor="ctr"/>
-                </a:tc>
-                <a:tc>
-                  <a:txBody>
-                    <a:bodyPr/>
-                    <a:lstStyle/>
-                    <a:p>
-                      <a:pPr algn="l"/>
+                      <a:r>
+                        <a:rPr lang="en-US" altLang="zh-CN" sz="1200" b="0" dirty="0" smtClean="0">
+                          <a:solidFill>
+                            <a:srgbClr val="3A4043"/>
+                          </a:solidFill>
+                          <a:latin typeface="+mn-lt"/>
+                          <a:ea typeface="楷体" panose="02010609060101010101" charset="-122"/>
+                        </a:rPr>
+                        <a:t>{</a:t>
+                      </a:r>
+                      <a:r>
+                        <a:rPr lang="en-US" altLang="zh-CN" sz="1200" b="0" dirty="0" err="1" smtClean="0">
+                          <a:solidFill>
+                            <a:srgbClr val="3A4043"/>
+                          </a:solidFill>
+                          <a:latin typeface="+mn-lt"/>
+                          <a:ea typeface="楷体" panose="02010609060101010101" charset="-122"/>
+                        </a:rPr>
+                        <a:t>building_limited_height</a:t>
+                      </a:r>
+                      <a:r>
+                        <a:rPr lang="en-US" altLang="zh-CN" sz="1200" b="0" dirty="0" smtClean="0">
+                          <a:solidFill>
+                            <a:srgbClr val="3A4043"/>
+                          </a:solidFill>
+                          <a:latin typeface="+mn-lt"/>
+                          <a:ea typeface="楷体" panose="02010609060101010101" charset="-122"/>
+                        </a:rPr>
+                        <a:t>}</a:t>
+                      </a:r>
                       <a:endParaRPr sz="1200" b="0" dirty="0">
                         <a:solidFill>
                           <a:srgbClr val="3A4043"/>
@@ -8223,14 +8487,14 @@
           <p:nvPr>
             <p:extLst>
               <p:ext uri="{D42A27DB-BD31-4B8C-83A1-F6EECF244321}">
-                <p14:modId xmlns:p14="http://schemas.microsoft.com/office/powerpoint/2010/main" val="3945940535"/>
+                <p14:modId xmlns:p14="http://schemas.microsoft.com/office/powerpoint/2010/main" val="2219321917"/>
               </p:ext>
             </p:extLst>
           </p:nvPr>
         </p:nvGraphicFramePr>
         <p:xfrm>
           <a:off x="4942789" y="4437112"/>
-          <a:ext cx="3977896" cy="1512172"/>
+          <a:ext cx="3977896" cy="1853374"/>
         </p:xfrm>
         <a:graphic>
           <a:graphicData uri="http://schemas.openxmlformats.org/drawingml/2006/table">
@@ -8334,8 +8598,161 @@
                     <a:p>
                       <a:pPr algn="ctr"/>
                       <a:r>
+                        <a:rPr sz="1200" dirty="0" err="1"/>
+                        <a:t>成交时间</a:t>
+                      </a:r>
+                      <a:endParaRPr sz="1200" b="0" dirty="0">
+                        <a:solidFill>
+                          <a:srgbClr val="3A4043"/>
+                        </a:solidFill>
+                        <a:latin typeface="楷体" panose="02010609060101010101" charset="-122"/>
+                        <a:ea typeface="楷体" panose="02010609060101010101" charset="-122"/>
+                      </a:endParaRPr>
+                    </a:p>
+                  </a:txBody>
+                  <a:tcPr marL="91436" marR="91436" marT="45722" marB="45722" anchor="ctr"/>
+                </a:tc>
+                <a:tc>
+                  <a:txBody>
+                    <a:bodyPr/>
+                    <a:lstStyle/>
+                    <a:p>
+                      <a:pPr algn="l"/>
+                      <a:r>
+                        <a:rPr lang="en-US" altLang="zh-CN" sz="1200" b="0" dirty="0" smtClean="0">
+                          <a:solidFill>
+                            <a:schemeClr val="dk1"/>
+                          </a:solidFill>
+                          <a:latin typeface="+mn-lt"/>
+                          <a:ea typeface="+mn-ea"/>
+                        </a:rPr>
+                        <a:t>{</a:t>
+                      </a:r>
+                      <a:r>
+                        <a:rPr lang="en-US" altLang="zh-CN" sz="1200" b="0" dirty="0" err="1" smtClean="0">
+                          <a:solidFill>
+                            <a:schemeClr val="dk1"/>
+                          </a:solidFill>
+                          <a:latin typeface="+mn-lt"/>
+                          <a:ea typeface="+mn-ea"/>
+                        </a:rPr>
+                        <a:t>contract_signing_date</a:t>
+                      </a:r>
+                      <a:r>
+                        <a:rPr lang="en-US" altLang="zh-CN" sz="1200" b="0" dirty="0" smtClean="0">
+                          <a:solidFill>
+                            <a:schemeClr val="dk1"/>
+                          </a:solidFill>
+                          <a:latin typeface="+mn-lt"/>
+                          <a:ea typeface="+mn-ea"/>
+                        </a:rPr>
+                        <a:t>}</a:t>
+                      </a:r>
+                      <a:endParaRPr sz="1200" b="0" dirty="0">
+                        <a:solidFill>
+                          <a:srgbClr val="3A4043"/>
+                        </a:solidFill>
+                        <a:latin typeface="楷体" panose="02010609060101010101" charset="-122"/>
+                        <a:ea typeface="楷体" panose="02010609060101010101" charset="-122"/>
+                      </a:endParaRPr>
+                    </a:p>
+                  </a:txBody>
+                  <a:tcPr marL="91436" marR="91436" marT="45722" marB="45722" anchor="ctr"/>
+                </a:tc>
+                <a:tc>
+                  <a:txBody>
+                    <a:bodyPr/>
+                    <a:lstStyle/>
+                    <a:p>
+                      <a:pPr algn="ctr"/>
+                      <a:r>
+                        <a:rPr sz="1200" dirty="0" err="1"/>
+                        <a:t>成交价</a:t>
+                      </a:r>
+                      <a:endParaRPr sz="1200" b="0" dirty="0">
+                        <a:solidFill>
+                          <a:srgbClr val="3A4043"/>
+                        </a:solidFill>
+                        <a:latin typeface="楷体" panose="02010609060101010101" charset="-122"/>
+                        <a:ea typeface="楷体" panose="02010609060101010101" charset="-122"/>
+                      </a:endParaRPr>
+                    </a:p>
+                  </a:txBody>
+                  <a:tcPr marL="91436" marR="91436" marT="45722" marB="45722" anchor="ctr"/>
+                </a:tc>
+                <a:tc>
+                  <a:txBody>
+                    <a:bodyPr/>
+                    <a:lstStyle/>
+                    <a:p>
+                      <a:pPr algn="l"/>
+                      <a:r>
+                        <a:rPr lang="en-US" altLang="zh-CN" sz="1200" b="0" dirty="0" smtClean="0">
+                          <a:solidFill>
+                            <a:schemeClr val="dk1"/>
+                          </a:solidFill>
+                          <a:latin typeface="+mn-lt"/>
+                          <a:ea typeface="+mn-ea"/>
+                        </a:rPr>
+                        <a:t>{</a:t>
+                      </a:r>
+                      <a:r>
+                        <a:rPr lang="en-US" altLang="zh-CN" sz="1200" b="0" dirty="0" err="1" smtClean="0">
+                          <a:solidFill>
+                            <a:schemeClr val="dk1"/>
+                          </a:solidFill>
+                          <a:latin typeface="+mn-lt"/>
+                          <a:ea typeface="+mn-ea"/>
+                        </a:rPr>
+                        <a:t>transaction_price</a:t>
+                      </a:r>
+                      <a:r>
+                        <a:rPr lang="en-US" altLang="zh-CN" sz="1200" b="0" dirty="0" smtClean="0">
+                          <a:solidFill>
+                            <a:schemeClr val="dk1"/>
+                          </a:solidFill>
+                          <a:latin typeface="+mn-lt"/>
+                          <a:ea typeface="+mn-ea"/>
+                        </a:rPr>
+                        <a:t>}</a:t>
+                      </a:r>
+                      <a:r>
+                        <a:rPr lang="zh-CN" altLang="en-US" sz="1200" b="0" dirty="0" smtClean="0">
+                          <a:solidFill>
+                            <a:schemeClr val="dk1"/>
+                          </a:solidFill>
+                          <a:latin typeface="+mn-lt"/>
+                          <a:ea typeface="+mn-ea"/>
+                        </a:rPr>
+                        <a:t>万元</a:t>
+                      </a:r>
+                      <a:endParaRPr sz="1200" b="0" dirty="0">
+                        <a:solidFill>
+                          <a:srgbClr val="3A4043"/>
+                        </a:solidFill>
+                        <a:latin typeface="楷体" panose="02010609060101010101" charset="-122"/>
+                        <a:ea typeface="楷体" panose="02010609060101010101" charset="-122"/>
+                      </a:endParaRPr>
+                    </a:p>
+                  </a:txBody>
+                  <a:tcPr marL="91436" marR="91436" marT="45722" marB="45722" anchor="ctr"/>
+                </a:tc>
+                <a:extLst>
+                  <a:ext uri="{0D108BD9-81ED-4DB2-BD59-A6C34878D82A}">
+                    <a16:rowId xmlns:a16="http://schemas.microsoft.com/office/drawing/2014/main" val="10001"/>
+                  </a:ext>
+                </a:extLst>
+              </a:tr>
+              <a:tr h="378043">
+                <a:tc>
+                  <a:txBody>
+                    <a:bodyPr/>
+                    <a:lstStyle/>
+                    <a:p>
+                      <a:pPr algn="ctr"/>
+                      <a:r>
                         <a:rPr sz="1200"/>
-                        <a:t>成交时间</a:t>
+                        <a:t>成交楼面价</a:t>
                       </a:r>
                       <a:endParaRPr sz="1200" b="0">
                         <a:solidFill>
@@ -8355,8 +8772,24 @@
                     <a:p>
                       <a:pPr algn="l"/>
                       <a:r>
-                        <a:rPr sz="1200" dirty="0"/>
-                        <a:t>--</a:t>
+                        <a:rPr lang="en-US" altLang="zh-CN" sz="1200" dirty="0" smtClean="0"/>
+                        <a:t>{</a:t>
+                      </a:r>
+                      <a:r>
+                        <a:rPr lang="en-US" altLang="zh-CN" sz="1200" dirty="0" err="1" smtClean="0"/>
+                        <a:t>floor_area_price</a:t>
+                      </a:r>
+                      <a:r>
+                        <a:rPr lang="en-US" altLang="zh-CN" sz="1200" dirty="0" smtClean="0"/>
+                        <a:t>}</a:t>
+                      </a:r>
+                      <a:r>
+                        <a:rPr lang="zh-CN" altLang="en-US" sz="1200" dirty="0" smtClean="0"/>
+                        <a:t>元</a:t>
+                      </a:r>
+                      <a:r>
+                        <a:rPr lang="en-US" altLang="zh-CN" sz="1200" dirty="0" smtClean="0"/>
+                        <a:t>/m²</a:t>
                       </a:r>
                       <a:endParaRPr sz="1200" b="0" dirty="0">
                         <a:solidFill>
@@ -8376,8 +8809,55 @@
                     <a:p>
                       <a:pPr algn="ctr"/>
                       <a:r>
-                        <a:rPr sz="1200" dirty="0" err="1"/>
-                        <a:t>成交价</a:t>
+                        <a:rPr sz="1200"/>
+                        <a:t>溢价率</a:t>
+                      </a:r>
+                      <a:endParaRPr sz="1200" b="0">
+                        <a:solidFill>
+                          <a:srgbClr val="3A4043"/>
+                        </a:solidFill>
+                        <a:latin typeface="楷体" panose="02010609060101010101" charset="-122"/>
+                        <a:ea typeface="楷体" panose="02010609060101010101" charset="-122"/>
+                      </a:endParaRPr>
+                    </a:p>
+                  </a:txBody>
+                  <a:tcPr marL="91436" marR="91436" marT="45722" marB="45722" anchor="ctr"/>
+                </a:tc>
+                <a:tc>
+                  <a:txBody>
+                    <a:bodyPr/>
+                    <a:lstStyle/>
+                    <a:p>
+                      <a:pPr algn="l"/>
+                      <a:r>
+                        <a:rPr lang="en-US" altLang="zh-CN" sz="1200" b="0" dirty="0" smtClean="0">
+                          <a:solidFill>
+                            <a:schemeClr val="dk1"/>
+                          </a:solidFill>
+                          <a:latin typeface="+mn-lt"/>
+                          <a:ea typeface="+mn-ea"/>
+                        </a:rPr>
+                        <a:t>{</a:t>
+                      </a:r>
+                      <a:r>
+                        <a:rPr lang="en-US" altLang="zh-CN" sz="1200" b="0" dirty="0" err="1" smtClean="0">
+                          <a:solidFill>
+                            <a:schemeClr val="dk1"/>
+                          </a:solidFill>
+                          <a:latin typeface="+mn-lt"/>
+                          <a:ea typeface="+mn-ea"/>
+                        </a:rPr>
+                        <a:t>premium_rate</a:t>
+                      </a:r>
+                      <a:r>
+                        <a:rPr lang="en-US" altLang="zh-CN" sz="1200" b="0" dirty="0" smtClean="0">
+                          <a:solidFill>
+                            <a:schemeClr val="dk1"/>
+                          </a:solidFill>
+                          <a:latin typeface="+mn-lt"/>
+                          <a:ea typeface="+mn-ea"/>
+                        </a:rPr>
+                        <a:t>}</a:t>
                       </a:r>
                       <a:endParaRPr sz="1200" b="0" dirty="0">
                         <a:solidFill>
@@ -8390,15 +8870,22 @@
                   </a:txBody>
                   <a:tcPr marL="91436" marR="91436" marT="45722" marB="45722" anchor="ctr"/>
                 </a:tc>
-                <a:tc>
-                  <a:txBody>
-                    <a:bodyPr/>
-                    <a:lstStyle/>
-                    <a:p>
-                      <a:pPr algn="l"/>
-                      <a:r>
-                        <a:rPr sz="1200" dirty="0"/>
-                        <a:t>--</a:t>
+                <a:extLst>
+                  <a:ext uri="{0D108BD9-81ED-4DB2-BD59-A6C34878D82A}">
+                    <a16:rowId xmlns:a16="http://schemas.microsoft.com/office/drawing/2014/main" val="10002"/>
+                  </a:ext>
+                </a:extLst>
+              </a:tr>
+              <a:tr h="378043">
+                <a:tc>
+                  <a:txBody>
+                    <a:bodyPr/>
+                    <a:lstStyle/>
+                    <a:p>
+                      <a:pPr algn="ctr"/>
+                      <a:r>
+                        <a:rPr lang="zh-CN" altLang="en-US" sz="1200" dirty="0"/>
+                        <a:t>竞得方</a:t>
                       </a:r>
                       <a:endParaRPr sz="1200" b="0" dirty="0">
                         <a:solidFill>
@@ -8411,134 +8898,41 @@
                   </a:txBody>
                   <a:tcPr marL="91436" marR="91436" marT="45722" marB="45722" anchor="ctr"/>
                 </a:tc>
-                <a:extLst>
-                  <a:ext uri="{0D108BD9-81ED-4DB2-BD59-A6C34878D82A}">
-                    <a16:rowId xmlns:a16="http://schemas.microsoft.com/office/drawing/2014/main" val="10001"/>
-                  </a:ext>
-                </a:extLst>
-              </a:tr>
-              <a:tr h="378043">
-                <a:tc>
-                  <a:txBody>
-                    <a:bodyPr/>
-                    <a:lstStyle/>
-                    <a:p>
-                      <a:pPr algn="ctr"/>
-                      <a:r>
-                        <a:rPr sz="1200"/>
-                        <a:t>成交楼面价</a:t>
-                      </a:r>
-                      <a:endParaRPr sz="1200" b="0">
-                        <a:solidFill>
-                          <a:srgbClr val="3A4043"/>
-                        </a:solidFill>
-                        <a:latin typeface="楷体" panose="02010609060101010101" charset="-122"/>
-                        <a:ea typeface="楷体" panose="02010609060101010101" charset="-122"/>
-                      </a:endParaRPr>
-                    </a:p>
-                  </a:txBody>
-                  <a:tcPr marL="91436" marR="91436" marT="45722" marB="45722" anchor="ctr"/>
-                </a:tc>
-                <a:tc>
+                <a:tc gridSpan="3">
                   <a:txBody>
                     <a:bodyPr/>
                     <a:lstStyle/>
                     <a:p>
                       <a:pPr algn="l"/>
                       <a:r>
-                        <a:rPr sz="1200"/>
-                        <a:t>--</a:t>
-                      </a:r>
-                      <a:endParaRPr sz="1200" b="0">
-                        <a:solidFill>
-                          <a:srgbClr val="3A4043"/>
-                        </a:solidFill>
-                        <a:latin typeface="楷体" panose="02010609060101010101" charset="-122"/>
-                        <a:ea typeface="楷体" panose="02010609060101010101" charset="-122"/>
-                      </a:endParaRPr>
-                    </a:p>
-                  </a:txBody>
-                  <a:tcPr marL="91436" marR="91436" marT="45722" marB="45722" anchor="ctr"/>
-                </a:tc>
-                <a:tc>
-                  <a:txBody>
-                    <a:bodyPr/>
-                    <a:lstStyle/>
-                    <a:p>
-                      <a:pPr algn="ctr"/>
-                      <a:r>
-                        <a:rPr sz="1200"/>
-                        <a:t>溢价率</a:t>
-                      </a:r>
-                      <a:endParaRPr sz="1200" b="0">
-                        <a:solidFill>
-                          <a:srgbClr val="3A4043"/>
-                        </a:solidFill>
-                        <a:latin typeface="楷体" panose="02010609060101010101" charset="-122"/>
-                        <a:ea typeface="楷体" panose="02010609060101010101" charset="-122"/>
-                      </a:endParaRPr>
-                    </a:p>
-                  </a:txBody>
-                  <a:tcPr marL="91436" marR="91436" marT="45722" marB="45722" anchor="ctr"/>
-                </a:tc>
-                <a:tc>
-                  <a:txBody>
-                    <a:bodyPr/>
-                    <a:lstStyle/>
-                    <a:p>
-                      <a:pPr algn="l"/>
-                      <a:r>
-                        <a:rPr sz="1200"/>
-                        <a:t>--</a:t>
-                      </a:r>
-                      <a:endParaRPr sz="1200" b="0">
-                        <a:solidFill>
-                          <a:srgbClr val="3A4043"/>
-                        </a:solidFill>
-                        <a:latin typeface="楷体" panose="02010609060101010101" charset="-122"/>
-                        <a:ea typeface="楷体" panose="02010609060101010101" charset="-122"/>
-                      </a:endParaRPr>
-                    </a:p>
-                  </a:txBody>
-                  <a:tcPr marL="91436" marR="91436" marT="45722" marB="45722" anchor="ctr"/>
-                </a:tc>
-                <a:extLst>
-                  <a:ext uri="{0D108BD9-81ED-4DB2-BD59-A6C34878D82A}">
-                    <a16:rowId xmlns:a16="http://schemas.microsoft.com/office/drawing/2014/main" val="10002"/>
-                  </a:ext>
-                </a:extLst>
-              </a:tr>
-              <a:tr h="378043">
-                <a:tc>
-                  <a:txBody>
-                    <a:bodyPr/>
-                    <a:lstStyle/>
-                    <a:p>
-                      <a:pPr algn="ctr"/>
-                      <a:r>
-                        <a:rPr lang="zh-CN" altLang="en-US" sz="1200" dirty="0"/>
-                        <a:t>竞得方</a:t>
-                      </a:r>
-                      <a:endParaRPr sz="1200" b="0" dirty="0">
-                        <a:solidFill>
-                          <a:srgbClr val="3A4043"/>
-                        </a:solidFill>
-                        <a:latin typeface="楷体" panose="02010609060101010101" charset="-122"/>
-                        <a:ea typeface="楷体" panose="02010609060101010101" charset="-122"/>
-                      </a:endParaRPr>
-                    </a:p>
-                  </a:txBody>
-                  <a:tcPr marL="91436" marR="91436" marT="45722" marB="45722" anchor="ctr"/>
-                </a:tc>
-                <a:tc gridSpan="3">
-                  <a:txBody>
-                    <a:bodyPr/>
-                    <a:lstStyle/>
-                    <a:p>
-                      <a:pPr algn="l"/>
-                      <a:r>
-                        <a:rPr sz="1200" dirty="0"/>
-                        <a:t>--</a:t>
+                        <a:rPr lang="en-US" altLang="zh-CN" sz="1200" b="0" dirty="0" smtClean="0">
+                          <a:solidFill>
+                            <a:schemeClr val="dk1"/>
+                          </a:solidFill>
+                          <a:latin typeface="+mn-lt"/>
+                          <a:ea typeface="+mn-ea"/>
+                        </a:rPr>
+                        <a:t>{</a:t>
+                      </a:r>
+                      <a:r>
+                        <a:rPr lang="en-US" altLang="zh-CN" sz="1200" b="0" dirty="0" err="1" smtClean="0">
+                          <a:solidFill>
+                            <a:schemeClr val="dk1"/>
+                          </a:solidFill>
+                          <a:latin typeface="+mn-lt"/>
+                          <a:ea typeface="+mn-ea"/>
+                        </a:rPr>
+                        <a:t>land_owner</a:t>
+                      </a:r>
+                      <a:r>
+                        <a:rPr lang="en-US" altLang="zh-CN" sz="1200" b="0" dirty="0" smtClean="0">
+                          <a:solidFill>
+                            <a:schemeClr val="dk1"/>
+                          </a:solidFill>
+                          <a:latin typeface="+mn-lt"/>
+                          <a:ea typeface="+mn-ea"/>
+                        </a:rPr>
+                        <a:t>}</a:t>
                       </a:r>
                       <a:endParaRPr sz="1200" b="0" dirty="0">
                         <a:solidFill>
@@ -8600,14 +8994,14 @@
           <p:nvPr>
             <p:extLst>
               <p:ext uri="{D42A27DB-BD31-4B8C-83A1-F6EECF244321}">
-                <p14:modId xmlns:p14="http://schemas.microsoft.com/office/powerpoint/2010/main" val="3288844439"/>
+                <p14:modId xmlns:p14="http://schemas.microsoft.com/office/powerpoint/2010/main" val="346521714"/>
               </p:ext>
             </p:extLst>
           </p:nvPr>
         </p:nvGraphicFramePr>
         <p:xfrm>
           <a:off x="231206" y="4437112"/>
-          <a:ext cx="4628828" cy="1512172"/>
+          <a:ext cx="4628828" cy="1749505"/>
         </p:xfrm>
         <a:graphic>
           <a:graphicData uri="http://schemas.openxmlformats.org/drawingml/2006/table">
@@ -8711,29 +9105,8 @@
                     <a:p>
                       <a:pPr algn="ctr"/>
                       <a:r>
-                        <a:rPr sz="1200"/>
+                        <a:rPr sz="1200" dirty="0" err="1"/>
                         <a:t>截止时间</a:t>
-                      </a:r>
-                      <a:endParaRPr sz="1200" b="0">
-                        <a:solidFill>
-                          <a:srgbClr val="3A4043"/>
-                        </a:solidFill>
-                        <a:latin typeface="楷体" panose="02010609060101010101" charset="-122"/>
-                        <a:ea typeface="楷体" panose="02010609060101010101" charset="-122"/>
-                      </a:endParaRPr>
-                    </a:p>
-                  </a:txBody>
-                  <a:tcPr marL="91445" marR="91445" marT="45697" marB="45697" anchor="ctr"/>
-                </a:tc>
-                <a:tc>
-                  <a:txBody>
-                    <a:bodyPr/>
-                    <a:lstStyle/>
-                    <a:p>
-                      <a:pPr algn="l"/>
-                      <a:r>
-                        <a:rPr sz="1200" dirty="0"/>
-                        <a:t>2019-06-24</a:t>
                       </a:r>
                       <a:endParaRPr sz="1200" b="0" dirty="0">
                         <a:solidFill>
@@ -8751,12 +9124,63 @@
                     <a:bodyPr/>
                     <a:lstStyle/>
                     <a:p>
+                      <a:pPr algn="l"/>
+                      <a:r>
+                        <a:rPr lang="en-US" altLang="zh-CN" sz="1200" kern="1200" dirty="0" smtClean="0">
+                          <a:solidFill>
+                            <a:schemeClr val="dk1"/>
+                          </a:solidFill>
+                          <a:latin typeface="+mn-lt"/>
+                          <a:ea typeface="+mn-ea"/>
+                          <a:cs typeface="+mn-cs"/>
+                        </a:rPr>
+                        <a:t>{</a:t>
+                      </a:r>
+                      <a:r>
+                        <a:rPr lang="en-US" altLang="zh-CN" sz="1200" kern="1200" dirty="0" err="1" smtClean="0">
+                          <a:solidFill>
+                            <a:schemeClr val="dk1"/>
+                          </a:solidFill>
+                          <a:latin typeface="+mn-lt"/>
+                          <a:ea typeface="+mn-ea"/>
+                          <a:cs typeface="+mn-cs"/>
+                        </a:rPr>
+                        <a:t>open_end_time</a:t>
+                      </a:r>
+                      <a:r>
+                        <a:rPr lang="en-US" altLang="zh-CN" sz="1200" kern="1200" dirty="0" smtClean="0">
+                          <a:solidFill>
+                            <a:schemeClr val="dk1"/>
+                          </a:solidFill>
+                          <a:latin typeface="+mn-lt"/>
+                          <a:ea typeface="+mn-ea"/>
+                          <a:cs typeface="+mn-cs"/>
+                        </a:rPr>
+                        <a:t>}</a:t>
+                      </a:r>
+                      <a:endParaRPr sz="1200" kern="1200" dirty="0">
+                        <a:solidFill>
+                          <a:schemeClr val="dk1"/>
+                        </a:solidFill>
+                        <a:latin typeface="+mn-lt"/>
+                        <a:ea typeface="+mn-ea"/>
+                        <a:cs typeface="+mn-cs"/>
+                      </a:endParaRPr>
+                    </a:p>
+                  </a:txBody>
+                  <a:tcPr marL="91445" marR="91445" marT="45697" marB="45697" anchor="ctr"/>
+                </a:tc>
+                <a:tc>
+                  <a:txBody>
+                    <a:bodyPr/>
+                    <a:lstStyle/>
+                    <a:p>
                       <a:pPr algn="ctr"/>
                       <a:r>
-                        <a:rPr sz="1200"/>
+                        <a:rPr sz="1200" dirty="0" err="1"/>
                         <a:t>保证金</a:t>
                       </a:r>
-                      <a:endParaRPr sz="1200" b="0">
+                      <a:endParaRPr sz="1200" b="0" dirty="0">
                         <a:solidFill>
                           <a:srgbClr val="3A4043"/>
                         </a:solidFill>
@@ -8774,10 +9198,46 @@
                     <a:p>
                       <a:pPr algn="l"/>
                       <a:r>
-                        <a:rPr sz="1200"/>
-                        <a:t>227100</a:t>
-                      </a:r>
-                      <a:endParaRPr sz="1200" b="0">
+                        <a:rPr lang="en-US" altLang="zh-CN" sz="1200" b="0" dirty="0" smtClean="0">
+                          <a:solidFill>
+                            <a:schemeClr val="dk1"/>
+                          </a:solidFill>
+                          <a:latin typeface="+mn-lt"/>
+                          <a:ea typeface="+mn-ea"/>
+                        </a:rPr>
+                        <a:t>{</a:t>
+                      </a:r>
+                      <a:r>
+                        <a:rPr lang="en-US" altLang="zh-CN" sz="1200" b="0" dirty="0" err="1" smtClean="0">
+                          <a:solidFill>
+                            <a:schemeClr val="dk1"/>
+                          </a:solidFill>
+                          <a:latin typeface="+mn-lt"/>
+                          <a:ea typeface="+mn-ea"/>
+                        </a:rPr>
+                        <a:t>cash_deposit</a:t>
+                      </a:r>
+                      <a:r>
+                        <a:rPr lang="en-US" altLang="zh-CN" sz="1200" b="0" dirty="0" smtClean="0">
+                          <a:solidFill>
+                            <a:schemeClr val="dk1"/>
+                          </a:solidFill>
+                          <a:latin typeface="+mn-lt"/>
+                          <a:ea typeface="+mn-ea"/>
+                        </a:rPr>
+                        <a:t>}</a:t>
+                      </a:r>
+                      <a:r>
+                        <a:rPr lang="zh-CN" altLang="en-US" sz="1200" b="0" dirty="0" smtClean="0">
+                          <a:solidFill>
+                            <a:schemeClr val="dk1"/>
+                          </a:solidFill>
+                          <a:latin typeface="+mn-lt"/>
+                          <a:ea typeface="+mn-ea"/>
+                        </a:rPr>
+                        <a:t>万元</a:t>
+                      </a:r>
+                      <a:endParaRPr sz="1200" b="0" dirty="0">
                         <a:solidFill>
                           <a:srgbClr val="3A4043"/>
                         </a:solidFill>
@@ -8823,8 +9283,16 @@
                     <a:p>
                       <a:pPr algn="l"/>
                       <a:r>
-                        <a:rPr sz="1200" dirty="0"/>
-                        <a:t>2019-05-24</a:t>
+                        <a:rPr lang="en-US" altLang="zh-CN" sz="1200" dirty="0" smtClean="0"/>
+                        <a:t>{</a:t>
+                      </a:r>
+                      <a:r>
+                        <a:rPr lang="en-US" altLang="zh-CN" sz="1200" dirty="0" err="1" smtClean="0"/>
+                        <a:t>publish_time</a:t>
+                      </a:r>
+                      <a:r>
+                        <a:rPr lang="en-US" altLang="zh-CN" sz="1200" dirty="0" smtClean="0"/>
+                        <a:t>}</a:t>
                       </a:r>
                       <a:endParaRPr sz="1200" b="0" dirty="0">
                         <a:solidFill>
@@ -8844,29 +9312,8 @@
                     <a:p>
                       <a:pPr algn="ctr"/>
                       <a:r>
-                        <a:rPr sz="1200"/>
+                        <a:rPr sz="1200" dirty="0" err="1"/>
                         <a:t>起始时间</a:t>
-                      </a:r>
-                      <a:endParaRPr sz="1200" b="0">
-                        <a:solidFill>
-                          <a:srgbClr val="3A4043"/>
-                        </a:solidFill>
-                        <a:latin typeface="楷体" panose="02010609060101010101" charset="-122"/>
-                        <a:ea typeface="楷体" panose="02010609060101010101" charset="-122"/>
-                      </a:endParaRPr>
-                    </a:p>
-                  </a:txBody>
-                  <a:tcPr marL="91445" marR="91445" marT="45697" marB="45697" anchor="ctr"/>
-                </a:tc>
-                <a:tc>
-                  <a:txBody>
-                    <a:bodyPr/>
-                    <a:lstStyle/>
-                    <a:p>
-                      <a:pPr algn="l"/>
-                      <a:r>
-                        <a:rPr sz="1200" dirty="0"/>
-                        <a:t>2019-06-14</a:t>
                       </a:r>
                       <a:endParaRPr sz="1200" b="0" dirty="0">
                         <a:solidFill>
@@ -8879,6 +9326,35 @@
                   </a:txBody>
                   <a:tcPr marL="91445" marR="91445" marT="45697" marB="45697" anchor="ctr"/>
                 </a:tc>
+                <a:tc>
+                  <a:txBody>
+                    <a:bodyPr/>
+                    <a:lstStyle/>
+                    <a:p>
+                      <a:pPr algn="l"/>
+                      <a:r>
+                        <a:rPr lang="en-US" altLang="zh-CN" sz="1200" dirty="0" smtClean="0"/>
+                        <a:t>{</a:t>
+                      </a:r>
+                      <a:r>
+                        <a:rPr lang="en-US" altLang="zh-CN" sz="1200" dirty="0" err="1" smtClean="0"/>
+                        <a:t>open_start_time</a:t>
+                      </a:r>
+                      <a:r>
+                        <a:rPr lang="en-US" altLang="zh-CN" sz="1200" dirty="0" smtClean="0"/>
+                        <a:t>}</a:t>
+                      </a:r>
+                      <a:endParaRPr sz="1200" b="0" dirty="0">
+                        <a:solidFill>
+                          <a:srgbClr val="3A4043"/>
+                        </a:solidFill>
+                        <a:latin typeface="楷体" panose="02010609060101010101" charset="-122"/>
+                        <a:ea typeface="楷体" panose="02010609060101010101" charset="-122"/>
+                      </a:endParaRPr>
+                    </a:p>
+                  </a:txBody>
+                  <a:tcPr marL="91445" marR="91445" marT="45697" marB="45697" anchor="ctr"/>
+                </a:tc>
                 <a:extLst>
                   <a:ext uri="{0D108BD9-81ED-4DB2-BD59-A6C34878D82A}">
                     <a16:rowId xmlns:a16="http://schemas.microsoft.com/office/drawing/2014/main" val="10002"/>
@@ -8893,10 +9369,10 @@
                     <a:p>
                       <a:pPr algn="ctr"/>
                       <a:r>
-                        <a:rPr sz="1200"/>
+                        <a:rPr sz="1200" dirty="0" err="1"/>
                         <a:t>起始价</a:t>
                       </a:r>
-                      <a:endParaRPr sz="1200" b="0">
+                      <a:endParaRPr sz="1200" b="0" dirty="0">
                         <a:solidFill>
                           <a:srgbClr val="3A4043"/>
                         </a:solidFill>
@@ -8914,10 +9390,22 @@
                     <a:p>
                       <a:pPr algn="l"/>
                       <a:r>
-                        <a:rPr sz="1200"/>
-                        <a:t>454100万元</a:t>
-                      </a:r>
-                      <a:endParaRPr sz="1200" b="0">
+                        <a:rPr lang="en-US" altLang="zh-CN" sz="1200" dirty="0" smtClean="0"/>
+                        <a:t>{</a:t>
+                      </a:r>
+                      <a:r>
+                        <a:rPr lang="en-US" altLang="zh-CN" sz="1200" dirty="0" err="1" smtClean="0"/>
+                        <a:t>starting_price</a:t>
+                      </a:r>
+                      <a:r>
+                        <a:rPr lang="en-US" altLang="zh-CN" sz="1200" dirty="0" smtClean="0"/>
+                        <a:t>}</a:t>
+                      </a:r>
+                      <a:r>
+                        <a:rPr sz="1200" dirty="0" err="1" smtClean="0"/>
+                        <a:t>万元</a:t>
+                      </a:r>
+                      <a:endParaRPr sz="1200" b="0" dirty="0">
                         <a:solidFill>
                           <a:srgbClr val="3A4043"/>
                         </a:solidFill>
@@ -8935,15 +9423,23 @@
                     <a:p>
                       <a:pPr algn="ctr"/>
                       <a:r>
-                        <a:rPr sz="1200"/>
-                        <a:t>推出楼面价</a:t>
-                      </a:r>
-                      <a:endParaRPr sz="1200" b="0">
+                        <a:rPr lang="zh-CN" altLang="en-US" sz="1200" kern="1200" dirty="0" smtClean="0">
+                          <a:solidFill>
+                            <a:schemeClr val="dk1"/>
+                          </a:solidFill>
+                          <a:latin typeface="+mn-lt"/>
+                          <a:ea typeface="+mn-ea"/>
+                          <a:cs typeface="+mn-cs"/>
+                        </a:rPr>
+                        <a:t>加价幅度</a:t>
+                      </a:r>
+                      <a:endParaRPr sz="1200" kern="1200" dirty="0">
                         <a:solidFill>
-                          <a:srgbClr val="3A4043"/>
+                          <a:schemeClr val="dk1"/>
                         </a:solidFill>
-                        <a:latin typeface="楷体" panose="02010609060101010101" charset="-122"/>
-                        <a:ea typeface="楷体" panose="02010609060101010101" charset="-122"/>
+                        <a:latin typeface="+mn-lt"/>
+                        <a:ea typeface="+mn-ea"/>
+                        <a:cs typeface="+mn-cs"/>
                       </a:endParaRPr>
                     </a:p>
                   </a:txBody>
@@ -8956,15 +9452,56 @@
                     <a:p>
                       <a:pPr algn="l"/>
                       <a:r>
-                        <a:rPr sz="1200" dirty="0"/>
-                        <a:t>30620元/m²</a:t>
-                      </a:r>
-                      <a:endParaRPr sz="1200" b="0" dirty="0">
+                        <a:rPr lang="en-US" altLang="zh-CN" sz="1200" kern="1200" dirty="0" smtClean="0">
+                          <a:solidFill>
+                            <a:schemeClr val="dk1"/>
+                          </a:solidFill>
+                          <a:latin typeface="+mn-lt"/>
+                          <a:ea typeface="+mn-ea"/>
+                          <a:cs typeface="+mn-cs"/>
+                        </a:rPr>
+                        <a:t>{</a:t>
+                      </a:r>
+                      <a:r>
+                        <a:rPr lang="en-US" altLang="zh-CN" sz="1200" kern="1200" dirty="0" err="1" smtClean="0">
+                          <a:solidFill>
+                            <a:schemeClr val="dk1"/>
+                          </a:solidFill>
+                          <a:latin typeface="+mn-lt"/>
+                          <a:ea typeface="+mn-ea"/>
+                          <a:cs typeface="+mn-cs"/>
+                        </a:rPr>
+                        <a:t>price_increase</a:t>
+                      </a:r>
+                      <a:r>
+                        <a:rPr lang="en-US" altLang="zh-CN" sz="1200" kern="1200" dirty="0" smtClean="0">
+                          <a:solidFill>
+                            <a:schemeClr val="dk1"/>
+                          </a:solidFill>
+                          <a:latin typeface="+mn-lt"/>
+                          <a:ea typeface="+mn-ea"/>
+                          <a:cs typeface="+mn-cs"/>
+                        </a:rPr>
+                        <a:t>}</a:t>
+                      </a:r>
+                      <a:r>
+                        <a:rPr lang="zh-CN" altLang="en-US" sz="1200" kern="1200" dirty="0" smtClean="0">
+                          <a:solidFill>
+                            <a:schemeClr val="dk1"/>
+                          </a:solidFill>
+                          <a:latin typeface="+mn-lt"/>
+                          <a:ea typeface="+mn-ea"/>
+                          <a:cs typeface="+mn-cs"/>
+                        </a:rPr>
+                        <a:t>万元</a:t>
+                      </a:r>
+                      <a:endParaRPr sz="1200" kern="1200" dirty="0">
                         <a:solidFill>
-                          <a:srgbClr val="3A4043"/>
+                          <a:schemeClr val="dk1"/>
                         </a:solidFill>
-                        <a:latin typeface="楷体" panose="02010609060101010101" charset="-122"/>
-                        <a:ea typeface="楷体" panose="02010609060101010101" charset="-122"/>
+                        <a:latin typeface="+mn-lt"/>
+                        <a:ea typeface="+mn-ea"/>
+                        <a:cs typeface="+mn-cs"/>
                       </a:endParaRPr>
                     </a:p>
                   </a:txBody>

--- a/helloWorld/ppt_template/diyun_land_report_template.pptx
+++ b/helloWorld/ppt_template/diyun_land_report_template.pptx
@@ -11744,7 +11744,7 @@
         </p:nvGrpSpPr>
         <p:grpSpPr bwMode="auto">
           <a:xfrm>
-            <a:off x="251520" y="715962"/>
+            <a:off x="35496" y="620688"/>
             <a:ext cx="4800411" cy="5161309"/>
             <a:chOff x="-35153" y="591210"/>
             <a:chExt cx="5047488" cy="5426049"/>
@@ -13377,1707 +13377,6 @@
           </p:txBody>
         </p:sp>
       </p:grpSp>
-      <p:graphicFrame>
-        <p:nvGraphicFramePr>
-          <p:cNvPr id="39" name="New Table">
-            <a:extLst>
-              <a:ext uri="{FF2B5EF4-FFF2-40B4-BE49-F238E27FC236}">
-                <a16:creationId xmlns:a16="http://schemas.microsoft.com/office/drawing/2014/main" id="{6D32B1A0-FCAD-4589-A493-BED4AB574838}"/>
-              </a:ext>
-            </a:extLst>
-          </p:cNvPr>
-          <p:cNvGraphicFramePr>
-            <a:graphicFrameLocks noGrp="1"/>
-          </p:cNvGraphicFramePr>
-          <p:nvPr>
-            <p:extLst>
-              <p:ext uri="{D42A27DB-BD31-4B8C-83A1-F6EECF244321}">
-                <p14:modId xmlns:p14="http://schemas.microsoft.com/office/powerpoint/2010/main" val="217284854"/>
-              </p:ext>
-            </p:extLst>
-          </p:nvPr>
-        </p:nvGraphicFramePr>
-        <p:xfrm>
-          <a:off x="5076056" y="652848"/>
-          <a:ext cx="3960440" cy="5248276"/>
-        </p:xfrm>
-        <a:graphic>
-          <a:graphicData uri="http://schemas.openxmlformats.org/drawingml/2006/table">
-            <a:tbl>
-              <a:tblPr>
-                <a:tableStyleId>{C083E6E3-FA7D-4D7B-A595-EF9225AFEA82}</a:tableStyleId>
-              </a:tblPr>
-              <a:tblGrid>
-                <a:gridCol w="583540">
-                  <a:extLst>
-                    <a:ext uri="{9D8B030D-6E8A-4147-A177-3AD203B41FA5}">
-                      <a16:colId xmlns:a16="http://schemas.microsoft.com/office/drawing/2014/main" val="20000"/>
-                    </a:ext>
-                  </a:extLst>
-                </a:gridCol>
-                <a:gridCol w="1080120">
-                  <a:extLst>
-                    <a:ext uri="{9D8B030D-6E8A-4147-A177-3AD203B41FA5}">
-                      <a16:colId xmlns:a16="http://schemas.microsoft.com/office/drawing/2014/main" val="20001"/>
-                    </a:ext>
-                  </a:extLst>
-                </a:gridCol>
-                <a:gridCol w="792088">
-                  <a:extLst>
-                    <a:ext uri="{9D8B030D-6E8A-4147-A177-3AD203B41FA5}">
-                      <a16:colId xmlns:a16="http://schemas.microsoft.com/office/drawing/2014/main" val="20003"/>
-                    </a:ext>
-                  </a:extLst>
-                </a:gridCol>
-                <a:gridCol w="576064">
-                  <a:extLst>
-                    <a:ext uri="{9D8B030D-6E8A-4147-A177-3AD203B41FA5}">
-                      <a16:colId xmlns:a16="http://schemas.microsoft.com/office/drawing/2014/main" val="606002429"/>
-                    </a:ext>
-                  </a:extLst>
-                </a:gridCol>
-                <a:gridCol w="928628">
-                  <a:extLst>
-                    <a:ext uri="{9D8B030D-6E8A-4147-A177-3AD203B41FA5}">
-                      <a16:colId xmlns:a16="http://schemas.microsoft.com/office/drawing/2014/main" val="4282673147"/>
-                    </a:ext>
-                  </a:extLst>
-                </a:gridCol>
-              </a:tblGrid>
-              <a:tr h="477116">
-                <a:tc>
-                  <a:txBody>
-                    <a:bodyPr/>
-                    <a:lstStyle/>
-                    <a:p>
-                      <a:pPr algn="ctr"/>
-                      <a:r>
-                        <a:rPr sz="1200" b="1" dirty="0" err="1">
-                          <a:solidFill>
-                            <a:schemeClr val="tx1">
-                              <a:lumMod val="75000"/>
-                              <a:lumOff val="25000"/>
-                            </a:schemeClr>
-                          </a:solidFill>
-                          <a:latin typeface="+mn-lt"/>
-                          <a:ea typeface="微软雅黑" panose="020B0503020204020204" pitchFamily="34" charset="-122"/>
-                        </a:rPr>
-                        <a:t>编号</a:t>
-                      </a:r>
-                      <a:endParaRPr sz="1200" b="1" dirty="0">
-                        <a:solidFill>
-                          <a:schemeClr val="tx1">
-                            <a:lumMod val="75000"/>
-                            <a:lumOff val="25000"/>
-                          </a:schemeClr>
-                        </a:solidFill>
-                        <a:latin typeface="+mn-lt"/>
-                        <a:ea typeface="微软雅黑" panose="020B0503020204020204" pitchFamily="34" charset="-122"/>
-                      </a:endParaRPr>
-                    </a:p>
-                  </a:txBody>
-                  <a:tcPr marL="91445" marR="91445" marT="45713" marB="45713" anchor="ctr"/>
-                </a:tc>
-                <a:tc>
-                  <a:txBody>
-                    <a:bodyPr/>
-                    <a:lstStyle/>
-                    <a:p>
-                      <a:pPr algn="ctr"/>
-                      <a:r>
-                        <a:rPr sz="1200" b="1" dirty="0" err="1">
-                          <a:solidFill>
-                            <a:schemeClr val="tx1">
-                              <a:lumMod val="75000"/>
-                              <a:lumOff val="25000"/>
-                            </a:schemeClr>
-                          </a:solidFill>
-                          <a:latin typeface="+mn-lt"/>
-                          <a:ea typeface="微软雅黑" panose="020B0503020204020204" pitchFamily="34" charset="-122"/>
-                        </a:rPr>
-                        <a:t>名称</a:t>
-                      </a:r>
-                      <a:endParaRPr sz="1200" b="1" dirty="0">
-                        <a:solidFill>
-                          <a:schemeClr val="tx1">
-                            <a:lumMod val="75000"/>
-                            <a:lumOff val="25000"/>
-                          </a:schemeClr>
-                        </a:solidFill>
-                        <a:latin typeface="+mn-lt"/>
-                        <a:ea typeface="微软雅黑" panose="020B0503020204020204" pitchFamily="34" charset="-122"/>
-                      </a:endParaRPr>
-                    </a:p>
-                  </a:txBody>
-                  <a:tcPr marL="91445" marR="91445" marT="45713" marB="45713" anchor="ctr"/>
-                </a:tc>
-                <a:tc>
-                  <a:txBody>
-                    <a:bodyPr/>
-                    <a:lstStyle/>
-                    <a:p>
-                      <a:pPr algn="ctr"/>
-                      <a:r>
-                        <a:rPr lang="en-US" altLang="zh-CN" sz="1200" b="1" dirty="0" err="1">
-                          <a:solidFill>
-                            <a:schemeClr val="tx1">
-                              <a:lumMod val="75000"/>
-                              <a:lumOff val="25000"/>
-                            </a:schemeClr>
-                          </a:solidFill>
-                        </a:rPr>
-                        <a:t>开盘时间</a:t>
-                      </a:r>
-                      <a:endParaRPr sz="1200" b="1" dirty="0">
-                        <a:solidFill>
-                          <a:schemeClr val="tx1">
-                            <a:lumMod val="75000"/>
-                            <a:lumOff val="25000"/>
-                          </a:schemeClr>
-                        </a:solidFill>
-                        <a:latin typeface="+mn-lt"/>
-                        <a:ea typeface="微软雅黑" panose="020B0503020204020204" pitchFamily="34" charset="-122"/>
-                      </a:endParaRPr>
-                    </a:p>
-                  </a:txBody>
-                  <a:tcPr marL="91445" marR="91445" marT="45713" marB="45713" anchor="ctr"/>
-                </a:tc>
-                <a:tc>
-                  <a:txBody>
-                    <a:bodyPr/>
-                    <a:lstStyle/>
-                    <a:p>
-                      <a:pPr algn="ctr"/>
-                      <a:r>
-                        <a:rPr lang="zh-CN" altLang="en-US" sz="1200" b="1" dirty="0">
-                          <a:solidFill>
-                            <a:schemeClr val="tx1">
-                              <a:lumMod val="75000"/>
-                              <a:lumOff val="25000"/>
-                            </a:schemeClr>
-                          </a:solidFill>
-                          <a:latin typeface="+mn-lt"/>
-                          <a:ea typeface="微软雅黑" panose="020B0503020204020204" pitchFamily="34" charset="-122"/>
-                        </a:rPr>
-                        <a:t>产品类型</a:t>
-                      </a:r>
-                      <a:endParaRPr sz="1200" b="1" dirty="0">
-                        <a:solidFill>
-                          <a:schemeClr val="tx1">
-                            <a:lumMod val="75000"/>
-                            <a:lumOff val="25000"/>
-                          </a:schemeClr>
-                        </a:solidFill>
-                        <a:latin typeface="+mn-lt"/>
-                        <a:ea typeface="微软雅黑" panose="020B0503020204020204" pitchFamily="34" charset="-122"/>
-                      </a:endParaRPr>
-                    </a:p>
-                  </a:txBody>
-                  <a:tcPr marL="91445" marR="91445" marT="45713" marB="45713" anchor="ctr"/>
-                </a:tc>
-                <a:tc>
-                  <a:txBody>
-                    <a:bodyPr/>
-                    <a:lstStyle/>
-                    <a:p>
-                      <a:pPr marL="0" marR="0" lvl="0" indent="0" algn="ctr" defTabSz="914400" rtl="0" eaLnBrk="1" fontAlgn="auto" latinLnBrk="0" hangingPunct="1">
-                        <a:lnSpc>
-                          <a:spcPct val="100000"/>
-                        </a:lnSpc>
-                        <a:spcBef>
-                          <a:spcPts val="0"/>
-                        </a:spcBef>
-                        <a:spcAft>
-                          <a:spcPts val="0"/>
-                        </a:spcAft>
-                        <a:buClrTx/>
-                        <a:buSzTx/>
-                        <a:buFontTx/>
-                        <a:buNone/>
-                        <a:tabLst/>
-                        <a:defRPr/>
-                      </a:pPr>
-                      <a:r>
-                        <a:rPr lang="en-US" altLang="zh-CN" sz="1200" b="1" dirty="0" err="1">
-                          <a:solidFill>
-                            <a:schemeClr val="tx1">
-                              <a:lumMod val="75000"/>
-                              <a:lumOff val="25000"/>
-                            </a:schemeClr>
-                          </a:solidFill>
-                        </a:rPr>
-                        <a:t>成交价格</a:t>
-                      </a:r>
-                      <a:r>
-                        <a:rPr lang="en-US" altLang="zh-CN" sz="1200" b="1" dirty="0">
-                          <a:solidFill>
-                            <a:schemeClr val="tx1">
-                              <a:lumMod val="75000"/>
-                              <a:lumOff val="25000"/>
-                            </a:schemeClr>
-                          </a:solidFill>
-                        </a:rPr>
-                        <a:t>(元/㎡)</a:t>
-                      </a:r>
-                    </a:p>
-                  </a:txBody>
-                  <a:tcPr marL="91445" marR="91445" marT="45713" marB="45713" anchor="ctr"/>
-                </a:tc>
-                <a:extLst>
-                  <a:ext uri="{0D108BD9-81ED-4DB2-BD59-A6C34878D82A}">
-                    <a16:rowId xmlns:a16="http://schemas.microsoft.com/office/drawing/2014/main" val="10000"/>
-                  </a:ext>
-                </a:extLst>
-              </a:tr>
-              <a:tr h="477116">
-                <a:tc>
-                  <a:txBody>
-                    <a:bodyPr/>
-                    <a:lstStyle/>
-                    <a:p>
-                      <a:pPr algn="ctr"/>
-                      <a:r>
-                        <a:rPr sz="1200" b="0" dirty="0">
-                          <a:solidFill>
-                            <a:schemeClr val="tx1">
-                              <a:lumMod val="75000"/>
-                              <a:lumOff val="25000"/>
-                            </a:schemeClr>
-                          </a:solidFill>
-                          <a:latin typeface="+mn-lt"/>
-                          <a:ea typeface="微软雅黑" panose="020B0503020204020204" pitchFamily="34" charset="-122"/>
-                        </a:rPr>
-                        <a:t>1</a:t>
-                      </a:r>
-                    </a:p>
-                  </a:txBody>
-                  <a:tcPr marL="91445" marR="91445" marT="45713" marB="45713" anchor="ctr">
-                    <a:solidFill>
-                      <a:srgbClr val="FFFFFF"/>
-                    </a:solidFill>
-                  </a:tcPr>
-                </a:tc>
-                <a:tc>
-                  <a:txBody>
-                    <a:bodyPr/>
-                    <a:lstStyle/>
-                    <a:p>
-                      <a:pPr marL="0" algn="ctr" defTabSz="914400" rtl="0" eaLnBrk="1" latinLnBrk="0" hangingPunct="1"/>
-                      <a:r>
-                        <a:rPr lang="en-US" sz="1200" b="0" kern="1200" dirty="0">
-                          <a:solidFill>
-                            <a:schemeClr val="tx1">
-                              <a:lumMod val="75000"/>
-                              <a:lumOff val="25000"/>
-                            </a:schemeClr>
-                          </a:solidFill>
-                          <a:latin typeface="+mn-lt"/>
-                          <a:ea typeface="微软雅黑" panose="020B0503020204020204" pitchFamily="34" charset="-122"/>
-                          <a:cs typeface="+mn-cs"/>
-                        </a:rPr>
-                        <a:t>粤海城</a:t>
-                      </a:r>
-                    </a:p>
-                  </a:txBody>
-                  <a:tcPr marL="38100" marR="38100" marT="38100" marB="38100" anchor="ctr">
-                    <a:solidFill>
-                      <a:srgbClr val="FFFFFF"/>
-                    </a:solidFill>
-                  </a:tcPr>
-                </a:tc>
-                <a:tc>
-                  <a:txBody>
-                    <a:bodyPr/>
-                    <a:lstStyle/>
-                    <a:p>
-                      <a:pPr marL="0" algn="ctr" defTabSz="914400" rtl="0" eaLnBrk="1" latinLnBrk="0" hangingPunct="1"/>
-                      <a:r>
-                        <a:rPr lang="en-US" sz="1200" b="0" kern="1200" dirty="0">
-                          <a:solidFill>
-                            <a:schemeClr val="tx1">
-                              <a:lumMod val="75000"/>
-                              <a:lumOff val="25000"/>
-                            </a:schemeClr>
-                          </a:solidFill>
-                          <a:latin typeface="+mn-lt"/>
-                          <a:ea typeface="微软雅黑" panose="020B0503020204020204" pitchFamily="34" charset="-122"/>
-                          <a:cs typeface="+mn-cs"/>
-                        </a:rPr>
-                        <a:t>2018-12-07</a:t>
-                      </a:r>
-                    </a:p>
-                  </a:txBody>
-                  <a:tcPr marL="38100" marR="38100" marT="38100" marB="38100" anchor="ctr">
-                    <a:solidFill>
-                      <a:srgbClr val="FFFFFF"/>
-                    </a:solidFill>
-                  </a:tcPr>
-                </a:tc>
-                <a:tc>
-                  <a:txBody>
-                    <a:bodyPr/>
-                    <a:lstStyle/>
-                    <a:p>
-                      <a:pPr marL="0" algn="ctr" defTabSz="914400" rtl="0" eaLnBrk="1" latinLnBrk="0" hangingPunct="1"/>
-                      <a:endParaRPr lang="en-US" sz="1200" b="0" kern="1200" dirty="0">
-                        <a:solidFill>
-                          <a:schemeClr val="tx1">
-                            <a:lumMod val="75000"/>
-                            <a:lumOff val="25000"/>
-                          </a:schemeClr>
-                        </a:solidFill>
-                        <a:latin typeface="+mn-lt"/>
-                        <a:ea typeface="微软雅黑" panose="020B0503020204020204" pitchFamily="34" charset="-122"/>
-                        <a:cs typeface="+mn-cs"/>
-                      </a:endParaRPr>
-                    </a:p>
-                  </a:txBody>
-                  <a:tcPr marL="38100" marR="38100" marT="38100" marB="38100" anchor="ctr">
-                    <a:solidFill>
-                      <a:srgbClr val="FFFFFF"/>
-                    </a:solidFill>
-                  </a:tcPr>
-                </a:tc>
-                <a:tc>
-                  <a:txBody>
-                    <a:bodyPr/>
-                    <a:lstStyle/>
-                    <a:p>
-                      <a:pPr marL="0" algn="ctr" defTabSz="914400" rtl="0" eaLnBrk="1" latinLnBrk="0" hangingPunct="1"/>
-                      <a:r>
-                        <a:rPr lang="en-US" sz="1200" b="0" kern="1200" dirty="0">
-                          <a:solidFill>
-                            <a:schemeClr val="tx1">
-                              <a:lumMod val="75000"/>
-                              <a:lumOff val="25000"/>
-                            </a:schemeClr>
-                          </a:solidFill>
-                          <a:latin typeface="+mn-lt"/>
-                          <a:ea typeface="微软雅黑" panose="020B0503020204020204" pitchFamily="34" charset="-122"/>
-                          <a:cs typeface="+mn-cs"/>
-                        </a:rPr>
-                        <a:t>--</a:t>
-                      </a:r>
-                    </a:p>
-                  </a:txBody>
-                  <a:tcPr marL="38100" marR="38100" marT="38100" marB="38100" anchor="ctr">
-                    <a:solidFill>
-                      <a:srgbClr val="FFFFFF"/>
-                    </a:solidFill>
-                  </a:tcPr>
-                </a:tc>
-                <a:extLst>
-                  <a:ext uri="{0D108BD9-81ED-4DB2-BD59-A6C34878D82A}">
-                    <a16:rowId xmlns:a16="http://schemas.microsoft.com/office/drawing/2014/main" val="10001"/>
-                  </a:ext>
-                </a:extLst>
-              </a:tr>
-              <a:tr h="477116">
-                <a:tc>
-                  <a:txBody>
-                    <a:bodyPr/>
-                    <a:lstStyle/>
-                    <a:p>
-                      <a:pPr algn="ctr"/>
-                      <a:r>
-                        <a:rPr sz="1200" b="0" dirty="0">
-                          <a:solidFill>
-                            <a:schemeClr val="tx1">
-                              <a:lumMod val="75000"/>
-                              <a:lumOff val="25000"/>
-                            </a:schemeClr>
-                          </a:solidFill>
-                          <a:latin typeface="+mn-lt"/>
-                          <a:ea typeface="微软雅黑" panose="020B0503020204020204" pitchFamily="34" charset="-122"/>
-                        </a:rPr>
-                        <a:t>2</a:t>
-                      </a:r>
-                    </a:p>
-                  </a:txBody>
-                  <a:tcPr marL="91445" marR="91445" marT="45713" marB="45713" anchor="ctr">
-                    <a:solidFill>
-                      <a:srgbClr val="F6F7F9"/>
-                    </a:solidFill>
-                  </a:tcPr>
-                </a:tc>
-                <a:tc>
-                  <a:txBody>
-                    <a:bodyPr/>
-                    <a:lstStyle/>
-                    <a:p>
-                      <a:pPr marL="0" algn="ctr" defTabSz="914400" rtl="0" eaLnBrk="1" latinLnBrk="0" hangingPunct="1"/>
-                      <a:r>
-                        <a:rPr lang="en-US" sz="1200" b="0" kern="1200" dirty="0">
-                          <a:solidFill>
-                            <a:schemeClr val="tx1">
-                              <a:lumMod val="75000"/>
-                              <a:lumOff val="25000"/>
-                            </a:schemeClr>
-                          </a:solidFill>
-                          <a:latin typeface="+mn-lt"/>
-                          <a:ea typeface="微软雅黑" panose="020B0503020204020204" pitchFamily="34" charset="-122"/>
-                          <a:cs typeface="+mn-cs"/>
-                        </a:rPr>
-                        <a:t>实地剑兰郡</a:t>
-                      </a:r>
-                    </a:p>
-                  </a:txBody>
-                  <a:tcPr marL="38100" marR="38100" marT="38100" marB="38100" anchor="ctr">
-                    <a:solidFill>
-                      <a:srgbClr val="F6F7F9"/>
-                    </a:solidFill>
-                  </a:tcPr>
-                </a:tc>
-                <a:tc>
-                  <a:txBody>
-                    <a:bodyPr/>
-                    <a:lstStyle/>
-                    <a:p>
-                      <a:pPr marL="0" algn="ctr" defTabSz="914400" rtl="0" eaLnBrk="1" latinLnBrk="0" hangingPunct="1"/>
-                      <a:r>
-                        <a:rPr lang="en-US" sz="1200" b="0" kern="1200" dirty="0">
-                          <a:solidFill>
-                            <a:schemeClr val="tx1">
-                              <a:lumMod val="75000"/>
-                              <a:lumOff val="25000"/>
-                            </a:schemeClr>
-                          </a:solidFill>
-                          <a:latin typeface="+mn-lt"/>
-                          <a:ea typeface="微软雅黑" panose="020B0503020204020204" pitchFamily="34" charset="-122"/>
-                          <a:cs typeface="+mn-cs"/>
-                        </a:rPr>
-                        <a:t>2018-10-08</a:t>
-                      </a:r>
-                    </a:p>
-                  </a:txBody>
-                  <a:tcPr marL="38100" marR="38100" marT="38100" marB="38100" anchor="ctr">
-                    <a:solidFill>
-                      <a:srgbClr val="F6F7F9"/>
-                    </a:solidFill>
-                  </a:tcPr>
-                </a:tc>
-                <a:tc>
-                  <a:txBody>
-                    <a:bodyPr/>
-                    <a:lstStyle/>
-                    <a:p>
-                      <a:pPr marL="0" algn="ctr" defTabSz="914400" rtl="0" eaLnBrk="1" latinLnBrk="0" hangingPunct="1"/>
-                      <a:r>
-                        <a:rPr lang="en-US" sz="1200" b="0" kern="1200" dirty="0">
-                          <a:solidFill>
-                            <a:schemeClr val="tx1">
-                              <a:lumMod val="75000"/>
-                              <a:lumOff val="25000"/>
-                            </a:schemeClr>
-                          </a:solidFill>
-                          <a:latin typeface="+mn-lt"/>
-                          <a:ea typeface="微软雅黑" panose="020B0503020204020204" pitchFamily="34" charset="-122"/>
-                          <a:cs typeface="+mn-cs"/>
-                        </a:rPr>
-                        <a:t>板楼</a:t>
-                      </a:r>
-                    </a:p>
-                  </a:txBody>
-                  <a:tcPr marL="38100" marR="38100" marT="38100" marB="38100" anchor="ctr">
-                    <a:solidFill>
-                      <a:srgbClr val="F6F7F9"/>
-                    </a:solidFill>
-                  </a:tcPr>
-                </a:tc>
-                <a:tc>
-                  <a:txBody>
-                    <a:bodyPr/>
-                    <a:lstStyle/>
-                    <a:p>
-                      <a:pPr marL="0" algn="ctr" defTabSz="914400" rtl="0" eaLnBrk="1" latinLnBrk="0" hangingPunct="1"/>
-                      <a:r>
-                        <a:rPr lang="en-US" sz="1200" b="0" kern="1200" dirty="0">
-                          <a:solidFill>
-                            <a:schemeClr val="tx1">
-                              <a:lumMod val="75000"/>
-                              <a:lumOff val="25000"/>
-                            </a:schemeClr>
-                          </a:solidFill>
-                          <a:latin typeface="+mn-lt"/>
-                          <a:ea typeface="微软雅黑" panose="020B0503020204020204" pitchFamily="34" charset="-122"/>
-                          <a:cs typeface="+mn-cs"/>
-                        </a:rPr>
-                        <a:t>73638.73</a:t>
-                      </a:r>
-                    </a:p>
-                  </a:txBody>
-                  <a:tcPr marL="38100" marR="38100" marT="38100" marB="38100" anchor="ctr">
-                    <a:solidFill>
-                      <a:srgbClr val="F6F7F9"/>
-                    </a:solidFill>
-                  </a:tcPr>
-                </a:tc>
-                <a:extLst>
-                  <a:ext uri="{0D108BD9-81ED-4DB2-BD59-A6C34878D82A}">
-                    <a16:rowId xmlns:a16="http://schemas.microsoft.com/office/drawing/2014/main" val="10002"/>
-                  </a:ext>
-                </a:extLst>
-              </a:tr>
-              <a:tr h="477116">
-                <a:tc>
-                  <a:txBody>
-                    <a:bodyPr/>
-                    <a:lstStyle/>
-                    <a:p>
-                      <a:pPr algn="ctr"/>
-                      <a:r>
-                        <a:rPr sz="1200" b="0" dirty="0">
-                          <a:solidFill>
-                            <a:schemeClr val="tx1">
-                              <a:lumMod val="75000"/>
-                              <a:lumOff val="25000"/>
-                            </a:schemeClr>
-                          </a:solidFill>
-                          <a:latin typeface="+mn-lt"/>
-                          <a:ea typeface="微软雅黑" panose="020B0503020204020204" pitchFamily="34" charset="-122"/>
-                        </a:rPr>
-                        <a:t>3</a:t>
-                      </a:r>
-                    </a:p>
-                  </a:txBody>
-                  <a:tcPr marL="91445" marR="91445" marT="45713" marB="45713" anchor="ctr">
-                    <a:solidFill>
-                      <a:srgbClr val="FFFFFF"/>
-                    </a:solidFill>
-                  </a:tcPr>
-                </a:tc>
-                <a:tc>
-                  <a:txBody>
-                    <a:bodyPr/>
-                    <a:lstStyle/>
-                    <a:p>
-                      <a:pPr marL="0" algn="ctr" defTabSz="914400" rtl="0" eaLnBrk="1" latinLnBrk="0" hangingPunct="1"/>
-                      <a:r>
-                        <a:rPr lang="en-US" sz="1200" b="0" kern="1200" dirty="0">
-                          <a:solidFill>
-                            <a:schemeClr val="tx1">
-                              <a:lumMod val="75000"/>
-                              <a:lumOff val="25000"/>
-                            </a:schemeClr>
-                          </a:solidFill>
-                          <a:latin typeface="+mn-lt"/>
-                          <a:ea typeface="微软雅黑" panose="020B0503020204020204" pitchFamily="34" charset="-122"/>
-                          <a:cs typeface="+mn-cs"/>
-                        </a:rPr>
-                        <a:t>深业泰富广场</a:t>
-                      </a:r>
-                    </a:p>
-                  </a:txBody>
-                  <a:tcPr marL="38100" marR="38100" marT="38100" marB="38100" anchor="ctr">
-                    <a:solidFill>
-                      <a:srgbClr val="FFFFFF"/>
-                    </a:solidFill>
-                  </a:tcPr>
-                </a:tc>
-                <a:tc>
-                  <a:txBody>
-                    <a:bodyPr/>
-                    <a:lstStyle/>
-                    <a:p>
-                      <a:pPr marL="0" algn="ctr" defTabSz="914400" rtl="0" eaLnBrk="1" latinLnBrk="0" hangingPunct="1"/>
-                      <a:r>
-                        <a:rPr lang="en-US" sz="1200" b="0" kern="1200" dirty="0">
-                          <a:solidFill>
-                            <a:schemeClr val="tx1">
-                              <a:lumMod val="75000"/>
-                              <a:lumOff val="25000"/>
-                            </a:schemeClr>
-                          </a:solidFill>
-                          <a:latin typeface="+mn-lt"/>
-                          <a:ea typeface="微软雅黑" panose="020B0503020204020204" pitchFamily="34" charset="-122"/>
-                          <a:cs typeface="+mn-cs"/>
-                        </a:rPr>
-                        <a:t>2018-09-28</a:t>
-                      </a:r>
-                    </a:p>
-                  </a:txBody>
-                  <a:tcPr marL="38100" marR="38100" marT="38100" marB="38100" anchor="ctr">
-                    <a:solidFill>
-                      <a:srgbClr val="FFFFFF"/>
-                    </a:solidFill>
-                  </a:tcPr>
-                </a:tc>
-                <a:tc>
-                  <a:txBody>
-                    <a:bodyPr/>
-                    <a:lstStyle/>
-                    <a:p>
-                      <a:pPr marL="0" algn="ctr" defTabSz="914400" rtl="0" eaLnBrk="1" latinLnBrk="0" hangingPunct="1"/>
-                      <a:endParaRPr lang="en-US" sz="1200" b="0" kern="1200" dirty="0">
-                        <a:solidFill>
-                          <a:schemeClr val="tx1">
-                            <a:lumMod val="75000"/>
-                            <a:lumOff val="25000"/>
-                          </a:schemeClr>
-                        </a:solidFill>
-                        <a:latin typeface="+mn-lt"/>
-                        <a:ea typeface="微软雅黑" panose="020B0503020204020204" pitchFamily="34" charset="-122"/>
-                        <a:cs typeface="+mn-cs"/>
-                      </a:endParaRPr>
-                    </a:p>
-                  </a:txBody>
-                  <a:tcPr marL="38100" marR="38100" marT="38100" marB="38100" anchor="ctr">
-                    <a:solidFill>
-                      <a:srgbClr val="FFFFFF"/>
-                    </a:solidFill>
-                  </a:tcPr>
-                </a:tc>
-                <a:tc>
-                  <a:txBody>
-                    <a:bodyPr/>
-                    <a:lstStyle/>
-                    <a:p>
-                      <a:pPr marL="0" algn="ctr" defTabSz="914400" rtl="0" eaLnBrk="1" latinLnBrk="0" hangingPunct="1"/>
-                      <a:r>
-                        <a:rPr lang="en-US" sz="1200" b="0" kern="1200" dirty="0">
-                          <a:solidFill>
-                            <a:schemeClr val="tx1">
-                              <a:lumMod val="75000"/>
-                              <a:lumOff val="25000"/>
-                            </a:schemeClr>
-                          </a:solidFill>
-                          <a:latin typeface="+mn-lt"/>
-                          <a:ea typeface="微软雅黑" panose="020B0503020204020204" pitchFamily="34" charset="-122"/>
-                          <a:cs typeface="+mn-cs"/>
-                        </a:rPr>
-                        <a:t>--</a:t>
-                      </a:r>
-                    </a:p>
-                  </a:txBody>
-                  <a:tcPr marL="38100" marR="38100" marT="38100" marB="38100" anchor="ctr">
-                    <a:solidFill>
-                      <a:srgbClr val="FFFFFF"/>
-                    </a:solidFill>
-                  </a:tcPr>
-                </a:tc>
-                <a:extLst>
-                  <a:ext uri="{0D108BD9-81ED-4DB2-BD59-A6C34878D82A}">
-                    <a16:rowId xmlns:a16="http://schemas.microsoft.com/office/drawing/2014/main" val="10003"/>
-                  </a:ext>
-                </a:extLst>
-              </a:tr>
-              <a:tr h="477116">
-                <a:tc>
-                  <a:txBody>
-                    <a:bodyPr/>
-                    <a:lstStyle/>
-                    <a:p>
-                      <a:pPr algn="ctr"/>
-                      <a:r>
-                        <a:rPr sz="1200" b="0">
-                          <a:solidFill>
-                            <a:schemeClr val="tx1">
-                              <a:lumMod val="75000"/>
-                              <a:lumOff val="25000"/>
-                            </a:schemeClr>
-                          </a:solidFill>
-                          <a:latin typeface="+mn-lt"/>
-                          <a:ea typeface="微软雅黑" panose="020B0503020204020204" pitchFamily="34" charset="-122"/>
-                        </a:rPr>
-                        <a:t>4</a:t>
-                      </a:r>
-                    </a:p>
-                  </a:txBody>
-                  <a:tcPr marL="91445" marR="91445" marT="45713" marB="45713" anchor="ctr">
-                    <a:solidFill>
-                      <a:srgbClr val="F6F7F9"/>
-                    </a:solidFill>
-                  </a:tcPr>
-                </a:tc>
-                <a:tc>
-                  <a:txBody>
-                    <a:bodyPr/>
-                    <a:lstStyle/>
-                    <a:p>
-                      <a:pPr marL="0" algn="ctr" defTabSz="914400" rtl="0" eaLnBrk="1" latinLnBrk="0" hangingPunct="1"/>
-                      <a:r>
-                        <a:rPr lang="en-US" sz="1200" b="0" kern="1200" dirty="0">
-                          <a:solidFill>
-                            <a:schemeClr val="tx1">
-                              <a:lumMod val="75000"/>
-                              <a:lumOff val="25000"/>
-                            </a:schemeClr>
-                          </a:solidFill>
-                          <a:latin typeface="+mn-lt"/>
-                          <a:ea typeface="微软雅黑" panose="020B0503020204020204" pitchFamily="34" charset="-122"/>
-                          <a:cs typeface="+mn-cs"/>
-                        </a:rPr>
-                        <a:t>阳光城天悦</a:t>
-                      </a:r>
-                    </a:p>
-                  </a:txBody>
-                  <a:tcPr marL="38100" marR="38100" marT="38100" marB="38100" anchor="ctr">
-                    <a:solidFill>
-                      <a:srgbClr val="F6F7F9"/>
-                    </a:solidFill>
-                  </a:tcPr>
-                </a:tc>
-                <a:tc>
-                  <a:txBody>
-                    <a:bodyPr/>
-                    <a:lstStyle/>
-                    <a:p>
-                      <a:pPr marL="0" algn="ctr" defTabSz="914400" rtl="0" eaLnBrk="1" latinLnBrk="0" hangingPunct="1"/>
-                      <a:r>
-                        <a:rPr lang="en-US" sz="1200" b="0" kern="1200" dirty="0">
-                          <a:solidFill>
-                            <a:schemeClr val="tx1">
-                              <a:lumMod val="75000"/>
-                              <a:lumOff val="25000"/>
-                            </a:schemeClr>
-                          </a:solidFill>
-                          <a:latin typeface="+mn-lt"/>
-                          <a:ea typeface="微软雅黑" panose="020B0503020204020204" pitchFamily="34" charset="-122"/>
-                          <a:cs typeface="+mn-cs"/>
-                        </a:rPr>
-                        <a:t>2018-10-08</a:t>
-                      </a:r>
-                    </a:p>
-                  </a:txBody>
-                  <a:tcPr marL="38100" marR="38100" marT="38100" marB="38100" anchor="ctr">
-                    <a:solidFill>
-                      <a:srgbClr val="F6F7F9"/>
-                    </a:solidFill>
-                  </a:tcPr>
-                </a:tc>
-                <a:tc>
-                  <a:txBody>
-                    <a:bodyPr/>
-                    <a:lstStyle/>
-                    <a:p>
-                      <a:pPr marL="0" algn="ctr" defTabSz="914400" rtl="0" eaLnBrk="1" latinLnBrk="0" hangingPunct="1"/>
-                      <a:r>
-                        <a:rPr lang="en-US" sz="1200" b="0" kern="1200" dirty="0">
-                          <a:solidFill>
-                            <a:schemeClr val="tx1">
-                              <a:lumMod val="75000"/>
-                              <a:lumOff val="25000"/>
-                            </a:schemeClr>
-                          </a:solidFill>
-                          <a:latin typeface="+mn-lt"/>
-                          <a:ea typeface="微软雅黑" panose="020B0503020204020204" pitchFamily="34" charset="-122"/>
-                          <a:cs typeface="+mn-cs"/>
-                        </a:rPr>
-                        <a:t>板塔结合</a:t>
-                      </a:r>
-                    </a:p>
-                  </a:txBody>
-                  <a:tcPr marL="38100" marR="38100" marT="38100" marB="38100" anchor="ctr">
-                    <a:solidFill>
-                      <a:srgbClr val="F6F7F9"/>
-                    </a:solidFill>
-                  </a:tcPr>
-                </a:tc>
-                <a:tc>
-                  <a:txBody>
-                    <a:bodyPr/>
-                    <a:lstStyle/>
-                    <a:p>
-                      <a:pPr marL="0" algn="ctr" defTabSz="914400" rtl="0" eaLnBrk="1" latinLnBrk="0" hangingPunct="1"/>
-                      <a:r>
-                        <a:rPr lang="en-US" sz="1200" b="0" kern="1200" dirty="0">
-                          <a:solidFill>
-                            <a:schemeClr val="tx1">
-                              <a:lumMod val="75000"/>
-                              <a:lumOff val="25000"/>
-                            </a:schemeClr>
-                          </a:solidFill>
-                          <a:latin typeface="+mn-lt"/>
-                          <a:ea typeface="微软雅黑" panose="020B0503020204020204" pitchFamily="34" charset="-122"/>
-                          <a:cs typeface="+mn-cs"/>
-                        </a:rPr>
-                        <a:t>--</a:t>
-                      </a:r>
-                    </a:p>
-                  </a:txBody>
-                  <a:tcPr marL="38100" marR="38100" marT="38100" marB="38100" anchor="ctr">
-                    <a:solidFill>
-                      <a:srgbClr val="F6F7F9"/>
-                    </a:solidFill>
-                  </a:tcPr>
-                </a:tc>
-                <a:extLst>
-                  <a:ext uri="{0D108BD9-81ED-4DB2-BD59-A6C34878D82A}">
-                    <a16:rowId xmlns:a16="http://schemas.microsoft.com/office/drawing/2014/main" val="10004"/>
-                  </a:ext>
-                </a:extLst>
-              </a:tr>
-              <a:tr h="477116">
-                <a:tc>
-                  <a:txBody>
-                    <a:bodyPr/>
-                    <a:lstStyle/>
-                    <a:p>
-                      <a:pPr algn="ctr"/>
-                      <a:r>
-                        <a:rPr sz="1200" b="0">
-                          <a:solidFill>
-                            <a:schemeClr val="tx1">
-                              <a:lumMod val="75000"/>
-                              <a:lumOff val="25000"/>
-                            </a:schemeClr>
-                          </a:solidFill>
-                          <a:latin typeface="+mn-lt"/>
-                          <a:ea typeface="微软雅黑" panose="020B0503020204020204" pitchFamily="34" charset="-122"/>
-                        </a:rPr>
-                        <a:t>5</a:t>
-                      </a:r>
-                    </a:p>
-                  </a:txBody>
-                  <a:tcPr marL="91445" marR="91445" marT="45713" marB="45713" anchor="ctr">
-                    <a:solidFill>
-                      <a:srgbClr val="FFFFFF"/>
-                    </a:solidFill>
-                  </a:tcPr>
-                </a:tc>
-                <a:tc>
-                  <a:txBody>
-                    <a:bodyPr/>
-                    <a:lstStyle/>
-                    <a:p>
-                      <a:pPr marL="0" algn="ctr" defTabSz="914400" rtl="0" eaLnBrk="1" latinLnBrk="0" hangingPunct="1"/>
-                      <a:r>
-                        <a:rPr lang="en-US" sz="1200" b="0" kern="1200" dirty="0">
-                          <a:solidFill>
-                            <a:schemeClr val="tx1">
-                              <a:lumMod val="75000"/>
-                              <a:lumOff val="25000"/>
-                            </a:schemeClr>
-                          </a:solidFill>
-                          <a:latin typeface="+mn-lt"/>
-                          <a:ea typeface="微软雅黑" panose="020B0503020204020204" pitchFamily="34" charset="-122"/>
-                          <a:cs typeface="+mn-cs"/>
-                        </a:rPr>
-                        <a:t>国速中心</a:t>
-                      </a:r>
-                    </a:p>
-                  </a:txBody>
-                  <a:tcPr marL="38100" marR="38100" marT="38100" marB="38100" anchor="ctr">
-                    <a:solidFill>
-                      <a:srgbClr val="FFFFFF"/>
-                    </a:solidFill>
-                  </a:tcPr>
-                </a:tc>
-                <a:tc>
-                  <a:txBody>
-                    <a:bodyPr/>
-                    <a:lstStyle/>
-                    <a:p>
-                      <a:pPr marL="0" algn="ctr" defTabSz="914400" rtl="0" eaLnBrk="1" latinLnBrk="0" hangingPunct="1"/>
-                      <a:r>
-                        <a:rPr lang="en-US" sz="1200" b="0" kern="1200" dirty="0">
-                          <a:solidFill>
-                            <a:schemeClr val="tx1">
-                              <a:lumMod val="75000"/>
-                              <a:lumOff val="25000"/>
-                            </a:schemeClr>
-                          </a:solidFill>
-                          <a:latin typeface="+mn-lt"/>
-                          <a:ea typeface="微软雅黑" panose="020B0503020204020204" pitchFamily="34" charset="-122"/>
-                          <a:cs typeface="+mn-cs"/>
-                        </a:rPr>
-                        <a:t>2018-10-01</a:t>
-                      </a:r>
-                    </a:p>
-                  </a:txBody>
-                  <a:tcPr marL="38100" marR="38100" marT="38100" marB="38100" anchor="ctr">
-                    <a:solidFill>
-                      <a:srgbClr val="FFFFFF"/>
-                    </a:solidFill>
-                  </a:tcPr>
-                </a:tc>
-                <a:tc>
-                  <a:txBody>
-                    <a:bodyPr/>
-                    <a:lstStyle/>
-                    <a:p>
-                      <a:pPr marL="0" algn="ctr" defTabSz="914400" rtl="0" eaLnBrk="1" latinLnBrk="0" hangingPunct="1"/>
-                      <a:endParaRPr lang="en-US" sz="1200" b="0" kern="1200" dirty="0">
-                        <a:solidFill>
-                          <a:schemeClr val="tx1">
-                            <a:lumMod val="75000"/>
-                            <a:lumOff val="25000"/>
-                          </a:schemeClr>
-                        </a:solidFill>
-                        <a:latin typeface="+mn-lt"/>
-                        <a:ea typeface="微软雅黑" panose="020B0503020204020204" pitchFamily="34" charset="-122"/>
-                        <a:cs typeface="+mn-cs"/>
-                      </a:endParaRPr>
-                    </a:p>
-                  </a:txBody>
-                  <a:tcPr marL="38100" marR="38100" marT="38100" marB="38100" anchor="ctr">
-                    <a:solidFill>
-                      <a:srgbClr val="FFFFFF"/>
-                    </a:solidFill>
-                  </a:tcPr>
-                </a:tc>
-                <a:tc>
-                  <a:txBody>
-                    <a:bodyPr/>
-                    <a:lstStyle/>
-                    <a:p>
-                      <a:pPr marL="0" algn="ctr" defTabSz="914400" rtl="0" eaLnBrk="1" latinLnBrk="0" hangingPunct="1"/>
-                      <a:r>
-                        <a:rPr lang="en-US" sz="1200" b="0" kern="1200" dirty="0">
-                          <a:solidFill>
-                            <a:schemeClr val="tx1">
-                              <a:lumMod val="75000"/>
-                              <a:lumOff val="25000"/>
-                            </a:schemeClr>
-                          </a:solidFill>
-                          <a:latin typeface="+mn-lt"/>
-                          <a:ea typeface="微软雅黑" panose="020B0503020204020204" pitchFamily="34" charset="-122"/>
-                          <a:cs typeface="+mn-cs"/>
-                        </a:rPr>
-                        <a:t>--</a:t>
-                      </a:r>
-                    </a:p>
-                  </a:txBody>
-                  <a:tcPr marL="38100" marR="38100" marT="38100" marB="38100" anchor="ctr">
-                    <a:solidFill>
-                      <a:srgbClr val="FFFFFF"/>
-                    </a:solidFill>
-                  </a:tcPr>
-                </a:tc>
-                <a:extLst>
-                  <a:ext uri="{0D108BD9-81ED-4DB2-BD59-A6C34878D82A}">
-                    <a16:rowId xmlns:a16="http://schemas.microsoft.com/office/drawing/2014/main" val="10005"/>
-                  </a:ext>
-                </a:extLst>
-              </a:tr>
-              <a:tr h="477116">
-                <a:tc>
-                  <a:txBody>
-                    <a:bodyPr/>
-                    <a:lstStyle/>
-                    <a:p>
-                      <a:pPr algn="ctr"/>
-                      <a:r>
-                        <a:rPr sz="1200" b="0">
-                          <a:solidFill>
-                            <a:schemeClr val="tx1">
-                              <a:lumMod val="75000"/>
-                              <a:lumOff val="25000"/>
-                            </a:schemeClr>
-                          </a:solidFill>
-                          <a:latin typeface="+mn-lt"/>
-                          <a:ea typeface="微软雅黑" panose="020B0503020204020204" pitchFamily="34" charset="-122"/>
-                        </a:rPr>
-                        <a:t>6</a:t>
-                      </a:r>
-                    </a:p>
-                  </a:txBody>
-                  <a:tcPr marL="91445" marR="91445" marT="45713" marB="45713" anchor="ctr">
-                    <a:solidFill>
-                      <a:srgbClr val="F6F7F9"/>
-                    </a:solidFill>
-                  </a:tcPr>
-                </a:tc>
-                <a:tc>
-                  <a:txBody>
-                    <a:bodyPr/>
-                    <a:lstStyle/>
-                    <a:p>
-                      <a:pPr marL="0" algn="ctr" defTabSz="914400" rtl="0" eaLnBrk="1" latinLnBrk="0" hangingPunct="1"/>
-                      <a:r>
-                        <a:rPr lang="en-US" sz="1200" b="0" kern="1200" dirty="0">
-                          <a:solidFill>
-                            <a:schemeClr val="tx1">
-                              <a:lumMod val="75000"/>
-                              <a:lumOff val="25000"/>
-                            </a:schemeClr>
-                          </a:solidFill>
-                          <a:latin typeface="+mn-lt"/>
-                          <a:ea typeface="微软雅黑" panose="020B0503020204020204" pitchFamily="34" charset="-122"/>
-                          <a:cs typeface="+mn-cs"/>
-                        </a:rPr>
-                        <a:t>凯旋TRC</a:t>
-                      </a:r>
-                    </a:p>
-                  </a:txBody>
-                  <a:tcPr marL="38100" marR="38100" marT="38100" marB="38100" anchor="ctr">
-                    <a:solidFill>
-                      <a:srgbClr val="F6F7F9"/>
-                    </a:solidFill>
-                  </a:tcPr>
-                </a:tc>
-                <a:tc>
-                  <a:txBody>
-                    <a:bodyPr/>
-                    <a:lstStyle/>
-                    <a:p>
-                      <a:pPr marL="0" algn="ctr" defTabSz="914400" rtl="0" eaLnBrk="1" latinLnBrk="0" hangingPunct="1"/>
-                      <a:r>
-                        <a:rPr lang="en-US" sz="1200" b="0" kern="1200" dirty="0">
-                          <a:solidFill>
-                            <a:schemeClr val="tx1">
-                              <a:lumMod val="75000"/>
-                              <a:lumOff val="25000"/>
-                            </a:schemeClr>
-                          </a:solidFill>
-                          <a:latin typeface="+mn-lt"/>
-                          <a:ea typeface="微软雅黑" panose="020B0503020204020204" pitchFamily="34" charset="-122"/>
-                          <a:cs typeface="+mn-cs"/>
-                        </a:rPr>
-                        <a:t>2017-11-26</a:t>
-                      </a:r>
-                    </a:p>
-                  </a:txBody>
-                  <a:tcPr marL="38100" marR="38100" marT="38100" marB="38100" anchor="ctr">
-                    <a:solidFill>
-                      <a:srgbClr val="F6F7F9"/>
-                    </a:solidFill>
-                  </a:tcPr>
-                </a:tc>
-                <a:tc>
-                  <a:txBody>
-                    <a:bodyPr/>
-                    <a:lstStyle/>
-                    <a:p>
-                      <a:pPr marL="0" algn="ctr" defTabSz="914400" rtl="0" eaLnBrk="1" latinLnBrk="0" hangingPunct="1"/>
-                      <a:r>
-                        <a:rPr lang="en-US" sz="1200" b="0" kern="1200" dirty="0">
-                          <a:solidFill>
-                            <a:schemeClr val="tx1">
-                              <a:lumMod val="75000"/>
-                              <a:lumOff val="25000"/>
-                            </a:schemeClr>
-                          </a:solidFill>
-                          <a:latin typeface="+mn-lt"/>
-                          <a:ea typeface="微软雅黑" panose="020B0503020204020204" pitchFamily="34" charset="-122"/>
-                          <a:cs typeface="+mn-cs"/>
-                        </a:rPr>
-                        <a:t>塔楼</a:t>
-                      </a:r>
-                    </a:p>
-                  </a:txBody>
-                  <a:tcPr marL="38100" marR="38100" marT="38100" marB="38100" anchor="ctr">
-                    <a:solidFill>
-                      <a:srgbClr val="F6F7F9"/>
-                    </a:solidFill>
-                  </a:tcPr>
-                </a:tc>
-                <a:tc>
-                  <a:txBody>
-                    <a:bodyPr/>
-                    <a:lstStyle/>
-                    <a:p>
-                      <a:pPr marL="0" algn="ctr" defTabSz="914400" rtl="0" eaLnBrk="1" latinLnBrk="0" hangingPunct="1"/>
-                      <a:r>
-                        <a:rPr lang="en-US" sz="1200" b="0" kern="1200" dirty="0">
-                          <a:solidFill>
-                            <a:schemeClr val="tx1">
-                              <a:lumMod val="75000"/>
-                              <a:lumOff val="25000"/>
-                            </a:schemeClr>
-                          </a:solidFill>
-                          <a:latin typeface="+mn-lt"/>
-                          <a:ea typeface="微软雅黑" panose="020B0503020204020204" pitchFamily="34" charset="-122"/>
-                          <a:cs typeface="+mn-cs"/>
-                        </a:rPr>
-                        <a:t>56000</a:t>
-                      </a:r>
-                    </a:p>
-                  </a:txBody>
-                  <a:tcPr marL="38100" marR="38100" marT="38100" marB="38100" anchor="ctr">
-                    <a:solidFill>
-                      <a:srgbClr val="F6F7F9"/>
-                    </a:solidFill>
-                  </a:tcPr>
-                </a:tc>
-                <a:extLst>
-                  <a:ext uri="{0D108BD9-81ED-4DB2-BD59-A6C34878D82A}">
-                    <a16:rowId xmlns:a16="http://schemas.microsoft.com/office/drawing/2014/main" val="10006"/>
-                  </a:ext>
-                </a:extLst>
-              </a:tr>
-              <a:tr h="477116">
-                <a:tc>
-                  <a:txBody>
-                    <a:bodyPr/>
-                    <a:lstStyle/>
-                    <a:p>
-                      <a:pPr algn="ctr"/>
-                      <a:r>
-                        <a:rPr sz="1200" b="0">
-                          <a:solidFill>
-                            <a:schemeClr val="tx1">
-                              <a:lumMod val="75000"/>
-                              <a:lumOff val="25000"/>
-                            </a:schemeClr>
-                          </a:solidFill>
-                          <a:latin typeface="+mn-lt"/>
-                          <a:ea typeface="微软雅黑" panose="020B0503020204020204" pitchFamily="34" charset="-122"/>
-                        </a:rPr>
-                        <a:t>7</a:t>
-                      </a:r>
-                    </a:p>
-                  </a:txBody>
-                  <a:tcPr marL="91445" marR="91445" marT="45713" marB="45713" anchor="ctr">
-                    <a:solidFill>
-                      <a:srgbClr val="FFFFFF"/>
-                    </a:solidFill>
-                  </a:tcPr>
-                </a:tc>
-                <a:tc>
-                  <a:txBody>
-                    <a:bodyPr/>
-                    <a:lstStyle/>
-                    <a:p>
-                      <a:pPr marL="0" algn="ctr" defTabSz="914400" rtl="0" eaLnBrk="1" latinLnBrk="0" hangingPunct="1"/>
-                      <a:r>
-                        <a:rPr lang="en-US" sz="1200" b="0" kern="1200" dirty="0">
-                          <a:solidFill>
-                            <a:schemeClr val="tx1">
-                              <a:lumMod val="75000"/>
-                              <a:lumOff val="25000"/>
-                            </a:schemeClr>
-                          </a:solidFill>
-                          <a:latin typeface="+mn-lt"/>
-                          <a:ea typeface="微软雅黑" panose="020B0503020204020204" pitchFamily="34" charset="-122"/>
-                          <a:cs typeface="+mn-cs"/>
-                        </a:rPr>
-                        <a:t>宝树台</a:t>
-                      </a:r>
-                    </a:p>
-                  </a:txBody>
-                  <a:tcPr marL="38100" marR="38100" marT="38100" marB="38100" anchor="ctr">
-                    <a:solidFill>
-                      <a:srgbClr val="FFFFFF"/>
-                    </a:solidFill>
-                  </a:tcPr>
-                </a:tc>
-                <a:tc>
-                  <a:txBody>
-                    <a:bodyPr/>
-                    <a:lstStyle/>
-                    <a:p>
-                      <a:pPr marL="0" algn="ctr" defTabSz="914400" rtl="0" eaLnBrk="1" latinLnBrk="0" hangingPunct="1"/>
-                      <a:r>
-                        <a:rPr lang="en-US" sz="1200" b="0" kern="1200" dirty="0">
-                          <a:solidFill>
-                            <a:schemeClr val="tx1">
-                              <a:lumMod val="75000"/>
-                              <a:lumOff val="25000"/>
-                            </a:schemeClr>
-                          </a:solidFill>
-                          <a:latin typeface="+mn-lt"/>
-                          <a:ea typeface="微软雅黑" panose="020B0503020204020204" pitchFamily="34" charset="-122"/>
-                          <a:cs typeface="+mn-cs"/>
-                        </a:rPr>
-                        <a:t>2018-01-21</a:t>
-                      </a:r>
-                    </a:p>
-                  </a:txBody>
-                  <a:tcPr marL="38100" marR="38100" marT="38100" marB="38100" anchor="ctr">
-                    <a:solidFill>
-                      <a:srgbClr val="FFFFFF"/>
-                    </a:solidFill>
-                  </a:tcPr>
-                </a:tc>
-                <a:tc>
-                  <a:txBody>
-                    <a:bodyPr/>
-                    <a:lstStyle/>
-                    <a:p>
-                      <a:pPr marL="0" algn="ctr" defTabSz="914400" rtl="0" eaLnBrk="1" latinLnBrk="0" hangingPunct="1"/>
-                      <a:r>
-                        <a:rPr lang="en-US" sz="1200" b="0" kern="1200" dirty="0">
-                          <a:solidFill>
-                            <a:schemeClr val="tx1">
-                              <a:lumMod val="75000"/>
-                              <a:lumOff val="25000"/>
-                            </a:schemeClr>
-                          </a:solidFill>
-                          <a:latin typeface="+mn-lt"/>
-                          <a:ea typeface="微软雅黑" panose="020B0503020204020204" pitchFamily="34" charset="-122"/>
-                          <a:cs typeface="+mn-cs"/>
-                        </a:rPr>
-                        <a:t>塔楼</a:t>
-                      </a:r>
-                    </a:p>
-                  </a:txBody>
-                  <a:tcPr marL="38100" marR="38100" marT="38100" marB="38100" anchor="ctr">
-                    <a:solidFill>
-                      <a:srgbClr val="FFFFFF"/>
-                    </a:solidFill>
-                  </a:tcPr>
-                </a:tc>
-                <a:tc>
-                  <a:txBody>
-                    <a:bodyPr/>
-                    <a:lstStyle/>
-                    <a:p>
-                      <a:pPr marL="0" algn="ctr" defTabSz="914400" rtl="0" eaLnBrk="1" latinLnBrk="0" hangingPunct="1"/>
-                      <a:r>
-                        <a:rPr lang="en-US" sz="1200" b="0" kern="1200" dirty="0">
-                          <a:solidFill>
-                            <a:schemeClr val="tx1">
-                              <a:lumMod val="75000"/>
-                              <a:lumOff val="25000"/>
-                            </a:schemeClr>
-                          </a:solidFill>
-                          <a:latin typeface="+mn-lt"/>
-                          <a:ea typeface="微软雅黑" panose="020B0503020204020204" pitchFamily="34" charset="-122"/>
-                          <a:cs typeface="+mn-cs"/>
-                        </a:rPr>
-                        <a:t>--</a:t>
-                      </a:r>
-                    </a:p>
-                  </a:txBody>
-                  <a:tcPr marL="38100" marR="38100" marT="38100" marB="38100" anchor="ctr">
-                    <a:solidFill>
-                      <a:srgbClr val="FFFFFF"/>
-                    </a:solidFill>
-                  </a:tcPr>
-                </a:tc>
-                <a:extLst>
-                  <a:ext uri="{0D108BD9-81ED-4DB2-BD59-A6C34878D82A}">
-                    <a16:rowId xmlns:a16="http://schemas.microsoft.com/office/drawing/2014/main" val="10007"/>
-                  </a:ext>
-                </a:extLst>
-              </a:tr>
-              <a:tr h="477116">
-                <a:tc>
-                  <a:txBody>
-                    <a:bodyPr/>
-                    <a:lstStyle/>
-                    <a:p>
-                      <a:pPr algn="ctr"/>
-                      <a:r>
-                        <a:rPr sz="1200" b="0">
-                          <a:solidFill>
-                            <a:schemeClr val="tx1">
-                              <a:lumMod val="75000"/>
-                              <a:lumOff val="25000"/>
-                            </a:schemeClr>
-                          </a:solidFill>
-                          <a:latin typeface="+mn-lt"/>
-                          <a:ea typeface="微软雅黑" panose="020B0503020204020204" pitchFamily="34" charset="-122"/>
-                        </a:rPr>
-                        <a:t>8</a:t>
-                      </a:r>
-                    </a:p>
-                  </a:txBody>
-                  <a:tcPr marL="91445" marR="91445" marT="45713" marB="45713" anchor="ctr">
-                    <a:solidFill>
-                      <a:srgbClr val="F6F7F9"/>
-                    </a:solidFill>
-                  </a:tcPr>
-                </a:tc>
-                <a:tc>
-                  <a:txBody>
-                    <a:bodyPr/>
-                    <a:lstStyle/>
-                    <a:p>
-                      <a:pPr marL="0" algn="ctr" defTabSz="914400" rtl="0" eaLnBrk="1" latinLnBrk="0" hangingPunct="1"/>
-                      <a:r>
-                        <a:rPr lang="en-US" sz="1200" b="0" kern="1200" dirty="0">
-                          <a:solidFill>
-                            <a:schemeClr val="tx1">
-                              <a:lumMod val="75000"/>
-                              <a:lumOff val="25000"/>
-                            </a:schemeClr>
-                          </a:solidFill>
-                          <a:latin typeface="+mn-lt"/>
-                          <a:ea typeface="微软雅黑" panose="020B0503020204020204" pitchFamily="34" charset="-122"/>
-                          <a:cs typeface="+mn-cs"/>
-                        </a:rPr>
-                        <a:t>东方盛世花园二期</a:t>
-                      </a:r>
-                    </a:p>
-                  </a:txBody>
-                  <a:tcPr marL="38100" marR="38100" marT="38100" marB="38100" anchor="ctr">
-                    <a:solidFill>
-                      <a:srgbClr val="F6F7F9"/>
-                    </a:solidFill>
-                  </a:tcPr>
-                </a:tc>
-                <a:tc>
-                  <a:txBody>
-                    <a:bodyPr/>
-                    <a:lstStyle/>
-                    <a:p>
-                      <a:pPr marL="0" algn="ctr" defTabSz="914400" rtl="0" eaLnBrk="1" latinLnBrk="0" hangingPunct="1"/>
-                      <a:r>
-                        <a:rPr lang="en-US" sz="1200" b="0" kern="1200" dirty="0">
-                          <a:solidFill>
-                            <a:schemeClr val="tx1">
-                              <a:lumMod val="75000"/>
-                              <a:lumOff val="25000"/>
-                            </a:schemeClr>
-                          </a:solidFill>
-                          <a:latin typeface="+mn-lt"/>
-                          <a:ea typeface="微软雅黑" panose="020B0503020204020204" pitchFamily="34" charset="-122"/>
-                          <a:cs typeface="+mn-cs"/>
-                        </a:rPr>
-                        <a:t>2017-05-13</a:t>
-                      </a:r>
-                    </a:p>
-                  </a:txBody>
-                  <a:tcPr marL="38100" marR="38100" marT="38100" marB="38100" anchor="ctr">
-                    <a:solidFill>
-                      <a:srgbClr val="F6F7F9"/>
-                    </a:solidFill>
-                  </a:tcPr>
-                </a:tc>
-                <a:tc>
-                  <a:txBody>
-                    <a:bodyPr/>
-                    <a:lstStyle/>
-                    <a:p>
-                      <a:pPr marL="0" algn="ctr" defTabSz="914400" rtl="0" eaLnBrk="1" latinLnBrk="0" hangingPunct="1"/>
-                      <a:r>
-                        <a:rPr lang="en-US" sz="1200" b="0" kern="1200" dirty="0">
-                          <a:solidFill>
-                            <a:schemeClr val="tx1">
-                              <a:lumMod val="75000"/>
-                              <a:lumOff val="25000"/>
-                            </a:schemeClr>
-                          </a:solidFill>
-                          <a:latin typeface="+mn-lt"/>
-                          <a:ea typeface="微软雅黑" panose="020B0503020204020204" pitchFamily="34" charset="-122"/>
-                          <a:cs typeface="+mn-cs"/>
-                        </a:rPr>
-                        <a:t>塔楼</a:t>
-                      </a:r>
-                    </a:p>
-                  </a:txBody>
-                  <a:tcPr marL="38100" marR="38100" marT="38100" marB="38100" anchor="ctr">
-                    <a:solidFill>
-                      <a:srgbClr val="F6F7F9"/>
-                    </a:solidFill>
-                  </a:tcPr>
-                </a:tc>
-                <a:tc>
-                  <a:txBody>
-                    <a:bodyPr/>
-                    <a:lstStyle/>
-                    <a:p>
-                      <a:pPr marL="0" algn="ctr" defTabSz="914400" rtl="0" eaLnBrk="1" latinLnBrk="0" hangingPunct="1"/>
-                      <a:r>
-                        <a:rPr lang="en-US" sz="1200" b="0" kern="1200" dirty="0">
-                          <a:solidFill>
-                            <a:schemeClr val="tx1">
-                              <a:lumMod val="75000"/>
-                              <a:lumOff val="25000"/>
-                            </a:schemeClr>
-                          </a:solidFill>
-                          <a:latin typeface="+mn-lt"/>
-                          <a:ea typeface="微软雅黑" panose="020B0503020204020204" pitchFamily="34" charset="-122"/>
-                          <a:cs typeface="+mn-cs"/>
-                        </a:rPr>
-                        <a:t>59228.69</a:t>
-                      </a:r>
-                    </a:p>
-                  </a:txBody>
-                  <a:tcPr marL="38100" marR="38100" marT="38100" marB="38100" anchor="ctr">
-                    <a:solidFill>
-                      <a:srgbClr val="F6F7F9"/>
-                    </a:solidFill>
-                  </a:tcPr>
-                </a:tc>
-                <a:extLst>
-                  <a:ext uri="{0D108BD9-81ED-4DB2-BD59-A6C34878D82A}">
-                    <a16:rowId xmlns:a16="http://schemas.microsoft.com/office/drawing/2014/main" val="10008"/>
-                  </a:ext>
-                </a:extLst>
-              </a:tr>
-              <a:tr h="477116">
-                <a:tc>
-                  <a:txBody>
-                    <a:bodyPr/>
-                    <a:lstStyle/>
-                    <a:p>
-                      <a:pPr algn="ctr"/>
-                      <a:r>
-                        <a:rPr sz="1200" b="0">
-                          <a:solidFill>
-                            <a:schemeClr val="tx1">
-                              <a:lumMod val="75000"/>
-                              <a:lumOff val="25000"/>
-                            </a:schemeClr>
-                          </a:solidFill>
-                          <a:latin typeface="+mn-lt"/>
-                          <a:ea typeface="微软雅黑" panose="020B0503020204020204" pitchFamily="34" charset="-122"/>
-                        </a:rPr>
-                        <a:t>9</a:t>
-                      </a:r>
-                    </a:p>
-                  </a:txBody>
-                  <a:tcPr marL="91445" marR="91445" marT="45713" marB="45713" anchor="ctr">
-                    <a:solidFill>
-                      <a:srgbClr val="FFFFFF"/>
-                    </a:solidFill>
-                  </a:tcPr>
-                </a:tc>
-                <a:tc>
-                  <a:txBody>
-                    <a:bodyPr/>
-                    <a:lstStyle/>
-                    <a:p>
-                      <a:pPr marL="0" algn="ctr" defTabSz="914400" rtl="0" eaLnBrk="1" latinLnBrk="0" hangingPunct="1"/>
-                      <a:r>
-                        <a:rPr lang="en-US" sz="1200" b="0" kern="1200" dirty="0">
-                          <a:solidFill>
-                            <a:schemeClr val="tx1">
-                              <a:lumMod val="75000"/>
-                              <a:lumOff val="25000"/>
-                            </a:schemeClr>
-                          </a:solidFill>
-                          <a:latin typeface="+mn-lt"/>
-                          <a:ea typeface="微软雅黑" panose="020B0503020204020204" pitchFamily="34" charset="-122"/>
-                          <a:cs typeface="+mn-cs"/>
-                        </a:rPr>
-                        <a:t>中电迪富大厦</a:t>
-                      </a:r>
-                    </a:p>
-                  </a:txBody>
-                  <a:tcPr marL="38100" marR="38100" marT="38100" marB="38100" anchor="ctr">
-                    <a:solidFill>
-                      <a:srgbClr val="FFFFFF"/>
-                    </a:solidFill>
-                  </a:tcPr>
-                </a:tc>
-                <a:tc>
-                  <a:txBody>
-                    <a:bodyPr/>
-                    <a:lstStyle/>
-                    <a:p>
-                      <a:pPr marL="0" algn="ctr" defTabSz="914400" rtl="0" eaLnBrk="1" latinLnBrk="0" hangingPunct="1"/>
-                      <a:r>
-                        <a:rPr lang="en-US" sz="1200" b="0" kern="1200" dirty="0">
-                          <a:solidFill>
-                            <a:schemeClr val="tx1">
-                              <a:lumMod val="75000"/>
-                              <a:lumOff val="25000"/>
-                            </a:schemeClr>
-                          </a:solidFill>
-                          <a:latin typeface="+mn-lt"/>
-                          <a:ea typeface="微软雅黑" panose="020B0503020204020204" pitchFamily="34" charset="-122"/>
-                          <a:cs typeface="+mn-cs"/>
-                        </a:rPr>
-                        <a:t>2018-10-28</a:t>
-                      </a:r>
-                    </a:p>
-                  </a:txBody>
-                  <a:tcPr marL="38100" marR="38100" marT="38100" marB="38100" anchor="ctr">
-                    <a:solidFill>
-                      <a:srgbClr val="FFFFFF"/>
-                    </a:solidFill>
-                  </a:tcPr>
-                </a:tc>
-                <a:tc>
-                  <a:txBody>
-                    <a:bodyPr/>
-                    <a:lstStyle/>
-                    <a:p>
-                      <a:pPr marL="0" algn="ctr" defTabSz="914400" rtl="0" eaLnBrk="1" latinLnBrk="0" hangingPunct="1"/>
-                      <a:endParaRPr sz="1200" b="0" kern="1200" dirty="0">
-                        <a:solidFill>
-                          <a:schemeClr val="tx1">
-                            <a:lumMod val="75000"/>
-                            <a:lumOff val="25000"/>
-                          </a:schemeClr>
-                        </a:solidFill>
-                        <a:latin typeface="+mn-lt"/>
-                        <a:ea typeface="微软雅黑" panose="020B0503020204020204" pitchFamily="34" charset="-122"/>
-                        <a:cs typeface="+mn-cs"/>
-                      </a:endParaRPr>
-                    </a:p>
-                  </a:txBody>
-                  <a:tcPr marL="91445" marR="91445" marT="45713" marB="45713" anchor="ctr">
-                    <a:solidFill>
-                      <a:srgbClr val="FFFFFF"/>
-                    </a:solidFill>
-                  </a:tcPr>
-                </a:tc>
-                <a:tc>
-                  <a:txBody>
-                    <a:bodyPr/>
-                    <a:lstStyle/>
-                    <a:p>
-                      <a:pPr marL="0" algn="ctr" defTabSz="914400" rtl="0" eaLnBrk="1" latinLnBrk="0" hangingPunct="1"/>
-                      <a:r>
-                        <a:rPr lang="en-US" sz="1200" b="0" kern="1200" dirty="0">
-                          <a:solidFill>
-                            <a:schemeClr val="tx1">
-                              <a:lumMod val="75000"/>
-                              <a:lumOff val="25000"/>
-                            </a:schemeClr>
-                          </a:solidFill>
-                          <a:latin typeface="+mn-lt"/>
-                          <a:ea typeface="微软雅黑" panose="020B0503020204020204" pitchFamily="34" charset="-122"/>
-                          <a:cs typeface="+mn-cs"/>
-                        </a:rPr>
-                        <a:t>--</a:t>
-                      </a:r>
-                    </a:p>
-                  </a:txBody>
-                  <a:tcPr marL="38100" marR="38100" marT="38100" marB="38100" anchor="ctr">
-                    <a:solidFill>
-                      <a:srgbClr val="FFFFFF"/>
-                    </a:solidFill>
-                  </a:tcPr>
-                </a:tc>
-                <a:extLst>
-                  <a:ext uri="{0D108BD9-81ED-4DB2-BD59-A6C34878D82A}">
-                    <a16:rowId xmlns:a16="http://schemas.microsoft.com/office/drawing/2014/main" val="10009"/>
-                  </a:ext>
-                </a:extLst>
-              </a:tr>
-              <a:tr h="477116">
-                <a:tc>
-                  <a:txBody>
-                    <a:bodyPr/>
-                    <a:lstStyle/>
-                    <a:p>
-                      <a:pPr algn="ctr"/>
-                      <a:r>
-                        <a:rPr sz="1200" b="0">
-                          <a:solidFill>
-                            <a:schemeClr val="tx1">
-                              <a:lumMod val="75000"/>
-                              <a:lumOff val="25000"/>
-                            </a:schemeClr>
-                          </a:solidFill>
-                          <a:latin typeface="+mn-lt"/>
-                          <a:ea typeface="微软雅黑" panose="020B0503020204020204" pitchFamily="34" charset="-122"/>
-                        </a:rPr>
-                        <a:t>10</a:t>
-                      </a:r>
-                    </a:p>
-                  </a:txBody>
-                  <a:tcPr marL="91445" marR="91445" marT="45713" marB="45713" anchor="ctr">
-                    <a:solidFill>
-                      <a:srgbClr val="F6F7F9"/>
-                    </a:solidFill>
-                  </a:tcPr>
-                </a:tc>
-                <a:tc>
-                  <a:txBody>
-                    <a:bodyPr/>
-                    <a:lstStyle/>
-                    <a:p>
-                      <a:pPr marL="0" algn="ctr" defTabSz="914400" rtl="0" eaLnBrk="1" latinLnBrk="0" hangingPunct="1"/>
-                      <a:r>
-                        <a:rPr lang="en-US" sz="1200" b="0" kern="1200" dirty="0">
-                          <a:solidFill>
-                            <a:schemeClr val="tx1">
-                              <a:lumMod val="75000"/>
-                              <a:lumOff val="25000"/>
-                            </a:schemeClr>
-                          </a:solidFill>
-                          <a:latin typeface="+mn-lt"/>
-                          <a:ea typeface="微软雅黑" panose="020B0503020204020204" pitchFamily="34" charset="-122"/>
-                          <a:cs typeface="+mn-cs"/>
-                        </a:rPr>
-                        <a:t>恒邦壹峯</a:t>
-                      </a:r>
-                    </a:p>
-                  </a:txBody>
-                  <a:tcPr marL="38100" marR="38100" marT="38100" marB="38100" anchor="ctr">
-                    <a:solidFill>
-                      <a:srgbClr val="F6F7F9"/>
-                    </a:solidFill>
-                  </a:tcPr>
-                </a:tc>
-                <a:tc>
-                  <a:txBody>
-                    <a:bodyPr/>
-                    <a:lstStyle/>
-                    <a:p>
-                      <a:pPr marL="0" algn="ctr" defTabSz="914400" rtl="0" eaLnBrk="1" latinLnBrk="0" hangingPunct="1"/>
-                      <a:r>
-                        <a:rPr lang="en-US" sz="1200" b="0" kern="1200" dirty="0">
-                          <a:solidFill>
-                            <a:schemeClr val="tx1">
-                              <a:lumMod val="75000"/>
-                              <a:lumOff val="25000"/>
-                            </a:schemeClr>
-                          </a:solidFill>
-                          <a:latin typeface="+mn-lt"/>
-                          <a:ea typeface="微软雅黑" panose="020B0503020204020204" pitchFamily="34" charset="-122"/>
-                          <a:cs typeface="+mn-cs"/>
-                        </a:rPr>
-                        <a:t>2017-04-28</a:t>
-                      </a:r>
-                    </a:p>
-                  </a:txBody>
-                  <a:tcPr marL="38100" marR="38100" marT="38100" marB="38100" anchor="ctr">
-                    <a:solidFill>
-                      <a:srgbClr val="F6F7F9"/>
-                    </a:solidFill>
-                  </a:tcPr>
-                </a:tc>
-                <a:tc>
-                  <a:txBody>
-                    <a:bodyPr/>
-                    <a:lstStyle/>
-                    <a:p>
-                      <a:pPr marL="0" algn="ctr" defTabSz="914400" rtl="0" eaLnBrk="1" latinLnBrk="0" hangingPunct="1"/>
-                      <a:endParaRPr sz="1200" b="0" kern="1200" dirty="0">
-                        <a:solidFill>
-                          <a:schemeClr val="tx1">
-                            <a:lumMod val="75000"/>
-                            <a:lumOff val="25000"/>
-                          </a:schemeClr>
-                        </a:solidFill>
-                        <a:latin typeface="+mn-lt"/>
-                        <a:ea typeface="微软雅黑" panose="020B0503020204020204" pitchFamily="34" charset="-122"/>
-                        <a:cs typeface="+mn-cs"/>
-                      </a:endParaRPr>
-                    </a:p>
-                  </a:txBody>
-                  <a:tcPr marL="91445" marR="91445" marT="45713" marB="45713" anchor="ctr">
-                    <a:solidFill>
-                      <a:srgbClr val="F6F7F9"/>
-                    </a:solidFill>
-                  </a:tcPr>
-                </a:tc>
-                <a:tc>
-                  <a:txBody>
-                    <a:bodyPr/>
-                    <a:lstStyle/>
-                    <a:p>
-                      <a:pPr marL="0" algn="ctr" defTabSz="914400" rtl="0" eaLnBrk="1" latinLnBrk="0" hangingPunct="1"/>
-                      <a:r>
-                        <a:rPr lang="en-US" sz="1200" b="0" kern="1200" dirty="0">
-                          <a:solidFill>
-                            <a:schemeClr val="tx1">
-                              <a:lumMod val="75000"/>
-                              <a:lumOff val="25000"/>
-                            </a:schemeClr>
-                          </a:solidFill>
-                          <a:latin typeface="+mn-lt"/>
-                          <a:ea typeface="微软雅黑" panose="020B0503020204020204" pitchFamily="34" charset="-122"/>
-                          <a:cs typeface="+mn-cs"/>
-                        </a:rPr>
-                        <a:t>--</a:t>
-                      </a:r>
-                    </a:p>
-                  </a:txBody>
-                  <a:tcPr marL="38100" marR="38100" marT="38100" marB="38100" anchor="ctr">
-                    <a:solidFill>
-                      <a:srgbClr val="F6F7F9"/>
-                    </a:solidFill>
-                  </a:tcPr>
-                </a:tc>
-                <a:extLst>
-                  <a:ext uri="{0D108BD9-81ED-4DB2-BD59-A6C34878D82A}">
-                    <a16:rowId xmlns:a16="http://schemas.microsoft.com/office/drawing/2014/main" val="10010"/>
-                  </a:ext>
-                </a:extLst>
-              </a:tr>
-            </a:tbl>
-          </a:graphicData>
-        </a:graphic>
-      </p:graphicFrame>
     </p:spTree>
   </p:cSld>
   <p:clrMapOvr>
@@ -16120,1335 +14419,6 @@
           </a:p>
         </p:txBody>
       </p:sp>
-      <p:graphicFrame>
-        <p:nvGraphicFramePr>
-          <p:cNvPr id="55" name="New Table">
-            <a:extLst>
-              <a:ext uri="{FF2B5EF4-FFF2-40B4-BE49-F238E27FC236}">
-                <a16:creationId xmlns:a16="http://schemas.microsoft.com/office/drawing/2014/main" id="{CF24F27A-CE1D-4D0E-892C-672EFAE38EE8}"/>
-              </a:ext>
-            </a:extLst>
-          </p:cNvPr>
-          <p:cNvGraphicFramePr>
-            <a:graphicFrameLocks noGrp="1"/>
-          </p:cNvGraphicFramePr>
-          <p:nvPr>
-            <p:extLst>
-              <p:ext uri="{D42A27DB-BD31-4B8C-83A1-F6EECF244321}">
-                <p14:modId xmlns:p14="http://schemas.microsoft.com/office/powerpoint/2010/main" val="689133888"/>
-              </p:ext>
-            </p:extLst>
-          </p:nvPr>
-        </p:nvGraphicFramePr>
-        <p:xfrm>
-          <a:off x="5814986" y="745067"/>
-          <a:ext cx="3240909" cy="5411226"/>
-        </p:xfrm>
-        <a:graphic>
-          <a:graphicData uri="http://schemas.openxmlformats.org/drawingml/2006/table">
-            <a:tbl>
-              <a:tblPr>
-                <a:tableStyleId>{C083E6E3-FA7D-4D7B-A595-EF9225AFEA82}</a:tableStyleId>
-              </a:tblPr>
-              <a:tblGrid>
-                <a:gridCol w="1080303">
-                  <a:extLst>
-                    <a:ext uri="{9D8B030D-6E8A-4147-A177-3AD203B41FA5}">
-                      <a16:colId xmlns:a16="http://schemas.microsoft.com/office/drawing/2014/main" val="20000"/>
-                    </a:ext>
-                  </a:extLst>
-                </a:gridCol>
-                <a:gridCol w="1080303">
-                  <a:extLst>
-                    <a:ext uri="{9D8B030D-6E8A-4147-A177-3AD203B41FA5}">
-                      <a16:colId xmlns:a16="http://schemas.microsoft.com/office/drawing/2014/main" val="20001"/>
-                    </a:ext>
-                  </a:extLst>
-                </a:gridCol>
-                <a:gridCol w="1080303">
-                  <a:extLst>
-                    <a:ext uri="{9D8B030D-6E8A-4147-A177-3AD203B41FA5}">
-                      <a16:colId xmlns:a16="http://schemas.microsoft.com/office/drawing/2014/main" val="20003"/>
-                    </a:ext>
-                  </a:extLst>
-                </a:gridCol>
-              </a:tblGrid>
-              <a:tr h="477116">
-                <a:tc>
-                  <a:txBody>
-                    <a:bodyPr/>
-                    <a:lstStyle/>
-                    <a:p>
-                      <a:pPr algn="ctr"/>
-                      <a:r>
-                        <a:rPr sz="1200" b="1" dirty="0" err="1">
-                          <a:solidFill>
-                            <a:schemeClr val="tx1">
-                              <a:lumMod val="75000"/>
-                              <a:lumOff val="25000"/>
-                            </a:schemeClr>
-                          </a:solidFill>
-                          <a:latin typeface="+mn-lt"/>
-                          <a:ea typeface="微软雅黑" panose="020B0503020204020204" pitchFamily="34" charset="-122"/>
-                        </a:rPr>
-                        <a:t>编号</a:t>
-                      </a:r>
-                      <a:endParaRPr sz="1200" b="1" dirty="0">
-                        <a:solidFill>
-                          <a:schemeClr val="tx1">
-                            <a:lumMod val="75000"/>
-                            <a:lumOff val="25000"/>
-                          </a:schemeClr>
-                        </a:solidFill>
-                        <a:latin typeface="+mn-lt"/>
-                        <a:ea typeface="微软雅黑" panose="020B0503020204020204" pitchFamily="34" charset="-122"/>
-                      </a:endParaRPr>
-                    </a:p>
-                  </a:txBody>
-                  <a:tcPr marL="91445" marR="91445" marT="45713" marB="45713" anchor="ctr"/>
-                </a:tc>
-                <a:tc>
-                  <a:txBody>
-                    <a:bodyPr/>
-                    <a:lstStyle/>
-                    <a:p>
-                      <a:pPr algn="ctr"/>
-                      <a:r>
-                        <a:rPr sz="1200" b="1" dirty="0" err="1">
-                          <a:solidFill>
-                            <a:schemeClr val="tx1">
-                              <a:lumMod val="75000"/>
-                              <a:lumOff val="25000"/>
-                            </a:schemeClr>
-                          </a:solidFill>
-                          <a:latin typeface="+mn-lt"/>
-                          <a:ea typeface="微软雅黑" panose="020B0503020204020204" pitchFamily="34" charset="-122"/>
-                        </a:rPr>
-                        <a:t>名称</a:t>
-                      </a:r>
-                      <a:endParaRPr sz="1200" b="1" dirty="0">
-                        <a:solidFill>
-                          <a:schemeClr val="tx1">
-                            <a:lumMod val="75000"/>
-                            <a:lumOff val="25000"/>
-                          </a:schemeClr>
-                        </a:solidFill>
-                        <a:latin typeface="+mn-lt"/>
-                        <a:ea typeface="微软雅黑" panose="020B0503020204020204" pitchFamily="34" charset="-122"/>
-                      </a:endParaRPr>
-                    </a:p>
-                  </a:txBody>
-                  <a:tcPr marL="91445" marR="91445" marT="45713" marB="45713" anchor="ctr"/>
-                </a:tc>
-                <a:tc>
-                  <a:txBody>
-                    <a:bodyPr/>
-                    <a:lstStyle/>
-                    <a:p>
-                      <a:pPr algn="ctr"/>
-                      <a:r>
-                        <a:rPr sz="1200" b="1" dirty="0" err="1">
-                          <a:solidFill>
-                            <a:schemeClr val="tx1">
-                              <a:lumMod val="75000"/>
-                              <a:lumOff val="25000"/>
-                            </a:schemeClr>
-                          </a:solidFill>
-                          <a:latin typeface="+mn-lt"/>
-                          <a:ea typeface="微软雅黑" panose="020B0503020204020204" pitchFamily="34" charset="-122"/>
-                        </a:rPr>
-                        <a:t>距离</a:t>
-                      </a:r>
-                      <a:r>
-                        <a:rPr sz="1200" b="1" dirty="0">
-                          <a:solidFill>
-                            <a:schemeClr val="tx1">
-                              <a:lumMod val="75000"/>
-                              <a:lumOff val="25000"/>
-                            </a:schemeClr>
-                          </a:solidFill>
-                          <a:latin typeface="+mn-lt"/>
-                          <a:ea typeface="微软雅黑" panose="020B0503020204020204" pitchFamily="34" charset="-122"/>
-                        </a:rPr>
-                        <a:t>
-(km)</a:t>
-                      </a:r>
-                    </a:p>
-                  </a:txBody>
-                  <a:tcPr marL="91445" marR="91445" marT="45713" marB="45713" anchor="ctr"/>
-                </a:tc>
-                <a:extLst>
-                  <a:ext uri="{0D108BD9-81ED-4DB2-BD59-A6C34878D82A}">
-                    <a16:rowId xmlns:a16="http://schemas.microsoft.com/office/drawing/2014/main" val="10000"/>
-                  </a:ext>
-                </a:extLst>
-              </a:tr>
-              <a:tr h="477116">
-                <a:tc>
-                  <a:txBody>
-                    <a:bodyPr/>
-                    <a:lstStyle/>
-                    <a:p>
-                      <a:pPr algn="ctr"/>
-                      <a:r>
-                        <a:rPr sz="1200" b="0" dirty="0">
-                          <a:solidFill>
-                            <a:schemeClr val="tx1">
-                              <a:lumMod val="75000"/>
-                              <a:lumOff val="25000"/>
-                            </a:schemeClr>
-                          </a:solidFill>
-                          <a:latin typeface="+mn-lt"/>
-                          <a:ea typeface="微软雅黑" panose="020B0503020204020204" pitchFamily="34" charset="-122"/>
-                        </a:rPr>
-                        <a:t>1</a:t>
-                      </a:r>
-                    </a:p>
-                  </a:txBody>
-                  <a:tcPr marL="91445" marR="91445" marT="45713" marB="45713" anchor="ctr">
-                    <a:solidFill>
-                      <a:srgbClr val="FFFFFF"/>
-                    </a:solidFill>
-                  </a:tcPr>
-                </a:tc>
-                <a:tc>
-                  <a:txBody>
-                    <a:bodyPr/>
-                    <a:lstStyle/>
-                    <a:p>
-                      <a:r>
-                        <a:rPr lang="zh-CN" altLang="en-US" sz="1200" dirty="0">
-                          <a:solidFill>
-                            <a:schemeClr val="tx1">
-                              <a:lumMod val="75000"/>
-                              <a:lumOff val="25000"/>
-                            </a:schemeClr>
-                          </a:solidFill>
-                          <a:latin typeface="+mn-lt"/>
-                          <a:ea typeface="微软雅黑" panose="020B0503020204020204" pitchFamily="34" charset="-122"/>
-                        </a:rPr>
-                        <a:t>宝安国际机场（飞机场）</a:t>
-                      </a:r>
-                    </a:p>
-                  </a:txBody>
-                  <a:tcPr marL="91445" marR="91445" marT="45713" marB="45713" anchor="ctr">
-                    <a:solidFill>
-                      <a:srgbClr val="FFFFFF"/>
-                    </a:solidFill>
-                  </a:tcPr>
-                </a:tc>
-                <a:tc>
-                  <a:txBody>
-                    <a:bodyPr/>
-                    <a:lstStyle/>
-                    <a:p>
-                      <a:pPr algn="ctr"/>
-                      <a:r>
-                        <a:rPr sz="1200" b="0" dirty="0">
-                          <a:solidFill>
-                            <a:schemeClr val="tx1">
-                              <a:lumMod val="75000"/>
-                              <a:lumOff val="25000"/>
-                            </a:schemeClr>
-                          </a:solidFill>
-                          <a:latin typeface="+mn-lt"/>
-                          <a:ea typeface="微软雅黑" panose="020B0503020204020204" pitchFamily="34" charset="-122"/>
-                        </a:rPr>
-                        <a:t>0.8</a:t>
-                      </a:r>
-                    </a:p>
-                  </a:txBody>
-                  <a:tcPr marL="91445" marR="91445" marT="45713" marB="45713" anchor="ctr">
-                    <a:solidFill>
-                      <a:srgbClr val="FFFFFF"/>
-                    </a:solidFill>
-                  </a:tcPr>
-                </a:tc>
-                <a:extLst>
-                  <a:ext uri="{0D108BD9-81ED-4DB2-BD59-A6C34878D82A}">
-                    <a16:rowId xmlns:a16="http://schemas.microsoft.com/office/drawing/2014/main" val="10001"/>
-                  </a:ext>
-                </a:extLst>
-              </a:tr>
-              <a:tr h="477116">
-                <a:tc>
-                  <a:txBody>
-                    <a:bodyPr/>
-                    <a:lstStyle/>
-                    <a:p>
-                      <a:pPr algn="ctr"/>
-                      <a:r>
-                        <a:rPr sz="1200" b="0" dirty="0">
-                          <a:solidFill>
-                            <a:schemeClr val="tx1">
-                              <a:lumMod val="75000"/>
-                              <a:lumOff val="25000"/>
-                            </a:schemeClr>
-                          </a:solidFill>
-                          <a:latin typeface="+mn-lt"/>
-                          <a:ea typeface="微软雅黑" panose="020B0503020204020204" pitchFamily="34" charset="-122"/>
-                        </a:rPr>
-                        <a:t>2</a:t>
-                      </a:r>
-                    </a:p>
-                  </a:txBody>
-                  <a:tcPr marL="91445" marR="91445" marT="45713" marB="45713" anchor="ctr">
-                    <a:solidFill>
-                      <a:srgbClr val="F6F7F9"/>
-                    </a:solidFill>
-                  </a:tcPr>
-                </a:tc>
-                <a:tc>
-                  <a:txBody>
-                    <a:bodyPr/>
-                    <a:lstStyle/>
-                    <a:p>
-                      <a:pPr algn="ctr"/>
-                      <a:r>
-                        <a:rPr lang="zh-CN" altLang="en-US" sz="1200" b="0" dirty="0">
-                          <a:solidFill>
-                            <a:schemeClr val="tx1">
-                              <a:lumMod val="75000"/>
-                              <a:lumOff val="25000"/>
-                            </a:schemeClr>
-                          </a:solidFill>
-                          <a:latin typeface="+mn-lt"/>
-                          <a:ea typeface="微软雅黑" panose="020B0503020204020204" pitchFamily="34" charset="-122"/>
-                        </a:rPr>
-                        <a:t>红山</a:t>
-                      </a:r>
-                      <a:r>
-                        <a:rPr lang="en-US" altLang="zh-CN" sz="1200" b="0" dirty="0">
-                          <a:solidFill>
-                            <a:schemeClr val="tx1">
-                              <a:lumMod val="75000"/>
-                              <a:lumOff val="25000"/>
-                            </a:schemeClr>
-                          </a:solidFill>
-                          <a:latin typeface="+mn-lt"/>
-                          <a:ea typeface="微软雅黑" panose="020B0503020204020204" pitchFamily="34" charset="-122"/>
-                        </a:rPr>
-                        <a:t>(</a:t>
-                      </a:r>
-                      <a:r>
-                        <a:rPr lang="zh-CN" altLang="en-US" sz="1200" b="0" dirty="0">
-                          <a:solidFill>
-                            <a:schemeClr val="tx1">
-                              <a:lumMod val="75000"/>
-                              <a:lumOff val="25000"/>
-                            </a:schemeClr>
-                          </a:solidFill>
-                          <a:latin typeface="+mn-lt"/>
-                          <a:ea typeface="微软雅黑" panose="020B0503020204020204" pitchFamily="34" charset="-122"/>
-                        </a:rPr>
-                        <a:t>地铁站</a:t>
-                      </a:r>
-                      <a:r>
-                        <a:rPr lang="en-US" altLang="zh-CN" sz="1200" b="0" dirty="0">
-                          <a:solidFill>
-                            <a:schemeClr val="tx1">
-                              <a:lumMod val="75000"/>
-                              <a:lumOff val="25000"/>
-                            </a:schemeClr>
-                          </a:solidFill>
-                          <a:latin typeface="+mn-lt"/>
-                          <a:ea typeface="微软雅黑" panose="020B0503020204020204" pitchFamily="34" charset="-122"/>
-                        </a:rPr>
-                        <a:t>)</a:t>
-                      </a:r>
-                    </a:p>
-                  </a:txBody>
-                  <a:tcPr marL="91445" marR="91445" marT="45713" marB="45713" anchor="ctr">
-                    <a:solidFill>
-                      <a:srgbClr val="F6F7F9"/>
-                    </a:solidFill>
-                  </a:tcPr>
-                </a:tc>
-                <a:tc>
-                  <a:txBody>
-                    <a:bodyPr/>
-                    <a:lstStyle/>
-                    <a:p>
-                      <a:pPr algn="ctr"/>
-                      <a:r>
-                        <a:rPr sz="1200" b="0" dirty="0">
-                          <a:solidFill>
-                            <a:schemeClr val="tx1">
-                              <a:lumMod val="75000"/>
-                              <a:lumOff val="25000"/>
-                            </a:schemeClr>
-                          </a:solidFill>
-                          <a:latin typeface="+mn-lt"/>
-                          <a:ea typeface="微软雅黑" panose="020B0503020204020204" pitchFamily="34" charset="-122"/>
-                        </a:rPr>
-                        <a:t>0.1</a:t>
-                      </a:r>
-                    </a:p>
-                  </a:txBody>
-                  <a:tcPr marL="91445" marR="91445" marT="45713" marB="45713" anchor="ctr">
-                    <a:solidFill>
-                      <a:srgbClr val="F6F7F9"/>
-                    </a:solidFill>
-                  </a:tcPr>
-                </a:tc>
-                <a:extLst>
-                  <a:ext uri="{0D108BD9-81ED-4DB2-BD59-A6C34878D82A}">
-                    <a16:rowId xmlns:a16="http://schemas.microsoft.com/office/drawing/2014/main" val="10002"/>
-                  </a:ext>
-                </a:extLst>
-              </a:tr>
-              <a:tr h="477116">
-                <a:tc>
-                  <a:txBody>
-                    <a:bodyPr/>
-                    <a:lstStyle/>
-                    <a:p>
-                      <a:pPr algn="ctr"/>
-                      <a:r>
-                        <a:rPr sz="1200" b="0" dirty="0">
-                          <a:solidFill>
-                            <a:schemeClr val="tx1">
-                              <a:lumMod val="75000"/>
-                              <a:lumOff val="25000"/>
-                            </a:schemeClr>
-                          </a:solidFill>
-                          <a:latin typeface="+mn-lt"/>
-                          <a:ea typeface="微软雅黑" panose="020B0503020204020204" pitchFamily="34" charset="-122"/>
-                        </a:rPr>
-                        <a:t>3</a:t>
-                      </a:r>
-                    </a:p>
-                  </a:txBody>
-                  <a:tcPr marL="91445" marR="91445" marT="45713" marB="45713" anchor="ctr">
-                    <a:solidFill>
-                      <a:srgbClr val="FFFFFF"/>
-                    </a:solidFill>
-                  </a:tcPr>
-                </a:tc>
-                <a:tc>
-                  <a:txBody>
-                    <a:bodyPr/>
-                    <a:lstStyle/>
-                    <a:p>
-                      <a:pPr algn="ctr"/>
-                      <a:r>
-                        <a:rPr lang="zh-CN" altLang="en-US" sz="1200" b="0" dirty="0">
-                          <a:solidFill>
-                            <a:schemeClr val="tx1">
-                              <a:lumMod val="75000"/>
-                              <a:lumOff val="25000"/>
-                            </a:schemeClr>
-                          </a:solidFill>
-                          <a:latin typeface="+mn-lt"/>
-                          <a:ea typeface="微软雅黑" panose="020B0503020204020204" pitchFamily="34" charset="-122"/>
-                        </a:rPr>
-                        <a:t>福田火车站（火车站）</a:t>
-                      </a:r>
-                      <a:endParaRPr sz="1200" b="0" dirty="0">
-                        <a:solidFill>
-                          <a:schemeClr val="tx1">
-                            <a:lumMod val="75000"/>
-                            <a:lumOff val="25000"/>
-                          </a:schemeClr>
-                        </a:solidFill>
-                        <a:latin typeface="+mn-lt"/>
-                        <a:ea typeface="微软雅黑" panose="020B0503020204020204" pitchFamily="34" charset="-122"/>
-                      </a:endParaRPr>
-                    </a:p>
-                  </a:txBody>
-                  <a:tcPr marL="91445" marR="91445" marT="45713" marB="45713" anchor="ctr">
-                    <a:solidFill>
-                      <a:srgbClr val="FFFFFF"/>
-                    </a:solidFill>
-                  </a:tcPr>
-                </a:tc>
-                <a:tc>
-                  <a:txBody>
-                    <a:bodyPr/>
-                    <a:lstStyle/>
-                    <a:p>
-                      <a:pPr algn="ctr"/>
-                      <a:r>
-                        <a:rPr sz="1200" b="0">
-                          <a:solidFill>
-                            <a:schemeClr val="tx1">
-                              <a:lumMod val="75000"/>
-                              <a:lumOff val="25000"/>
-                            </a:schemeClr>
-                          </a:solidFill>
-                          <a:latin typeface="+mn-lt"/>
-                          <a:ea typeface="微软雅黑" panose="020B0503020204020204" pitchFamily="34" charset="-122"/>
-                        </a:rPr>
-                        <a:t>0.4</a:t>
-                      </a:r>
-                    </a:p>
-                  </a:txBody>
-                  <a:tcPr marL="91445" marR="91445" marT="45713" marB="45713" anchor="ctr">
-                    <a:solidFill>
-                      <a:srgbClr val="FFFFFF"/>
-                    </a:solidFill>
-                  </a:tcPr>
-                </a:tc>
-                <a:extLst>
-                  <a:ext uri="{0D108BD9-81ED-4DB2-BD59-A6C34878D82A}">
-                    <a16:rowId xmlns:a16="http://schemas.microsoft.com/office/drawing/2014/main" val="10003"/>
-                  </a:ext>
-                </a:extLst>
-              </a:tr>
-              <a:tr h="477116">
-                <a:tc>
-                  <a:txBody>
-                    <a:bodyPr/>
-                    <a:lstStyle/>
-                    <a:p>
-                      <a:pPr algn="ctr"/>
-                      <a:r>
-                        <a:rPr sz="1200" b="0">
-                          <a:solidFill>
-                            <a:schemeClr val="tx1">
-                              <a:lumMod val="75000"/>
-                              <a:lumOff val="25000"/>
-                            </a:schemeClr>
-                          </a:solidFill>
-                          <a:latin typeface="+mn-lt"/>
-                          <a:ea typeface="微软雅黑" panose="020B0503020204020204" pitchFamily="34" charset="-122"/>
-                        </a:rPr>
-                        <a:t>4</a:t>
-                      </a:r>
-                    </a:p>
-                  </a:txBody>
-                  <a:tcPr marL="91445" marR="91445" marT="45713" marB="45713" anchor="ctr">
-                    <a:solidFill>
-                      <a:srgbClr val="F6F7F9"/>
-                    </a:solidFill>
-                  </a:tcPr>
-                </a:tc>
-                <a:tc>
-                  <a:txBody>
-                    <a:bodyPr/>
-                    <a:lstStyle/>
-                    <a:p>
-                      <a:pPr algn="ctr"/>
-                      <a:r>
-                        <a:rPr sz="1200" b="0" dirty="0" err="1">
-                          <a:solidFill>
-                            <a:schemeClr val="tx1">
-                              <a:lumMod val="75000"/>
-                              <a:lumOff val="25000"/>
-                            </a:schemeClr>
-                          </a:solidFill>
-                          <a:latin typeface="+mn-lt"/>
-                          <a:ea typeface="微软雅黑" panose="020B0503020204020204" pitchFamily="34" charset="-122"/>
-                        </a:rPr>
-                        <a:t>龙塘新村西</a:t>
-                      </a:r>
-                      <a:r>
-                        <a:rPr sz="1200" b="0" dirty="0">
-                          <a:solidFill>
-                            <a:schemeClr val="tx1">
-                              <a:lumMod val="75000"/>
-                              <a:lumOff val="25000"/>
-                            </a:schemeClr>
-                          </a:solidFill>
-                          <a:latin typeface="+mn-lt"/>
-                          <a:ea typeface="微软雅黑" panose="020B0503020204020204" pitchFamily="34" charset="-122"/>
-                        </a:rPr>
-                        <a:t>(</a:t>
-                      </a:r>
-                      <a:r>
-                        <a:rPr sz="1200" b="0" dirty="0" err="1">
-                          <a:solidFill>
-                            <a:schemeClr val="tx1">
-                              <a:lumMod val="75000"/>
-                              <a:lumOff val="25000"/>
-                            </a:schemeClr>
-                          </a:solidFill>
-                          <a:latin typeface="+mn-lt"/>
-                          <a:ea typeface="微软雅黑" panose="020B0503020204020204" pitchFamily="34" charset="-122"/>
-                        </a:rPr>
-                        <a:t>公交站</a:t>
-                      </a:r>
-                      <a:r>
-                        <a:rPr sz="1200" b="0" dirty="0">
-                          <a:solidFill>
-                            <a:schemeClr val="tx1">
-                              <a:lumMod val="75000"/>
-                              <a:lumOff val="25000"/>
-                            </a:schemeClr>
-                          </a:solidFill>
-                          <a:latin typeface="+mn-lt"/>
-                          <a:ea typeface="微软雅黑" panose="020B0503020204020204" pitchFamily="34" charset="-122"/>
-                        </a:rPr>
-                        <a:t>)</a:t>
-                      </a:r>
-                    </a:p>
-                  </a:txBody>
-                  <a:tcPr marL="91445" marR="91445" marT="45713" marB="45713" anchor="ctr">
-                    <a:solidFill>
-                      <a:srgbClr val="F6F7F9"/>
-                    </a:solidFill>
-                  </a:tcPr>
-                </a:tc>
-                <a:tc>
-                  <a:txBody>
-                    <a:bodyPr/>
-                    <a:lstStyle/>
-                    <a:p>
-                      <a:pPr algn="ctr"/>
-                      <a:r>
-                        <a:rPr sz="1200" b="0">
-                          <a:solidFill>
-                            <a:schemeClr val="tx1">
-                              <a:lumMod val="75000"/>
-                              <a:lumOff val="25000"/>
-                            </a:schemeClr>
-                          </a:solidFill>
-                          <a:latin typeface="+mn-lt"/>
-                          <a:ea typeface="微软雅黑" panose="020B0503020204020204" pitchFamily="34" charset="-122"/>
-                        </a:rPr>
-                        <a:t>0.4</a:t>
-                      </a:r>
-                    </a:p>
-                  </a:txBody>
-                  <a:tcPr marL="91445" marR="91445" marT="45713" marB="45713" anchor="ctr">
-                    <a:solidFill>
-                      <a:srgbClr val="F6F7F9"/>
-                    </a:solidFill>
-                  </a:tcPr>
-                </a:tc>
-                <a:extLst>
-                  <a:ext uri="{0D108BD9-81ED-4DB2-BD59-A6C34878D82A}">
-                    <a16:rowId xmlns:a16="http://schemas.microsoft.com/office/drawing/2014/main" val="10004"/>
-                  </a:ext>
-                </a:extLst>
-              </a:tr>
-              <a:tr h="477116">
-                <a:tc>
-                  <a:txBody>
-                    <a:bodyPr/>
-                    <a:lstStyle/>
-                    <a:p>
-                      <a:pPr algn="ctr"/>
-                      <a:r>
-                        <a:rPr sz="1200" b="0">
-                          <a:solidFill>
-                            <a:schemeClr val="tx1">
-                              <a:lumMod val="75000"/>
-                              <a:lumOff val="25000"/>
-                            </a:schemeClr>
-                          </a:solidFill>
-                          <a:latin typeface="+mn-lt"/>
-                          <a:ea typeface="微软雅黑" panose="020B0503020204020204" pitchFamily="34" charset="-122"/>
-                        </a:rPr>
-                        <a:t>5</a:t>
-                      </a:r>
-                    </a:p>
-                  </a:txBody>
-                  <a:tcPr marL="91445" marR="91445" marT="45713" marB="45713" anchor="ctr">
-                    <a:solidFill>
-                      <a:srgbClr val="FFFFFF"/>
-                    </a:solidFill>
-                  </a:tcPr>
-                </a:tc>
-                <a:tc>
-                  <a:txBody>
-                    <a:bodyPr/>
-                    <a:lstStyle/>
-                    <a:p>
-                      <a:pPr algn="ctr"/>
-                      <a:r>
-                        <a:rPr sz="1200" b="0" dirty="0" err="1">
-                          <a:solidFill>
-                            <a:schemeClr val="tx1">
-                              <a:lumMod val="75000"/>
-                              <a:lumOff val="25000"/>
-                            </a:schemeClr>
-                          </a:solidFill>
-                          <a:latin typeface="+mn-lt"/>
-                          <a:ea typeface="微软雅黑" panose="020B0503020204020204" pitchFamily="34" charset="-122"/>
-                        </a:rPr>
-                        <a:t>龙华新区大道总站</a:t>
-                      </a:r>
-                      <a:r>
-                        <a:rPr sz="1200" b="0" dirty="0">
-                          <a:solidFill>
-                            <a:schemeClr val="tx1">
-                              <a:lumMod val="75000"/>
-                              <a:lumOff val="25000"/>
-                            </a:schemeClr>
-                          </a:solidFill>
-                          <a:latin typeface="+mn-lt"/>
-                          <a:ea typeface="微软雅黑" panose="020B0503020204020204" pitchFamily="34" charset="-122"/>
-                        </a:rPr>
-                        <a:t>(</a:t>
-                      </a:r>
-                      <a:r>
-                        <a:rPr sz="1200" b="0" dirty="0" err="1">
-                          <a:solidFill>
-                            <a:schemeClr val="tx1">
-                              <a:lumMod val="75000"/>
-                              <a:lumOff val="25000"/>
-                            </a:schemeClr>
-                          </a:solidFill>
-                          <a:latin typeface="+mn-lt"/>
-                          <a:ea typeface="微软雅黑" panose="020B0503020204020204" pitchFamily="34" charset="-122"/>
-                        </a:rPr>
-                        <a:t>公交站</a:t>
-                      </a:r>
-                      <a:r>
-                        <a:rPr sz="1200" b="0" dirty="0">
-                          <a:solidFill>
-                            <a:schemeClr val="tx1">
-                              <a:lumMod val="75000"/>
-                              <a:lumOff val="25000"/>
-                            </a:schemeClr>
-                          </a:solidFill>
-                          <a:latin typeface="+mn-lt"/>
-                          <a:ea typeface="微软雅黑" panose="020B0503020204020204" pitchFamily="34" charset="-122"/>
-                        </a:rPr>
-                        <a:t>)</a:t>
-                      </a:r>
-                    </a:p>
-                  </a:txBody>
-                  <a:tcPr marL="91445" marR="91445" marT="45713" marB="45713" anchor="ctr">
-                    <a:solidFill>
-                      <a:srgbClr val="FFFFFF"/>
-                    </a:solidFill>
-                  </a:tcPr>
-                </a:tc>
-                <a:tc>
-                  <a:txBody>
-                    <a:bodyPr/>
-                    <a:lstStyle/>
-                    <a:p>
-                      <a:pPr algn="ctr"/>
-                      <a:r>
-                        <a:rPr sz="1200" b="0">
-                          <a:solidFill>
-                            <a:schemeClr val="tx1">
-                              <a:lumMod val="75000"/>
-                              <a:lumOff val="25000"/>
-                            </a:schemeClr>
-                          </a:solidFill>
-                          <a:latin typeface="+mn-lt"/>
-                          <a:ea typeface="微软雅黑" panose="020B0503020204020204" pitchFamily="34" charset="-122"/>
-                        </a:rPr>
-                        <a:t>0.5</a:t>
-                      </a:r>
-                    </a:p>
-                  </a:txBody>
-                  <a:tcPr marL="91445" marR="91445" marT="45713" marB="45713" anchor="ctr">
-                    <a:solidFill>
-                      <a:srgbClr val="FFFFFF"/>
-                    </a:solidFill>
-                  </a:tcPr>
-                </a:tc>
-                <a:extLst>
-                  <a:ext uri="{0D108BD9-81ED-4DB2-BD59-A6C34878D82A}">
-                    <a16:rowId xmlns:a16="http://schemas.microsoft.com/office/drawing/2014/main" val="10005"/>
-                  </a:ext>
-                </a:extLst>
-              </a:tr>
-              <a:tr h="477116">
-                <a:tc>
-                  <a:txBody>
-                    <a:bodyPr/>
-                    <a:lstStyle/>
-                    <a:p>
-                      <a:pPr algn="ctr"/>
-                      <a:r>
-                        <a:rPr sz="1200" b="0">
-                          <a:solidFill>
-                            <a:schemeClr val="tx1">
-                              <a:lumMod val="75000"/>
-                              <a:lumOff val="25000"/>
-                            </a:schemeClr>
-                          </a:solidFill>
-                          <a:latin typeface="+mn-lt"/>
-                          <a:ea typeface="微软雅黑" panose="020B0503020204020204" pitchFamily="34" charset="-122"/>
-                        </a:rPr>
-                        <a:t>6</a:t>
-                      </a:r>
-                    </a:p>
-                  </a:txBody>
-                  <a:tcPr marL="91445" marR="91445" marT="45713" marB="45713" anchor="ctr">
-                    <a:solidFill>
-                      <a:srgbClr val="F6F7F9"/>
-                    </a:solidFill>
-                  </a:tcPr>
-                </a:tc>
-                <a:tc>
-                  <a:txBody>
-                    <a:bodyPr/>
-                    <a:lstStyle/>
-                    <a:p>
-                      <a:pPr algn="ctr"/>
-                      <a:r>
-                        <a:rPr sz="1200" b="0" dirty="0" err="1">
-                          <a:solidFill>
-                            <a:schemeClr val="tx1">
-                              <a:lumMod val="75000"/>
-                              <a:lumOff val="25000"/>
-                            </a:schemeClr>
-                          </a:solidFill>
-                          <a:latin typeface="+mn-lt"/>
-                          <a:ea typeface="微软雅黑" panose="020B0503020204020204" pitchFamily="34" charset="-122"/>
-                        </a:rPr>
-                        <a:t>红山地铁站</a:t>
-                      </a:r>
-                      <a:r>
-                        <a:rPr sz="1200" b="0" dirty="0">
-                          <a:solidFill>
-                            <a:schemeClr val="tx1">
-                              <a:lumMod val="75000"/>
-                              <a:lumOff val="25000"/>
-                            </a:schemeClr>
-                          </a:solidFill>
-                          <a:latin typeface="+mn-lt"/>
-                          <a:ea typeface="微软雅黑" panose="020B0503020204020204" pitchFamily="34" charset="-122"/>
-                        </a:rPr>
-                        <a:t>(</a:t>
-                      </a:r>
-                      <a:r>
-                        <a:rPr sz="1200" b="0" dirty="0" err="1">
-                          <a:solidFill>
-                            <a:schemeClr val="tx1">
-                              <a:lumMod val="75000"/>
-                              <a:lumOff val="25000"/>
-                            </a:schemeClr>
-                          </a:solidFill>
-                          <a:latin typeface="+mn-lt"/>
-                          <a:ea typeface="微软雅黑" panose="020B0503020204020204" pitchFamily="34" charset="-122"/>
-                        </a:rPr>
-                        <a:t>公交站</a:t>
-                      </a:r>
-                      <a:r>
-                        <a:rPr sz="1200" b="0" dirty="0">
-                          <a:solidFill>
-                            <a:schemeClr val="tx1">
-                              <a:lumMod val="75000"/>
-                              <a:lumOff val="25000"/>
-                            </a:schemeClr>
-                          </a:solidFill>
-                          <a:latin typeface="+mn-lt"/>
-                          <a:ea typeface="微软雅黑" panose="020B0503020204020204" pitchFamily="34" charset="-122"/>
-                        </a:rPr>
-                        <a:t>)</a:t>
-                      </a:r>
-                    </a:p>
-                  </a:txBody>
-                  <a:tcPr marL="91445" marR="91445" marT="45713" marB="45713" anchor="ctr">
-                    <a:solidFill>
-                      <a:srgbClr val="F6F7F9"/>
-                    </a:solidFill>
-                  </a:tcPr>
-                </a:tc>
-                <a:tc>
-                  <a:txBody>
-                    <a:bodyPr/>
-                    <a:lstStyle/>
-                    <a:p>
-                      <a:pPr algn="ctr"/>
-                      <a:r>
-                        <a:rPr sz="1200" b="0">
-                          <a:solidFill>
-                            <a:schemeClr val="tx1">
-                              <a:lumMod val="75000"/>
-                              <a:lumOff val="25000"/>
-                            </a:schemeClr>
-                          </a:solidFill>
-                          <a:latin typeface="+mn-lt"/>
-                          <a:ea typeface="微软雅黑" panose="020B0503020204020204" pitchFamily="34" charset="-122"/>
-                        </a:rPr>
-                        <a:t>0.5</a:t>
-                      </a:r>
-                    </a:p>
-                  </a:txBody>
-                  <a:tcPr marL="91445" marR="91445" marT="45713" marB="45713" anchor="ctr">
-                    <a:solidFill>
-                      <a:srgbClr val="F6F7F9"/>
-                    </a:solidFill>
-                  </a:tcPr>
-                </a:tc>
-                <a:extLst>
-                  <a:ext uri="{0D108BD9-81ED-4DB2-BD59-A6C34878D82A}">
-                    <a16:rowId xmlns:a16="http://schemas.microsoft.com/office/drawing/2014/main" val="10006"/>
-                  </a:ext>
-                </a:extLst>
-              </a:tr>
-              <a:tr h="477116">
-                <a:tc>
-                  <a:txBody>
-                    <a:bodyPr/>
-                    <a:lstStyle/>
-                    <a:p>
-                      <a:pPr algn="ctr"/>
-                      <a:r>
-                        <a:rPr sz="1200" b="0">
-                          <a:solidFill>
-                            <a:schemeClr val="tx1">
-                              <a:lumMod val="75000"/>
-                              <a:lumOff val="25000"/>
-                            </a:schemeClr>
-                          </a:solidFill>
-                          <a:latin typeface="+mn-lt"/>
-                          <a:ea typeface="微软雅黑" panose="020B0503020204020204" pitchFamily="34" charset="-122"/>
-                        </a:rPr>
-                        <a:t>7</a:t>
-                      </a:r>
-                    </a:p>
-                  </a:txBody>
-                  <a:tcPr marL="91445" marR="91445" marT="45713" marB="45713" anchor="ctr">
-                    <a:solidFill>
-                      <a:srgbClr val="FFFFFF"/>
-                    </a:solidFill>
-                  </a:tcPr>
-                </a:tc>
-                <a:tc>
-                  <a:txBody>
-                    <a:bodyPr/>
-                    <a:lstStyle/>
-                    <a:p>
-                      <a:pPr algn="ctr"/>
-                      <a:r>
-                        <a:rPr sz="1200" b="0" dirty="0" err="1">
-                          <a:solidFill>
-                            <a:schemeClr val="tx1">
-                              <a:lumMod val="75000"/>
-                              <a:lumOff val="25000"/>
-                            </a:schemeClr>
-                          </a:solidFill>
-                          <a:latin typeface="+mn-lt"/>
-                          <a:ea typeface="微软雅黑" panose="020B0503020204020204" pitchFamily="34" charset="-122"/>
-                        </a:rPr>
-                        <a:t>龙塘新村</a:t>
-                      </a:r>
-                      <a:r>
-                        <a:rPr sz="1200" b="0" dirty="0">
-                          <a:solidFill>
-                            <a:schemeClr val="tx1">
-                              <a:lumMod val="75000"/>
-                              <a:lumOff val="25000"/>
-                            </a:schemeClr>
-                          </a:solidFill>
-                          <a:latin typeface="+mn-lt"/>
-                          <a:ea typeface="微软雅黑" panose="020B0503020204020204" pitchFamily="34" charset="-122"/>
-                        </a:rPr>
-                        <a:t>(</a:t>
-                      </a:r>
-                      <a:r>
-                        <a:rPr sz="1200" b="0" dirty="0" err="1">
-                          <a:solidFill>
-                            <a:schemeClr val="tx1">
-                              <a:lumMod val="75000"/>
-                              <a:lumOff val="25000"/>
-                            </a:schemeClr>
-                          </a:solidFill>
-                          <a:latin typeface="+mn-lt"/>
-                          <a:ea typeface="微软雅黑" panose="020B0503020204020204" pitchFamily="34" charset="-122"/>
-                        </a:rPr>
-                        <a:t>公交站</a:t>
-                      </a:r>
-                      <a:r>
-                        <a:rPr sz="1200" b="0" dirty="0">
-                          <a:solidFill>
-                            <a:schemeClr val="tx1">
-                              <a:lumMod val="75000"/>
-                              <a:lumOff val="25000"/>
-                            </a:schemeClr>
-                          </a:solidFill>
-                          <a:latin typeface="+mn-lt"/>
-                          <a:ea typeface="微软雅黑" panose="020B0503020204020204" pitchFamily="34" charset="-122"/>
-                        </a:rPr>
-                        <a:t>)</a:t>
-                      </a:r>
-                    </a:p>
-                  </a:txBody>
-                  <a:tcPr marL="91445" marR="91445" marT="45713" marB="45713" anchor="ctr">
-                    <a:solidFill>
-                      <a:srgbClr val="FFFFFF"/>
-                    </a:solidFill>
-                  </a:tcPr>
-                </a:tc>
-                <a:tc>
-                  <a:txBody>
-                    <a:bodyPr/>
-                    <a:lstStyle/>
-                    <a:p>
-                      <a:pPr algn="ctr"/>
-                      <a:r>
-                        <a:rPr sz="1200" b="0" dirty="0">
-                          <a:solidFill>
-                            <a:schemeClr val="tx1">
-                              <a:lumMod val="75000"/>
-                              <a:lumOff val="25000"/>
-                            </a:schemeClr>
-                          </a:solidFill>
-                          <a:latin typeface="+mn-lt"/>
-                          <a:ea typeface="微软雅黑" panose="020B0503020204020204" pitchFamily="34" charset="-122"/>
-                        </a:rPr>
-                        <a:t>0.6</a:t>
-                      </a:r>
-                    </a:p>
-                  </a:txBody>
-                  <a:tcPr marL="91445" marR="91445" marT="45713" marB="45713" anchor="ctr">
-                    <a:solidFill>
-                      <a:srgbClr val="FFFFFF"/>
-                    </a:solidFill>
-                  </a:tcPr>
-                </a:tc>
-                <a:extLst>
-                  <a:ext uri="{0D108BD9-81ED-4DB2-BD59-A6C34878D82A}">
-                    <a16:rowId xmlns:a16="http://schemas.microsoft.com/office/drawing/2014/main" val="10007"/>
-                  </a:ext>
-                </a:extLst>
-              </a:tr>
-              <a:tr h="477116">
-                <a:tc>
-                  <a:txBody>
-                    <a:bodyPr/>
-                    <a:lstStyle/>
-                    <a:p>
-                      <a:pPr algn="ctr"/>
-                      <a:r>
-                        <a:rPr sz="1200" b="0">
-                          <a:solidFill>
-                            <a:schemeClr val="tx1">
-                              <a:lumMod val="75000"/>
-                              <a:lumOff val="25000"/>
-                            </a:schemeClr>
-                          </a:solidFill>
-                          <a:latin typeface="+mn-lt"/>
-                          <a:ea typeface="微软雅黑" panose="020B0503020204020204" pitchFamily="34" charset="-122"/>
-                        </a:rPr>
-                        <a:t>8</a:t>
-                      </a:r>
-                    </a:p>
-                  </a:txBody>
-                  <a:tcPr marL="91445" marR="91445" marT="45713" marB="45713" anchor="ctr">
-                    <a:solidFill>
-                      <a:srgbClr val="F6F7F9"/>
-                    </a:solidFill>
-                  </a:tcPr>
-                </a:tc>
-                <a:tc>
-                  <a:txBody>
-                    <a:bodyPr/>
-                    <a:lstStyle/>
-                    <a:p>
-                      <a:pPr algn="ctr"/>
-                      <a:r>
-                        <a:rPr sz="1200" b="0" dirty="0" err="1">
-                          <a:solidFill>
-                            <a:schemeClr val="tx1">
-                              <a:lumMod val="75000"/>
-                              <a:lumOff val="25000"/>
-                            </a:schemeClr>
-                          </a:solidFill>
-                          <a:latin typeface="+mn-lt"/>
-                          <a:ea typeface="微软雅黑" panose="020B0503020204020204" pitchFamily="34" charset="-122"/>
-                        </a:rPr>
-                        <a:t>润达圆庭</a:t>
-                      </a:r>
-                      <a:r>
-                        <a:rPr sz="1200" b="0" dirty="0">
-                          <a:solidFill>
-                            <a:schemeClr val="tx1">
-                              <a:lumMod val="75000"/>
-                              <a:lumOff val="25000"/>
-                            </a:schemeClr>
-                          </a:solidFill>
-                          <a:latin typeface="+mn-lt"/>
-                          <a:ea typeface="微软雅黑" panose="020B0503020204020204" pitchFamily="34" charset="-122"/>
-                        </a:rPr>
-                        <a:t>(</a:t>
-                      </a:r>
-                      <a:r>
-                        <a:rPr sz="1200" b="0" dirty="0" err="1">
-                          <a:solidFill>
-                            <a:schemeClr val="tx1">
-                              <a:lumMod val="75000"/>
-                              <a:lumOff val="25000"/>
-                            </a:schemeClr>
-                          </a:solidFill>
-                          <a:latin typeface="+mn-lt"/>
-                          <a:ea typeface="微软雅黑" panose="020B0503020204020204" pitchFamily="34" charset="-122"/>
-                        </a:rPr>
-                        <a:t>公交站</a:t>
-                      </a:r>
-                      <a:r>
-                        <a:rPr sz="1200" b="0" dirty="0">
-                          <a:solidFill>
-                            <a:schemeClr val="tx1">
-                              <a:lumMod val="75000"/>
-                              <a:lumOff val="25000"/>
-                            </a:schemeClr>
-                          </a:solidFill>
-                          <a:latin typeface="+mn-lt"/>
-                          <a:ea typeface="微软雅黑" panose="020B0503020204020204" pitchFamily="34" charset="-122"/>
-                        </a:rPr>
-                        <a:t>)</a:t>
-                      </a:r>
-                    </a:p>
-                  </a:txBody>
-                  <a:tcPr marL="91445" marR="91445" marT="45713" marB="45713" anchor="ctr">
-                    <a:solidFill>
-                      <a:srgbClr val="F6F7F9"/>
-                    </a:solidFill>
-                  </a:tcPr>
-                </a:tc>
-                <a:tc>
-                  <a:txBody>
-                    <a:bodyPr/>
-                    <a:lstStyle/>
-                    <a:p>
-                      <a:pPr algn="ctr"/>
-                      <a:r>
-                        <a:rPr sz="1200" b="0" dirty="0">
-                          <a:solidFill>
-                            <a:schemeClr val="tx1">
-                              <a:lumMod val="75000"/>
-                              <a:lumOff val="25000"/>
-                            </a:schemeClr>
-                          </a:solidFill>
-                          <a:latin typeface="+mn-lt"/>
-                          <a:ea typeface="微软雅黑" panose="020B0503020204020204" pitchFamily="34" charset="-122"/>
-                        </a:rPr>
-                        <a:t>0.6</a:t>
-                      </a:r>
-                    </a:p>
-                  </a:txBody>
-                  <a:tcPr marL="91445" marR="91445" marT="45713" marB="45713" anchor="ctr">
-                    <a:solidFill>
-                      <a:srgbClr val="F6F7F9"/>
-                    </a:solidFill>
-                  </a:tcPr>
-                </a:tc>
-                <a:extLst>
-                  <a:ext uri="{0D108BD9-81ED-4DB2-BD59-A6C34878D82A}">
-                    <a16:rowId xmlns:a16="http://schemas.microsoft.com/office/drawing/2014/main" val="10008"/>
-                  </a:ext>
-                </a:extLst>
-              </a:tr>
-              <a:tr h="477116">
-                <a:tc>
-                  <a:txBody>
-                    <a:bodyPr/>
-                    <a:lstStyle/>
-                    <a:p>
-                      <a:pPr algn="ctr"/>
-                      <a:r>
-                        <a:rPr sz="1200" b="0">
-                          <a:solidFill>
-                            <a:schemeClr val="tx1">
-                              <a:lumMod val="75000"/>
-                              <a:lumOff val="25000"/>
-                            </a:schemeClr>
-                          </a:solidFill>
-                          <a:latin typeface="+mn-lt"/>
-                          <a:ea typeface="微软雅黑" panose="020B0503020204020204" pitchFamily="34" charset="-122"/>
-                        </a:rPr>
-                        <a:t>9</a:t>
-                      </a:r>
-                    </a:p>
-                  </a:txBody>
-                  <a:tcPr marL="91445" marR="91445" marT="45713" marB="45713" anchor="ctr">
-                    <a:solidFill>
-                      <a:srgbClr val="FFFFFF"/>
-                    </a:solidFill>
-                  </a:tcPr>
-                </a:tc>
-                <a:tc>
-                  <a:txBody>
-                    <a:bodyPr/>
-                    <a:lstStyle/>
-                    <a:p>
-                      <a:pPr algn="ctr"/>
-                      <a:r>
-                        <a:rPr sz="1200" b="0" dirty="0" err="1">
-                          <a:solidFill>
-                            <a:schemeClr val="tx1">
-                              <a:lumMod val="75000"/>
-                              <a:lumOff val="25000"/>
-                            </a:schemeClr>
-                          </a:solidFill>
-                          <a:latin typeface="+mn-lt"/>
-                          <a:ea typeface="微软雅黑" panose="020B0503020204020204" pitchFamily="34" charset="-122"/>
-                        </a:rPr>
-                        <a:t>中央原著</a:t>
-                      </a:r>
-                      <a:r>
-                        <a:rPr sz="1200" b="0" dirty="0">
-                          <a:solidFill>
-                            <a:schemeClr val="tx1">
-                              <a:lumMod val="75000"/>
-                              <a:lumOff val="25000"/>
-                            </a:schemeClr>
-                          </a:solidFill>
-                          <a:latin typeface="+mn-lt"/>
-                          <a:ea typeface="微软雅黑" panose="020B0503020204020204" pitchFamily="34" charset="-122"/>
-                        </a:rPr>
-                        <a:t>(</a:t>
-                      </a:r>
-                      <a:r>
-                        <a:rPr sz="1200" b="0" dirty="0" err="1">
-                          <a:solidFill>
-                            <a:schemeClr val="tx1">
-                              <a:lumMod val="75000"/>
-                              <a:lumOff val="25000"/>
-                            </a:schemeClr>
-                          </a:solidFill>
-                          <a:latin typeface="+mn-lt"/>
-                          <a:ea typeface="微软雅黑" panose="020B0503020204020204" pitchFamily="34" charset="-122"/>
-                        </a:rPr>
-                        <a:t>公交站</a:t>
-                      </a:r>
-                      <a:r>
-                        <a:rPr sz="1200" b="0" dirty="0">
-                          <a:solidFill>
-                            <a:schemeClr val="tx1">
-                              <a:lumMod val="75000"/>
-                              <a:lumOff val="25000"/>
-                            </a:schemeClr>
-                          </a:solidFill>
-                          <a:latin typeface="+mn-lt"/>
-                          <a:ea typeface="微软雅黑" panose="020B0503020204020204" pitchFamily="34" charset="-122"/>
-                        </a:rPr>
-                        <a:t>)</a:t>
-                      </a:r>
-                    </a:p>
-                  </a:txBody>
-                  <a:tcPr marL="91445" marR="91445" marT="45713" marB="45713" anchor="ctr">
-                    <a:solidFill>
-                      <a:srgbClr val="FFFFFF"/>
-                    </a:solidFill>
-                  </a:tcPr>
-                </a:tc>
-                <a:tc>
-                  <a:txBody>
-                    <a:bodyPr/>
-                    <a:lstStyle/>
-                    <a:p>
-                      <a:pPr algn="ctr"/>
-                      <a:r>
-                        <a:rPr sz="1200" b="0" dirty="0">
-                          <a:solidFill>
-                            <a:schemeClr val="tx1">
-                              <a:lumMod val="75000"/>
-                              <a:lumOff val="25000"/>
-                            </a:schemeClr>
-                          </a:solidFill>
-                          <a:latin typeface="+mn-lt"/>
-                          <a:ea typeface="微软雅黑" panose="020B0503020204020204" pitchFamily="34" charset="-122"/>
-                        </a:rPr>
-                        <a:t>0.6</a:t>
-                      </a:r>
-                    </a:p>
-                  </a:txBody>
-                  <a:tcPr marL="91445" marR="91445" marT="45713" marB="45713" anchor="ctr">
-                    <a:solidFill>
-                      <a:srgbClr val="FFFFFF"/>
-                    </a:solidFill>
-                  </a:tcPr>
-                </a:tc>
-                <a:extLst>
-                  <a:ext uri="{0D108BD9-81ED-4DB2-BD59-A6C34878D82A}">
-                    <a16:rowId xmlns:a16="http://schemas.microsoft.com/office/drawing/2014/main" val="10009"/>
-                  </a:ext>
-                </a:extLst>
-              </a:tr>
-              <a:tr h="477116">
-                <a:tc>
-                  <a:txBody>
-                    <a:bodyPr/>
-                    <a:lstStyle/>
-                    <a:p>
-                      <a:pPr algn="ctr"/>
-                      <a:r>
-                        <a:rPr sz="1200" b="0">
-                          <a:solidFill>
-                            <a:schemeClr val="tx1">
-                              <a:lumMod val="75000"/>
-                              <a:lumOff val="25000"/>
-                            </a:schemeClr>
-                          </a:solidFill>
-                          <a:latin typeface="+mn-lt"/>
-                          <a:ea typeface="微软雅黑" panose="020B0503020204020204" pitchFamily="34" charset="-122"/>
-                        </a:rPr>
-                        <a:t>10</a:t>
-                      </a:r>
-                    </a:p>
-                  </a:txBody>
-                  <a:tcPr marL="91445" marR="91445" marT="45713" marB="45713" anchor="ctr">
-                    <a:solidFill>
-                      <a:srgbClr val="F6F7F9"/>
-                    </a:solidFill>
-                  </a:tcPr>
-                </a:tc>
-                <a:tc>
-                  <a:txBody>
-                    <a:bodyPr/>
-                    <a:lstStyle/>
-                    <a:p>
-                      <a:pPr algn="ctr"/>
-                      <a:r>
-                        <a:rPr sz="1200" b="0">
-                          <a:solidFill>
-                            <a:schemeClr val="tx1">
-                              <a:lumMod val="75000"/>
-                              <a:lumOff val="25000"/>
-                            </a:schemeClr>
-                          </a:solidFill>
-                          <a:latin typeface="+mn-lt"/>
-                          <a:ea typeface="微软雅黑" panose="020B0503020204020204" pitchFamily="34" charset="-122"/>
-                        </a:rPr>
-                        <a:t>龙塘新村北(公交站)</a:t>
-                      </a:r>
-                    </a:p>
-                  </a:txBody>
-                  <a:tcPr marL="91445" marR="91445" marT="45713" marB="45713" anchor="ctr">
-                    <a:solidFill>
-                      <a:srgbClr val="F6F7F9"/>
-                    </a:solidFill>
-                  </a:tcPr>
-                </a:tc>
-                <a:tc>
-                  <a:txBody>
-                    <a:bodyPr/>
-                    <a:lstStyle/>
-                    <a:p>
-                      <a:pPr algn="ctr"/>
-                      <a:r>
-                        <a:rPr sz="1200" b="0" dirty="0">
-                          <a:solidFill>
-                            <a:schemeClr val="tx1">
-                              <a:lumMod val="75000"/>
-                              <a:lumOff val="25000"/>
-                            </a:schemeClr>
-                          </a:solidFill>
-                          <a:latin typeface="+mn-lt"/>
-                          <a:ea typeface="微软雅黑" panose="020B0503020204020204" pitchFamily="34" charset="-122"/>
-                        </a:rPr>
-                        <a:t>0.7</a:t>
-                      </a:r>
-                    </a:p>
-                  </a:txBody>
-                  <a:tcPr marL="91445" marR="91445" marT="45713" marB="45713" anchor="ctr">
-                    <a:solidFill>
-                      <a:srgbClr val="F6F7F9"/>
-                    </a:solidFill>
-                  </a:tcPr>
-                </a:tc>
-                <a:extLst>
-                  <a:ext uri="{0D108BD9-81ED-4DB2-BD59-A6C34878D82A}">
-                    <a16:rowId xmlns:a16="http://schemas.microsoft.com/office/drawing/2014/main" val="10010"/>
-                  </a:ext>
-                </a:extLst>
-              </a:tr>
-            </a:tbl>
-          </a:graphicData>
-        </a:graphic>
-      </p:graphicFrame>
       <p:pic>
         <p:nvPicPr>
           <p:cNvPr id="94" name="图片 93">
@@ -26126,14 +23096,14 @@
           <p:nvPr>
             <p:extLst>
               <p:ext uri="{D42A27DB-BD31-4B8C-83A1-F6EECF244321}">
-                <p14:modId xmlns:p14="http://schemas.microsoft.com/office/powerpoint/2010/main" val="3413467243"/>
+                <p14:modId xmlns:p14="http://schemas.microsoft.com/office/powerpoint/2010/main" val="2414619708"/>
               </p:ext>
             </p:extLst>
           </p:nvPr>
         </p:nvGraphicFramePr>
         <p:xfrm>
-          <a:off x="396554" y="4980776"/>
-          <a:ext cx="3959423" cy="1198880"/>
+          <a:off x="396553" y="4869160"/>
+          <a:ext cx="3959423" cy="1285240"/>
         </p:xfrm>
         <a:graphic>
           <a:graphicData uri="http://schemas.openxmlformats.org/drawingml/2006/table">
@@ -26149,35 +23119,35 @@
                     </a:ext>
                   </a:extLst>
                 </a:gridCol>
-                <a:gridCol w="525552">
+                <a:gridCol w="576064">
                   <a:extLst>
                     <a:ext uri="{9D8B030D-6E8A-4147-A177-3AD203B41FA5}">
                       <a16:colId xmlns:a16="http://schemas.microsoft.com/office/drawing/2014/main" val="4078681538"/>
                     </a:ext>
                   </a:extLst>
                 </a:gridCol>
-                <a:gridCol w="602100">
+                <a:gridCol w="576064">
                   <a:extLst>
                     <a:ext uri="{9D8B030D-6E8A-4147-A177-3AD203B41FA5}">
                       <a16:colId xmlns:a16="http://schemas.microsoft.com/office/drawing/2014/main" val="2915844198"/>
                     </a:ext>
                   </a:extLst>
                 </a:gridCol>
-                <a:gridCol w="535199">
+                <a:gridCol w="576064">
                   <a:extLst>
                     <a:ext uri="{9D8B030D-6E8A-4147-A177-3AD203B41FA5}">
                       <a16:colId xmlns:a16="http://schemas.microsoft.com/office/drawing/2014/main" val="2791978805"/>
                     </a:ext>
                   </a:extLst>
                 </a:gridCol>
-                <a:gridCol w="602100">
+                <a:gridCol w="576064">
                   <a:extLst>
                     <a:ext uri="{9D8B030D-6E8A-4147-A177-3AD203B41FA5}">
                       <a16:colId xmlns:a16="http://schemas.microsoft.com/office/drawing/2014/main" val="741427492"/>
                     </a:ext>
                   </a:extLst>
                 </a:gridCol>
-                <a:gridCol w="615370">
+                <a:gridCol w="576065">
                   <a:extLst>
                     <a:ext uri="{9D8B030D-6E8A-4147-A177-3AD203B41FA5}">
                       <a16:colId xmlns:a16="http://schemas.microsoft.com/office/drawing/2014/main" val="476539010"/>
@@ -26566,6 +23536,13 @@
                     <a:lstStyle/>
                     <a:p>
                       <a:pPr algn="ctr"/>
+                      <a:r>
+                        <a:rPr lang="en-US" altLang="zh-CN" sz="1200" dirty="0" smtClean="0">
+                          <a:latin typeface="+mn-lt"/>
+                          <a:ea typeface="微软雅黑" panose="020B0503020204020204" pitchFamily="34" charset="-122"/>
+                        </a:rPr>
+                        <a:t>{area_14}</a:t>
+                      </a:r>
                       <a:endParaRPr lang="zh-CN" altLang="en-US" sz="1200" dirty="0">
                         <a:latin typeface="+mn-lt"/>
                         <a:ea typeface="微软雅黑" panose="020B0503020204020204" pitchFamily="34" charset="-122"/>
@@ -26583,8 +23560,31 @@
                     <a:bodyPr/>
                     <a:lstStyle/>
                     <a:p>
-                      <a:pPr algn="ctr"/>
-                      <a:endParaRPr lang="zh-CN" altLang="en-US" sz="1200" dirty="0">
+                      <a:pPr marL="0" marR="0" lvl="0" indent="0" algn="ctr" defTabSz="914400" rtl="0" eaLnBrk="1" fontAlgn="auto" latinLnBrk="0" hangingPunct="1">
+                        <a:lnSpc>
+                          <a:spcPct val="100000"/>
+                        </a:lnSpc>
+                        <a:spcBef>
+                          <a:spcPts val="0"/>
+                        </a:spcBef>
+                        <a:spcAft>
+                          <a:spcPts val="0"/>
+                        </a:spcAft>
+                        <a:buClrTx/>
+                        <a:buSzTx/>
+                        <a:buFontTx/>
+                        <a:buNone/>
+                        <a:tabLst/>
+                        <a:defRPr/>
+                      </a:pPr>
+                      <a:r>
+                        <a:rPr lang="en-US" altLang="zh-CN" sz="1200" dirty="0" smtClean="0">
+                          <a:latin typeface="+mn-lt"/>
+                          <a:ea typeface="微软雅黑" panose="020B0503020204020204" pitchFamily="34" charset="-122"/>
+                        </a:rPr>
+                        <a:t>{area_15}</a:t>
+                      </a:r>
+                      <a:endParaRPr lang="zh-CN" altLang="en-US" sz="1200" dirty="0" smtClean="0">
                         <a:latin typeface="+mn-lt"/>
                         <a:ea typeface="微软雅黑" panose="020B0503020204020204" pitchFamily="34" charset="-122"/>
                       </a:endParaRPr>
@@ -26601,8 +23601,31 @@
                     <a:bodyPr/>
                     <a:lstStyle/>
                     <a:p>
-                      <a:pPr algn="ctr"/>
-                      <a:endParaRPr lang="zh-CN" altLang="en-US" sz="1200" dirty="0">
+                      <a:pPr marL="0" marR="0" lvl="0" indent="0" algn="ctr" defTabSz="914400" rtl="0" eaLnBrk="1" fontAlgn="auto" latinLnBrk="0" hangingPunct="1">
+                        <a:lnSpc>
+                          <a:spcPct val="100000"/>
+                        </a:lnSpc>
+                        <a:spcBef>
+                          <a:spcPts val="0"/>
+                        </a:spcBef>
+                        <a:spcAft>
+                          <a:spcPts val="0"/>
+                        </a:spcAft>
+                        <a:buClrTx/>
+                        <a:buSzTx/>
+                        <a:buFontTx/>
+                        <a:buNone/>
+                        <a:tabLst/>
+                        <a:defRPr/>
+                      </a:pPr>
+                      <a:r>
+                        <a:rPr lang="en-US" altLang="zh-CN" sz="1200" dirty="0" smtClean="0">
+                          <a:latin typeface="+mn-lt"/>
+                          <a:ea typeface="微软雅黑" panose="020B0503020204020204" pitchFamily="34" charset="-122"/>
+                        </a:rPr>
+                        <a:t>{area_16}</a:t>
+                      </a:r>
+                      <a:endParaRPr lang="zh-CN" altLang="en-US" sz="1200" dirty="0" smtClean="0">
                         <a:latin typeface="+mn-lt"/>
                         <a:ea typeface="微软雅黑" panose="020B0503020204020204" pitchFamily="34" charset="-122"/>
                       </a:endParaRPr>
@@ -26619,8 +23642,31 @@
                     <a:bodyPr/>
                     <a:lstStyle/>
                     <a:p>
-                      <a:pPr algn="ctr"/>
-                      <a:endParaRPr lang="zh-CN" altLang="en-US" sz="1200" dirty="0">
+                      <a:pPr marL="0" marR="0" lvl="0" indent="0" algn="ctr" defTabSz="914400" rtl="0" eaLnBrk="1" fontAlgn="auto" latinLnBrk="0" hangingPunct="1">
+                        <a:lnSpc>
+                          <a:spcPct val="100000"/>
+                        </a:lnSpc>
+                        <a:spcBef>
+                          <a:spcPts val="0"/>
+                        </a:spcBef>
+                        <a:spcAft>
+                          <a:spcPts val="0"/>
+                        </a:spcAft>
+                        <a:buClrTx/>
+                        <a:buSzTx/>
+                        <a:buFontTx/>
+                        <a:buNone/>
+                        <a:tabLst/>
+                        <a:defRPr/>
+                      </a:pPr>
+                      <a:r>
+                        <a:rPr lang="en-US" altLang="zh-CN" sz="1200" dirty="0" smtClean="0">
+                          <a:latin typeface="+mn-lt"/>
+                          <a:ea typeface="微软雅黑" panose="020B0503020204020204" pitchFamily="34" charset="-122"/>
+                        </a:rPr>
+                        <a:t>{area_17}</a:t>
+                      </a:r>
+                      <a:endParaRPr lang="zh-CN" altLang="en-US" sz="1200" dirty="0" smtClean="0">
                         <a:latin typeface="+mn-lt"/>
                         <a:ea typeface="微软雅黑" panose="020B0503020204020204" pitchFamily="34" charset="-122"/>
                       </a:endParaRPr>
@@ -26637,8 +23683,31 @@
                     <a:bodyPr/>
                     <a:lstStyle/>
                     <a:p>
-                      <a:pPr algn="ctr"/>
-                      <a:endParaRPr lang="zh-CN" altLang="en-US" sz="1200" dirty="0">
+                      <a:pPr marL="0" marR="0" lvl="0" indent="0" algn="ctr" defTabSz="914400" rtl="0" eaLnBrk="1" fontAlgn="auto" latinLnBrk="0" hangingPunct="1">
+                        <a:lnSpc>
+                          <a:spcPct val="100000"/>
+                        </a:lnSpc>
+                        <a:spcBef>
+                          <a:spcPts val="0"/>
+                        </a:spcBef>
+                        <a:spcAft>
+                          <a:spcPts val="0"/>
+                        </a:spcAft>
+                        <a:buClrTx/>
+                        <a:buSzTx/>
+                        <a:buFontTx/>
+                        <a:buNone/>
+                        <a:tabLst/>
+                        <a:defRPr/>
+                      </a:pPr>
+                      <a:r>
+                        <a:rPr lang="en-US" altLang="zh-CN" sz="1200" dirty="0" smtClean="0">
+                          <a:latin typeface="+mn-lt"/>
+                          <a:ea typeface="微软雅黑" panose="020B0503020204020204" pitchFamily="34" charset="-122"/>
+                        </a:rPr>
+                        <a:t>{area_18}</a:t>
+                      </a:r>
+                      <a:endParaRPr lang="zh-CN" altLang="en-US" sz="1200" dirty="0" smtClean="0">
                         <a:latin typeface="+mn-lt"/>
                         <a:ea typeface="微软雅黑" panose="020B0503020204020204" pitchFamily="34" charset="-122"/>
                       </a:endParaRPr>
@@ -26707,6 +23776,13 @@
                     <a:lstStyle/>
                     <a:p>
                       <a:pPr algn="ctr"/>
+                      <a:r>
+                        <a:rPr lang="en-US" altLang="zh-CN" sz="1200" dirty="0" smtClean="0">
+                          <a:latin typeface="+mn-lt"/>
+                          <a:ea typeface="微软雅黑" panose="020B0503020204020204" pitchFamily="34" charset="-122"/>
+                        </a:rPr>
+                        <a:t>{area_14s}</a:t>
+                      </a:r>
                       <a:endParaRPr lang="zh-CN" altLang="en-US" sz="1200" dirty="0">
                         <a:latin typeface="+mn-lt"/>
                         <a:ea typeface="微软雅黑" panose="020B0503020204020204" pitchFamily="34" charset="-122"/>
@@ -26720,8 +23796,31 @@
                     <a:bodyPr/>
                     <a:lstStyle/>
                     <a:p>
-                      <a:pPr algn="ctr"/>
-                      <a:endParaRPr lang="zh-CN" altLang="en-US" sz="1200" dirty="0">
+                      <a:pPr marL="0" marR="0" lvl="0" indent="0" algn="ctr" defTabSz="914400" rtl="0" eaLnBrk="1" fontAlgn="auto" latinLnBrk="0" hangingPunct="1">
+                        <a:lnSpc>
+                          <a:spcPct val="100000"/>
+                        </a:lnSpc>
+                        <a:spcBef>
+                          <a:spcPts val="0"/>
+                        </a:spcBef>
+                        <a:spcAft>
+                          <a:spcPts val="0"/>
+                        </a:spcAft>
+                        <a:buClrTx/>
+                        <a:buSzTx/>
+                        <a:buFontTx/>
+                        <a:buNone/>
+                        <a:tabLst/>
+                        <a:defRPr/>
+                      </a:pPr>
+                      <a:r>
+                        <a:rPr lang="en-US" altLang="zh-CN" sz="1200" dirty="0" smtClean="0">
+                          <a:latin typeface="+mn-lt"/>
+                          <a:ea typeface="微软雅黑" panose="020B0503020204020204" pitchFamily="34" charset="-122"/>
+                        </a:rPr>
+                        <a:t>{area_15s}</a:t>
+                      </a:r>
+                      <a:endParaRPr lang="zh-CN" altLang="en-US" sz="1200" dirty="0" smtClean="0">
                         <a:latin typeface="+mn-lt"/>
                         <a:ea typeface="微软雅黑" panose="020B0503020204020204" pitchFamily="34" charset="-122"/>
                       </a:endParaRPr>
@@ -26734,8 +23833,31 @@
                     <a:bodyPr/>
                     <a:lstStyle/>
                     <a:p>
-                      <a:pPr algn="ctr"/>
-                      <a:endParaRPr lang="zh-CN" altLang="en-US" sz="1200" dirty="0">
+                      <a:pPr marL="0" marR="0" lvl="0" indent="0" algn="ctr" defTabSz="914400" rtl="0" eaLnBrk="1" fontAlgn="auto" latinLnBrk="0" hangingPunct="1">
+                        <a:lnSpc>
+                          <a:spcPct val="100000"/>
+                        </a:lnSpc>
+                        <a:spcBef>
+                          <a:spcPts val="0"/>
+                        </a:spcBef>
+                        <a:spcAft>
+                          <a:spcPts val="0"/>
+                        </a:spcAft>
+                        <a:buClrTx/>
+                        <a:buSzTx/>
+                        <a:buFontTx/>
+                        <a:buNone/>
+                        <a:tabLst/>
+                        <a:defRPr/>
+                      </a:pPr>
+                      <a:r>
+                        <a:rPr lang="en-US" altLang="zh-CN" sz="1200" dirty="0" smtClean="0">
+                          <a:latin typeface="+mn-lt"/>
+                          <a:ea typeface="微软雅黑" panose="020B0503020204020204" pitchFamily="34" charset="-122"/>
+                        </a:rPr>
+                        <a:t>{area_16s}</a:t>
+                      </a:r>
+                      <a:endParaRPr lang="zh-CN" altLang="en-US" sz="1200" dirty="0" smtClean="0">
                         <a:latin typeface="+mn-lt"/>
                         <a:ea typeface="微软雅黑" panose="020B0503020204020204" pitchFamily="34" charset="-122"/>
                       </a:endParaRPr>
@@ -26748,8 +23870,31 @@
                     <a:bodyPr/>
                     <a:lstStyle/>
                     <a:p>
-                      <a:pPr algn="ctr"/>
-                      <a:endParaRPr lang="zh-CN" altLang="en-US" sz="1200" dirty="0">
+                      <a:pPr marL="0" marR="0" lvl="0" indent="0" algn="ctr" defTabSz="914400" rtl="0" eaLnBrk="1" fontAlgn="auto" latinLnBrk="0" hangingPunct="1">
+                        <a:lnSpc>
+                          <a:spcPct val="100000"/>
+                        </a:lnSpc>
+                        <a:spcBef>
+                          <a:spcPts val="0"/>
+                        </a:spcBef>
+                        <a:spcAft>
+                          <a:spcPts val="0"/>
+                        </a:spcAft>
+                        <a:buClrTx/>
+                        <a:buSzTx/>
+                        <a:buFontTx/>
+                        <a:buNone/>
+                        <a:tabLst/>
+                        <a:defRPr/>
+                      </a:pPr>
+                      <a:r>
+                        <a:rPr lang="en-US" altLang="zh-CN" sz="1200" dirty="0" smtClean="0">
+                          <a:latin typeface="+mn-lt"/>
+                          <a:ea typeface="微软雅黑" panose="020B0503020204020204" pitchFamily="34" charset="-122"/>
+                        </a:rPr>
+                        <a:t>{area_17s}</a:t>
+                      </a:r>
+                      <a:endParaRPr lang="zh-CN" altLang="en-US" sz="1200" dirty="0" smtClean="0">
                         <a:latin typeface="+mn-lt"/>
                         <a:ea typeface="微软雅黑" panose="020B0503020204020204" pitchFamily="34" charset="-122"/>
                       </a:endParaRPr>
@@ -26762,8 +23907,31 @@
                     <a:bodyPr/>
                     <a:lstStyle/>
                     <a:p>
-                      <a:pPr algn="ctr"/>
-                      <a:endParaRPr lang="zh-CN" altLang="en-US" sz="1200" dirty="0">
+                      <a:pPr marL="0" marR="0" lvl="0" indent="0" algn="ctr" defTabSz="914400" rtl="0" eaLnBrk="1" fontAlgn="auto" latinLnBrk="0" hangingPunct="1">
+                        <a:lnSpc>
+                          <a:spcPct val="100000"/>
+                        </a:lnSpc>
+                        <a:spcBef>
+                          <a:spcPts val="0"/>
+                        </a:spcBef>
+                        <a:spcAft>
+                          <a:spcPts val="0"/>
+                        </a:spcAft>
+                        <a:buClrTx/>
+                        <a:buSzTx/>
+                        <a:buFontTx/>
+                        <a:buNone/>
+                        <a:tabLst/>
+                        <a:defRPr/>
+                      </a:pPr>
+                      <a:r>
+                        <a:rPr lang="en-US" altLang="zh-CN" sz="1200" dirty="0" smtClean="0">
+                          <a:latin typeface="+mn-lt"/>
+                          <a:ea typeface="微软雅黑" panose="020B0503020204020204" pitchFamily="34" charset="-122"/>
+                        </a:rPr>
+                        <a:t>{area_18s}</a:t>
+                      </a:r>
+                      <a:endParaRPr lang="zh-CN" altLang="en-US" sz="1200" dirty="0" smtClean="0">
                         <a:latin typeface="+mn-lt"/>
                         <a:ea typeface="微软雅黑" panose="020B0503020204020204" pitchFamily="34" charset="-122"/>
                       </a:endParaRPr>
@@ -26796,14 +23964,14 @@
           <p:nvPr>
             <p:extLst>
               <p:ext uri="{D42A27DB-BD31-4B8C-83A1-F6EECF244321}">
-                <p14:modId xmlns:p14="http://schemas.microsoft.com/office/powerpoint/2010/main" val="2867937737"/>
+                <p14:modId xmlns:p14="http://schemas.microsoft.com/office/powerpoint/2010/main" val="1498838035"/>
               </p:ext>
             </p:extLst>
           </p:nvPr>
         </p:nvGraphicFramePr>
         <p:xfrm>
-          <a:off x="4788024" y="4980776"/>
-          <a:ext cx="3959423" cy="1198880"/>
+          <a:off x="4760189" y="4869160"/>
+          <a:ext cx="3959423" cy="1285240"/>
         </p:xfrm>
         <a:graphic>
           <a:graphicData uri="http://schemas.openxmlformats.org/drawingml/2006/table">
@@ -27235,8 +24403,31 @@
                     <a:bodyPr/>
                     <a:lstStyle/>
                     <a:p>
-                      <a:pPr algn="ctr"/>
-                      <a:endParaRPr lang="zh-CN" altLang="en-US" sz="1200" dirty="0">
+                      <a:pPr marL="0" marR="0" lvl="0" indent="0" algn="ctr" defTabSz="914400" rtl="0" eaLnBrk="1" fontAlgn="auto" latinLnBrk="0" hangingPunct="1">
+                        <a:lnSpc>
+                          <a:spcPct val="100000"/>
+                        </a:lnSpc>
+                        <a:spcBef>
+                          <a:spcPts val="0"/>
+                        </a:spcBef>
+                        <a:spcAft>
+                          <a:spcPts val="0"/>
+                        </a:spcAft>
+                        <a:buClrTx/>
+                        <a:buSzTx/>
+                        <a:buFontTx/>
+                        <a:buNone/>
+                        <a:tabLst/>
+                        <a:defRPr/>
+                      </a:pPr>
+                      <a:r>
+                        <a:rPr lang="en-US" altLang="zh-CN" sz="1200" dirty="0" smtClean="0">
+                          <a:latin typeface="+mn-lt"/>
+                          <a:ea typeface="微软雅黑" panose="020B0503020204020204" pitchFamily="34" charset="-122"/>
+                        </a:rPr>
+                        <a:t>{per_14}</a:t>
+                      </a:r>
+                      <a:endParaRPr lang="zh-CN" altLang="en-US" sz="1200" dirty="0" smtClean="0">
                         <a:latin typeface="+mn-lt"/>
                         <a:ea typeface="微软雅黑" panose="020B0503020204020204" pitchFamily="34" charset="-122"/>
                       </a:endParaRPr>
@@ -27253,8 +24444,31 @@
                     <a:bodyPr/>
                     <a:lstStyle/>
                     <a:p>
-                      <a:pPr algn="ctr"/>
-                      <a:endParaRPr lang="zh-CN" altLang="en-US" sz="1200" dirty="0">
+                      <a:pPr marL="0" marR="0" lvl="0" indent="0" algn="ctr" defTabSz="914400" rtl="0" eaLnBrk="1" fontAlgn="auto" latinLnBrk="0" hangingPunct="1">
+                        <a:lnSpc>
+                          <a:spcPct val="100000"/>
+                        </a:lnSpc>
+                        <a:spcBef>
+                          <a:spcPts val="0"/>
+                        </a:spcBef>
+                        <a:spcAft>
+                          <a:spcPts val="0"/>
+                        </a:spcAft>
+                        <a:buClrTx/>
+                        <a:buSzTx/>
+                        <a:buFontTx/>
+                        <a:buNone/>
+                        <a:tabLst/>
+                        <a:defRPr/>
+                      </a:pPr>
+                      <a:r>
+                        <a:rPr lang="en-US" altLang="zh-CN" sz="1200" dirty="0" smtClean="0">
+                          <a:latin typeface="+mn-lt"/>
+                          <a:ea typeface="微软雅黑" panose="020B0503020204020204" pitchFamily="34" charset="-122"/>
+                        </a:rPr>
+                        <a:t>{per_15}</a:t>
+                      </a:r>
+                      <a:endParaRPr lang="zh-CN" altLang="en-US" sz="1200" dirty="0" smtClean="0">
                         <a:latin typeface="+mn-lt"/>
                         <a:ea typeface="微软雅黑" panose="020B0503020204020204" pitchFamily="34" charset="-122"/>
                       </a:endParaRPr>
@@ -27271,8 +24485,31 @@
                     <a:bodyPr/>
                     <a:lstStyle/>
                     <a:p>
-                      <a:pPr algn="ctr"/>
-                      <a:endParaRPr lang="zh-CN" altLang="en-US" sz="1200" dirty="0">
+                      <a:pPr marL="0" marR="0" lvl="0" indent="0" algn="ctr" defTabSz="914400" rtl="0" eaLnBrk="1" fontAlgn="auto" latinLnBrk="0" hangingPunct="1">
+                        <a:lnSpc>
+                          <a:spcPct val="100000"/>
+                        </a:lnSpc>
+                        <a:spcBef>
+                          <a:spcPts val="0"/>
+                        </a:spcBef>
+                        <a:spcAft>
+                          <a:spcPts val="0"/>
+                        </a:spcAft>
+                        <a:buClrTx/>
+                        <a:buSzTx/>
+                        <a:buFontTx/>
+                        <a:buNone/>
+                        <a:tabLst/>
+                        <a:defRPr/>
+                      </a:pPr>
+                      <a:r>
+                        <a:rPr lang="en-US" altLang="zh-CN" sz="1200" dirty="0" smtClean="0">
+                          <a:latin typeface="+mn-lt"/>
+                          <a:ea typeface="微软雅黑" panose="020B0503020204020204" pitchFamily="34" charset="-122"/>
+                        </a:rPr>
+                        <a:t>{per_16}</a:t>
+                      </a:r>
+                      <a:endParaRPr lang="zh-CN" altLang="en-US" sz="1200" dirty="0" smtClean="0">
                         <a:latin typeface="+mn-lt"/>
                         <a:ea typeface="微软雅黑" panose="020B0503020204020204" pitchFamily="34" charset="-122"/>
                       </a:endParaRPr>
@@ -27289,8 +24526,31 @@
                     <a:bodyPr/>
                     <a:lstStyle/>
                     <a:p>
-                      <a:pPr algn="ctr"/>
-                      <a:endParaRPr lang="zh-CN" altLang="en-US" sz="1200" dirty="0">
+                      <a:pPr marL="0" marR="0" lvl="0" indent="0" algn="ctr" defTabSz="914400" rtl="0" eaLnBrk="1" fontAlgn="auto" latinLnBrk="0" hangingPunct="1">
+                        <a:lnSpc>
+                          <a:spcPct val="100000"/>
+                        </a:lnSpc>
+                        <a:spcBef>
+                          <a:spcPts val="0"/>
+                        </a:spcBef>
+                        <a:spcAft>
+                          <a:spcPts val="0"/>
+                        </a:spcAft>
+                        <a:buClrTx/>
+                        <a:buSzTx/>
+                        <a:buFontTx/>
+                        <a:buNone/>
+                        <a:tabLst/>
+                        <a:defRPr/>
+                      </a:pPr>
+                      <a:r>
+                        <a:rPr lang="en-US" altLang="zh-CN" sz="1200" dirty="0" smtClean="0">
+                          <a:latin typeface="+mn-lt"/>
+                          <a:ea typeface="微软雅黑" panose="020B0503020204020204" pitchFamily="34" charset="-122"/>
+                        </a:rPr>
+                        <a:t>{per_17}</a:t>
+                      </a:r>
+                      <a:endParaRPr lang="zh-CN" altLang="en-US" sz="1200" dirty="0" smtClean="0">
                         <a:latin typeface="+mn-lt"/>
                         <a:ea typeface="微软雅黑" panose="020B0503020204020204" pitchFamily="34" charset="-122"/>
                       </a:endParaRPr>
@@ -27307,8 +24567,31 @@
                     <a:bodyPr/>
                     <a:lstStyle/>
                     <a:p>
-                      <a:pPr algn="ctr"/>
-                      <a:endParaRPr lang="zh-CN" altLang="en-US" sz="1200" dirty="0">
+                      <a:pPr marL="0" marR="0" lvl="0" indent="0" algn="ctr" defTabSz="914400" rtl="0" eaLnBrk="1" fontAlgn="auto" latinLnBrk="0" hangingPunct="1">
+                        <a:lnSpc>
+                          <a:spcPct val="100000"/>
+                        </a:lnSpc>
+                        <a:spcBef>
+                          <a:spcPts val="0"/>
+                        </a:spcBef>
+                        <a:spcAft>
+                          <a:spcPts val="0"/>
+                        </a:spcAft>
+                        <a:buClrTx/>
+                        <a:buSzTx/>
+                        <a:buFontTx/>
+                        <a:buNone/>
+                        <a:tabLst/>
+                        <a:defRPr/>
+                      </a:pPr>
+                      <a:r>
+                        <a:rPr lang="en-US" altLang="zh-CN" sz="1200" dirty="0" smtClean="0">
+                          <a:latin typeface="+mn-lt"/>
+                          <a:ea typeface="微软雅黑" panose="020B0503020204020204" pitchFamily="34" charset="-122"/>
+                        </a:rPr>
+                        <a:t>{per_18}</a:t>
+                      </a:r>
+                      <a:endParaRPr lang="zh-CN" altLang="en-US" sz="1200" dirty="0" smtClean="0">
                         <a:latin typeface="+mn-lt"/>
                         <a:ea typeface="微软雅黑" panose="020B0503020204020204" pitchFamily="34" charset="-122"/>
                       </a:endParaRPr>
@@ -27376,8 +24659,31 @@
                     <a:bodyPr/>
                     <a:lstStyle/>
                     <a:p>
-                      <a:pPr algn="ctr"/>
-                      <a:endParaRPr lang="zh-CN" altLang="en-US" sz="1200" dirty="0">
+                      <a:pPr marL="0" marR="0" lvl="0" indent="0" algn="ctr" defTabSz="914400" rtl="0" eaLnBrk="1" fontAlgn="auto" latinLnBrk="0" hangingPunct="1">
+                        <a:lnSpc>
+                          <a:spcPct val="100000"/>
+                        </a:lnSpc>
+                        <a:spcBef>
+                          <a:spcPts val="0"/>
+                        </a:spcBef>
+                        <a:spcAft>
+                          <a:spcPts val="0"/>
+                        </a:spcAft>
+                        <a:buClrTx/>
+                        <a:buSzTx/>
+                        <a:buFontTx/>
+                        <a:buNone/>
+                        <a:tabLst/>
+                        <a:defRPr/>
+                      </a:pPr>
+                      <a:r>
+                        <a:rPr lang="en-US" altLang="zh-CN" sz="1200" dirty="0" smtClean="0">
+                          <a:latin typeface="+mn-lt"/>
+                          <a:ea typeface="微软雅黑" panose="020B0503020204020204" pitchFamily="34" charset="-122"/>
+                        </a:rPr>
+                        <a:t>{per_14s}</a:t>
+                      </a:r>
+                      <a:endParaRPr lang="zh-CN" altLang="en-US" sz="1200" dirty="0" smtClean="0">
                         <a:latin typeface="+mn-lt"/>
                         <a:ea typeface="微软雅黑" panose="020B0503020204020204" pitchFamily="34" charset="-122"/>
                       </a:endParaRPr>
@@ -27390,8 +24696,31 @@
                     <a:bodyPr/>
                     <a:lstStyle/>
                     <a:p>
-                      <a:pPr algn="ctr"/>
-                      <a:endParaRPr lang="zh-CN" altLang="en-US" sz="1200" dirty="0">
+                      <a:pPr marL="0" marR="0" lvl="0" indent="0" algn="ctr" defTabSz="914400" rtl="0" eaLnBrk="1" fontAlgn="auto" latinLnBrk="0" hangingPunct="1">
+                        <a:lnSpc>
+                          <a:spcPct val="100000"/>
+                        </a:lnSpc>
+                        <a:spcBef>
+                          <a:spcPts val="0"/>
+                        </a:spcBef>
+                        <a:spcAft>
+                          <a:spcPts val="0"/>
+                        </a:spcAft>
+                        <a:buClrTx/>
+                        <a:buSzTx/>
+                        <a:buFontTx/>
+                        <a:buNone/>
+                        <a:tabLst/>
+                        <a:defRPr/>
+                      </a:pPr>
+                      <a:r>
+                        <a:rPr lang="en-US" altLang="zh-CN" sz="1200" dirty="0" smtClean="0">
+                          <a:latin typeface="+mn-lt"/>
+                          <a:ea typeface="微软雅黑" panose="020B0503020204020204" pitchFamily="34" charset="-122"/>
+                        </a:rPr>
+                        <a:t>{per_15s}</a:t>
+                      </a:r>
+                      <a:endParaRPr lang="zh-CN" altLang="en-US" sz="1200" dirty="0" smtClean="0">
                         <a:latin typeface="+mn-lt"/>
                         <a:ea typeface="微软雅黑" panose="020B0503020204020204" pitchFamily="34" charset="-122"/>
                       </a:endParaRPr>
@@ -27404,8 +24733,31 @@
                     <a:bodyPr/>
                     <a:lstStyle/>
                     <a:p>
-                      <a:pPr algn="ctr"/>
-                      <a:endParaRPr lang="zh-CN" altLang="en-US" sz="1200" dirty="0">
+                      <a:pPr marL="0" marR="0" lvl="0" indent="0" algn="ctr" defTabSz="914400" rtl="0" eaLnBrk="1" fontAlgn="auto" latinLnBrk="0" hangingPunct="1">
+                        <a:lnSpc>
+                          <a:spcPct val="100000"/>
+                        </a:lnSpc>
+                        <a:spcBef>
+                          <a:spcPts val="0"/>
+                        </a:spcBef>
+                        <a:spcAft>
+                          <a:spcPts val="0"/>
+                        </a:spcAft>
+                        <a:buClrTx/>
+                        <a:buSzTx/>
+                        <a:buFontTx/>
+                        <a:buNone/>
+                        <a:tabLst/>
+                        <a:defRPr/>
+                      </a:pPr>
+                      <a:r>
+                        <a:rPr lang="en-US" altLang="zh-CN" sz="1200" dirty="0" smtClean="0">
+                          <a:latin typeface="+mn-lt"/>
+                          <a:ea typeface="微软雅黑" panose="020B0503020204020204" pitchFamily="34" charset="-122"/>
+                        </a:rPr>
+                        <a:t>{per_16s}</a:t>
+                      </a:r>
+                      <a:endParaRPr lang="zh-CN" altLang="en-US" sz="1200" dirty="0" smtClean="0">
                         <a:latin typeface="+mn-lt"/>
                         <a:ea typeface="微软雅黑" panose="020B0503020204020204" pitchFamily="34" charset="-122"/>
                       </a:endParaRPr>
@@ -27418,8 +24770,31 @@
                     <a:bodyPr/>
                     <a:lstStyle/>
                     <a:p>
-                      <a:pPr algn="ctr"/>
-                      <a:endParaRPr lang="zh-CN" altLang="en-US" sz="1200" dirty="0">
+                      <a:pPr marL="0" marR="0" lvl="0" indent="0" algn="ctr" defTabSz="914400" rtl="0" eaLnBrk="1" fontAlgn="auto" latinLnBrk="0" hangingPunct="1">
+                        <a:lnSpc>
+                          <a:spcPct val="100000"/>
+                        </a:lnSpc>
+                        <a:spcBef>
+                          <a:spcPts val="0"/>
+                        </a:spcBef>
+                        <a:spcAft>
+                          <a:spcPts val="0"/>
+                        </a:spcAft>
+                        <a:buClrTx/>
+                        <a:buSzTx/>
+                        <a:buFontTx/>
+                        <a:buNone/>
+                        <a:tabLst/>
+                        <a:defRPr/>
+                      </a:pPr>
+                      <a:r>
+                        <a:rPr lang="en-US" altLang="zh-CN" sz="1200" dirty="0" smtClean="0">
+                          <a:latin typeface="+mn-lt"/>
+                          <a:ea typeface="微软雅黑" panose="020B0503020204020204" pitchFamily="34" charset="-122"/>
+                        </a:rPr>
+                        <a:t>{per_17s}</a:t>
+                      </a:r>
+                      <a:endParaRPr lang="zh-CN" altLang="en-US" sz="1200" dirty="0" smtClean="0">
                         <a:latin typeface="+mn-lt"/>
                         <a:ea typeface="微软雅黑" panose="020B0503020204020204" pitchFamily="34" charset="-122"/>
                       </a:endParaRPr>
@@ -27432,8 +24807,31 @@
                     <a:bodyPr/>
                     <a:lstStyle/>
                     <a:p>
-                      <a:pPr algn="ctr"/>
-                      <a:endParaRPr lang="zh-CN" altLang="en-US" sz="1200" dirty="0">
+                      <a:pPr marL="0" marR="0" lvl="0" indent="0" algn="ctr" defTabSz="914400" rtl="0" eaLnBrk="1" fontAlgn="auto" latinLnBrk="0" hangingPunct="1">
+                        <a:lnSpc>
+                          <a:spcPct val="100000"/>
+                        </a:lnSpc>
+                        <a:spcBef>
+                          <a:spcPts val="0"/>
+                        </a:spcBef>
+                        <a:spcAft>
+                          <a:spcPts val="0"/>
+                        </a:spcAft>
+                        <a:buClrTx/>
+                        <a:buSzTx/>
+                        <a:buFontTx/>
+                        <a:buNone/>
+                        <a:tabLst/>
+                        <a:defRPr/>
+                      </a:pPr>
+                      <a:r>
+                        <a:rPr lang="en-US" altLang="zh-CN" sz="1200" dirty="0" smtClean="0">
+                          <a:latin typeface="+mn-lt"/>
+                          <a:ea typeface="微软雅黑" panose="020B0503020204020204" pitchFamily="34" charset="-122"/>
+                        </a:rPr>
+                        <a:t>{per_18s}</a:t>
+                      </a:r>
+                      <a:endParaRPr lang="zh-CN" altLang="en-US" sz="1200" dirty="0" smtClean="0">
                         <a:latin typeface="+mn-lt"/>
                         <a:ea typeface="微软雅黑" panose="020B0503020204020204" pitchFamily="34" charset="-122"/>
                       </a:endParaRPr>
@@ -27787,36 +25185,6 @@
           </a:p>
         </p:txBody>
       </p:sp>
-      <p:pic>
-        <p:nvPicPr>
-          <p:cNvPr id="3" name="图片 2">
-            <a:extLst>
-              <a:ext uri="{FF2B5EF4-FFF2-40B4-BE49-F238E27FC236}">
-                <a16:creationId xmlns:a16="http://schemas.microsoft.com/office/drawing/2014/main" id="{86BFE390-BD67-41D8-8534-C3BB67484158}"/>
-              </a:ext>
-            </a:extLst>
-          </p:cNvPr>
-          <p:cNvPicPr>
-            <a:picLocks noChangeAspect="1"/>
-          </p:cNvPicPr>
-          <p:nvPr/>
-        </p:nvPicPr>
-        <p:blipFill>
-          <a:blip r:embed="rId2"/>
-          <a:stretch>
-            <a:fillRect/>
-          </a:stretch>
-        </p:blipFill>
-        <p:spPr>
-          <a:xfrm>
-            <a:off x="1927258" y="1268760"/>
-            <a:ext cx="5040560" cy="3377606"/>
-          </a:xfrm>
-          <a:prstGeom prst="rect">
-            <a:avLst/>
-          </a:prstGeom>
-        </p:spPr>
-      </p:pic>
       <p:graphicFrame>
         <p:nvGraphicFramePr>
           <p:cNvPr id="9" name="表格 9">

--- a/helloWorld/ppt_template/diyun_land_report_template.pptx
+++ b/helloWorld/ppt_template/diyun_land_report_template.pptx
@@ -16153,843 +16153,6 @@
           </a:p>
         </p:txBody>
       </p:sp>
-      <p:graphicFrame>
-        <p:nvGraphicFramePr>
-          <p:cNvPr id="55" name="New Table">
-            <a:extLst>
-              <a:ext uri="{FF2B5EF4-FFF2-40B4-BE49-F238E27FC236}">
-                <a16:creationId xmlns:a16="http://schemas.microsoft.com/office/drawing/2014/main" id="{0B10C579-3D7C-4D0A-ABAB-D564559610D9}"/>
-              </a:ext>
-            </a:extLst>
-          </p:cNvPr>
-          <p:cNvGraphicFramePr>
-            <a:graphicFrameLocks noGrp="1"/>
-          </p:cNvGraphicFramePr>
-          <p:nvPr>
-            <p:extLst>
-              <p:ext uri="{D42A27DB-BD31-4B8C-83A1-F6EECF244321}">
-                <p14:modId xmlns:p14="http://schemas.microsoft.com/office/powerpoint/2010/main" val="2032706452"/>
-              </p:ext>
-            </p:extLst>
-          </p:nvPr>
-        </p:nvGraphicFramePr>
-        <p:xfrm>
-          <a:off x="5814986" y="745067"/>
-          <a:ext cx="3240909" cy="3979876"/>
-        </p:xfrm>
-        <a:graphic>
-          <a:graphicData uri="http://schemas.openxmlformats.org/drawingml/2006/table">
-            <a:tbl>
-              <a:tblPr>
-                <a:tableStyleId>{C083E6E3-FA7D-4D7B-A595-EF9225AFEA82}</a:tableStyleId>
-              </a:tblPr>
-              <a:tblGrid>
-                <a:gridCol w="1080303">
-                  <a:extLst>
-                    <a:ext uri="{9D8B030D-6E8A-4147-A177-3AD203B41FA5}">
-                      <a16:colId xmlns:a16="http://schemas.microsoft.com/office/drawing/2014/main" val="20000"/>
-                    </a:ext>
-                  </a:extLst>
-                </a:gridCol>
-                <a:gridCol w="1080303">
-                  <a:extLst>
-                    <a:ext uri="{9D8B030D-6E8A-4147-A177-3AD203B41FA5}">
-                      <a16:colId xmlns:a16="http://schemas.microsoft.com/office/drawing/2014/main" val="20001"/>
-                    </a:ext>
-                  </a:extLst>
-                </a:gridCol>
-                <a:gridCol w="1080303">
-                  <a:extLst>
-                    <a:ext uri="{9D8B030D-6E8A-4147-A177-3AD203B41FA5}">
-                      <a16:colId xmlns:a16="http://schemas.microsoft.com/office/drawing/2014/main" val="20003"/>
-                    </a:ext>
-                  </a:extLst>
-                </a:gridCol>
-              </a:tblGrid>
-              <a:tr h="477116">
-                <a:tc>
-                  <a:txBody>
-                    <a:bodyPr/>
-                    <a:lstStyle/>
-                    <a:p>
-                      <a:pPr algn="ctr"/>
-                      <a:r>
-                        <a:rPr sz="1200" b="1" dirty="0" err="1">
-                          <a:solidFill>
-                            <a:schemeClr val="tx1">
-                              <a:lumMod val="75000"/>
-                              <a:lumOff val="25000"/>
-                            </a:schemeClr>
-                          </a:solidFill>
-                          <a:latin typeface="+mj-lt"/>
-                          <a:ea typeface="微软雅黑" panose="020B0503020204020204" pitchFamily="34" charset="-122"/>
-                        </a:rPr>
-                        <a:t>编号</a:t>
-                      </a:r>
-                      <a:endParaRPr sz="1200" b="1" dirty="0">
-                        <a:solidFill>
-                          <a:schemeClr val="tx1">
-                            <a:lumMod val="75000"/>
-                            <a:lumOff val="25000"/>
-                          </a:schemeClr>
-                        </a:solidFill>
-                        <a:latin typeface="+mj-lt"/>
-                        <a:ea typeface="微软雅黑" panose="020B0503020204020204" pitchFamily="34" charset="-122"/>
-                      </a:endParaRPr>
-                    </a:p>
-                  </a:txBody>
-                  <a:tcPr marL="91445" marR="91445" marT="45713" marB="45713" anchor="ctr"/>
-                </a:tc>
-                <a:tc>
-                  <a:txBody>
-                    <a:bodyPr/>
-                    <a:lstStyle/>
-                    <a:p>
-                      <a:pPr algn="ctr"/>
-                      <a:r>
-                        <a:rPr sz="1200" b="1" dirty="0" err="1">
-                          <a:solidFill>
-                            <a:schemeClr val="tx1">
-                              <a:lumMod val="75000"/>
-                              <a:lumOff val="25000"/>
-                            </a:schemeClr>
-                          </a:solidFill>
-                          <a:latin typeface="+mj-lt"/>
-                          <a:ea typeface="微软雅黑" panose="020B0503020204020204" pitchFamily="34" charset="-122"/>
-                        </a:rPr>
-                        <a:t>名称</a:t>
-                      </a:r>
-                      <a:endParaRPr sz="1200" b="1" dirty="0">
-                        <a:solidFill>
-                          <a:schemeClr val="tx1">
-                            <a:lumMod val="75000"/>
-                            <a:lumOff val="25000"/>
-                          </a:schemeClr>
-                        </a:solidFill>
-                        <a:latin typeface="+mj-lt"/>
-                        <a:ea typeface="微软雅黑" panose="020B0503020204020204" pitchFamily="34" charset="-122"/>
-                      </a:endParaRPr>
-                    </a:p>
-                  </a:txBody>
-                  <a:tcPr marL="91445" marR="91445" marT="45713" marB="45713" anchor="ctr"/>
-                </a:tc>
-                <a:tc>
-                  <a:txBody>
-                    <a:bodyPr/>
-                    <a:lstStyle/>
-                    <a:p>
-                      <a:pPr algn="ctr"/>
-                      <a:r>
-                        <a:rPr sz="1200" b="1" dirty="0" err="1">
-                          <a:solidFill>
-                            <a:schemeClr val="tx1">
-                              <a:lumMod val="75000"/>
-                              <a:lumOff val="25000"/>
-                            </a:schemeClr>
-                          </a:solidFill>
-                          <a:latin typeface="+mj-lt"/>
-                          <a:ea typeface="微软雅黑" panose="020B0503020204020204" pitchFamily="34" charset="-122"/>
-                        </a:rPr>
-                        <a:t>距离</a:t>
-                      </a:r>
-                      <a:r>
-                        <a:rPr sz="1200" b="1" dirty="0">
-                          <a:solidFill>
-                            <a:schemeClr val="tx1">
-                              <a:lumMod val="75000"/>
-                              <a:lumOff val="25000"/>
-                            </a:schemeClr>
-                          </a:solidFill>
-                          <a:latin typeface="+mj-lt"/>
-                          <a:ea typeface="微软雅黑" panose="020B0503020204020204" pitchFamily="34" charset="-122"/>
-                        </a:rPr>
-                        <a:t>
-(km)</a:t>
-                      </a:r>
-                    </a:p>
-                  </a:txBody>
-                  <a:tcPr marL="91445" marR="91445" marT="45713" marB="45713" anchor="ctr"/>
-                </a:tc>
-                <a:extLst>
-                  <a:ext uri="{0D108BD9-81ED-4DB2-BD59-A6C34878D82A}">
-                    <a16:rowId xmlns:a16="http://schemas.microsoft.com/office/drawing/2014/main" val="10000"/>
-                  </a:ext>
-                </a:extLst>
-              </a:tr>
-              <a:tr h="477116">
-                <a:tc>
-                  <a:txBody>
-                    <a:bodyPr/>
-                    <a:lstStyle/>
-                    <a:p>
-                      <a:pPr algn="ctr"/>
-                      <a:r>
-                        <a:rPr sz="1200" b="0" dirty="0">
-                          <a:solidFill>
-                            <a:schemeClr val="tx1">
-                              <a:lumMod val="75000"/>
-                              <a:lumOff val="25000"/>
-                            </a:schemeClr>
-                          </a:solidFill>
-                          <a:latin typeface="+mj-lt"/>
-                          <a:ea typeface="微软雅黑" panose="020B0503020204020204" pitchFamily="34" charset="-122"/>
-                        </a:rPr>
-                        <a:t>1</a:t>
-                      </a:r>
-                    </a:p>
-                  </a:txBody>
-                  <a:tcPr marL="91445" marR="91445" marT="45713" marB="45713" anchor="ctr">
-                    <a:solidFill>
-                      <a:srgbClr val="FFFFFF"/>
-                    </a:solidFill>
-                  </a:tcPr>
-                </a:tc>
-                <a:tc>
-                  <a:txBody>
-                    <a:bodyPr/>
-                    <a:lstStyle/>
-                    <a:p>
-                      <a:pPr algn="ctr"/>
-                      <a:r>
-                        <a:rPr sz="1200" b="0" dirty="0" err="1">
-                          <a:solidFill>
-                            <a:srgbClr val="3A4043"/>
-                          </a:solidFill>
-                          <a:latin typeface="+mj-lt"/>
-                          <a:ea typeface="微软雅黑" panose="020B0503020204020204" pitchFamily="34" charset="-122"/>
-                        </a:rPr>
-                        <a:t>和平实验小学</a:t>
-                      </a:r>
-                      <a:endParaRPr sz="1200" b="0" dirty="0">
-                        <a:solidFill>
-                          <a:srgbClr val="3A4043"/>
-                        </a:solidFill>
-                        <a:latin typeface="+mj-lt"/>
-                        <a:ea typeface="微软雅黑" panose="020B0503020204020204" pitchFamily="34" charset="-122"/>
-                      </a:endParaRPr>
-                    </a:p>
-                  </a:txBody>
-                  <a:tcPr marL="91445" marR="91445" marT="45712" marB="45712" anchor="ctr">
-                    <a:solidFill>
-                      <a:srgbClr val="FFFFFF"/>
-                    </a:solidFill>
-                  </a:tcPr>
-                </a:tc>
-                <a:tc>
-                  <a:txBody>
-                    <a:bodyPr/>
-                    <a:lstStyle/>
-                    <a:p>
-                      <a:pPr algn="ctr"/>
-                      <a:r>
-                        <a:rPr sz="1200" b="0" dirty="0">
-                          <a:solidFill>
-                            <a:schemeClr val="tx1">
-                              <a:lumMod val="75000"/>
-                              <a:lumOff val="25000"/>
-                            </a:schemeClr>
-                          </a:solidFill>
-                          <a:latin typeface="+mj-lt"/>
-                          <a:ea typeface="微软雅黑" panose="020B0503020204020204" pitchFamily="34" charset="-122"/>
-                        </a:rPr>
-                        <a:t>0.8</a:t>
-                      </a:r>
-                    </a:p>
-                  </a:txBody>
-                  <a:tcPr marL="91445" marR="91445" marT="45713" marB="45713" anchor="ctr">
-                    <a:solidFill>
-                      <a:srgbClr val="FFFFFF"/>
-                    </a:solidFill>
-                  </a:tcPr>
-                </a:tc>
-                <a:extLst>
-                  <a:ext uri="{0D108BD9-81ED-4DB2-BD59-A6C34878D82A}">
-                    <a16:rowId xmlns:a16="http://schemas.microsoft.com/office/drawing/2014/main" val="10001"/>
-                  </a:ext>
-                </a:extLst>
-              </a:tr>
-              <a:tr h="477116">
-                <a:tc>
-                  <a:txBody>
-                    <a:bodyPr/>
-                    <a:lstStyle/>
-                    <a:p>
-                      <a:pPr algn="ctr"/>
-                      <a:r>
-                        <a:rPr sz="1200" b="0">
-                          <a:solidFill>
-                            <a:schemeClr val="tx1">
-                              <a:lumMod val="75000"/>
-                              <a:lumOff val="25000"/>
-                            </a:schemeClr>
-                          </a:solidFill>
-                          <a:latin typeface="+mj-lt"/>
-                          <a:ea typeface="微软雅黑" panose="020B0503020204020204" pitchFamily="34" charset="-122"/>
-                        </a:rPr>
-                        <a:t>2</a:t>
-                      </a:r>
-                    </a:p>
-                  </a:txBody>
-                  <a:tcPr marL="91445" marR="91445" marT="45713" marB="45713" anchor="ctr">
-                    <a:solidFill>
-                      <a:srgbClr val="F6F7F9"/>
-                    </a:solidFill>
-                  </a:tcPr>
-                </a:tc>
-                <a:tc>
-                  <a:txBody>
-                    <a:bodyPr/>
-                    <a:lstStyle/>
-                    <a:p>
-                      <a:pPr algn="ctr"/>
-                      <a:r>
-                        <a:rPr sz="1200" b="0" dirty="0" err="1">
-                          <a:solidFill>
-                            <a:srgbClr val="3A4043"/>
-                          </a:solidFill>
-                          <a:latin typeface="+mj-lt"/>
-                          <a:ea typeface="微软雅黑" panose="020B0503020204020204" pitchFamily="34" charset="-122"/>
-                        </a:rPr>
-                        <a:t>民治小学</a:t>
-                      </a:r>
-                      <a:endParaRPr sz="1200" b="0" dirty="0">
-                        <a:solidFill>
-                          <a:srgbClr val="3A4043"/>
-                        </a:solidFill>
-                        <a:latin typeface="+mj-lt"/>
-                        <a:ea typeface="微软雅黑" panose="020B0503020204020204" pitchFamily="34" charset="-122"/>
-                      </a:endParaRPr>
-                    </a:p>
-                  </a:txBody>
-                  <a:tcPr marL="91445" marR="91445" marT="45712" marB="45712" anchor="ctr">
-                    <a:solidFill>
-                      <a:srgbClr val="F6F7F9"/>
-                    </a:solidFill>
-                  </a:tcPr>
-                </a:tc>
-                <a:tc>
-                  <a:txBody>
-                    <a:bodyPr/>
-                    <a:lstStyle/>
-                    <a:p>
-                      <a:pPr algn="ctr"/>
-                      <a:r>
-                        <a:rPr sz="1200" b="0">
-                          <a:solidFill>
-                            <a:schemeClr val="tx1">
-                              <a:lumMod val="75000"/>
-                              <a:lumOff val="25000"/>
-                            </a:schemeClr>
-                          </a:solidFill>
-                          <a:latin typeface="+mj-lt"/>
-                          <a:ea typeface="微软雅黑" panose="020B0503020204020204" pitchFamily="34" charset="-122"/>
-                        </a:rPr>
-                        <a:t>0.1</a:t>
-                      </a:r>
-                    </a:p>
-                  </a:txBody>
-                  <a:tcPr marL="91445" marR="91445" marT="45713" marB="45713" anchor="ctr">
-                    <a:solidFill>
-                      <a:srgbClr val="F6F7F9"/>
-                    </a:solidFill>
-                  </a:tcPr>
-                </a:tc>
-                <a:extLst>
-                  <a:ext uri="{0D108BD9-81ED-4DB2-BD59-A6C34878D82A}">
-                    <a16:rowId xmlns:a16="http://schemas.microsoft.com/office/drawing/2014/main" val="10002"/>
-                  </a:ext>
-                </a:extLst>
-              </a:tr>
-              <a:tr h="477116">
-                <a:tc>
-                  <a:txBody>
-                    <a:bodyPr/>
-                    <a:lstStyle/>
-                    <a:p>
-                      <a:pPr algn="ctr"/>
-                      <a:r>
-                        <a:rPr sz="1200" b="0" dirty="0">
-                          <a:solidFill>
-                            <a:schemeClr val="tx1">
-                              <a:lumMod val="75000"/>
-                              <a:lumOff val="25000"/>
-                            </a:schemeClr>
-                          </a:solidFill>
-                          <a:latin typeface="+mj-lt"/>
-                          <a:ea typeface="微软雅黑" panose="020B0503020204020204" pitchFamily="34" charset="-122"/>
-                        </a:rPr>
-                        <a:t>3</a:t>
-                      </a:r>
-                    </a:p>
-                  </a:txBody>
-                  <a:tcPr marL="91445" marR="91445" marT="45713" marB="45713" anchor="ctr">
-                    <a:solidFill>
-                      <a:srgbClr val="FFFFFF"/>
-                    </a:solidFill>
-                  </a:tcPr>
-                </a:tc>
-                <a:tc>
-                  <a:txBody>
-                    <a:bodyPr/>
-                    <a:lstStyle/>
-                    <a:p>
-                      <a:pPr algn="ctr"/>
-                      <a:r>
-                        <a:rPr sz="1200" b="0" dirty="0" err="1">
-                          <a:solidFill>
-                            <a:srgbClr val="3A4043"/>
-                          </a:solidFill>
-                          <a:latin typeface="+mj-lt"/>
-                          <a:ea typeface="微软雅黑" panose="020B0503020204020204" pitchFamily="34" charset="-122"/>
-                        </a:rPr>
-                        <a:t>伟民小学</a:t>
-                      </a:r>
-                      <a:endParaRPr sz="1200" b="0" dirty="0">
-                        <a:solidFill>
-                          <a:srgbClr val="3A4043"/>
-                        </a:solidFill>
-                        <a:latin typeface="+mj-lt"/>
-                        <a:ea typeface="微软雅黑" panose="020B0503020204020204" pitchFamily="34" charset="-122"/>
-                      </a:endParaRPr>
-                    </a:p>
-                  </a:txBody>
-                  <a:tcPr marL="91445" marR="91445" marT="45712" marB="45712" anchor="ctr">
-                    <a:solidFill>
-                      <a:srgbClr val="FFFFFF"/>
-                    </a:solidFill>
-                  </a:tcPr>
-                </a:tc>
-                <a:tc>
-                  <a:txBody>
-                    <a:bodyPr/>
-                    <a:lstStyle/>
-                    <a:p>
-                      <a:pPr algn="ctr"/>
-                      <a:r>
-                        <a:rPr sz="1200" b="0">
-                          <a:solidFill>
-                            <a:schemeClr val="tx1">
-                              <a:lumMod val="75000"/>
-                              <a:lumOff val="25000"/>
-                            </a:schemeClr>
-                          </a:solidFill>
-                          <a:latin typeface="+mj-lt"/>
-                          <a:ea typeface="微软雅黑" panose="020B0503020204020204" pitchFamily="34" charset="-122"/>
-                        </a:rPr>
-                        <a:t>0.4</a:t>
-                      </a:r>
-                    </a:p>
-                  </a:txBody>
-                  <a:tcPr marL="91445" marR="91445" marT="45713" marB="45713" anchor="ctr">
-                    <a:solidFill>
-                      <a:srgbClr val="FFFFFF"/>
-                    </a:solidFill>
-                  </a:tcPr>
-                </a:tc>
-                <a:extLst>
-                  <a:ext uri="{0D108BD9-81ED-4DB2-BD59-A6C34878D82A}">
-                    <a16:rowId xmlns:a16="http://schemas.microsoft.com/office/drawing/2014/main" val="10003"/>
-                  </a:ext>
-                </a:extLst>
-              </a:tr>
-              <a:tr h="477116">
-                <a:tc>
-                  <a:txBody>
-                    <a:bodyPr/>
-                    <a:lstStyle/>
-                    <a:p>
-                      <a:pPr algn="ctr"/>
-                      <a:r>
-                        <a:rPr sz="1200" b="0">
-                          <a:solidFill>
-                            <a:schemeClr val="tx1">
-                              <a:lumMod val="75000"/>
-                              <a:lumOff val="25000"/>
-                            </a:schemeClr>
-                          </a:solidFill>
-                          <a:latin typeface="+mj-lt"/>
-                          <a:ea typeface="微软雅黑" panose="020B0503020204020204" pitchFamily="34" charset="-122"/>
-                        </a:rPr>
-                        <a:t>4</a:t>
-                      </a:r>
-                    </a:p>
-                  </a:txBody>
-                  <a:tcPr marL="91445" marR="91445" marT="45713" marB="45713" anchor="ctr">
-                    <a:solidFill>
-                      <a:srgbClr val="F6F7F9"/>
-                    </a:solidFill>
-                  </a:tcPr>
-                </a:tc>
-                <a:tc>
-                  <a:txBody>
-                    <a:bodyPr/>
-                    <a:lstStyle/>
-                    <a:p>
-                      <a:pPr algn="ctr"/>
-                      <a:r>
-                        <a:rPr sz="1200" b="0" dirty="0" err="1">
-                          <a:solidFill>
-                            <a:srgbClr val="3A4043"/>
-                          </a:solidFill>
-                          <a:latin typeface="+mj-lt"/>
-                          <a:ea typeface="微软雅黑" panose="020B0503020204020204" pitchFamily="34" charset="-122"/>
-                        </a:rPr>
-                        <a:t>六一学校</a:t>
-                      </a:r>
-                      <a:endParaRPr sz="1200" b="0" dirty="0">
-                        <a:solidFill>
-                          <a:srgbClr val="3A4043"/>
-                        </a:solidFill>
-                        <a:latin typeface="+mj-lt"/>
-                        <a:ea typeface="微软雅黑" panose="020B0503020204020204" pitchFamily="34" charset="-122"/>
-                      </a:endParaRPr>
-                    </a:p>
-                  </a:txBody>
-                  <a:tcPr marL="91445" marR="91445" marT="45712" marB="45712" anchor="ctr">
-                    <a:solidFill>
-                      <a:srgbClr val="F6F7F9"/>
-                    </a:solidFill>
-                  </a:tcPr>
-                </a:tc>
-                <a:tc>
-                  <a:txBody>
-                    <a:bodyPr/>
-                    <a:lstStyle/>
-                    <a:p>
-                      <a:pPr algn="ctr"/>
-                      <a:r>
-                        <a:rPr sz="1200" b="0">
-                          <a:solidFill>
-                            <a:schemeClr val="tx1">
-                              <a:lumMod val="75000"/>
-                              <a:lumOff val="25000"/>
-                            </a:schemeClr>
-                          </a:solidFill>
-                          <a:latin typeface="+mj-lt"/>
-                          <a:ea typeface="微软雅黑" panose="020B0503020204020204" pitchFamily="34" charset="-122"/>
-                        </a:rPr>
-                        <a:t>0.4</a:t>
-                      </a:r>
-                    </a:p>
-                  </a:txBody>
-                  <a:tcPr marL="91445" marR="91445" marT="45713" marB="45713" anchor="ctr">
-                    <a:solidFill>
-                      <a:srgbClr val="F6F7F9"/>
-                    </a:solidFill>
-                  </a:tcPr>
-                </a:tc>
-                <a:extLst>
-                  <a:ext uri="{0D108BD9-81ED-4DB2-BD59-A6C34878D82A}">
-                    <a16:rowId xmlns:a16="http://schemas.microsoft.com/office/drawing/2014/main" val="10004"/>
-                  </a:ext>
-                </a:extLst>
-              </a:tr>
-              <a:tr h="477116">
-                <a:tc>
-                  <a:txBody>
-                    <a:bodyPr/>
-                    <a:lstStyle/>
-                    <a:p>
-                      <a:pPr algn="ctr"/>
-                      <a:r>
-                        <a:rPr sz="1200" b="0">
-                          <a:solidFill>
-                            <a:schemeClr val="tx1">
-                              <a:lumMod val="75000"/>
-                              <a:lumOff val="25000"/>
-                            </a:schemeClr>
-                          </a:solidFill>
-                          <a:latin typeface="+mj-lt"/>
-                          <a:ea typeface="微软雅黑" panose="020B0503020204020204" pitchFamily="34" charset="-122"/>
-                        </a:rPr>
-                        <a:t>5</a:t>
-                      </a:r>
-                    </a:p>
-                  </a:txBody>
-                  <a:tcPr marL="91445" marR="91445" marT="45713" marB="45713" anchor="ctr">
-                    <a:solidFill>
-                      <a:srgbClr val="FFFFFF"/>
-                    </a:solidFill>
-                  </a:tcPr>
-                </a:tc>
-                <a:tc>
-                  <a:txBody>
-                    <a:bodyPr/>
-                    <a:lstStyle/>
-                    <a:p>
-                      <a:pPr algn="ctr"/>
-                      <a:r>
-                        <a:rPr sz="1200" b="0">
-                          <a:solidFill>
-                            <a:srgbClr val="3A4043"/>
-                          </a:solidFill>
-                          <a:latin typeface="+mj-lt"/>
-                          <a:ea typeface="微软雅黑" panose="020B0503020204020204" pitchFamily="34" charset="-122"/>
-                        </a:rPr>
-                        <a:t>上芬小学</a:t>
-                      </a:r>
-                    </a:p>
-                  </a:txBody>
-                  <a:tcPr marL="91445" marR="91445" marT="45712" marB="45712" anchor="ctr">
-                    <a:solidFill>
-                      <a:srgbClr val="FFFFFF"/>
-                    </a:solidFill>
-                  </a:tcPr>
-                </a:tc>
-                <a:tc>
-                  <a:txBody>
-                    <a:bodyPr/>
-                    <a:lstStyle/>
-                    <a:p>
-                      <a:pPr algn="ctr"/>
-                      <a:r>
-                        <a:rPr sz="1200" b="0">
-                          <a:solidFill>
-                            <a:schemeClr val="tx1">
-                              <a:lumMod val="75000"/>
-                              <a:lumOff val="25000"/>
-                            </a:schemeClr>
-                          </a:solidFill>
-                          <a:latin typeface="+mj-lt"/>
-                          <a:ea typeface="微软雅黑" panose="020B0503020204020204" pitchFamily="34" charset="-122"/>
-                        </a:rPr>
-                        <a:t>0.5</a:t>
-                      </a:r>
-                    </a:p>
-                  </a:txBody>
-                  <a:tcPr marL="91445" marR="91445" marT="45713" marB="45713" anchor="ctr">
-                    <a:solidFill>
-                      <a:srgbClr val="FFFFFF"/>
-                    </a:solidFill>
-                  </a:tcPr>
-                </a:tc>
-                <a:extLst>
-                  <a:ext uri="{0D108BD9-81ED-4DB2-BD59-A6C34878D82A}">
-                    <a16:rowId xmlns:a16="http://schemas.microsoft.com/office/drawing/2014/main" val="10005"/>
-                  </a:ext>
-                </a:extLst>
-              </a:tr>
-              <a:tr h="477116">
-                <a:tc>
-                  <a:txBody>
-                    <a:bodyPr/>
-                    <a:lstStyle/>
-                    <a:p>
-                      <a:pPr algn="ctr"/>
-                      <a:r>
-                        <a:rPr sz="1200" b="0">
-                          <a:solidFill>
-                            <a:schemeClr val="tx1">
-                              <a:lumMod val="75000"/>
-                              <a:lumOff val="25000"/>
-                            </a:schemeClr>
-                          </a:solidFill>
-                          <a:latin typeface="+mj-lt"/>
-                          <a:ea typeface="微软雅黑" panose="020B0503020204020204" pitchFamily="34" charset="-122"/>
-                        </a:rPr>
-                        <a:t>6</a:t>
-                      </a:r>
-                    </a:p>
-                  </a:txBody>
-                  <a:tcPr marL="91445" marR="91445" marT="45713" marB="45713" anchor="ctr">
-                    <a:solidFill>
-                      <a:srgbClr val="F6F7F9"/>
-                    </a:solidFill>
-                  </a:tcPr>
-                </a:tc>
-                <a:tc>
-                  <a:txBody>
-                    <a:bodyPr/>
-                    <a:lstStyle/>
-                    <a:p>
-                      <a:pPr algn="ctr"/>
-                      <a:r>
-                        <a:rPr sz="1200" b="0">
-                          <a:solidFill>
-                            <a:srgbClr val="3A4043"/>
-                          </a:solidFill>
-                          <a:latin typeface="+mj-lt"/>
-                          <a:ea typeface="微软雅黑" panose="020B0503020204020204" pitchFamily="34" charset="-122"/>
-                        </a:rPr>
-                        <a:t>民顺小学</a:t>
-                      </a:r>
-                    </a:p>
-                  </a:txBody>
-                  <a:tcPr marL="91445" marR="91445" marT="45712" marB="45712" anchor="ctr">
-                    <a:solidFill>
-                      <a:srgbClr val="F6F7F9"/>
-                    </a:solidFill>
-                  </a:tcPr>
-                </a:tc>
-                <a:tc>
-                  <a:txBody>
-                    <a:bodyPr/>
-                    <a:lstStyle/>
-                    <a:p>
-                      <a:pPr algn="ctr"/>
-                      <a:r>
-                        <a:rPr sz="1200" b="0">
-                          <a:solidFill>
-                            <a:schemeClr val="tx1">
-                              <a:lumMod val="75000"/>
-                              <a:lumOff val="25000"/>
-                            </a:schemeClr>
-                          </a:solidFill>
-                          <a:latin typeface="+mj-lt"/>
-                          <a:ea typeface="微软雅黑" panose="020B0503020204020204" pitchFamily="34" charset="-122"/>
-                        </a:rPr>
-                        <a:t>0.5</a:t>
-                      </a:r>
-                    </a:p>
-                  </a:txBody>
-                  <a:tcPr marL="91445" marR="91445" marT="45713" marB="45713" anchor="ctr">
-                    <a:solidFill>
-                      <a:srgbClr val="F6F7F9"/>
-                    </a:solidFill>
-                  </a:tcPr>
-                </a:tc>
-                <a:extLst>
-                  <a:ext uri="{0D108BD9-81ED-4DB2-BD59-A6C34878D82A}">
-                    <a16:rowId xmlns:a16="http://schemas.microsoft.com/office/drawing/2014/main" val="10006"/>
-                  </a:ext>
-                </a:extLst>
-              </a:tr>
-              <a:tr h="477116">
-                <a:tc>
-                  <a:txBody>
-                    <a:bodyPr/>
-                    <a:lstStyle/>
-                    <a:p>
-                      <a:pPr algn="ctr"/>
-                      <a:r>
-                        <a:rPr sz="1200" b="0">
-                          <a:solidFill>
-                            <a:schemeClr val="tx1">
-                              <a:lumMod val="75000"/>
-                              <a:lumOff val="25000"/>
-                            </a:schemeClr>
-                          </a:solidFill>
-                          <a:latin typeface="+mj-lt"/>
-                          <a:ea typeface="微软雅黑" panose="020B0503020204020204" pitchFamily="34" charset="-122"/>
-                        </a:rPr>
-                        <a:t>7</a:t>
-                      </a:r>
-                    </a:p>
-                  </a:txBody>
-                  <a:tcPr marL="91445" marR="91445" marT="45713" marB="45713" anchor="ctr">
-                    <a:solidFill>
-                      <a:srgbClr val="FFFFFF"/>
-                    </a:solidFill>
-                  </a:tcPr>
-                </a:tc>
-                <a:tc>
-                  <a:txBody>
-                    <a:bodyPr/>
-                    <a:lstStyle/>
-                    <a:p>
-                      <a:pPr algn="ctr"/>
-                      <a:r>
-                        <a:rPr sz="1200" b="0" dirty="0" err="1">
-                          <a:solidFill>
-                            <a:srgbClr val="3A4043"/>
-                          </a:solidFill>
-                          <a:latin typeface="+mj-lt"/>
-                          <a:ea typeface="微软雅黑" panose="020B0503020204020204" pitchFamily="34" charset="-122"/>
-                        </a:rPr>
-                        <a:t>深圳高级中学</a:t>
-                      </a:r>
-                      <a:r>
-                        <a:rPr sz="1200" b="0" dirty="0">
-                          <a:solidFill>
-                            <a:srgbClr val="3A4043"/>
-                          </a:solidFill>
-                          <a:latin typeface="+mj-lt"/>
-                          <a:ea typeface="微软雅黑" panose="020B0503020204020204" pitchFamily="34" charset="-122"/>
-                        </a:rPr>
-                        <a:t>(</a:t>
-                      </a:r>
-                      <a:r>
-                        <a:rPr sz="1200" b="0" dirty="0" err="1">
-                          <a:solidFill>
-                            <a:srgbClr val="3A4043"/>
-                          </a:solidFill>
-                          <a:latin typeface="+mj-lt"/>
-                          <a:ea typeface="微软雅黑" panose="020B0503020204020204" pitchFamily="34" charset="-122"/>
-                        </a:rPr>
-                        <a:t>集团</a:t>
-                      </a:r>
-                      <a:r>
-                        <a:rPr sz="1200" b="0" dirty="0">
-                          <a:solidFill>
-                            <a:srgbClr val="3A4043"/>
-                          </a:solidFill>
-                          <a:latin typeface="+mj-lt"/>
-                          <a:ea typeface="微软雅黑" panose="020B0503020204020204" pitchFamily="34" charset="-122"/>
-                        </a:rPr>
-                        <a:t>)</a:t>
-                      </a:r>
-                      <a:r>
-                        <a:rPr sz="1200" b="0" dirty="0" err="1">
-                          <a:solidFill>
-                            <a:srgbClr val="3A4043"/>
-                          </a:solidFill>
-                          <a:latin typeface="+mj-lt"/>
-                          <a:ea typeface="微软雅黑" panose="020B0503020204020204" pitchFamily="34" charset="-122"/>
-                        </a:rPr>
-                        <a:t>北校区</a:t>
-                      </a:r>
-                      <a:endParaRPr sz="1200" b="0" dirty="0">
-                        <a:solidFill>
-                          <a:srgbClr val="3A4043"/>
-                        </a:solidFill>
-                        <a:latin typeface="+mj-lt"/>
-                        <a:ea typeface="微软雅黑" panose="020B0503020204020204" pitchFamily="34" charset="-122"/>
-                      </a:endParaRPr>
-                    </a:p>
-                  </a:txBody>
-                  <a:tcPr marL="91445" marR="91445" marT="45712" marB="45712" anchor="ctr">
-                    <a:solidFill>
-                      <a:srgbClr val="FFFFFF"/>
-                    </a:solidFill>
-                  </a:tcPr>
-                </a:tc>
-                <a:tc>
-                  <a:txBody>
-                    <a:bodyPr/>
-                    <a:lstStyle/>
-                    <a:p>
-                      <a:pPr algn="ctr"/>
-                      <a:r>
-                        <a:rPr sz="1200" b="0" dirty="0">
-                          <a:solidFill>
-                            <a:schemeClr val="tx1">
-                              <a:lumMod val="75000"/>
-                              <a:lumOff val="25000"/>
-                            </a:schemeClr>
-                          </a:solidFill>
-                          <a:latin typeface="+mj-lt"/>
-                          <a:ea typeface="微软雅黑" panose="020B0503020204020204" pitchFamily="34" charset="-122"/>
-                        </a:rPr>
-                        <a:t>0.6</a:t>
-                      </a:r>
-                    </a:p>
-                  </a:txBody>
-                  <a:tcPr marL="91445" marR="91445" marT="45713" marB="45713" anchor="ctr">
-                    <a:solidFill>
-                      <a:srgbClr val="FFFFFF"/>
-                    </a:solidFill>
-                  </a:tcPr>
-                </a:tc>
-                <a:extLst>
-                  <a:ext uri="{0D108BD9-81ED-4DB2-BD59-A6C34878D82A}">
-                    <a16:rowId xmlns:a16="http://schemas.microsoft.com/office/drawing/2014/main" val="10007"/>
-                  </a:ext>
-                </a:extLst>
-              </a:tr>
-            </a:tbl>
-          </a:graphicData>
-        </a:graphic>
-      </p:graphicFrame>
       <p:grpSp>
         <p:nvGrpSpPr>
           <p:cNvPr id="56" name="组合 5">
@@ -18353,347 +17516,6 @@
           </a:p>
         </p:txBody>
       </p:sp>
-      <p:graphicFrame>
-        <p:nvGraphicFramePr>
-          <p:cNvPr id="55" name="New Table">
-            <a:extLst>
-              <a:ext uri="{FF2B5EF4-FFF2-40B4-BE49-F238E27FC236}">
-                <a16:creationId xmlns:a16="http://schemas.microsoft.com/office/drawing/2014/main" id="{F5C88DF3-F6B9-4513-8162-E7A45D4509A4}"/>
-              </a:ext>
-            </a:extLst>
-          </p:cNvPr>
-          <p:cNvGraphicFramePr>
-            <a:graphicFrameLocks noGrp="1"/>
-          </p:cNvGraphicFramePr>
-          <p:nvPr>
-            <p:extLst>
-              <p:ext uri="{D42A27DB-BD31-4B8C-83A1-F6EECF244321}">
-                <p14:modId xmlns:p14="http://schemas.microsoft.com/office/powerpoint/2010/main" val="592045279"/>
-              </p:ext>
-            </p:extLst>
-          </p:nvPr>
-        </p:nvGraphicFramePr>
-        <p:xfrm>
-          <a:off x="5796136" y="745067"/>
-          <a:ext cx="3259758" cy="1431348"/>
-        </p:xfrm>
-        <a:graphic>
-          <a:graphicData uri="http://schemas.openxmlformats.org/drawingml/2006/table">
-            <a:tbl>
-              <a:tblPr>
-                <a:tableStyleId>{C083E6E3-FA7D-4D7B-A595-EF9225AFEA82}</a:tableStyleId>
-              </a:tblPr>
-              <a:tblGrid>
-                <a:gridCol w="1086586">
-                  <a:extLst>
-                    <a:ext uri="{9D8B030D-6E8A-4147-A177-3AD203B41FA5}">
-                      <a16:colId xmlns:a16="http://schemas.microsoft.com/office/drawing/2014/main" val="20000"/>
-                    </a:ext>
-                  </a:extLst>
-                </a:gridCol>
-                <a:gridCol w="1086586">
-                  <a:extLst>
-                    <a:ext uri="{9D8B030D-6E8A-4147-A177-3AD203B41FA5}">
-                      <a16:colId xmlns:a16="http://schemas.microsoft.com/office/drawing/2014/main" val="20001"/>
-                    </a:ext>
-                  </a:extLst>
-                </a:gridCol>
-                <a:gridCol w="1086586">
-                  <a:extLst>
-                    <a:ext uri="{9D8B030D-6E8A-4147-A177-3AD203B41FA5}">
-                      <a16:colId xmlns:a16="http://schemas.microsoft.com/office/drawing/2014/main" val="20003"/>
-                    </a:ext>
-                  </a:extLst>
-                </a:gridCol>
-              </a:tblGrid>
-              <a:tr h="477116">
-                <a:tc>
-                  <a:txBody>
-                    <a:bodyPr/>
-                    <a:lstStyle/>
-                    <a:p>
-                      <a:pPr algn="ctr"/>
-                      <a:r>
-                        <a:rPr sz="1200" b="1" dirty="0" err="1">
-                          <a:solidFill>
-                            <a:schemeClr val="tx1">
-                              <a:lumMod val="75000"/>
-                              <a:lumOff val="25000"/>
-                            </a:schemeClr>
-                          </a:solidFill>
-                          <a:latin typeface="+mn-lt"/>
-                          <a:ea typeface="微软雅黑" panose="020B0503020204020204" pitchFamily="34" charset="-122"/>
-                        </a:rPr>
-                        <a:t>编号</a:t>
-                      </a:r>
-                      <a:endParaRPr sz="1200" b="1" dirty="0">
-                        <a:solidFill>
-                          <a:schemeClr val="tx1">
-                            <a:lumMod val="75000"/>
-                            <a:lumOff val="25000"/>
-                          </a:schemeClr>
-                        </a:solidFill>
-                        <a:latin typeface="+mn-lt"/>
-                        <a:ea typeface="微软雅黑" panose="020B0503020204020204" pitchFamily="34" charset="-122"/>
-                      </a:endParaRPr>
-                    </a:p>
-                  </a:txBody>
-                  <a:tcPr marL="91445" marR="91445" marT="45713" marB="45713" anchor="ctr"/>
-                </a:tc>
-                <a:tc>
-                  <a:txBody>
-                    <a:bodyPr/>
-                    <a:lstStyle/>
-                    <a:p>
-                      <a:pPr algn="ctr"/>
-                      <a:r>
-                        <a:rPr sz="1200" b="1" dirty="0" err="1">
-                          <a:solidFill>
-                            <a:schemeClr val="tx1">
-                              <a:lumMod val="75000"/>
-                              <a:lumOff val="25000"/>
-                            </a:schemeClr>
-                          </a:solidFill>
-                          <a:latin typeface="+mn-lt"/>
-                          <a:ea typeface="微软雅黑" panose="020B0503020204020204" pitchFamily="34" charset="-122"/>
-                        </a:rPr>
-                        <a:t>名称</a:t>
-                      </a:r>
-                      <a:endParaRPr sz="1200" b="1" dirty="0">
-                        <a:solidFill>
-                          <a:schemeClr val="tx1">
-                            <a:lumMod val="75000"/>
-                            <a:lumOff val="25000"/>
-                          </a:schemeClr>
-                        </a:solidFill>
-                        <a:latin typeface="+mn-lt"/>
-                        <a:ea typeface="微软雅黑" panose="020B0503020204020204" pitchFamily="34" charset="-122"/>
-                      </a:endParaRPr>
-                    </a:p>
-                  </a:txBody>
-                  <a:tcPr marL="91445" marR="91445" marT="45713" marB="45713" anchor="ctr"/>
-                </a:tc>
-                <a:tc>
-                  <a:txBody>
-                    <a:bodyPr/>
-                    <a:lstStyle/>
-                    <a:p>
-                      <a:pPr algn="ctr"/>
-                      <a:r>
-                        <a:rPr sz="1200" b="1" dirty="0" err="1">
-                          <a:solidFill>
-                            <a:schemeClr val="tx1">
-                              <a:lumMod val="75000"/>
-                              <a:lumOff val="25000"/>
-                            </a:schemeClr>
-                          </a:solidFill>
-                          <a:latin typeface="+mn-lt"/>
-                          <a:ea typeface="微软雅黑" panose="020B0503020204020204" pitchFamily="34" charset="-122"/>
-                        </a:rPr>
-                        <a:t>距离</a:t>
-                      </a:r>
-                      <a:r>
-                        <a:rPr sz="1200" b="1" dirty="0">
-                          <a:solidFill>
-                            <a:schemeClr val="tx1">
-                              <a:lumMod val="75000"/>
-                              <a:lumOff val="25000"/>
-                            </a:schemeClr>
-                          </a:solidFill>
-                          <a:latin typeface="+mn-lt"/>
-                          <a:ea typeface="微软雅黑" panose="020B0503020204020204" pitchFamily="34" charset="-122"/>
-                        </a:rPr>
-                        <a:t>
-(km)</a:t>
-                      </a:r>
-                    </a:p>
-                  </a:txBody>
-                  <a:tcPr marL="91445" marR="91445" marT="45713" marB="45713" anchor="ctr"/>
-                </a:tc>
-                <a:extLst>
-                  <a:ext uri="{0D108BD9-81ED-4DB2-BD59-A6C34878D82A}">
-                    <a16:rowId xmlns:a16="http://schemas.microsoft.com/office/drawing/2014/main" val="10000"/>
-                  </a:ext>
-                </a:extLst>
-              </a:tr>
-              <a:tr h="477116">
-                <a:tc>
-                  <a:txBody>
-                    <a:bodyPr/>
-                    <a:lstStyle/>
-                    <a:p>
-                      <a:pPr algn="ctr"/>
-                      <a:r>
-                        <a:rPr sz="1200" b="0">
-                          <a:solidFill>
-                            <a:schemeClr val="tx1">
-                              <a:lumMod val="75000"/>
-                              <a:lumOff val="25000"/>
-                            </a:schemeClr>
-                          </a:solidFill>
-                          <a:latin typeface="+mn-lt"/>
-                          <a:ea typeface="微软雅黑" panose="020B0503020204020204" pitchFamily="34" charset="-122"/>
-                        </a:rPr>
-                        <a:t>1</a:t>
-                      </a:r>
-                    </a:p>
-                  </a:txBody>
-                  <a:tcPr marL="91445" marR="91445" marT="45713" marB="45713" anchor="ctr">
-                    <a:solidFill>
-                      <a:srgbClr val="FFFFFF"/>
-                    </a:solidFill>
-                  </a:tcPr>
-                </a:tc>
-                <a:tc>
-                  <a:txBody>
-                    <a:bodyPr/>
-                    <a:lstStyle/>
-                    <a:p>
-                      <a:r>
-                        <a:rPr lang="zh-CN" altLang="en-US" sz="1200" dirty="0">
-                          <a:solidFill>
-                            <a:schemeClr val="tx1">
-                              <a:lumMod val="75000"/>
-                              <a:lumOff val="25000"/>
-                            </a:schemeClr>
-                          </a:solidFill>
-                          <a:latin typeface="+mn-lt"/>
-                          <a:ea typeface="微软雅黑" panose="020B0503020204020204" pitchFamily="34" charset="-122"/>
-                        </a:rPr>
-                        <a:t>深圳市第一人民医院</a:t>
-                      </a:r>
-                    </a:p>
-                  </a:txBody>
-                  <a:tcPr marL="91445" marR="91445" marT="45713" marB="45713" anchor="ctr">
-                    <a:solidFill>
-                      <a:srgbClr val="FFFFFF"/>
-                    </a:solidFill>
-                  </a:tcPr>
-                </a:tc>
-                <a:tc>
-                  <a:txBody>
-                    <a:bodyPr/>
-                    <a:lstStyle/>
-                    <a:p>
-                      <a:pPr algn="ctr"/>
-                      <a:r>
-                        <a:rPr sz="1200" b="0" dirty="0">
-                          <a:solidFill>
-                            <a:schemeClr val="tx1">
-                              <a:lumMod val="75000"/>
-                              <a:lumOff val="25000"/>
-                            </a:schemeClr>
-                          </a:solidFill>
-                          <a:latin typeface="+mn-lt"/>
-                          <a:ea typeface="微软雅黑" panose="020B0503020204020204" pitchFamily="34" charset="-122"/>
-                        </a:rPr>
-                        <a:t>0.8</a:t>
-                      </a:r>
-                    </a:p>
-                  </a:txBody>
-                  <a:tcPr marL="91445" marR="91445" marT="45713" marB="45713" anchor="ctr">
-                    <a:solidFill>
-                      <a:srgbClr val="FFFFFF"/>
-                    </a:solidFill>
-                  </a:tcPr>
-                </a:tc>
-                <a:extLst>
-                  <a:ext uri="{0D108BD9-81ED-4DB2-BD59-A6C34878D82A}">
-                    <a16:rowId xmlns:a16="http://schemas.microsoft.com/office/drawing/2014/main" val="10001"/>
-                  </a:ext>
-                </a:extLst>
-              </a:tr>
-              <a:tr h="477116">
-                <a:tc>
-                  <a:txBody>
-                    <a:bodyPr/>
-                    <a:lstStyle/>
-                    <a:p>
-                      <a:pPr algn="ctr"/>
-                      <a:r>
-                        <a:rPr sz="1200" b="0">
-                          <a:solidFill>
-                            <a:schemeClr val="tx1">
-                              <a:lumMod val="75000"/>
-                              <a:lumOff val="25000"/>
-                            </a:schemeClr>
-                          </a:solidFill>
-                          <a:latin typeface="+mn-lt"/>
-                          <a:ea typeface="微软雅黑" panose="020B0503020204020204" pitchFamily="34" charset="-122"/>
-                        </a:rPr>
-                        <a:t>2</a:t>
-                      </a:r>
-                    </a:p>
-                  </a:txBody>
-                  <a:tcPr marL="91445" marR="91445" marT="45713" marB="45713" anchor="ctr">
-                    <a:solidFill>
-                      <a:srgbClr val="F6F7F9"/>
-                    </a:solidFill>
-                  </a:tcPr>
-                </a:tc>
-                <a:tc>
-                  <a:txBody>
-                    <a:bodyPr/>
-                    <a:lstStyle/>
-                    <a:p>
-                      <a:r>
-                        <a:rPr lang="zh-CN" altLang="en-US" sz="1200" dirty="0">
-                          <a:solidFill>
-                            <a:schemeClr val="tx1">
-                              <a:lumMod val="75000"/>
-                              <a:lumOff val="25000"/>
-                            </a:schemeClr>
-                          </a:solidFill>
-                          <a:latin typeface="+mn-lt"/>
-                          <a:ea typeface="微软雅黑" panose="020B0503020204020204" pitchFamily="34" charset="-122"/>
-                        </a:rPr>
-                        <a:t>龙岗人民医院</a:t>
-                      </a:r>
-                    </a:p>
-                  </a:txBody>
-                  <a:tcPr marL="91445" marR="91445" marT="45713" marB="45713" anchor="ctr">
-                    <a:solidFill>
-                      <a:srgbClr val="F6F7F9"/>
-                    </a:solidFill>
-                  </a:tcPr>
-                </a:tc>
-                <a:tc>
-                  <a:txBody>
-                    <a:bodyPr/>
-                    <a:lstStyle/>
-                    <a:p>
-                      <a:pPr algn="ctr"/>
-                      <a:r>
-                        <a:rPr sz="1200" b="0" dirty="0">
-                          <a:solidFill>
-                            <a:schemeClr val="tx1">
-                              <a:lumMod val="75000"/>
-                              <a:lumOff val="25000"/>
-                            </a:schemeClr>
-                          </a:solidFill>
-                          <a:latin typeface="+mn-lt"/>
-                          <a:ea typeface="微软雅黑" panose="020B0503020204020204" pitchFamily="34" charset="-122"/>
-                        </a:rPr>
-                        <a:t>0.1</a:t>
-                      </a:r>
-                    </a:p>
-                  </a:txBody>
-                  <a:tcPr marL="91445" marR="91445" marT="45713" marB="45713" anchor="ctr">
-                    <a:solidFill>
-                      <a:srgbClr val="F6F7F9"/>
-                    </a:solidFill>
-                  </a:tcPr>
-                </a:tc>
-                <a:extLst>
-                  <a:ext uri="{0D108BD9-81ED-4DB2-BD59-A6C34878D82A}">
-                    <a16:rowId xmlns:a16="http://schemas.microsoft.com/office/drawing/2014/main" val="10002"/>
-                  </a:ext>
-                </a:extLst>
-              </a:tr>
-            </a:tbl>
-          </a:graphicData>
-        </a:graphic>
-      </p:graphicFrame>
       <p:pic>
         <p:nvPicPr>
           <p:cNvPr id="94" name="图片 93">
@@ -19256,698 +18078,6 @@
           </a:p>
         </p:txBody>
       </p:sp>
-      <p:graphicFrame>
-        <p:nvGraphicFramePr>
-          <p:cNvPr id="55" name="New Table">
-            <a:extLst>
-              <a:ext uri="{FF2B5EF4-FFF2-40B4-BE49-F238E27FC236}">
-                <a16:creationId xmlns:a16="http://schemas.microsoft.com/office/drawing/2014/main" id="{2489164E-8A43-4337-80C7-C6ABD37D56D6}"/>
-              </a:ext>
-            </a:extLst>
-          </p:cNvPr>
-          <p:cNvGraphicFramePr>
-            <a:graphicFrameLocks noGrp="1"/>
-          </p:cNvGraphicFramePr>
-          <p:nvPr>
-            <p:extLst>
-              <p:ext uri="{D42A27DB-BD31-4B8C-83A1-F6EECF244321}">
-                <p14:modId xmlns:p14="http://schemas.microsoft.com/office/powerpoint/2010/main" val="50937532"/>
-              </p:ext>
-            </p:extLst>
-          </p:nvPr>
-        </p:nvGraphicFramePr>
-        <p:xfrm>
-          <a:off x="5794744" y="745067"/>
-          <a:ext cx="3261150" cy="2862696"/>
-        </p:xfrm>
-        <a:graphic>
-          <a:graphicData uri="http://schemas.openxmlformats.org/drawingml/2006/table">
-            <a:tbl>
-              <a:tblPr>
-                <a:tableStyleId>{C083E6E3-FA7D-4D7B-A595-EF9225AFEA82}</a:tableStyleId>
-              </a:tblPr>
-              <a:tblGrid>
-                <a:gridCol w="1087050">
-                  <a:extLst>
-                    <a:ext uri="{9D8B030D-6E8A-4147-A177-3AD203B41FA5}">
-                      <a16:colId xmlns:a16="http://schemas.microsoft.com/office/drawing/2014/main" val="20000"/>
-                    </a:ext>
-                  </a:extLst>
-                </a:gridCol>
-                <a:gridCol w="1087050">
-                  <a:extLst>
-                    <a:ext uri="{9D8B030D-6E8A-4147-A177-3AD203B41FA5}">
-                      <a16:colId xmlns:a16="http://schemas.microsoft.com/office/drawing/2014/main" val="20001"/>
-                    </a:ext>
-                  </a:extLst>
-                </a:gridCol>
-                <a:gridCol w="1087050">
-                  <a:extLst>
-                    <a:ext uri="{9D8B030D-6E8A-4147-A177-3AD203B41FA5}">
-                      <a16:colId xmlns:a16="http://schemas.microsoft.com/office/drawing/2014/main" val="20003"/>
-                    </a:ext>
-                  </a:extLst>
-                </a:gridCol>
-              </a:tblGrid>
-              <a:tr h="477116">
-                <a:tc>
-                  <a:txBody>
-                    <a:bodyPr/>
-                    <a:lstStyle/>
-                    <a:p>
-                      <a:pPr algn="ctr"/>
-                      <a:r>
-                        <a:rPr sz="1200" b="1" dirty="0" err="1">
-                          <a:solidFill>
-                            <a:schemeClr val="tx1">
-                              <a:lumMod val="75000"/>
-                              <a:lumOff val="25000"/>
-                            </a:schemeClr>
-                          </a:solidFill>
-                          <a:latin typeface="+mn-lt"/>
-                          <a:ea typeface="微软雅黑" panose="020B0503020204020204" pitchFamily="34" charset="-122"/>
-                        </a:rPr>
-                        <a:t>编号</a:t>
-                      </a:r>
-                      <a:endParaRPr sz="1200" b="1" dirty="0">
-                        <a:solidFill>
-                          <a:schemeClr val="tx1">
-                            <a:lumMod val="75000"/>
-                            <a:lumOff val="25000"/>
-                          </a:schemeClr>
-                        </a:solidFill>
-                        <a:latin typeface="+mn-lt"/>
-                        <a:ea typeface="微软雅黑" panose="020B0503020204020204" pitchFamily="34" charset="-122"/>
-                      </a:endParaRPr>
-                    </a:p>
-                  </a:txBody>
-                  <a:tcPr marL="91445" marR="91445" marT="45713" marB="45713" anchor="ctr"/>
-                </a:tc>
-                <a:tc>
-                  <a:txBody>
-                    <a:bodyPr/>
-                    <a:lstStyle/>
-                    <a:p>
-                      <a:pPr algn="ctr"/>
-                      <a:r>
-                        <a:rPr sz="1200" b="1" dirty="0" err="1">
-                          <a:solidFill>
-                            <a:schemeClr val="tx1">
-                              <a:lumMod val="75000"/>
-                              <a:lumOff val="25000"/>
-                            </a:schemeClr>
-                          </a:solidFill>
-                          <a:latin typeface="+mn-lt"/>
-                          <a:ea typeface="微软雅黑" panose="020B0503020204020204" pitchFamily="34" charset="-122"/>
-                        </a:rPr>
-                        <a:t>名称</a:t>
-                      </a:r>
-                      <a:endParaRPr sz="1200" b="1" dirty="0">
-                        <a:solidFill>
-                          <a:schemeClr val="tx1">
-                            <a:lumMod val="75000"/>
-                            <a:lumOff val="25000"/>
-                          </a:schemeClr>
-                        </a:solidFill>
-                        <a:latin typeface="+mn-lt"/>
-                        <a:ea typeface="微软雅黑" panose="020B0503020204020204" pitchFamily="34" charset="-122"/>
-                      </a:endParaRPr>
-                    </a:p>
-                  </a:txBody>
-                  <a:tcPr marL="91445" marR="91445" marT="45713" marB="45713" anchor="ctr"/>
-                </a:tc>
-                <a:tc>
-                  <a:txBody>
-                    <a:bodyPr/>
-                    <a:lstStyle/>
-                    <a:p>
-                      <a:pPr algn="ctr"/>
-                      <a:r>
-                        <a:rPr sz="1200" b="1" dirty="0" err="1">
-                          <a:solidFill>
-                            <a:schemeClr val="tx1">
-                              <a:lumMod val="75000"/>
-                              <a:lumOff val="25000"/>
-                            </a:schemeClr>
-                          </a:solidFill>
-                          <a:latin typeface="+mn-lt"/>
-                          <a:ea typeface="微软雅黑" panose="020B0503020204020204" pitchFamily="34" charset="-122"/>
-                        </a:rPr>
-                        <a:t>距离</a:t>
-                      </a:r>
-                      <a:r>
-                        <a:rPr sz="1200" b="1" dirty="0">
-                          <a:solidFill>
-                            <a:schemeClr val="tx1">
-                              <a:lumMod val="75000"/>
-                              <a:lumOff val="25000"/>
-                            </a:schemeClr>
-                          </a:solidFill>
-                          <a:latin typeface="+mn-lt"/>
-                          <a:ea typeface="微软雅黑" panose="020B0503020204020204" pitchFamily="34" charset="-122"/>
-                        </a:rPr>
-                        <a:t>
-(km)</a:t>
-                      </a:r>
-                    </a:p>
-                  </a:txBody>
-                  <a:tcPr marL="91445" marR="91445" marT="45713" marB="45713" anchor="ctr"/>
-                </a:tc>
-                <a:extLst>
-                  <a:ext uri="{0D108BD9-81ED-4DB2-BD59-A6C34878D82A}">
-                    <a16:rowId xmlns:a16="http://schemas.microsoft.com/office/drawing/2014/main" val="10000"/>
-                  </a:ext>
-                </a:extLst>
-              </a:tr>
-              <a:tr h="477116">
-                <a:tc>
-                  <a:txBody>
-                    <a:bodyPr/>
-                    <a:lstStyle/>
-                    <a:p>
-                      <a:pPr algn="ctr"/>
-                      <a:r>
-                        <a:rPr sz="1200" b="0" dirty="0">
-                          <a:solidFill>
-                            <a:schemeClr val="tx1">
-                              <a:lumMod val="75000"/>
-                              <a:lumOff val="25000"/>
-                            </a:schemeClr>
-                          </a:solidFill>
-                          <a:latin typeface="+mn-lt"/>
-                          <a:ea typeface="微软雅黑" panose="020B0503020204020204" pitchFamily="34" charset="-122"/>
-                        </a:rPr>
-                        <a:t>1</a:t>
-                      </a:r>
-                    </a:p>
-                  </a:txBody>
-                  <a:tcPr marL="91445" marR="91445" marT="45713" marB="45713" anchor="ctr">
-                    <a:solidFill>
-                      <a:srgbClr val="FFFFFF"/>
-                    </a:solidFill>
-                  </a:tcPr>
-                </a:tc>
-                <a:tc>
-                  <a:txBody>
-                    <a:bodyPr/>
-                    <a:lstStyle/>
-                    <a:p>
-                      <a:pPr algn="ctr"/>
-                      <a:r>
-                        <a:rPr sz="1200" b="0" dirty="0" err="1">
-                          <a:solidFill>
-                            <a:schemeClr val="tx1">
-                              <a:lumMod val="75000"/>
-                              <a:lumOff val="25000"/>
-                            </a:schemeClr>
-                          </a:solidFill>
-                          <a:latin typeface="+mn-lt"/>
-                          <a:ea typeface="微软雅黑" panose="020B0503020204020204" pitchFamily="34" charset="-122"/>
-                        </a:rPr>
-                        <a:t>九方购物中心</a:t>
-                      </a:r>
-                      <a:r>
-                        <a:rPr sz="1200" b="0" dirty="0">
-                          <a:solidFill>
-                            <a:schemeClr val="tx1">
-                              <a:lumMod val="75000"/>
-                              <a:lumOff val="25000"/>
-                            </a:schemeClr>
-                          </a:solidFill>
-                          <a:latin typeface="+mn-lt"/>
-                          <a:ea typeface="微软雅黑" panose="020B0503020204020204" pitchFamily="34" charset="-122"/>
-                        </a:rPr>
-                        <a:t>(</a:t>
-                      </a:r>
-                      <a:r>
-                        <a:rPr sz="1200" b="0" dirty="0" err="1">
-                          <a:solidFill>
-                            <a:schemeClr val="tx1">
-                              <a:lumMod val="75000"/>
-                              <a:lumOff val="25000"/>
-                            </a:schemeClr>
-                          </a:solidFill>
-                          <a:latin typeface="+mn-lt"/>
-                          <a:ea typeface="微软雅黑" panose="020B0503020204020204" pitchFamily="34" charset="-122"/>
-                        </a:rPr>
-                        <a:t>人民路</a:t>
-                      </a:r>
-                      <a:r>
-                        <a:rPr sz="1200" b="0" dirty="0">
-                          <a:solidFill>
-                            <a:schemeClr val="tx1">
-                              <a:lumMod val="75000"/>
-                              <a:lumOff val="25000"/>
-                            </a:schemeClr>
-                          </a:solidFill>
-                          <a:latin typeface="+mn-lt"/>
-                          <a:ea typeface="微软雅黑" panose="020B0503020204020204" pitchFamily="34" charset="-122"/>
-                        </a:rPr>
-                        <a:t>)</a:t>
-                      </a:r>
-                    </a:p>
-                  </a:txBody>
-                  <a:tcPr marL="91445" marR="91445" marT="45710" marB="45710" anchor="ctr">
-                    <a:solidFill>
-                      <a:srgbClr val="FFFFFF"/>
-                    </a:solidFill>
-                  </a:tcPr>
-                </a:tc>
-                <a:tc>
-                  <a:txBody>
-                    <a:bodyPr/>
-                    <a:lstStyle/>
-                    <a:p>
-                      <a:pPr algn="ctr"/>
-                      <a:r>
-                        <a:rPr sz="1200" b="0" dirty="0">
-                          <a:solidFill>
-                            <a:schemeClr val="tx1">
-                              <a:lumMod val="75000"/>
-                              <a:lumOff val="25000"/>
-                            </a:schemeClr>
-                          </a:solidFill>
-                          <a:latin typeface="+mn-lt"/>
-                          <a:ea typeface="微软雅黑" panose="020B0503020204020204" pitchFamily="34" charset="-122"/>
-                        </a:rPr>
-                        <a:t>0.8</a:t>
-                      </a:r>
-                    </a:p>
-                  </a:txBody>
-                  <a:tcPr marL="91445" marR="91445" marT="45713" marB="45713" anchor="ctr">
-                    <a:solidFill>
-                      <a:srgbClr val="FFFFFF"/>
-                    </a:solidFill>
-                  </a:tcPr>
-                </a:tc>
-                <a:extLst>
-                  <a:ext uri="{0D108BD9-81ED-4DB2-BD59-A6C34878D82A}">
-                    <a16:rowId xmlns:a16="http://schemas.microsoft.com/office/drawing/2014/main" val="10001"/>
-                  </a:ext>
-                </a:extLst>
-              </a:tr>
-              <a:tr h="477116">
-                <a:tc>
-                  <a:txBody>
-                    <a:bodyPr/>
-                    <a:lstStyle/>
-                    <a:p>
-                      <a:pPr algn="ctr"/>
-                      <a:r>
-                        <a:rPr sz="1200" b="0" dirty="0">
-                          <a:solidFill>
-                            <a:schemeClr val="tx1">
-                              <a:lumMod val="75000"/>
-                              <a:lumOff val="25000"/>
-                            </a:schemeClr>
-                          </a:solidFill>
-                          <a:latin typeface="+mn-lt"/>
-                          <a:ea typeface="微软雅黑" panose="020B0503020204020204" pitchFamily="34" charset="-122"/>
-                        </a:rPr>
-                        <a:t>2</a:t>
-                      </a:r>
-                    </a:p>
-                  </a:txBody>
-                  <a:tcPr marL="91445" marR="91445" marT="45713" marB="45713" anchor="ctr">
-                    <a:solidFill>
-                      <a:srgbClr val="F6F7F9"/>
-                    </a:solidFill>
-                  </a:tcPr>
-                </a:tc>
-                <a:tc>
-                  <a:txBody>
-                    <a:bodyPr/>
-                    <a:lstStyle/>
-                    <a:p>
-                      <a:pPr algn="ctr"/>
-                      <a:r>
-                        <a:rPr sz="1200" b="0" dirty="0" err="1">
-                          <a:solidFill>
-                            <a:schemeClr val="tx1">
-                              <a:lumMod val="75000"/>
-                              <a:lumOff val="25000"/>
-                            </a:schemeClr>
-                          </a:solidFill>
-                          <a:latin typeface="+mn-lt"/>
-                          <a:ea typeface="微软雅黑" panose="020B0503020204020204" pitchFamily="34" charset="-122"/>
-                        </a:rPr>
-                        <a:t>中海环宇新天地</a:t>
-                      </a:r>
-                      <a:endParaRPr sz="1200" b="0" dirty="0">
-                        <a:solidFill>
-                          <a:schemeClr val="tx1">
-                            <a:lumMod val="75000"/>
-                            <a:lumOff val="25000"/>
-                          </a:schemeClr>
-                        </a:solidFill>
-                        <a:latin typeface="+mn-lt"/>
-                        <a:ea typeface="微软雅黑" panose="020B0503020204020204" pitchFamily="34" charset="-122"/>
-                      </a:endParaRPr>
-                    </a:p>
-                  </a:txBody>
-                  <a:tcPr marL="91445" marR="91445" marT="45710" marB="45710" anchor="ctr">
-                    <a:solidFill>
-                      <a:srgbClr val="F6F7F9"/>
-                    </a:solidFill>
-                  </a:tcPr>
-                </a:tc>
-                <a:tc>
-                  <a:txBody>
-                    <a:bodyPr/>
-                    <a:lstStyle/>
-                    <a:p>
-                      <a:pPr algn="ctr"/>
-                      <a:r>
-                        <a:rPr sz="1200" b="0">
-                          <a:solidFill>
-                            <a:schemeClr val="tx1">
-                              <a:lumMod val="75000"/>
-                              <a:lumOff val="25000"/>
-                            </a:schemeClr>
-                          </a:solidFill>
-                          <a:latin typeface="+mn-lt"/>
-                          <a:ea typeface="微软雅黑" panose="020B0503020204020204" pitchFamily="34" charset="-122"/>
-                        </a:rPr>
-                        <a:t>0.1</a:t>
-                      </a:r>
-                    </a:p>
-                  </a:txBody>
-                  <a:tcPr marL="91445" marR="91445" marT="45713" marB="45713" anchor="ctr">
-                    <a:solidFill>
-                      <a:srgbClr val="F6F7F9"/>
-                    </a:solidFill>
-                  </a:tcPr>
-                </a:tc>
-                <a:extLst>
-                  <a:ext uri="{0D108BD9-81ED-4DB2-BD59-A6C34878D82A}">
-                    <a16:rowId xmlns:a16="http://schemas.microsoft.com/office/drawing/2014/main" val="10002"/>
-                  </a:ext>
-                </a:extLst>
-              </a:tr>
-              <a:tr h="477116">
-                <a:tc>
-                  <a:txBody>
-                    <a:bodyPr/>
-                    <a:lstStyle/>
-                    <a:p>
-                      <a:pPr algn="ctr"/>
-                      <a:r>
-                        <a:rPr sz="1200" b="0" dirty="0">
-                          <a:solidFill>
-                            <a:schemeClr val="tx1">
-                              <a:lumMod val="75000"/>
-                              <a:lumOff val="25000"/>
-                            </a:schemeClr>
-                          </a:solidFill>
-                          <a:latin typeface="+mn-lt"/>
-                          <a:ea typeface="微软雅黑" panose="020B0503020204020204" pitchFamily="34" charset="-122"/>
-                        </a:rPr>
-                        <a:t>3</a:t>
-                      </a:r>
-                    </a:p>
-                  </a:txBody>
-                  <a:tcPr marL="91445" marR="91445" marT="45713" marB="45713" anchor="ctr">
-                    <a:solidFill>
-                      <a:srgbClr val="FFFFFF"/>
-                    </a:solidFill>
-                  </a:tcPr>
-                </a:tc>
-                <a:tc>
-                  <a:txBody>
-                    <a:bodyPr/>
-                    <a:lstStyle/>
-                    <a:p>
-                      <a:pPr algn="ctr"/>
-                      <a:r>
-                        <a:rPr sz="1200" b="0" dirty="0" err="1">
-                          <a:solidFill>
-                            <a:schemeClr val="tx1">
-                              <a:lumMod val="75000"/>
-                              <a:lumOff val="25000"/>
-                            </a:schemeClr>
-                          </a:solidFill>
-                          <a:latin typeface="+mn-lt"/>
-                          <a:ea typeface="微软雅黑" panose="020B0503020204020204" pitchFamily="34" charset="-122"/>
-                        </a:rPr>
-                        <a:t>U·ONE优城</a:t>
-                      </a:r>
-                      <a:endParaRPr sz="1200" b="0" dirty="0">
-                        <a:solidFill>
-                          <a:schemeClr val="tx1">
-                            <a:lumMod val="75000"/>
-                            <a:lumOff val="25000"/>
-                          </a:schemeClr>
-                        </a:solidFill>
-                        <a:latin typeface="+mn-lt"/>
-                        <a:ea typeface="微软雅黑" panose="020B0503020204020204" pitchFamily="34" charset="-122"/>
-                      </a:endParaRPr>
-                    </a:p>
-                  </a:txBody>
-                  <a:tcPr marL="91445" marR="91445" marT="45710" marB="45710" anchor="ctr">
-                    <a:solidFill>
-                      <a:srgbClr val="FFFFFF"/>
-                    </a:solidFill>
-                  </a:tcPr>
-                </a:tc>
-                <a:tc>
-                  <a:txBody>
-                    <a:bodyPr/>
-                    <a:lstStyle/>
-                    <a:p>
-                      <a:pPr algn="ctr"/>
-                      <a:r>
-                        <a:rPr sz="1200" b="0">
-                          <a:solidFill>
-                            <a:schemeClr val="tx1">
-                              <a:lumMod val="75000"/>
-                              <a:lumOff val="25000"/>
-                            </a:schemeClr>
-                          </a:solidFill>
-                          <a:latin typeface="+mn-lt"/>
-                          <a:ea typeface="微软雅黑" panose="020B0503020204020204" pitchFamily="34" charset="-122"/>
-                        </a:rPr>
-                        <a:t>0.4</a:t>
-                      </a:r>
-                    </a:p>
-                  </a:txBody>
-                  <a:tcPr marL="91445" marR="91445" marT="45713" marB="45713" anchor="ctr">
-                    <a:solidFill>
-                      <a:srgbClr val="FFFFFF"/>
-                    </a:solidFill>
-                  </a:tcPr>
-                </a:tc>
-                <a:extLst>
-                  <a:ext uri="{0D108BD9-81ED-4DB2-BD59-A6C34878D82A}">
-                    <a16:rowId xmlns:a16="http://schemas.microsoft.com/office/drawing/2014/main" val="10003"/>
-                  </a:ext>
-                </a:extLst>
-              </a:tr>
-              <a:tr h="477116">
-                <a:tc>
-                  <a:txBody>
-                    <a:bodyPr/>
-                    <a:lstStyle/>
-                    <a:p>
-                      <a:pPr algn="ctr"/>
-                      <a:r>
-                        <a:rPr sz="1200" b="0">
-                          <a:solidFill>
-                            <a:schemeClr val="tx1">
-                              <a:lumMod val="75000"/>
-                              <a:lumOff val="25000"/>
-                            </a:schemeClr>
-                          </a:solidFill>
-                          <a:latin typeface="+mn-lt"/>
-                          <a:ea typeface="微软雅黑" panose="020B0503020204020204" pitchFamily="34" charset="-122"/>
-                        </a:rPr>
-                        <a:t>4</a:t>
-                      </a:r>
-                    </a:p>
-                  </a:txBody>
-                  <a:tcPr marL="91445" marR="91445" marT="45713" marB="45713" anchor="ctr">
-                    <a:solidFill>
-                      <a:srgbClr val="F6F7F9"/>
-                    </a:solidFill>
-                  </a:tcPr>
-                </a:tc>
-                <a:tc>
-                  <a:txBody>
-                    <a:bodyPr/>
-                    <a:lstStyle/>
-                    <a:p>
-                      <a:pPr algn="ctr"/>
-                      <a:r>
-                        <a:rPr sz="1200" b="0" dirty="0" err="1">
-                          <a:solidFill>
-                            <a:schemeClr val="tx1">
-                              <a:lumMod val="75000"/>
-                              <a:lumOff val="25000"/>
-                            </a:schemeClr>
-                          </a:solidFill>
-                          <a:latin typeface="+mn-lt"/>
-                          <a:ea typeface="微软雅黑" panose="020B0503020204020204" pitchFamily="34" charset="-122"/>
-                        </a:rPr>
-                        <a:t>嘉熙业广场</a:t>
-                      </a:r>
-                      <a:endParaRPr sz="1200" b="0" dirty="0">
-                        <a:solidFill>
-                          <a:schemeClr val="tx1">
-                            <a:lumMod val="75000"/>
-                            <a:lumOff val="25000"/>
-                          </a:schemeClr>
-                        </a:solidFill>
-                        <a:latin typeface="+mn-lt"/>
-                        <a:ea typeface="微软雅黑" panose="020B0503020204020204" pitchFamily="34" charset="-122"/>
-                      </a:endParaRPr>
-                    </a:p>
-                  </a:txBody>
-                  <a:tcPr marL="91445" marR="91445" marT="45710" marB="45710" anchor="ctr">
-                    <a:solidFill>
-                      <a:srgbClr val="F6F7F9"/>
-                    </a:solidFill>
-                  </a:tcPr>
-                </a:tc>
-                <a:tc>
-                  <a:txBody>
-                    <a:bodyPr/>
-                    <a:lstStyle/>
-                    <a:p>
-                      <a:pPr algn="ctr"/>
-                      <a:r>
-                        <a:rPr sz="1200" b="0">
-                          <a:solidFill>
-                            <a:schemeClr val="tx1">
-                              <a:lumMod val="75000"/>
-                              <a:lumOff val="25000"/>
-                            </a:schemeClr>
-                          </a:solidFill>
-                          <a:latin typeface="+mn-lt"/>
-                          <a:ea typeface="微软雅黑" panose="020B0503020204020204" pitchFamily="34" charset="-122"/>
-                        </a:rPr>
-                        <a:t>0.4</a:t>
-                      </a:r>
-                    </a:p>
-                  </a:txBody>
-                  <a:tcPr marL="91445" marR="91445" marT="45713" marB="45713" anchor="ctr">
-                    <a:solidFill>
-                      <a:srgbClr val="F6F7F9"/>
-                    </a:solidFill>
-                  </a:tcPr>
-                </a:tc>
-                <a:extLst>
-                  <a:ext uri="{0D108BD9-81ED-4DB2-BD59-A6C34878D82A}">
-                    <a16:rowId xmlns:a16="http://schemas.microsoft.com/office/drawing/2014/main" val="10004"/>
-                  </a:ext>
-                </a:extLst>
-              </a:tr>
-              <a:tr h="477116">
-                <a:tc>
-                  <a:txBody>
-                    <a:bodyPr/>
-                    <a:lstStyle/>
-                    <a:p>
-                      <a:pPr algn="ctr"/>
-                      <a:r>
-                        <a:rPr sz="1200" b="0">
-                          <a:solidFill>
-                            <a:schemeClr val="tx1">
-                              <a:lumMod val="75000"/>
-                              <a:lumOff val="25000"/>
-                            </a:schemeClr>
-                          </a:solidFill>
-                          <a:latin typeface="+mn-lt"/>
-                          <a:ea typeface="微软雅黑" panose="020B0503020204020204" pitchFamily="34" charset="-122"/>
-                        </a:rPr>
-                        <a:t>5</a:t>
-                      </a:r>
-                    </a:p>
-                  </a:txBody>
-                  <a:tcPr marL="91445" marR="91445" marT="45713" marB="45713" anchor="ctr">
-                    <a:solidFill>
-                      <a:srgbClr val="FFFFFF"/>
-                    </a:solidFill>
-                  </a:tcPr>
-                </a:tc>
-                <a:tc>
-                  <a:txBody>
-                    <a:bodyPr/>
-                    <a:lstStyle/>
-                    <a:p>
-                      <a:pPr marL="0" marR="0" lvl="0" indent="0" algn="ctr" defTabSz="914400" rtl="0" eaLnBrk="1" fontAlgn="auto" latinLnBrk="0" hangingPunct="1">
-                        <a:lnSpc>
-                          <a:spcPct val="100000"/>
-                        </a:lnSpc>
-                        <a:spcBef>
-                          <a:spcPts val="0"/>
-                        </a:spcBef>
-                        <a:spcAft>
-                          <a:spcPts val="0"/>
-                        </a:spcAft>
-                        <a:buClrTx/>
-                        <a:buSzTx/>
-                        <a:buFontTx/>
-                        <a:buNone/>
-                        <a:tabLst/>
-                        <a:defRPr/>
-                      </a:pPr>
-                      <a:r>
-                        <a:rPr lang="zh-CN" altLang="en-US" sz="1200" dirty="0">
-                          <a:solidFill>
-                            <a:schemeClr val="tx1">
-                              <a:lumMod val="75000"/>
-                              <a:lumOff val="25000"/>
-                            </a:schemeClr>
-                          </a:solidFill>
-                          <a:latin typeface="+mn-lt"/>
-                          <a:ea typeface="微软雅黑" panose="020B0503020204020204" pitchFamily="34" charset="-122"/>
-                        </a:rPr>
-                        <a:t>汇龙时代广场</a:t>
-                      </a:r>
-                    </a:p>
-                  </a:txBody>
-                  <a:tcPr marL="91445" marR="91445" marT="45713" marB="45713" anchor="ctr">
-                    <a:solidFill>
-                      <a:srgbClr val="FFFFFF"/>
-                    </a:solidFill>
-                  </a:tcPr>
-                </a:tc>
-                <a:tc>
-                  <a:txBody>
-                    <a:bodyPr/>
-                    <a:lstStyle/>
-                    <a:p>
-                      <a:pPr algn="ctr"/>
-                      <a:r>
-                        <a:rPr sz="1200" b="0" dirty="0">
-                          <a:solidFill>
-                            <a:schemeClr val="tx1">
-                              <a:lumMod val="75000"/>
-                              <a:lumOff val="25000"/>
-                            </a:schemeClr>
-                          </a:solidFill>
-                          <a:latin typeface="+mn-lt"/>
-                          <a:ea typeface="微软雅黑" panose="020B0503020204020204" pitchFamily="34" charset="-122"/>
-                        </a:rPr>
-                        <a:t>0.5</a:t>
-                      </a:r>
-                    </a:p>
-                  </a:txBody>
-                  <a:tcPr marL="91445" marR="91445" marT="45713" marB="45713" anchor="ctr">
-                    <a:solidFill>
-                      <a:srgbClr val="FFFFFF"/>
-                    </a:solidFill>
-                  </a:tcPr>
-                </a:tc>
-                <a:extLst>
-                  <a:ext uri="{0D108BD9-81ED-4DB2-BD59-A6C34878D82A}">
-                    <a16:rowId xmlns:a16="http://schemas.microsoft.com/office/drawing/2014/main" val="10005"/>
-                  </a:ext>
-                </a:extLst>
-              </a:tr>
-            </a:tbl>
-          </a:graphicData>
-        </a:graphic>
-      </p:graphicFrame>
       <p:pic>
         <p:nvPicPr>
           <p:cNvPr id="95" name="图片 94">
@@ -21169,347 +19299,6 @@
           </a:p>
         </p:txBody>
       </p:sp>
-      <p:graphicFrame>
-        <p:nvGraphicFramePr>
-          <p:cNvPr id="96" name="New Table">
-            <a:extLst>
-              <a:ext uri="{FF2B5EF4-FFF2-40B4-BE49-F238E27FC236}">
-                <a16:creationId xmlns:a16="http://schemas.microsoft.com/office/drawing/2014/main" id="{23C73494-72FF-4652-ADC1-B9F2C95B7FD7}"/>
-              </a:ext>
-            </a:extLst>
-          </p:cNvPr>
-          <p:cNvGraphicFramePr>
-            <a:graphicFrameLocks noGrp="1"/>
-          </p:cNvGraphicFramePr>
-          <p:nvPr>
-            <p:extLst>
-              <p:ext uri="{D42A27DB-BD31-4B8C-83A1-F6EECF244321}">
-                <p14:modId xmlns:p14="http://schemas.microsoft.com/office/powerpoint/2010/main" val="23253416"/>
-              </p:ext>
-            </p:extLst>
-          </p:nvPr>
-        </p:nvGraphicFramePr>
-        <p:xfrm>
-          <a:off x="5794744" y="745067"/>
-          <a:ext cx="3261150" cy="1431348"/>
-        </p:xfrm>
-        <a:graphic>
-          <a:graphicData uri="http://schemas.openxmlformats.org/drawingml/2006/table">
-            <a:tbl>
-              <a:tblPr>
-                <a:tableStyleId>{C083E6E3-FA7D-4D7B-A595-EF9225AFEA82}</a:tableStyleId>
-              </a:tblPr>
-              <a:tblGrid>
-                <a:gridCol w="1087050">
-                  <a:extLst>
-                    <a:ext uri="{9D8B030D-6E8A-4147-A177-3AD203B41FA5}">
-                      <a16:colId xmlns:a16="http://schemas.microsoft.com/office/drawing/2014/main" val="20000"/>
-                    </a:ext>
-                  </a:extLst>
-                </a:gridCol>
-                <a:gridCol w="1087050">
-                  <a:extLst>
-                    <a:ext uri="{9D8B030D-6E8A-4147-A177-3AD203B41FA5}">
-                      <a16:colId xmlns:a16="http://schemas.microsoft.com/office/drawing/2014/main" val="20001"/>
-                    </a:ext>
-                  </a:extLst>
-                </a:gridCol>
-                <a:gridCol w="1087050">
-                  <a:extLst>
-                    <a:ext uri="{9D8B030D-6E8A-4147-A177-3AD203B41FA5}">
-                      <a16:colId xmlns:a16="http://schemas.microsoft.com/office/drawing/2014/main" val="20003"/>
-                    </a:ext>
-                  </a:extLst>
-                </a:gridCol>
-              </a:tblGrid>
-              <a:tr h="477116">
-                <a:tc>
-                  <a:txBody>
-                    <a:bodyPr/>
-                    <a:lstStyle/>
-                    <a:p>
-                      <a:pPr algn="ctr"/>
-                      <a:r>
-                        <a:rPr sz="1200" b="1" dirty="0" err="1">
-                          <a:solidFill>
-                            <a:schemeClr val="tx1">
-                              <a:lumMod val="75000"/>
-                              <a:lumOff val="25000"/>
-                            </a:schemeClr>
-                          </a:solidFill>
-                          <a:latin typeface="+mn-lt"/>
-                          <a:ea typeface="微软雅黑" panose="020B0503020204020204" pitchFamily="34" charset="-122"/>
-                        </a:rPr>
-                        <a:t>编号</a:t>
-                      </a:r>
-                      <a:endParaRPr sz="1200" b="1" dirty="0">
-                        <a:solidFill>
-                          <a:schemeClr val="tx1">
-                            <a:lumMod val="75000"/>
-                            <a:lumOff val="25000"/>
-                          </a:schemeClr>
-                        </a:solidFill>
-                        <a:latin typeface="+mn-lt"/>
-                        <a:ea typeface="微软雅黑" panose="020B0503020204020204" pitchFamily="34" charset="-122"/>
-                      </a:endParaRPr>
-                    </a:p>
-                  </a:txBody>
-                  <a:tcPr marL="91445" marR="91445" marT="45713" marB="45713" anchor="ctr"/>
-                </a:tc>
-                <a:tc>
-                  <a:txBody>
-                    <a:bodyPr/>
-                    <a:lstStyle/>
-                    <a:p>
-                      <a:pPr algn="ctr"/>
-                      <a:r>
-                        <a:rPr sz="1200" b="1" dirty="0" err="1">
-                          <a:solidFill>
-                            <a:schemeClr val="tx1">
-                              <a:lumMod val="75000"/>
-                              <a:lumOff val="25000"/>
-                            </a:schemeClr>
-                          </a:solidFill>
-                          <a:latin typeface="+mn-lt"/>
-                          <a:ea typeface="微软雅黑" panose="020B0503020204020204" pitchFamily="34" charset="-122"/>
-                        </a:rPr>
-                        <a:t>名称</a:t>
-                      </a:r>
-                      <a:endParaRPr sz="1200" b="1" dirty="0">
-                        <a:solidFill>
-                          <a:schemeClr val="tx1">
-                            <a:lumMod val="75000"/>
-                            <a:lumOff val="25000"/>
-                          </a:schemeClr>
-                        </a:solidFill>
-                        <a:latin typeface="+mn-lt"/>
-                        <a:ea typeface="微软雅黑" panose="020B0503020204020204" pitchFamily="34" charset="-122"/>
-                      </a:endParaRPr>
-                    </a:p>
-                  </a:txBody>
-                  <a:tcPr marL="91445" marR="91445" marT="45713" marB="45713" anchor="ctr"/>
-                </a:tc>
-                <a:tc>
-                  <a:txBody>
-                    <a:bodyPr/>
-                    <a:lstStyle/>
-                    <a:p>
-                      <a:pPr algn="ctr"/>
-                      <a:r>
-                        <a:rPr sz="1200" b="1" dirty="0" err="1">
-                          <a:solidFill>
-                            <a:schemeClr val="tx1">
-                              <a:lumMod val="75000"/>
-                              <a:lumOff val="25000"/>
-                            </a:schemeClr>
-                          </a:solidFill>
-                          <a:latin typeface="+mn-lt"/>
-                          <a:ea typeface="微软雅黑" panose="020B0503020204020204" pitchFamily="34" charset="-122"/>
-                        </a:rPr>
-                        <a:t>距离</a:t>
-                      </a:r>
-                      <a:r>
-                        <a:rPr sz="1200" b="1" dirty="0">
-                          <a:solidFill>
-                            <a:schemeClr val="tx1">
-                              <a:lumMod val="75000"/>
-                              <a:lumOff val="25000"/>
-                            </a:schemeClr>
-                          </a:solidFill>
-                          <a:latin typeface="+mn-lt"/>
-                          <a:ea typeface="微软雅黑" panose="020B0503020204020204" pitchFamily="34" charset="-122"/>
-                        </a:rPr>
-                        <a:t>
-(km)</a:t>
-                      </a:r>
-                    </a:p>
-                  </a:txBody>
-                  <a:tcPr marL="91445" marR="91445" marT="45713" marB="45713" anchor="ctr"/>
-                </a:tc>
-                <a:extLst>
-                  <a:ext uri="{0D108BD9-81ED-4DB2-BD59-A6C34878D82A}">
-                    <a16:rowId xmlns:a16="http://schemas.microsoft.com/office/drawing/2014/main" val="10000"/>
-                  </a:ext>
-                </a:extLst>
-              </a:tr>
-              <a:tr h="477116">
-                <a:tc>
-                  <a:txBody>
-                    <a:bodyPr/>
-                    <a:lstStyle/>
-                    <a:p>
-                      <a:pPr algn="ctr"/>
-                      <a:r>
-                        <a:rPr sz="1200" b="0" dirty="0">
-                          <a:solidFill>
-                            <a:schemeClr val="tx1">
-                              <a:lumMod val="75000"/>
-                              <a:lumOff val="25000"/>
-                            </a:schemeClr>
-                          </a:solidFill>
-                          <a:latin typeface="+mn-lt"/>
-                          <a:ea typeface="微软雅黑" panose="020B0503020204020204" pitchFamily="34" charset="-122"/>
-                        </a:rPr>
-                        <a:t>1</a:t>
-                      </a:r>
-                    </a:p>
-                  </a:txBody>
-                  <a:tcPr marL="91445" marR="91445" marT="45713" marB="45713" anchor="ctr">
-                    <a:solidFill>
-                      <a:srgbClr val="FFFFFF"/>
-                    </a:solidFill>
-                  </a:tcPr>
-                </a:tc>
-                <a:tc>
-                  <a:txBody>
-                    <a:bodyPr/>
-                    <a:lstStyle/>
-                    <a:p>
-                      <a:r>
-                        <a:rPr lang="zh-CN" altLang="en-US" sz="1200" dirty="0">
-                          <a:solidFill>
-                            <a:schemeClr val="tx1">
-                              <a:lumMod val="75000"/>
-                              <a:lumOff val="25000"/>
-                            </a:schemeClr>
-                          </a:solidFill>
-                          <a:latin typeface="+mn-lt"/>
-                          <a:ea typeface="微软雅黑" panose="020B0503020204020204" pitchFamily="34" charset="-122"/>
-                        </a:rPr>
-                        <a:t>深圳市福田区政府</a:t>
-                      </a:r>
-                    </a:p>
-                  </a:txBody>
-                  <a:tcPr marL="91445" marR="91445" marT="45713" marB="45713" anchor="ctr">
-                    <a:solidFill>
-                      <a:srgbClr val="FFFFFF"/>
-                    </a:solidFill>
-                  </a:tcPr>
-                </a:tc>
-                <a:tc>
-                  <a:txBody>
-                    <a:bodyPr/>
-                    <a:lstStyle/>
-                    <a:p>
-                      <a:pPr algn="ctr"/>
-                      <a:r>
-                        <a:rPr sz="1200" b="0" dirty="0">
-                          <a:solidFill>
-                            <a:schemeClr val="tx1">
-                              <a:lumMod val="75000"/>
-                              <a:lumOff val="25000"/>
-                            </a:schemeClr>
-                          </a:solidFill>
-                          <a:latin typeface="+mn-lt"/>
-                          <a:ea typeface="微软雅黑" panose="020B0503020204020204" pitchFamily="34" charset="-122"/>
-                        </a:rPr>
-                        <a:t>0.8</a:t>
-                      </a:r>
-                    </a:p>
-                  </a:txBody>
-                  <a:tcPr marL="91445" marR="91445" marT="45713" marB="45713" anchor="ctr">
-                    <a:solidFill>
-                      <a:srgbClr val="FFFFFF"/>
-                    </a:solidFill>
-                  </a:tcPr>
-                </a:tc>
-                <a:extLst>
-                  <a:ext uri="{0D108BD9-81ED-4DB2-BD59-A6C34878D82A}">
-                    <a16:rowId xmlns:a16="http://schemas.microsoft.com/office/drawing/2014/main" val="10001"/>
-                  </a:ext>
-                </a:extLst>
-              </a:tr>
-              <a:tr h="477116">
-                <a:tc>
-                  <a:txBody>
-                    <a:bodyPr/>
-                    <a:lstStyle/>
-                    <a:p>
-                      <a:pPr algn="ctr"/>
-                      <a:r>
-                        <a:rPr sz="1200" b="0" dirty="0">
-                          <a:solidFill>
-                            <a:schemeClr val="tx1">
-                              <a:lumMod val="75000"/>
-                              <a:lumOff val="25000"/>
-                            </a:schemeClr>
-                          </a:solidFill>
-                          <a:latin typeface="+mn-lt"/>
-                          <a:ea typeface="微软雅黑" panose="020B0503020204020204" pitchFamily="34" charset="-122"/>
-                        </a:rPr>
-                        <a:t>2</a:t>
-                      </a:r>
-                    </a:p>
-                  </a:txBody>
-                  <a:tcPr marL="91445" marR="91445" marT="45713" marB="45713" anchor="ctr">
-                    <a:solidFill>
-                      <a:srgbClr val="F6F7F9"/>
-                    </a:solidFill>
-                  </a:tcPr>
-                </a:tc>
-                <a:tc>
-                  <a:txBody>
-                    <a:bodyPr/>
-                    <a:lstStyle/>
-                    <a:p>
-                      <a:r>
-                        <a:rPr lang="zh-CN" altLang="en-US" sz="1200" dirty="0">
-                          <a:solidFill>
-                            <a:schemeClr val="tx1">
-                              <a:lumMod val="75000"/>
-                              <a:lumOff val="25000"/>
-                            </a:schemeClr>
-                          </a:solidFill>
-                          <a:latin typeface="+mn-lt"/>
-                          <a:ea typeface="微软雅黑" panose="020B0503020204020204" pitchFamily="34" charset="-122"/>
-                        </a:rPr>
-                        <a:t>宝山街道居委会</a:t>
-                      </a:r>
-                    </a:p>
-                  </a:txBody>
-                  <a:tcPr marL="91445" marR="91445" marT="45713" marB="45713" anchor="ctr">
-                    <a:solidFill>
-                      <a:srgbClr val="F6F7F9"/>
-                    </a:solidFill>
-                  </a:tcPr>
-                </a:tc>
-                <a:tc>
-                  <a:txBody>
-                    <a:bodyPr/>
-                    <a:lstStyle/>
-                    <a:p>
-                      <a:pPr algn="ctr"/>
-                      <a:r>
-                        <a:rPr sz="1200" b="0" dirty="0">
-                          <a:solidFill>
-                            <a:schemeClr val="tx1">
-                              <a:lumMod val="75000"/>
-                              <a:lumOff val="25000"/>
-                            </a:schemeClr>
-                          </a:solidFill>
-                          <a:latin typeface="+mn-lt"/>
-                          <a:ea typeface="微软雅黑" panose="020B0503020204020204" pitchFamily="34" charset="-122"/>
-                        </a:rPr>
-                        <a:t>0.1</a:t>
-                      </a:r>
-                    </a:p>
-                  </a:txBody>
-                  <a:tcPr marL="91445" marR="91445" marT="45713" marB="45713" anchor="ctr">
-                    <a:solidFill>
-                      <a:srgbClr val="F6F7F9"/>
-                    </a:solidFill>
-                  </a:tcPr>
-                </a:tc>
-                <a:extLst>
-                  <a:ext uri="{0D108BD9-81ED-4DB2-BD59-A6C34878D82A}">
-                    <a16:rowId xmlns:a16="http://schemas.microsoft.com/office/drawing/2014/main" val="10002"/>
-                  </a:ext>
-                </a:extLst>
-              </a:tr>
-            </a:tbl>
-          </a:graphicData>
-        </a:graphic>
-      </p:graphicFrame>
       <p:pic>
         <p:nvPicPr>
           <p:cNvPr id="97" name="图片 96">

--- a/helloWorld/ppt_template/diyun_land_report_template.pptx
+++ b/helloWorld/ppt_template/diyun_land_report_template.pptx
@@ -20840,36 +20840,6 @@
           </a:p>
         </p:txBody>
       </p:sp>
-      <p:pic>
-        <p:nvPicPr>
-          <p:cNvPr id="14" name="图片 13">
-            <a:extLst>
-              <a:ext uri="{FF2B5EF4-FFF2-40B4-BE49-F238E27FC236}">
-                <a16:creationId xmlns:a16="http://schemas.microsoft.com/office/drawing/2014/main" id="{EA6165B3-700D-49CA-B590-E54A85C62C4A}"/>
-              </a:ext>
-            </a:extLst>
-          </p:cNvPr>
-          <p:cNvPicPr>
-            <a:picLocks noChangeAspect="1"/>
-          </p:cNvPicPr>
-          <p:nvPr/>
-        </p:nvPicPr>
-        <p:blipFill>
-          <a:blip r:embed="rId2"/>
-          <a:stretch>
-            <a:fillRect/>
-          </a:stretch>
-        </p:blipFill>
-        <p:spPr>
-          <a:xfrm>
-            <a:off x="4992064" y="1154210"/>
-            <a:ext cx="3495675" cy="3600450"/>
-          </a:xfrm>
-          <a:prstGeom prst="rect">
-            <a:avLst/>
-          </a:prstGeom>
-        </p:spPr>
-      </p:pic>
       <p:graphicFrame>
         <p:nvGraphicFramePr>
           <p:cNvPr id="16" name="表格 15">
@@ -22638,36 +22608,6 @@
           </a:graphicData>
         </a:graphic>
       </p:graphicFrame>
-      <p:pic>
-        <p:nvPicPr>
-          <p:cNvPr id="5" name="图片 4">
-            <a:extLst>
-              <a:ext uri="{FF2B5EF4-FFF2-40B4-BE49-F238E27FC236}">
-                <a16:creationId xmlns:a16="http://schemas.microsoft.com/office/drawing/2014/main" id="{EC4C1A4A-03A2-4733-85F1-D27E5B155A53}"/>
-              </a:ext>
-            </a:extLst>
-          </p:cNvPr>
-          <p:cNvPicPr>
-            <a:picLocks noChangeAspect="1"/>
-          </p:cNvPicPr>
-          <p:nvPr/>
-        </p:nvPicPr>
-        <p:blipFill>
-          <a:blip r:embed="rId3"/>
-          <a:stretch>
-            <a:fillRect/>
-          </a:stretch>
-        </p:blipFill>
-        <p:spPr>
-          <a:xfrm>
-            <a:off x="681928" y="1154210"/>
-            <a:ext cx="3495675" cy="3600450"/>
-          </a:xfrm>
-          <a:prstGeom prst="rect">
-            <a:avLst/>
-          </a:prstGeom>
-        </p:spPr>
-      </p:pic>
     </p:spTree>
   </p:cSld>
   <p:clrMapOvr>
@@ -22850,7 +22790,7 @@
         <p:spPr>
           <a:xfrm>
             <a:off x="396553" y="575731"/>
-            <a:ext cx="8494910" cy="738664"/>
+            <a:ext cx="8494910" cy="954107"/>
           </a:xfrm>
           <a:prstGeom prst="rect">
             <a:avLst/>
@@ -22863,6 +22803,104 @@
           <a:lstStyle/>
           <a:p>
             <a:r>
+              <a:rPr lang="en-US" altLang="zh-CN" dirty="0" smtClean="0">
+                <a:solidFill>
+                  <a:srgbClr val="000000"/>
+                </a:solidFill>
+                <a:latin typeface="+mn-lt"/>
+                <a:ea typeface="Arial" panose="020B0604020202020204" pitchFamily="34" charset="-122"/>
+                <a:cs typeface="Arial" panose="020B0604020202020204" pitchFamily="34" charset="-120"/>
+              </a:rPr>
+              <a:t>{year}</a:t>
+            </a:r>
+            <a:r>
+              <a:rPr lang="zh-CN" altLang="en-US" dirty="0" smtClean="0">
+                <a:solidFill>
+                  <a:srgbClr val="000000"/>
+                </a:solidFill>
+                <a:latin typeface="+mn-lt"/>
+                <a:ea typeface="Arial" panose="020B0604020202020204" pitchFamily="34" charset="-122"/>
+                <a:cs typeface="Arial" panose="020B0604020202020204" pitchFamily="34" charset="-120"/>
+              </a:rPr>
+              <a:t>年，</a:t>
+            </a:r>
+            <a:r>
+              <a:rPr lang="en-US" altLang="zh-CN" dirty="0" err="1" smtClean="0">
+                <a:solidFill>
+                  <a:srgbClr val="000000"/>
+                </a:solidFill>
+                <a:latin typeface="+mn-lt"/>
+                <a:ea typeface="Arial" panose="020B0604020202020204" pitchFamily="34" charset="-122"/>
+                <a:cs typeface="Arial" panose="020B0604020202020204" pitchFamily="34" charset="-120"/>
+              </a:rPr>
+              <a:t>全市第</a:t>
+            </a:r>
+            <a:r>
+              <a:rPr lang="zh-CN" altLang="en-US" dirty="0">
+                <a:solidFill>
+                  <a:srgbClr val="000000"/>
+                </a:solidFill>
+                <a:latin typeface="+mn-lt"/>
+                <a:ea typeface="Arial" panose="020B0604020202020204" pitchFamily="34" charset="-122"/>
+                <a:cs typeface="Arial" panose="020B0604020202020204" pitchFamily="34" charset="-120"/>
+              </a:rPr>
+              <a:t>一</a:t>
+            </a:r>
+            <a:r>
+              <a:rPr lang="en-US" altLang="zh-CN" dirty="0" err="1" smtClean="0">
+                <a:solidFill>
+                  <a:srgbClr val="000000"/>
+                </a:solidFill>
+                <a:latin typeface="+mn-lt"/>
+                <a:ea typeface="Arial" panose="020B0604020202020204" pitchFamily="34" charset="-122"/>
+                <a:cs typeface="Arial" panose="020B0604020202020204" pitchFamily="34" charset="-120"/>
+              </a:rPr>
+              <a:t>产业生产总值为</a:t>
+            </a:r>
+            <a:r>
+              <a:rPr lang="en-US" altLang="zh-CN" dirty="0" smtClean="0">
+                <a:solidFill>
+                  <a:srgbClr val="000000"/>
+                </a:solidFill>
+                <a:latin typeface="+mn-lt"/>
+                <a:ea typeface="Arial" panose="020B0604020202020204" pitchFamily="34" charset="-122"/>
+                <a:cs typeface="Arial" panose="020B0604020202020204" pitchFamily="34" charset="-120"/>
+              </a:rPr>
+              <a:t>{</a:t>
+            </a:r>
+            <a:r>
+              <a:rPr lang="en-US" altLang="zh-CN" dirty="0">
+                <a:solidFill>
+                  <a:srgbClr val="000000"/>
+                </a:solidFill>
+                <a:ea typeface="Arial" panose="020B0604020202020204" pitchFamily="34" charset="-122"/>
+                <a:cs typeface="Arial" panose="020B0604020202020204" pitchFamily="34" charset="-120"/>
+              </a:rPr>
+              <a:t>first</a:t>
+            </a:r>
+            <a:r>
+              <a:rPr lang="en-US" altLang="zh-CN" dirty="0" smtClean="0">
+                <a:solidFill>
+                  <a:srgbClr val="000000"/>
+                </a:solidFill>
+                <a:latin typeface="+mn-lt"/>
+                <a:ea typeface="Arial" panose="020B0604020202020204" pitchFamily="34" charset="-122"/>
+                <a:cs typeface="Arial" panose="020B0604020202020204" pitchFamily="34" charset="-120"/>
+              </a:rPr>
+              <a:t>}</a:t>
+            </a:r>
+            <a:r>
+              <a:rPr lang="en-US" altLang="zh-CN" dirty="0" err="1" smtClean="0">
+                <a:solidFill>
+                  <a:srgbClr val="000000"/>
+                </a:solidFill>
+                <a:latin typeface="+mn-lt"/>
+                <a:ea typeface="Arial" panose="020B0604020202020204" pitchFamily="34" charset="-122"/>
+                <a:cs typeface="Arial" panose="020B0604020202020204" pitchFamily="34" charset="-120"/>
+              </a:rPr>
+              <a:t>亿元</a:t>
+            </a:r>
+            <a:r>
               <a:rPr lang="en-US" altLang="zh-CN" dirty="0" err="1">
                 <a:solidFill>
                   <a:srgbClr val="000000"/>
@@ -22871,7 +22909,59 @@
                 <a:ea typeface="Arial" panose="020B0604020202020204" pitchFamily="34" charset="-122"/>
                 <a:cs typeface="Arial" panose="020B0604020202020204" pitchFamily="34" charset="-120"/>
               </a:rPr>
-              <a:t>全市第</a:t>
+              <a:t>，</a:t>
+            </a:r>
+            <a:r>
+              <a:rPr lang="en-US" altLang="zh-CN" dirty="0" err="1" smtClean="0">
+                <a:solidFill>
+                  <a:srgbClr val="000000"/>
+                </a:solidFill>
+                <a:latin typeface="+mn-lt"/>
+                <a:ea typeface="Arial" panose="020B0604020202020204" pitchFamily="34" charset="-122"/>
+                <a:cs typeface="Arial" panose="020B0604020202020204" pitchFamily="34" charset="-120"/>
+              </a:rPr>
+              <a:t>占全市生产总值</a:t>
+            </a:r>
+            <a:r>
+              <a:rPr lang="en-US" altLang="zh-CN" dirty="0" smtClean="0">
+                <a:solidFill>
+                  <a:srgbClr val="000000"/>
+                </a:solidFill>
+                <a:ea typeface="Arial" panose="020B0604020202020204" pitchFamily="34" charset="-122"/>
+                <a:cs typeface="Arial" panose="020B0604020202020204" pitchFamily="34" charset="-120"/>
+              </a:rPr>
+              <a:t>{</a:t>
+            </a:r>
+            <a:r>
+              <a:rPr lang="en-US" altLang="zh-CN" dirty="0" err="1" smtClean="0">
+                <a:solidFill>
+                  <a:srgbClr val="000000"/>
+                </a:solidFill>
+                <a:ea typeface="Arial" panose="020B0604020202020204" pitchFamily="34" charset="-122"/>
+                <a:cs typeface="Arial" panose="020B0604020202020204" pitchFamily="34" charset="-120"/>
+              </a:rPr>
+              <a:t>first_percent</a:t>
+            </a:r>
+            <a:r>
+              <a:rPr lang="en-US" altLang="zh-CN" dirty="0" smtClean="0">
+                <a:solidFill>
+                  <a:srgbClr val="000000"/>
+                </a:solidFill>
+                <a:ea typeface="Arial" panose="020B0604020202020204" pitchFamily="34" charset="-122"/>
+                <a:cs typeface="Arial" panose="020B0604020202020204" pitchFamily="34" charset="-120"/>
+              </a:rPr>
+              <a:t>}</a:t>
+            </a:r>
+            <a:r>
+              <a:rPr lang="en-US" altLang="zh-CN" dirty="0" smtClean="0">
+                <a:solidFill>
+                  <a:srgbClr val="000000"/>
+                </a:solidFill>
+                <a:latin typeface="+mn-lt"/>
+                <a:ea typeface="Arial" panose="020B0604020202020204" pitchFamily="34" charset="-122"/>
+                <a:cs typeface="Arial" panose="020B0604020202020204" pitchFamily="34" charset="-120"/>
+              </a:rPr>
+              <a:t>%</a:t>
             </a:r>
             <a:r>
               <a:rPr lang="zh-CN" altLang="en-US" dirty="0">
@@ -22882,7 +22972,7 @@
                 <a:ea typeface="Arial" panose="020B0604020202020204" pitchFamily="34" charset="-122"/>
                 <a:cs typeface="Arial" panose="020B0604020202020204" pitchFamily="34" charset="-120"/>
               </a:rPr>
-              <a:t>一</a:t>
+              <a:t>；</a:t>
             </a:r>
             <a:r>
               <a:rPr lang="en-US" altLang="zh-CN" dirty="0">
@@ -22893,7 +22983,7 @@
                 <a:ea typeface="Arial" panose="020B0604020202020204" pitchFamily="34" charset="-122"/>
                 <a:cs typeface="Arial" panose="020B0604020202020204" pitchFamily="34" charset="-120"/>
               </a:rPr>
-              <a:t>产业生产总值为14237.94亿元，占全市生产总值58.8%</a:t>
+              <a:t>第</a:t>
             </a:r>
             <a:r>
               <a:rPr lang="zh-CN" altLang="en-US" dirty="0">
@@ -22904,10 +22994,10 @@
                 <a:ea typeface="Arial" panose="020B0604020202020204" pitchFamily="34" charset="-122"/>
                 <a:cs typeface="Arial" panose="020B0604020202020204" pitchFamily="34" charset="-120"/>
               </a:rPr>
-              <a:t>；</a:t>
-            </a:r>
-            <a:r>
-              <a:rPr lang="en-US" altLang="zh-CN" dirty="0">
+              <a:t>二</a:t>
+            </a:r>
+            <a:r>
+              <a:rPr lang="en-US" altLang="zh-CN" dirty="0" err="1" smtClean="0">
                 <a:solidFill>
                   <a:srgbClr val="000000"/>
                 </a:solidFill>
@@ -22915,7 +23005,91 @@
                 <a:ea typeface="Arial" panose="020B0604020202020204" pitchFamily="34" charset="-122"/>
                 <a:cs typeface="Arial" panose="020B0604020202020204" pitchFamily="34" charset="-120"/>
               </a:rPr>
-              <a:t>第</a:t>
+              <a:t>产业生产总值为</a:t>
+            </a:r>
+            <a:r>
+              <a:rPr lang="en-US" altLang="zh-CN" dirty="0" smtClean="0">
+                <a:solidFill>
+                  <a:srgbClr val="000000"/>
+                </a:solidFill>
+                <a:ea typeface="Arial" panose="020B0604020202020204" pitchFamily="34" charset="-122"/>
+                <a:cs typeface="Arial" panose="020B0604020202020204" pitchFamily="34" charset="-120"/>
+              </a:rPr>
+              <a:t>{second}</a:t>
+            </a:r>
+            <a:r>
+              <a:rPr lang="en-US" altLang="zh-CN" dirty="0" err="1" smtClean="0">
+                <a:solidFill>
+                  <a:srgbClr val="000000"/>
+                </a:solidFill>
+                <a:latin typeface="+mn-lt"/>
+                <a:ea typeface="Arial" panose="020B0604020202020204" pitchFamily="34" charset="-122"/>
+                <a:cs typeface="Arial" panose="020B0604020202020204" pitchFamily="34" charset="-120"/>
+              </a:rPr>
+              <a:t>亿元</a:t>
+            </a:r>
+            <a:r>
+              <a:rPr lang="en-US" altLang="zh-CN" dirty="0" err="1">
+                <a:solidFill>
+                  <a:srgbClr val="000000"/>
+                </a:solidFill>
+                <a:latin typeface="+mn-lt"/>
+                <a:ea typeface="Arial" panose="020B0604020202020204" pitchFamily="34" charset="-122"/>
+                <a:cs typeface="Arial" panose="020B0604020202020204" pitchFamily="34" charset="-120"/>
+              </a:rPr>
+              <a:t>，</a:t>
+            </a:r>
+            <a:r>
+              <a:rPr lang="en-US" altLang="zh-CN" dirty="0" err="1" smtClean="0">
+                <a:solidFill>
+                  <a:srgbClr val="000000"/>
+                </a:solidFill>
+                <a:latin typeface="+mn-lt"/>
+                <a:ea typeface="Arial" panose="020B0604020202020204" pitchFamily="34" charset="-122"/>
+                <a:cs typeface="Arial" panose="020B0604020202020204" pitchFamily="34" charset="-120"/>
+              </a:rPr>
+              <a:t>占全市生产总值</a:t>
+            </a:r>
+            <a:r>
+              <a:rPr lang="en-US" altLang="zh-CN" dirty="0">
+                <a:solidFill>
+                  <a:srgbClr val="000000"/>
+                </a:solidFill>
+                <a:ea typeface="Arial" panose="020B0604020202020204" pitchFamily="34" charset="-122"/>
+                <a:cs typeface="Arial" panose="020B0604020202020204" pitchFamily="34" charset="-120"/>
+              </a:rPr>
+              <a:t>{</a:t>
+            </a:r>
+            <a:r>
+              <a:rPr lang="en-US" altLang="zh-CN" dirty="0" err="1" smtClean="0">
+                <a:solidFill>
+                  <a:srgbClr val="000000"/>
+                </a:solidFill>
+                <a:ea typeface="Arial" panose="020B0604020202020204" pitchFamily="34" charset="-122"/>
+                <a:cs typeface="Arial" panose="020B0604020202020204" pitchFamily="34" charset="-120"/>
+              </a:rPr>
+              <a:t>second_percent</a:t>
+            </a:r>
+            <a:r>
+              <a:rPr lang="en-US" altLang="zh-CN" dirty="0" smtClean="0">
+                <a:solidFill>
+                  <a:srgbClr val="000000"/>
+                </a:solidFill>
+                <a:ea typeface="Arial" panose="020B0604020202020204" pitchFamily="34" charset="-122"/>
+                <a:cs typeface="Arial" panose="020B0604020202020204" pitchFamily="34" charset="-120"/>
+              </a:rPr>
+              <a:t>}</a:t>
+            </a:r>
+            <a:r>
+              <a:rPr lang="en-US" altLang="zh-CN" dirty="0" smtClean="0">
+                <a:solidFill>
+                  <a:srgbClr val="000000"/>
+                </a:solidFill>
+                <a:latin typeface="+mn-lt"/>
+                <a:ea typeface="Arial" panose="020B0604020202020204" pitchFamily="34" charset="-122"/>
+                <a:cs typeface="Arial" panose="020B0604020202020204" pitchFamily="34" charset="-120"/>
+              </a:rPr>
+              <a:t>%</a:t>
             </a:r>
             <a:r>
               <a:rPr lang="zh-CN" altLang="en-US" dirty="0">
@@ -22926,10 +23100,10 @@
                 <a:ea typeface="Arial" panose="020B0604020202020204" pitchFamily="34" charset="-122"/>
                 <a:cs typeface="Arial" panose="020B0604020202020204" pitchFamily="34" charset="-120"/>
               </a:rPr>
-              <a:t>二</a:t>
-            </a:r>
-            <a:r>
-              <a:rPr lang="en-US" altLang="zh-CN" dirty="0">
+              <a:t>；</a:t>
+            </a:r>
+            <a:r>
+              <a:rPr lang="en-US" altLang="zh-CN" dirty="0" err="1" smtClean="0">
                 <a:solidFill>
                   <a:srgbClr val="000000"/>
                 </a:solidFill>
@@ -22937,10 +23111,10 @@
                 <a:ea typeface="Arial" panose="020B0604020202020204" pitchFamily="34" charset="-122"/>
                 <a:cs typeface="Arial" panose="020B0604020202020204" pitchFamily="34" charset="-120"/>
               </a:rPr>
-              <a:t>产业生产总值为14237.94亿元，占全市生产总值58.8%</a:t>
-            </a:r>
-            <a:r>
-              <a:rPr lang="zh-CN" altLang="en-US" dirty="0">
+              <a:t>第三产业生产总值为</a:t>
+            </a:r>
+            <a:r>
+              <a:rPr lang="en-US" altLang="zh-CN" dirty="0" smtClean="0">
                 <a:solidFill>
                   <a:srgbClr val="000000"/>
                 </a:solidFill>
@@ -22948,10 +23122,10 @@
                 <a:ea typeface="Arial" panose="020B0604020202020204" pitchFamily="34" charset="-122"/>
                 <a:cs typeface="Arial" panose="020B0604020202020204" pitchFamily="34" charset="-120"/>
               </a:rPr>
-              <a:t>；</a:t>
-            </a:r>
-            <a:r>
-              <a:rPr lang="en-US" altLang="zh-CN" dirty="0">
+              <a:t>{third}</a:t>
+            </a:r>
+            <a:r>
+              <a:rPr lang="en-US" altLang="zh-CN" dirty="0" err="1" smtClean="0">
                 <a:solidFill>
                   <a:srgbClr val="000000"/>
                 </a:solidFill>
@@ -22959,7 +23133,70 @@
                 <a:ea typeface="Arial" panose="020B0604020202020204" pitchFamily="34" charset="-122"/>
                 <a:cs typeface="Arial" panose="020B0604020202020204" pitchFamily="34" charset="-120"/>
               </a:rPr>
-              <a:t>第三产业生产总值为14237.94亿元，占全市生产总值58.8%。</a:t>
+              <a:t>亿元</a:t>
+            </a:r>
+            <a:r>
+              <a:rPr lang="en-US" altLang="zh-CN" dirty="0" err="1">
+                <a:solidFill>
+                  <a:srgbClr val="000000"/>
+                </a:solidFill>
+                <a:latin typeface="+mn-lt"/>
+                <a:ea typeface="Arial" panose="020B0604020202020204" pitchFamily="34" charset="-122"/>
+                <a:cs typeface="Arial" panose="020B0604020202020204" pitchFamily="34" charset="-120"/>
+              </a:rPr>
+              <a:t>，</a:t>
+            </a:r>
+            <a:r>
+              <a:rPr lang="en-US" altLang="zh-CN" dirty="0" err="1" smtClean="0">
+                <a:solidFill>
+                  <a:srgbClr val="000000"/>
+                </a:solidFill>
+                <a:latin typeface="+mn-lt"/>
+                <a:ea typeface="Arial" panose="020B0604020202020204" pitchFamily="34" charset="-122"/>
+                <a:cs typeface="Arial" panose="020B0604020202020204" pitchFamily="34" charset="-120"/>
+              </a:rPr>
+              <a:t>占全市生产总值</a:t>
+            </a:r>
+            <a:r>
+              <a:rPr lang="en-US" altLang="zh-CN" dirty="0">
+                <a:solidFill>
+                  <a:srgbClr val="000000"/>
+                </a:solidFill>
+                <a:ea typeface="Arial" panose="020B0604020202020204" pitchFamily="34" charset="-122"/>
+                <a:cs typeface="Arial" panose="020B0604020202020204" pitchFamily="34" charset="-120"/>
+              </a:rPr>
+              <a:t>{</a:t>
+            </a:r>
+            <a:r>
+              <a:rPr lang="en-US" altLang="zh-CN" dirty="0" err="1" smtClean="0">
+                <a:solidFill>
+                  <a:srgbClr val="000000"/>
+                </a:solidFill>
+                <a:ea typeface="Arial" panose="020B0604020202020204" pitchFamily="34" charset="-122"/>
+                <a:cs typeface="Arial" panose="020B0604020202020204" pitchFamily="34" charset="-120"/>
+              </a:rPr>
+              <a:t>third_percent</a:t>
+            </a:r>
+            <a:r>
+              <a:rPr lang="en-US" altLang="zh-CN" dirty="0" smtClean="0">
+                <a:solidFill>
+                  <a:srgbClr val="000000"/>
+                </a:solidFill>
+                <a:ea typeface="Arial" panose="020B0604020202020204" pitchFamily="34" charset="-122"/>
+                <a:cs typeface="Arial" panose="020B0604020202020204" pitchFamily="34" charset="-120"/>
+              </a:rPr>
+              <a:t>}</a:t>
+            </a:r>
+            <a:r>
+              <a:rPr lang="en-US" altLang="zh-CN" dirty="0" smtClean="0">
+                <a:solidFill>
+                  <a:srgbClr val="000000"/>
+                </a:solidFill>
+                <a:latin typeface="+mn-lt"/>
+                <a:ea typeface="Arial" panose="020B0604020202020204" pitchFamily="34" charset="-122"/>
+                <a:cs typeface="Arial" panose="020B0604020202020204" pitchFamily="34" charset="-120"/>
+              </a:rPr>
+              <a:t>%。</a:t>
             </a:r>
             <a:endParaRPr lang="zh-CN" altLang="en-US" dirty="0">
               <a:latin typeface="+mn-lt"/>
@@ -23948,7 +24185,7 @@
         <p:spPr>
           <a:xfrm>
             <a:off x="396553" y="575731"/>
-            <a:ext cx="8494910" cy="307777"/>
+            <a:ext cx="8494910" cy="523220"/>
           </a:xfrm>
           <a:prstGeom prst="rect">
             <a:avLst/>
@@ -23968,7 +24205,147 @@
                 <a:ea typeface="Arial" panose="020B0604020202020204" pitchFamily="34" charset="-122"/>
                 <a:cs typeface="Arial" panose="020B0604020202020204" pitchFamily="34" charset="-120"/>
               </a:rPr>
-              <a:t> 2018年，深圳市常住人口为1302.66万人，户籍人口为422.61万人。</a:t>
+              <a:t> {</a:t>
+            </a:r>
+            <a:r>
+              <a:rPr lang="zh-CN" altLang="zh-CN" dirty="0">
+                <a:solidFill>
+                  <a:srgbClr val="000000"/>
+                </a:solidFill>
+                <a:ea typeface="Arial" panose="020B0604020202020204" pitchFamily="34" charset="-122"/>
+                <a:cs typeface="Arial" panose="020B0604020202020204" pitchFamily="34" charset="-120"/>
+              </a:rPr>
+              <a:t>year</a:t>
+            </a:r>
+            <a:r>
+              <a:rPr lang="en-US" altLang="zh-CN" dirty="0">
+                <a:solidFill>
+                  <a:srgbClr val="000000"/>
+                </a:solidFill>
+                <a:ea typeface="Arial" panose="020B0604020202020204" pitchFamily="34" charset="-122"/>
+                <a:cs typeface="Arial" panose="020B0604020202020204" pitchFamily="34" charset="-120"/>
+              </a:rPr>
+              <a:t>}年，{</a:t>
+            </a:r>
+            <a:r>
+              <a:rPr lang="zh-CN" altLang="zh-CN" dirty="0">
+                <a:solidFill>
+                  <a:srgbClr val="000000"/>
+                </a:solidFill>
+                <a:ea typeface="Arial" panose="020B0604020202020204" pitchFamily="34" charset="-122"/>
+                <a:cs typeface="Arial" panose="020B0604020202020204" pitchFamily="34" charset="-120"/>
+              </a:rPr>
+              <a:t>city_name</a:t>
+            </a:r>
+            <a:r>
+              <a:rPr lang="en-US" altLang="zh-CN" dirty="0">
+                <a:solidFill>
+                  <a:srgbClr val="000000"/>
+                </a:solidFill>
+                <a:ea typeface="Arial" panose="020B0604020202020204" pitchFamily="34" charset="-122"/>
+                <a:cs typeface="Arial" panose="020B0604020202020204" pitchFamily="34" charset="-120"/>
+              </a:rPr>
+              <a:t>}</a:t>
+            </a:r>
+            <a:r>
+              <a:rPr lang="en-US" altLang="zh-CN" dirty="0" err="1">
+                <a:solidFill>
+                  <a:srgbClr val="000000"/>
+                </a:solidFill>
+                <a:ea typeface="Arial" panose="020B0604020202020204" pitchFamily="34" charset="-122"/>
+                <a:cs typeface="Arial" panose="020B0604020202020204" pitchFamily="34" charset="-120"/>
+              </a:rPr>
+              <a:t>常住人口为</a:t>
+            </a:r>
+            <a:r>
+              <a:rPr lang="en-US" altLang="zh-CN" dirty="0">
+                <a:solidFill>
+                  <a:srgbClr val="000000"/>
+                </a:solidFill>
+                <a:ea typeface="Arial" panose="020B0604020202020204" pitchFamily="34" charset="-122"/>
+                <a:cs typeface="Arial" panose="020B0604020202020204" pitchFamily="34" charset="-120"/>
+              </a:rPr>
+              <a:t>{</a:t>
+            </a:r>
+            <a:r>
+              <a:rPr lang="zh-CN" altLang="zh-CN" dirty="0">
+                <a:solidFill>
+                  <a:srgbClr val="000000"/>
+                </a:solidFill>
+                <a:ea typeface="Arial" panose="020B0604020202020204" pitchFamily="34" charset="-122"/>
+                <a:cs typeface="Arial" panose="020B0604020202020204" pitchFamily="34" charset="-120"/>
+              </a:rPr>
+              <a:t>permanent_total</a:t>
+            </a:r>
+            <a:r>
+              <a:rPr lang="en-US" altLang="zh-CN" dirty="0">
+                <a:solidFill>
+                  <a:srgbClr val="000000"/>
+                </a:solidFill>
+                <a:ea typeface="Arial" panose="020B0604020202020204" pitchFamily="34" charset="-122"/>
+                <a:cs typeface="Arial" panose="020B0604020202020204" pitchFamily="34" charset="-120"/>
+              </a:rPr>
+              <a:t>}</a:t>
+            </a:r>
+            <a:r>
+              <a:rPr lang="en-US" altLang="zh-CN" dirty="0" err="1">
+                <a:solidFill>
+                  <a:srgbClr val="000000"/>
+                </a:solidFill>
+                <a:ea typeface="Arial" panose="020B0604020202020204" pitchFamily="34" charset="-122"/>
+                <a:cs typeface="Arial" panose="020B0604020202020204" pitchFamily="34" charset="-120"/>
+              </a:rPr>
+              <a:t>万人，户籍人口为</a:t>
+            </a:r>
+            <a:r>
+              <a:rPr lang="en-US" altLang="zh-CN" dirty="0">
+                <a:solidFill>
+                  <a:srgbClr val="000000"/>
+                </a:solidFill>
+                <a:ea typeface="Arial" panose="020B0604020202020204" pitchFamily="34" charset="-122"/>
+                <a:cs typeface="Arial" panose="020B0604020202020204" pitchFamily="34" charset="-120"/>
+              </a:rPr>
+              <a:t>{</a:t>
+            </a:r>
+            <a:r>
+              <a:rPr lang="zh-CN" altLang="zh-CN" dirty="0">
+                <a:solidFill>
+                  <a:srgbClr val="000000"/>
+                </a:solidFill>
+                <a:ea typeface="Arial" panose="020B0604020202020204" pitchFamily="34" charset="-122"/>
+                <a:cs typeface="Arial" panose="020B0604020202020204" pitchFamily="34" charset="-120"/>
+              </a:rPr>
+              <a:t>register_total</a:t>
+            </a:r>
+            <a:r>
+              <a:rPr lang="en-US" altLang="zh-CN" dirty="0">
+                <a:solidFill>
+                  <a:srgbClr val="000000"/>
+                </a:solidFill>
+                <a:ea typeface="Arial" panose="020B0604020202020204" pitchFamily="34" charset="-122"/>
+                <a:cs typeface="Arial" panose="020B0604020202020204" pitchFamily="34" charset="-120"/>
+              </a:rPr>
+              <a:t>}</a:t>
+            </a:r>
+            <a:r>
+              <a:rPr lang="en-US" altLang="zh-CN" dirty="0" err="1">
+                <a:solidFill>
+                  <a:srgbClr val="000000"/>
+                </a:solidFill>
+                <a:ea typeface="Arial" panose="020B0604020202020204" pitchFamily="34" charset="-122"/>
+                <a:cs typeface="Arial" panose="020B0604020202020204" pitchFamily="34" charset="-120"/>
+              </a:rPr>
+              <a:t>万人</a:t>
+            </a:r>
+            <a:r>
+              <a:rPr lang="en-US" altLang="zh-CN" dirty="0">
+                <a:solidFill>
+                  <a:srgbClr val="000000"/>
+                </a:solidFill>
+                <a:ea typeface="Arial" panose="020B0604020202020204" pitchFamily="34" charset="-122"/>
+                <a:cs typeface="Arial" panose="020B0604020202020204" pitchFamily="34" charset="-120"/>
+              </a:rPr>
+              <a:t>。</a:t>
             </a:r>
             <a:r>
               <a:rPr lang="zh-CN" altLang="en-US" dirty="0">
@@ -23988,7 +24365,27 @@
                 <a:ea typeface="Arial" panose="020B0604020202020204" pitchFamily="34" charset="-122"/>
                 <a:cs typeface="Arial" panose="020B0604020202020204" pitchFamily="34" charset="-120"/>
               </a:rPr>
-              <a:t>1653</a:t>
+              <a:t>{</a:t>
+            </a:r>
+            <a:r>
+              <a:rPr lang="zh-CN" altLang="zh-CN" dirty="0">
+                <a:solidFill>
+                  <a:srgbClr val="000000"/>
+                </a:solidFill>
+                <a:ea typeface="Arial" panose="020B0604020202020204" pitchFamily="34" charset="-122"/>
+                <a:cs typeface="Arial" panose="020B0604020202020204" pitchFamily="34" charset="-120"/>
+              </a:rPr>
+              <a:t>density</a:t>
+            </a:r>
+            <a:r>
+              <a:rPr lang="en-US" altLang="zh-CN" dirty="0">
+                <a:solidFill>
+                  <a:srgbClr val="000000"/>
+                </a:solidFill>
+                <a:ea typeface="Arial" panose="020B0604020202020204" pitchFamily="34" charset="-122"/>
+                <a:cs typeface="Arial" panose="020B0604020202020204" pitchFamily="34" charset="-120"/>
+              </a:rPr>
+              <a:t>}</a:t>
             </a:r>
             <a:r>
               <a:rPr lang="zh-CN" altLang="en-US" dirty="0">
@@ -24020,10 +24417,6 @@
               </a:rPr>
               <a:t>平方千米。</a:t>
             </a:r>
-            <a:endParaRPr lang="zh-CN" altLang="en-US" dirty="0">
-              <a:latin typeface="微软雅黑" panose="020B0503020204020204" pitchFamily="34" charset="-122"/>
-              <a:ea typeface="微软雅黑" panose="020B0503020204020204" pitchFamily="34" charset="-122"/>
-            </a:endParaRPr>
           </a:p>
         </p:txBody>
       </p:sp>
@@ -24828,36 +25221,6 @@
           </a:graphicData>
         </a:graphic>
       </p:graphicFrame>
-      <p:pic>
-        <p:nvPicPr>
-          <p:cNvPr id="5" name="图片 4">
-            <a:extLst>
-              <a:ext uri="{FF2B5EF4-FFF2-40B4-BE49-F238E27FC236}">
-                <a16:creationId xmlns:a16="http://schemas.microsoft.com/office/drawing/2014/main" id="{6ECF9A17-78EE-4C33-82FF-17D7482651F6}"/>
-              </a:ext>
-            </a:extLst>
-          </p:cNvPr>
-          <p:cNvPicPr>
-            <a:picLocks noChangeAspect="1"/>
-          </p:cNvPicPr>
-          <p:nvPr/>
-        </p:nvPicPr>
-        <p:blipFill>
-          <a:blip r:embed="rId2"/>
-          <a:stretch>
-            <a:fillRect/>
-          </a:stretch>
-        </p:blipFill>
-        <p:spPr>
-          <a:xfrm>
-            <a:off x="1547664" y="1152525"/>
-            <a:ext cx="5781675" cy="3295650"/>
-          </a:xfrm>
-          <a:prstGeom prst="rect">
-            <a:avLst/>
-          </a:prstGeom>
-        </p:spPr>
-      </p:pic>
     </p:spTree>
     <p:extLst>
       <p:ext uri="{BB962C8B-B14F-4D97-AF65-F5344CB8AC3E}">
@@ -24888,36 +25251,6 @@
           <a:chExt cx="0" cy="0"/>
         </a:xfrm>
       </p:grpSpPr>
-      <p:pic>
-        <p:nvPicPr>
-          <p:cNvPr id="11" name="图片 10">
-            <a:extLst>
-              <a:ext uri="{FF2B5EF4-FFF2-40B4-BE49-F238E27FC236}">
-                <a16:creationId xmlns:a16="http://schemas.microsoft.com/office/drawing/2014/main" id="{C1666C42-C64B-493F-9B0C-DBBE6480861E}"/>
-              </a:ext>
-            </a:extLst>
-          </p:cNvPr>
-          <p:cNvPicPr>
-            <a:picLocks noChangeAspect="1"/>
-          </p:cNvPicPr>
-          <p:nvPr/>
-        </p:nvPicPr>
-        <p:blipFill>
-          <a:blip r:embed="rId2"/>
-          <a:stretch>
-            <a:fillRect/>
-          </a:stretch>
-        </p:blipFill>
-        <p:spPr>
-          <a:xfrm>
-            <a:off x="2219325" y="908720"/>
-            <a:ext cx="4705350" cy="3714750"/>
-          </a:xfrm>
-          <a:prstGeom prst="rect">
-            <a:avLst/>
-          </a:prstGeom>
-        </p:spPr>
-      </p:pic>
       <p:sp>
         <p:nvSpPr>
           <p:cNvPr id="2" name="内容占位符 1"/>
@@ -25088,6 +25421,46 @@
           <a:lstStyle/>
           <a:p>
             <a:r>
+              <a:rPr lang="en-US" altLang="zh-CN" dirty="0">
+                <a:solidFill>
+                  <a:srgbClr val="000000"/>
+                </a:solidFill>
+                <a:ea typeface="Arial" panose="020B0604020202020204" pitchFamily="34" charset="-122"/>
+                <a:cs typeface="Arial" panose="020B0604020202020204" pitchFamily="34" charset="-120"/>
+              </a:rPr>
+              <a:t>{year</a:t>
+            </a:r>
+            <a:r>
+              <a:rPr lang="en-US" altLang="zh-CN" dirty="0" smtClean="0">
+                <a:solidFill>
+                  <a:srgbClr val="000000"/>
+                </a:solidFill>
+                <a:ea typeface="Arial" panose="020B0604020202020204" pitchFamily="34" charset="-122"/>
+                <a:cs typeface="Arial" panose="020B0604020202020204" pitchFamily="34" charset="-120"/>
+              </a:rPr>
+              <a:t>}</a:t>
+            </a:r>
+            <a:r>
+              <a:rPr lang="zh-CN" altLang="en-US" smtClean="0">
+                <a:solidFill>
+                  <a:srgbClr val="000000"/>
+                </a:solidFill>
+                <a:ea typeface="Arial" panose="020B0604020202020204" pitchFamily="34" charset="-122"/>
+                <a:cs typeface="Arial" panose="020B0604020202020204" pitchFamily="34" charset="-120"/>
+              </a:rPr>
+              <a:t>年</a:t>
+            </a:r>
+            <a:r>
+              <a:rPr lang="en-US" altLang="zh-CN" smtClean="0">
+                <a:solidFill>
+                  <a:srgbClr val="000000"/>
+                </a:solidFill>
+                <a:ea typeface="Arial" panose="020B0604020202020204" pitchFamily="34" charset="-122"/>
+                <a:cs typeface="Arial" panose="020B0604020202020204" pitchFamily="34" charset="-120"/>
+              </a:rPr>
+              <a:t>,</a:t>
+            </a:r>
+            <a:r>
               <a:rPr lang="en-US" altLang="zh-CN" dirty="0" err="1">
                 <a:solidFill>
                   <a:srgbClr val="000000"/>
@@ -25095,7 +25468,7 @@
                 <a:ea typeface="Arial" panose="020B0604020202020204" pitchFamily="34" charset="-122"/>
                 <a:cs typeface="Arial" panose="020B0604020202020204" pitchFamily="34" charset="-120"/>
               </a:rPr>
-              <a:t>全市城镇人均可支配收入为</a:t>
+              <a:t>全市人均可支配收入为</a:t>
             </a:r>
             <a:r>
               <a:rPr lang="en-US" altLang="zh-CN" dirty="0">
@@ -25105,7 +25478,47 @@
                 <a:ea typeface="Arial" panose="020B0604020202020204" pitchFamily="34" charset="-122"/>
                 <a:cs typeface="Arial" panose="020B0604020202020204" pitchFamily="34" charset="-120"/>
               </a:rPr>
-              <a:t>--元，较上年同比为减少100%</a:t>
+              <a:t>{income}</a:t>
+            </a:r>
+            <a:r>
+              <a:rPr lang="en-US" altLang="zh-CN" dirty="0" err="1">
+                <a:solidFill>
+                  <a:srgbClr val="000000"/>
+                </a:solidFill>
+                <a:ea typeface="Arial" panose="020B0604020202020204" pitchFamily="34" charset="-122"/>
+                <a:cs typeface="Arial" panose="020B0604020202020204" pitchFamily="34" charset="-120"/>
+              </a:rPr>
+              <a:t>元，较上年同比为</a:t>
+            </a:r>
+            <a:r>
+              <a:rPr lang="en-US" altLang="zh-CN" dirty="0">
+                <a:solidFill>
+                  <a:srgbClr val="000000"/>
+                </a:solidFill>
+                <a:ea typeface="Arial" panose="020B0604020202020204" pitchFamily="34" charset="-122"/>
+                <a:cs typeface="Arial" panose="020B0604020202020204" pitchFamily="34" charset="-120"/>
+              </a:rPr>
+              <a:t>{</a:t>
+            </a:r>
+            <a:r>
+              <a:rPr lang="zh-CN" altLang="zh-CN" dirty="0">
+                <a:solidFill>
+                  <a:srgbClr val="000000"/>
+                </a:solidFill>
+                <a:ea typeface="Arial" panose="020B0604020202020204" pitchFamily="34" charset="-122"/>
+                <a:cs typeface="Arial" panose="020B0604020202020204" pitchFamily="34" charset="-120"/>
+              </a:rPr>
+              <a:t>incomePercent</a:t>
+            </a:r>
+            <a:r>
+              <a:rPr lang="en-US" altLang="zh-CN" dirty="0">
+                <a:solidFill>
+                  <a:srgbClr val="000000"/>
+                </a:solidFill>
+                <a:ea typeface="Arial" panose="020B0604020202020204" pitchFamily="34" charset="-122"/>
+                <a:cs typeface="Arial" panose="020B0604020202020204" pitchFamily="34" charset="-120"/>
+              </a:rPr>
+              <a:t>}</a:t>
             </a:r>
             <a:r>
               <a:rPr lang="zh-CN" altLang="en-US" dirty="0">
@@ -25135,7 +25548,27 @@
                 <a:ea typeface="Arial" panose="020B0604020202020204" pitchFamily="34" charset="-122"/>
                 <a:cs typeface="Arial" panose="020B0604020202020204" pitchFamily="34" charset="-120"/>
               </a:rPr>
-              <a:t>--</a:t>
+              <a:t>{</a:t>
+            </a:r>
+            <a:r>
+              <a:rPr lang="zh-CN" altLang="zh-CN" dirty="0">
+                <a:solidFill>
+                  <a:srgbClr val="000000"/>
+                </a:solidFill>
+                <a:ea typeface="Arial" panose="020B0604020202020204" pitchFamily="34" charset="-122"/>
+                <a:cs typeface="Arial" panose="020B0604020202020204" pitchFamily="34" charset="-120"/>
+              </a:rPr>
+              <a:t>expenditure</a:t>
+            </a:r>
+            <a:r>
+              <a:rPr lang="en-US" altLang="zh-CN" dirty="0">
+                <a:solidFill>
+                  <a:srgbClr val="000000"/>
+                </a:solidFill>
+                <a:ea typeface="Arial" panose="020B0604020202020204" pitchFamily="34" charset="-122"/>
+                <a:cs typeface="Arial" panose="020B0604020202020204" pitchFamily="34" charset="-120"/>
+              </a:rPr>
+              <a:t>}</a:t>
             </a:r>
             <a:r>
               <a:rPr lang="en-US" altLang="zh-CN" dirty="0" err="1">
@@ -25158,7 +25591,7 @@
               <a:t>/</a:t>
             </a:r>
             <a:r>
-              <a:rPr lang="en-US" altLang="zh-CN" dirty="0" err="1">
+              <a:rPr lang="en-US" altLang="zh-CN" dirty="0" err="1" smtClean="0">
                 <a:solidFill>
                   <a:srgbClr val="000000"/>
                 </a:solidFill>
@@ -25168,18 +25601,21 @@
               <a:t>人均可支配收入约为</a:t>
             </a:r>
             <a:r>
-              <a:rPr lang="en-US" altLang="zh-CN" dirty="0">
+              <a:rPr lang="en-US" altLang="zh-CN" dirty="0" smtClean="0">
                 <a:solidFill>
                   <a:srgbClr val="000000"/>
                 </a:solidFill>
                 <a:ea typeface="Arial" panose="020B0604020202020204" pitchFamily="34" charset="-122"/>
                 <a:cs typeface="Arial" panose="020B0604020202020204" pitchFamily="34" charset="-120"/>
               </a:rPr>
-              <a:t>--%。</a:t>
+              <a:t>{percent}%。</a:t>
             </a:r>
             <a:endParaRPr lang="zh-CN" altLang="en-US" dirty="0">
-              <a:latin typeface="微软雅黑" panose="020B0503020204020204" pitchFamily="34" charset="-122"/>
-              <a:ea typeface="微软雅黑" panose="020B0503020204020204" pitchFamily="34" charset="-122"/>
+              <a:solidFill>
+                <a:srgbClr val="000000"/>
+              </a:solidFill>
+              <a:ea typeface="Arial" panose="020B0604020202020204" pitchFamily="34" charset="-122"/>
+              <a:cs typeface="Arial" panose="020B0604020202020204" pitchFamily="34" charset="-120"/>
             </a:endParaRPr>
           </a:p>
         </p:txBody>
@@ -26036,142 +26472,112 @@
           <a:lstStyle/>
           <a:p>
             <a:r>
-              <a:rPr lang="en-US" altLang="zh-CN" dirty="0">
-                <a:solidFill>
-                  <a:srgbClr val="000000"/>
-                </a:solidFill>
-                <a:ea typeface="Arial" panose="020B0604020202020204" pitchFamily="34" charset="-122"/>
-                <a:cs typeface="Arial" panose="020B0604020202020204" pitchFamily="34" charset="-120"/>
-              </a:rPr>
-              <a:t>2018</a:t>
-            </a:r>
-            <a:r>
-              <a:rPr lang="zh-CN" altLang="en-US" dirty="0">
-                <a:solidFill>
-                  <a:srgbClr val="000000"/>
-                </a:solidFill>
-                <a:ea typeface="Arial" panose="020B0604020202020204" pitchFamily="34" charset="-122"/>
-                <a:cs typeface="Arial" panose="020B0604020202020204" pitchFamily="34" charset="-120"/>
-              </a:rPr>
+              <a:rPr lang="en-US" altLang="zh-CN" dirty="0"/>
+              <a:t>{year}</a:t>
+            </a:r>
+            <a:r>
+              <a:rPr lang="zh-CN" altLang="en-US" dirty="0"/>
               <a:t>年</a:t>
             </a:r>
             <a:r>
-              <a:rPr lang="en-US" altLang="zh-CN" dirty="0" err="1">
-                <a:solidFill>
-                  <a:srgbClr val="000000"/>
-                </a:solidFill>
-                <a:ea typeface="Arial" panose="020B0604020202020204" pitchFamily="34" charset="-122"/>
-                <a:cs typeface="Arial" panose="020B0604020202020204" pitchFamily="34" charset="-120"/>
-              </a:rPr>
-              <a:t>全市</a:t>
-            </a:r>
-            <a:r>
-              <a:rPr lang="zh-CN" altLang="en-US" dirty="0">
-                <a:solidFill>
-                  <a:srgbClr val="000000"/>
-                </a:solidFill>
-                <a:ea typeface="Arial" panose="020B0604020202020204" pitchFamily="34" charset="-122"/>
-                <a:cs typeface="Arial" panose="020B0604020202020204" pitchFamily="34" charset="-120"/>
-              </a:rPr>
-              <a:t>固定资产投资额</a:t>
-            </a:r>
-            <a:r>
-              <a:rPr lang="en-US" altLang="zh-CN" dirty="0">
-                <a:solidFill>
-                  <a:srgbClr val="000000"/>
-                </a:solidFill>
-                <a:ea typeface="Arial" panose="020B0604020202020204" pitchFamily="34" charset="-122"/>
-                <a:cs typeface="Arial" panose="020B0604020202020204" pitchFamily="34" charset="-120"/>
-              </a:rPr>
-              <a:t>为--元，较上年同比为减少100%</a:t>
-            </a:r>
-            <a:r>
-              <a:rPr lang="zh-CN" altLang="en-US" dirty="0">
-                <a:solidFill>
-                  <a:srgbClr val="000000"/>
-                </a:solidFill>
-                <a:ea typeface="Arial" panose="020B0604020202020204" pitchFamily="34" charset="-122"/>
-                <a:cs typeface="Arial" panose="020B0604020202020204" pitchFamily="34" charset="-120"/>
-              </a:rPr>
-              <a:t>；其房地产开发投资额</a:t>
-            </a:r>
-            <a:r>
-              <a:rPr lang="en-US" altLang="zh-CN" dirty="0">
-                <a:solidFill>
-                  <a:srgbClr val="000000"/>
-                </a:solidFill>
-                <a:ea typeface="Arial" panose="020B0604020202020204" pitchFamily="34" charset="-122"/>
-                <a:cs typeface="Arial" panose="020B0604020202020204" pitchFamily="34" charset="-120"/>
-              </a:rPr>
-              <a:t>为--元，</a:t>
-            </a:r>
-            <a:r>
-              <a:rPr lang="zh-CN" altLang="en-US" dirty="0">
-                <a:solidFill>
-                  <a:srgbClr val="000000"/>
-                </a:solidFill>
-                <a:ea typeface="Arial" panose="020B0604020202020204" pitchFamily="34" charset="-122"/>
-                <a:cs typeface="Arial" panose="020B0604020202020204" pitchFamily="34" charset="-120"/>
-              </a:rPr>
-              <a:t>占全市固定资产投资的比例</a:t>
-            </a:r>
-            <a:r>
-              <a:rPr lang="en-US" altLang="zh-CN" dirty="0" err="1">
-                <a:solidFill>
-                  <a:srgbClr val="000000"/>
-                </a:solidFill>
-                <a:ea typeface="Arial" panose="020B0604020202020204" pitchFamily="34" charset="-122"/>
-                <a:cs typeface="Arial" panose="020B0604020202020204" pitchFamily="34" charset="-120"/>
-              </a:rPr>
-              <a:t>约为</a:t>
-            </a:r>
-            <a:r>
-              <a:rPr lang="en-US" altLang="zh-CN" dirty="0">
-                <a:solidFill>
-                  <a:srgbClr val="000000"/>
-                </a:solidFill>
-                <a:ea typeface="Arial" panose="020B0604020202020204" pitchFamily="34" charset="-122"/>
-                <a:cs typeface="Arial" panose="020B0604020202020204" pitchFamily="34" charset="-120"/>
-              </a:rPr>
-              <a:t>--%。</a:t>
-            </a:r>
-            <a:endParaRPr lang="zh-CN" altLang="en-US" dirty="0">
-              <a:latin typeface="微软雅黑" panose="020B0503020204020204" pitchFamily="34" charset="-122"/>
-              <a:ea typeface="微软雅黑" panose="020B0503020204020204" pitchFamily="34" charset="-122"/>
-            </a:endParaRPr>
+              <a:rPr lang="en-US" altLang="zh-CN" dirty="0"/>
+              <a:t>{</a:t>
+            </a:r>
+            <a:r>
+              <a:rPr lang="en-US" altLang="zh-CN" dirty="0" err="1"/>
+              <a:t>cityName</a:t>
+            </a:r>
+            <a:r>
+              <a:rPr lang="en-US" altLang="zh-CN" dirty="0" smtClean="0"/>
+              <a:t>}</a:t>
+            </a:r>
+            <a:r>
+              <a:rPr lang="zh-CN" altLang="en-US" dirty="0" smtClean="0"/>
+              <a:t>固定资产投资</a:t>
+            </a:r>
+            <a:r>
+              <a:rPr lang="zh-CN" altLang="en-US" dirty="0"/>
+              <a:t>额为</a:t>
+            </a:r>
+            <a:r>
+              <a:rPr lang="en-US" altLang="zh-CN" dirty="0"/>
+              <a:t>{</a:t>
+            </a:r>
+            <a:r>
+              <a:rPr lang="en-US" altLang="zh-CN" dirty="0" err="1"/>
+              <a:t>fixedAssets</a:t>
+            </a:r>
+            <a:r>
+              <a:rPr lang="en-US" altLang="zh-CN" dirty="0"/>
+              <a:t>}</a:t>
+            </a:r>
+            <a:r>
+              <a:rPr lang="zh-CN" altLang="en-US" dirty="0"/>
+              <a:t>亿元，较上年</a:t>
+            </a:r>
+            <a:r>
+              <a:rPr lang="zh-CN" altLang="en-US"/>
+              <a:t>同比</a:t>
+            </a:r>
+            <a:r>
+              <a:rPr lang="zh-CN" altLang="en-US" smtClean="0"/>
+              <a:t>为</a:t>
+            </a:r>
+            <a:r>
+              <a:rPr lang="en-US" altLang="zh-CN" smtClean="0"/>
+              <a:t>{</a:t>
+            </a:r>
+            <a:r>
+              <a:rPr lang="en-US" altLang="zh-CN" dirty="0" err="1"/>
+              <a:t>yearPercent</a:t>
+            </a:r>
+            <a:r>
+              <a:rPr lang="en-US" altLang="zh-CN" dirty="0" smtClean="0"/>
+              <a:t>}</a:t>
+            </a:r>
+            <a:r>
+              <a:rPr lang="zh-CN" altLang="en-US" dirty="0" smtClean="0"/>
+              <a:t>；</a:t>
+            </a:r>
+            <a:r>
+              <a:rPr lang="zh-CN" altLang="en-US" dirty="0"/>
+              <a:t>其房地产开发投资额为</a:t>
+            </a:r>
+            <a:r>
+              <a:rPr lang="en-US" altLang="zh-CN" dirty="0"/>
+              <a:t>{</a:t>
+            </a:r>
+            <a:r>
+              <a:rPr lang="en-US" altLang="zh-CN" dirty="0" err="1"/>
+              <a:t>realEstate</a:t>
+            </a:r>
+            <a:r>
+              <a:rPr lang="en-US" altLang="zh-CN" dirty="0"/>
+              <a:t>}</a:t>
+            </a:r>
+            <a:r>
+              <a:rPr lang="zh-CN" altLang="en-US" dirty="0"/>
+              <a:t>亿元，占全市固定资产投资的比例约为</a:t>
+            </a:r>
+            <a:r>
+              <a:rPr lang="en-US" altLang="zh-CN" dirty="0"/>
+              <a:t>{</a:t>
+            </a:r>
+            <a:r>
+              <a:rPr lang="en-US" altLang="zh-CN" dirty="0" err="1"/>
+              <a:t>realEstatePercent</a:t>
+            </a:r>
+            <a:r>
+              <a:rPr lang="en-US" altLang="zh-CN" dirty="0"/>
+              <a:t>}%</a:t>
+            </a:r>
+            <a:r>
+              <a:rPr lang="zh-CN" altLang="en-US" dirty="0"/>
+              <a:t>。</a:t>
+            </a:r>
           </a:p>
         </p:txBody>
       </p:sp>
-      <p:pic>
-        <p:nvPicPr>
-          <p:cNvPr id="3" name="图片 2">
-            <a:extLst>
-              <a:ext uri="{FF2B5EF4-FFF2-40B4-BE49-F238E27FC236}">
-                <a16:creationId xmlns:a16="http://schemas.microsoft.com/office/drawing/2014/main" id="{DA75E44B-4FB0-4D29-A7CB-306F12579D35}"/>
-              </a:ext>
-            </a:extLst>
-          </p:cNvPr>
-          <p:cNvPicPr>
-            <a:picLocks noChangeAspect="1"/>
-          </p:cNvPicPr>
-          <p:nvPr/>
-        </p:nvPicPr>
-        <p:blipFill>
-          <a:blip r:embed="rId2"/>
-          <a:stretch>
-            <a:fillRect/>
-          </a:stretch>
-        </p:blipFill>
-        <p:spPr>
-          <a:xfrm>
-            <a:off x="2339975" y="1341438"/>
-            <a:ext cx="4524375" cy="3000375"/>
-          </a:xfrm>
-          <a:prstGeom prst="rect">
-            <a:avLst/>
-          </a:prstGeom>
-        </p:spPr>
-      </p:pic>
       <p:graphicFrame>
         <p:nvGraphicFramePr>
           <p:cNvPr id="10" name="表格 9">
@@ -26187,13 +26593,13 @@
           <p:nvPr>
             <p:extLst>
               <p:ext uri="{D42A27DB-BD31-4B8C-83A1-F6EECF244321}">
-                <p14:modId xmlns:p14="http://schemas.microsoft.com/office/powerpoint/2010/main" val="152712009"/>
+                <p14:modId xmlns:p14="http://schemas.microsoft.com/office/powerpoint/2010/main" val="4130318529"/>
               </p:ext>
             </p:extLst>
           </p:nvPr>
         </p:nvGraphicFramePr>
         <p:xfrm>
-          <a:off x="755575" y="4584300"/>
+          <a:off x="755575" y="4725144"/>
           <a:ext cx="7632850" cy="1483360"/>
         </p:xfrm>
         <a:graphic>
@@ -27164,6 +27570,16 @@
           <a:lstStyle/>
           <a:p>
             <a:r>
+              <a:rPr lang="en-US" altLang="zh-CN" dirty="0" smtClean="0">
+                <a:solidFill>
+                  <a:srgbClr val="000000"/>
+                </a:solidFill>
+                <a:ea typeface="Arial" panose="020B0604020202020204" pitchFamily="34" charset="-122"/>
+                <a:cs typeface="Arial" panose="020B0604020202020204" pitchFamily="34" charset="-120"/>
+              </a:rPr>
+              <a:t>{</a:t>
+            </a:r>
+            <a:r>
               <a:rPr lang="en-US" altLang="zh-CN" dirty="0">
                 <a:solidFill>
                   <a:srgbClr val="000000"/>
@@ -27171,7 +27587,7 @@
                 <a:ea typeface="Arial" panose="020B0604020202020204" pitchFamily="34" charset="-122"/>
                 <a:cs typeface="Arial" panose="020B0604020202020204" pitchFamily="34" charset="-120"/>
               </a:rPr>
-              <a:t>2018</a:t>
+              <a:t>year}</a:t>
             </a:r>
             <a:r>
               <a:rPr lang="zh-CN" altLang="en-US" dirty="0">
@@ -27191,7 +27607,27 @@
                 <a:ea typeface="Arial" panose="020B0604020202020204" pitchFamily="34" charset="-122"/>
                 <a:cs typeface="Arial" panose="020B0604020202020204" pitchFamily="34" charset="-120"/>
               </a:rPr>
-              <a:t>xxx</a:t>
+              <a:t>{</a:t>
+            </a:r>
+            <a:r>
+              <a:rPr lang="zh-CN" altLang="zh-CN" dirty="0">
+                <a:solidFill>
+                  <a:srgbClr val="000000"/>
+                </a:solidFill>
+                <a:ea typeface="Arial" panose="020B0604020202020204" pitchFamily="34" charset="-122"/>
+                <a:cs typeface="Arial" panose="020B0604020202020204" pitchFamily="34" charset="-120"/>
+              </a:rPr>
+              <a:t>supplyArea</a:t>
+            </a:r>
+            <a:r>
+              <a:rPr lang="en-US" altLang="zh-CN" dirty="0">
+                <a:solidFill>
+                  <a:srgbClr val="000000"/>
+                </a:solidFill>
+                <a:ea typeface="Arial" panose="020B0604020202020204" pitchFamily="34" charset="-122"/>
+                <a:cs typeface="Arial" panose="020B0604020202020204" pitchFamily="34" charset="-120"/>
+              </a:rPr>
+              <a:t>}</a:t>
             </a:r>
             <a:r>
               <a:rPr lang="zh-CN" altLang="en-US" dirty="0">
@@ -27204,6 +27640,66 @@
               <a:t>万平方米，</a:t>
             </a:r>
             <a:r>
+              <a:rPr lang="en-US" altLang="zh-CN" dirty="0" err="1" smtClean="0">
+                <a:solidFill>
+                  <a:srgbClr val="000000"/>
+                </a:solidFill>
+                <a:ea typeface="Arial" panose="020B0604020202020204" pitchFamily="34" charset="-122"/>
+                <a:cs typeface="Arial" panose="020B0604020202020204" pitchFamily="34" charset="-120"/>
+              </a:rPr>
+              <a:t>较上年同比为</a:t>
+            </a:r>
+            <a:r>
+              <a:rPr lang="en-US" altLang="zh-CN" dirty="0" smtClean="0">
+                <a:solidFill>
+                  <a:srgbClr val="000000"/>
+                </a:solidFill>
+                <a:ea typeface="Arial" panose="020B0604020202020204" pitchFamily="34" charset="-122"/>
+                <a:cs typeface="Arial" panose="020B0604020202020204" pitchFamily="34" charset="-120"/>
+              </a:rPr>
+              <a:t>{</a:t>
+            </a:r>
+            <a:r>
+              <a:rPr lang="zh-CN" altLang="zh-CN" dirty="0">
+                <a:solidFill>
+                  <a:srgbClr val="000000"/>
+                </a:solidFill>
+                <a:ea typeface="Arial" panose="020B0604020202020204" pitchFamily="34" charset="-122"/>
+                <a:cs typeface="Arial" panose="020B0604020202020204" pitchFamily="34" charset="-120"/>
+              </a:rPr>
+              <a:t>supplyPercent</a:t>
+            </a:r>
+            <a:r>
+              <a:rPr lang="en-US" altLang="zh-CN" dirty="0" smtClean="0">
+                <a:solidFill>
+                  <a:srgbClr val="000000"/>
+                </a:solidFill>
+                <a:ea typeface="Arial" panose="020B0604020202020204" pitchFamily="34" charset="-122"/>
+                <a:cs typeface="Arial" panose="020B0604020202020204" pitchFamily="34" charset="-120"/>
+              </a:rPr>
+              <a:t>}</a:t>
+            </a:r>
+            <a:r>
+              <a:rPr lang="zh-CN" altLang="en-US" dirty="0" smtClean="0">
+                <a:solidFill>
+                  <a:srgbClr val="000000"/>
+                </a:solidFill>
+                <a:ea typeface="Arial" panose="020B0604020202020204" pitchFamily="34" charset="-122"/>
+                <a:cs typeface="Arial" panose="020B0604020202020204" pitchFamily="34" charset="-120"/>
+              </a:rPr>
+              <a:t>；</a:t>
+            </a:r>
+            <a:r>
+              <a:rPr lang="zh-CN" altLang="en-US" dirty="0">
+                <a:solidFill>
+                  <a:srgbClr val="000000"/>
+                </a:solidFill>
+                <a:ea typeface="Arial" panose="020B0604020202020204" pitchFamily="34" charset="-122"/>
+                <a:cs typeface="Arial" panose="020B0604020202020204" pitchFamily="34" charset="-120"/>
+              </a:rPr>
+              <a:t>土地成交面积</a:t>
+            </a:r>
+            <a:r>
               <a:rPr lang="en-US" altLang="zh-CN" dirty="0">
                 <a:solidFill>
                   <a:srgbClr val="000000"/>
@@ -27211,7 +27707,27 @@
                 <a:ea typeface="Arial" panose="020B0604020202020204" pitchFamily="34" charset="-122"/>
                 <a:cs typeface="Arial" panose="020B0604020202020204" pitchFamily="34" charset="-120"/>
               </a:rPr>
-              <a:t>较上年同比为减少100%</a:t>
+              <a:t>{</a:t>
+            </a:r>
+            <a:r>
+              <a:rPr lang="zh-CN" altLang="zh-CN" dirty="0">
+                <a:solidFill>
+                  <a:srgbClr val="000000"/>
+                </a:solidFill>
+                <a:ea typeface="Arial" panose="020B0604020202020204" pitchFamily="34" charset="-122"/>
+                <a:cs typeface="Arial" panose="020B0604020202020204" pitchFamily="34" charset="-120"/>
+              </a:rPr>
+              <a:t>dealArea</a:t>
+            </a:r>
+            <a:r>
+              <a:rPr lang="en-US" altLang="zh-CN" dirty="0">
+                <a:solidFill>
+                  <a:srgbClr val="000000"/>
+                </a:solidFill>
+                <a:ea typeface="Arial" panose="020B0604020202020204" pitchFamily="34" charset="-122"/>
+                <a:cs typeface="Arial" panose="020B0604020202020204" pitchFamily="34" charset="-120"/>
+              </a:rPr>
+              <a:t>}</a:t>
             </a:r>
             <a:r>
               <a:rPr lang="zh-CN" altLang="en-US" dirty="0">
@@ -27221,7 +27737,67 @@
                 <a:ea typeface="Arial" panose="020B0604020202020204" pitchFamily="34" charset="-122"/>
                 <a:cs typeface="Arial" panose="020B0604020202020204" pitchFamily="34" charset="-120"/>
               </a:rPr>
-              <a:t>；土地成交面积</a:t>
+              <a:t>万平方米，</a:t>
+            </a:r>
+            <a:r>
+              <a:rPr lang="en-US" altLang="zh-CN" dirty="0" err="1" smtClean="0">
+                <a:solidFill>
+                  <a:srgbClr val="000000"/>
+                </a:solidFill>
+                <a:ea typeface="Arial" panose="020B0604020202020204" pitchFamily="34" charset="-122"/>
+                <a:cs typeface="Arial" panose="020B0604020202020204" pitchFamily="34" charset="-120"/>
+              </a:rPr>
+              <a:t>较上年同比为</a:t>
+            </a:r>
+            <a:r>
+              <a:rPr lang="en-US" altLang="zh-CN" dirty="0" smtClean="0">
+                <a:solidFill>
+                  <a:srgbClr val="000000"/>
+                </a:solidFill>
+                <a:ea typeface="Arial" panose="020B0604020202020204" pitchFamily="34" charset="-122"/>
+                <a:cs typeface="Arial" panose="020B0604020202020204" pitchFamily="34" charset="-120"/>
+              </a:rPr>
+              <a:t>{</a:t>
+            </a:r>
+            <a:r>
+              <a:rPr lang="zh-CN" altLang="zh-CN" dirty="0">
+                <a:solidFill>
+                  <a:srgbClr val="000000"/>
+                </a:solidFill>
+                <a:ea typeface="Arial" panose="020B0604020202020204" pitchFamily="34" charset="-122"/>
+                <a:cs typeface="Arial" panose="020B0604020202020204" pitchFamily="34" charset="-120"/>
+              </a:rPr>
+              <a:t>dealAreaPercent</a:t>
+            </a:r>
+            <a:r>
+              <a:rPr lang="en-US" altLang="zh-CN" smtClean="0">
+                <a:solidFill>
+                  <a:srgbClr val="000000"/>
+                </a:solidFill>
+                <a:ea typeface="Arial" panose="020B0604020202020204" pitchFamily="34" charset="-122"/>
+                <a:cs typeface="Arial" panose="020B0604020202020204" pitchFamily="34" charset="-120"/>
+              </a:rPr>
+              <a:t>}</a:t>
+            </a:r>
+            <a:r>
+              <a:rPr lang="zh-CN" altLang="en-US" smtClean="0">
+                <a:solidFill>
+                  <a:srgbClr val="000000"/>
+                </a:solidFill>
+                <a:ea typeface="Arial" panose="020B0604020202020204" pitchFamily="34" charset="-122"/>
+                <a:cs typeface="Arial" panose="020B0604020202020204" pitchFamily="34" charset="-120"/>
+              </a:rPr>
+              <a:t>。</a:t>
+            </a:r>
+            <a:r>
+              <a:rPr lang="zh-CN" altLang="en-US" dirty="0">
+                <a:solidFill>
+                  <a:srgbClr val="000000"/>
+                </a:solidFill>
+                <a:ea typeface="Arial" panose="020B0604020202020204" pitchFamily="34" charset="-122"/>
+                <a:cs typeface="Arial" panose="020B0604020202020204" pitchFamily="34" charset="-120"/>
+              </a:rPr>
+              <a:t>平均成交楼面价</a:t>
             </a:r>
             <a:r>
               <a:rPr lang="en-US" altLang="zh-CN" dirty="0">
@@ -27231,7 +27807,27 @@
                 <a:ea typeface="Arial" panose="020B0604020202020204" pitchFamily="34" charset="-122"/>
                 <a:cs typeface="Arial" panose="020B0604020202020204" pitchFamily="34" charset="-120"/>
               </a:rPr>
-              <a:t>xxx</a:t>
+              <a:t>{</a:t>
+            </a:r>
+            <a:r>
+              <a:rPr lang="zh-CN" altLang="zh-CN" dirty="0">
+                <a:solidFill>
+                  <a:srgbClr val="000000"/>
+                </a:solidFill>
+                <a:ea typeface="Arial" panose="020B0604020202020204" pitchFamily="34" charset="-122"/>
+                <a:cs typeface="Arial" panose="020B0604020202020204" pitchFamily="34" charset="-120"/>
+              </a:rPr>
+              <a:t>dealFloorPrice</a:t>
+            </a:r>
+            <a:r>
+              <a:rPr lang="en-US" altLang="zh-CN" dirty="0">
+                <a:solidFill>
+                  <a:srgbClr val="000000"/>
+                </a:solidFill>
+                <a:ea typeface="Arial" panose="020B0604020202020204" pitchFamily="34" charset="-122"/>
+                <a:cs typeface="Arial" panose="020B0604020202020204" pitchFamily="34" charset="-120"/>
+              </a:rPr>
+              <a:t>}</a:t>
             </a:r>
             <a:r>
               <a:rPr lang="zh-CN" altLang="en-US" dirty="0">
@@ -27241,17 +27837,27 @@
                 <a:ea typeface="Arial" panose="020B0604020202020204" pitchFamily="34" charset="-122"/>
                 <a:cs typeface="Arial" panose="020B0604020202020204" pitchFamily="34" charset="-120"/>
               </a:rPr>
-              <a:t>万平方米，</a:t>
-            </a:r>
-            <a:r>
-              <a:rPr lang="en-US" altLang="zh-CN" dirty="0">
+              <a:t>元</a:t>
+            </a:r>
+            <a:r>
+              <a:rPr lang="en-US" altLang="zh-CN" dirty="0" smtClean="0">
                 <a:solidFill>
                   <a:srgbClr val="000000"/>
                 </a:solidFill>
                 <a:ea typeface="Arial" panose="020B0604020202020204" pitchFamily="34" charset="-122"/>
                 <a:cs typeface="Arial" panose="020B0604020202020204" pitchFamily="34" charset="-120"/>
               </a:rPr>
-              <a:t>较上年同比为减少100%</a:t>
+              <a:t>/</a:t>
+            </a:r>
+            <a:r>
+              <a:rPr lang="zh-CN" altLang="en-US" dirty="0" smtClean="0">
+                <a:solidFill>
+                  <a:srgbClr val="000000"/>
+                </a:solidFill>
+                <a:ea typeface="Arial" panose="020B0604020202020204" pitchFamily="34" charset="-122"/>
+                <a:cs typeface="Arial" panose="020B0604020202020204" pitchFamily="34" charset="-120"/>
+              </a:rPr>
+              <a:t>平</a:t>
             </a:r>
             <a:r>
               <a:rPr lang="zh-CN" altLang="en-US" dirty="0">
@@ -27261,47 +27867,17 @@
                 <a:ea typeface="Arial" panose="020B0604020202020204" pitchFamily="34" charset="-122"/>
                 <a:cs typeface="Arial" panose="020B0604020202020204" pitchFamily="34" charset="-120"/>
               </a:rPr>
-              <a:t>。平均成交楼面价</a:t>
-            </a:r>
-            <a:r>
-              <a:rPr lang="en-US" altLang="zh-CN" dirty="0">
+              <a:t>方</a:t>
+            </a:r>
+            <a:r>
+              <a:rPr lang="zh-CN" altLang="en-US" dirty="0" smtClean="0">
                 <a:solidFill>
                   <a:srgbClr val="000000"/>
                 </a:solidFill>
                 <a:ea typeface="Arial" panose="020B0604020202020204" pitchFamily="34" charset="-122"/>
                 <a:cs typeface="Arial" panose="020B0604020202020204" pitchFamily="34" charset="-120"/>
               </a:rPr>
-              <a:t>57623</a:t>
-            </a:r>
-            <a:r>
-              <a:rPr lang="zh-CN" altLang="en-US" dirty="0">
-                <a:solidFill>
-                  <a:srgbClr val="000000"/>
-                </a:solidFill>
-                <a:ea typeface="Arial" panose="020B0604020202020204" pitchFamily="34" charset="-122"/>
-                <a:cs typeface="Arial" panose="020B0604020202020204" pitchFamily="34" charset="-120"/>
-              </a:rPr>
-              <a:t>元</a:t>
-            </a:r>
-            <a:r>
-              <a:rPr lang="en-US" altLang="zh-CN" dirty="0">
-                <a:solidFill>
-                  <a:srgbClr val="000000"/>
-                </a:solidFill>
-                <a:ea typeface="Arial" panose="020B0604020202020204" pitchFamily="34" charset="-122"/>
-                <a:cs typeface="Arial" panose="020B0604020202020204" pitchFamily="34" charset="-120"/>
-              </a:rPr>
-              <a:t>/</a:t>
-            </a:r>
-            <a:r>
-              <a:rPr lang="zh-CN" altLang="en-US" dirty="0">
-                <a:solidFill>
-                  <a:srgbClr val="000000"/>
-                </a:solidFill>
-                <a:ea typeface="Arial" panose="020B0604020202020204" pitchFamily="34" charset="-122"/>
-                <a:cs typeface="Arial" panose="020B0604020202020204" pitchFamily="34" charset="-120"/>
-              </a:rPr>
-              <a:t>平方米。</a:t>
+              <a:t>米。</a:t>
             </a:r>
             <a:endParaRPr lang="zh-CN" altLang="en-US" dirty="0">
               <a:latin typeface="微软雅黑" panose="020B0503020204020204" pitchFamily="34" charset="-122"/>
@@ -28129,36 +28705,89 @@
           </a:graphicData>
         </a:graphic>
       </p:graphicFrame>
-      <p:pic>
-        <p:nvPicPr>
-          <p:cNvPr id="8" name="图片 7">
-            <a:extLst>
-              <a:ext uri="{FF2B5EF4-FFF2-40B4-BE49-F238E27FC236}">
-                <a16:creationId xmlns:a16="http://schemas.microsoft.com/office/drawing/2014/main" id="{6B9D5BDB-9999-4138-B22A-19C81BDC3305}"/>
-              </a:ext>
-            </a:extLst>
-          </p:cNvPr>
-          <p:cNvPicPr>
-            <a:picLocks noChangeAspect="1"/>
-          </p:cNvPicPr>
+      <p:sp>
+        <p:nvSpPr>
+          <p:cNvPr id="8" name="Rectangle 3"/>
+          <p:cNvSpPr>
+            <a:spLocks noChangeArrowheads="1"/>
+          </p:cNvSpPr>
           <p:nvPr/>
-        </p:nvPicPr>
-        <p:blipFill>
-          <a:blip r:embed="rId2"/>
-          <a:stretch>
-            <a:fillRect/>
-          </a:stretch>
-        </p:blipFill>
-        <p:spPr>
+        </p:nvSpPr>
+        <p:spPr bwMode="auto">
           <a:xfrm>
-            <a:off x="1996058" y="1052736"/>
-            <a:ext cx="5295900" cy="3438525"/>
+            <a:off x="0" y="43934"/>
+            <a:ext cx="184731" cy="369332"/>
           </a:xfrm>
           <a:prstGeom prst="rect">
             <a:avLst/>
           </a:prstGeom>
+          <a:solidFill>
+            <a:srgbClr val="FFFFFF"/>
+          </a:solidFill>
+          <a:ln>
+            <a:noFill/>
+          </a:ln>
+          <a:effectLst/>
+          <a:extLst>
+            <a:ext uri="{91240B29-F687-4F45-9708-019B960494DF}">
+              <a14:hiddenLine xmlns:a14="http://schemas.microsoft.com/office/drawing/2010/main" w="9525">
+                <a:solidFill>
+                  <a:schemeClr val="tx1"/>
+                </a:solidFill>
+                <a:miter lim="800000"/>
+                <a:headEnd/>
+                <a:tailEnd/>
+              </a14:hiddenLine>
+            </a:ext>
+            <a:ext uri="{AF507438-7753-43E0-B8FC-AC1667EBCBE1}">
+              <a14:hiddenEffects xmlns:a14="http://schemas.microsoft.com/office/drawing/2010/main">
+                <a:effectLst>
+                  <a:outerShdw dist="35921" dir="2700000" algn="ctr" rotWithShape="0">
+                    <a:schemeClr val="bg2"/>
+                  </a:outerShdw>
+                </a:effectLst>
+              </a14:hiddenEffects>
+            </a:ext>
+          </a:extLst>
         </p:spPr>
-      </p:pic>
+        <p:txBody>
+          <a:bodyPr vert="horz" wrap="none" lIns="91440" tIns="45720" rIns="91440" bIns="45720" numCol="1" anchor="ctr" anchorCtr="0" compatLnSpc="1">
+            <a:prstTxWarp prst="textNoShape">
+              <a:avLst/>
+            </a:prstTxWarp>
+            <a:spAutoFit/>
+          </a:bodyPr>
+          <a:lstStyle/>
+          <a:p>
+            <a:pPr marL="0" marR="0" lvl="0" indent="0" algn="l" defTabSz="914400" rtl="0" eaLnBrk="0" fontAlgn="base" latinLnBrk="0" hangingPunct="0">
+              <a:lnSpc>
+                <a:spcPct val="100000"/>
+              </a:lnSpc>
+              <a:spcBef>
+                <a:spcPct val="0"/>
+              </a:spcBef>
+              <a:spcAft>
+                <a:spcPct val="0"/>
+              </a:spcAft>
+              <a:buClrTx/>
+              <a:buSzTx/>
+              <a:buFontTx/>
+              <a:buNone/>
+              <a:tabLst/>
+            </a:pPr>
+            <a:endParaRPr kumimoji="0" lang="zh-CN" altLang="zh-CN" sz="1800" b="0" i="0" u="none" strike="noStrike" cap="none" normalizeH="0" baseline="0" dirty="0" smtClean="0">
+              <a:ln>
+                <a:noFill/>
+              </a:ln>
+              <a:solidFill>
+                <a:schemeClr val="tx1"/>
+              </a:solidFill>
+              <a:effectLst/>
+              <a:latin typeface="Arial" panose="020B0604020202020204" pitchFamily="34" charset="0"/>
+            </a:endParaRPr>
+          </a:p>
+        </p:txBody>
+      </p:sp>
     </p:spTree>
     <p:extLst>
       <p:ext uri="{BB962C8B-B14F-4D97-AF65-F5344CB8AC3E}">

--- a/helloWorld/ppt_template/diyun_land_report_template.pptx
+++ b/helloWorld/ppt_template/diyun_land_report_template.pptx
@@ -5288,8 +5288,8 @@
         </p:nvSpPr>
         <p:spPr>
           <a:xfrm>
-            <a:off x="396553" y="575731"/>
-            <a:ext cx="8494910" cy="523220"/>
+            <a:off x="107504" y="575731"/>
+            <a:ext cx="8783959" cy="738664"/>
           </a:xfrm>
           <a:prstGeom prst="rect">
             <a:avLst/>
@@ -5309,7 +5309,7 @@
                 <a:ea typeface="Arial" panose="020B0604020202020204" pitchFamily="34" charset="-122"/>
                 <a:cs typeface="Arial" panose="020B0604020202020204" pitchFamily="34" charset="-120"/>
               </a:rPr>
-              <a:t>2018</a:t>
+              <a:t>{year}</a:t>
             </a:r>
             <a:r>
               <a:rPr lang="zh-CN" altLang="en-US" dirty="0">
@@ -5319,7 +5319,7 @@
                 <a:ea typeface="Arial" panose="020B0604020202020204" pitchFamily="34" charset="-122"/>
                 <a:cs typeface="Arial" panose="020B0604020202020204" pitchFamily="34" charset="-120"/>
               </a:rPr>
-              <a:t>年全市商品住宅销售面积</a:t>
+              <a:t>年</a:t>
             </a:r>
             <a:r>
               <a:rPr lang="en-US" altLang="zh-CN" dirty="0">
@@ -5329,7 +5329,7 @@
                 <a:ea typeface="Arial" panose="020B0604020202020204" pitchFamily="34" charset="-122"/>
                 <a:cs typeface="Arial" panose="020B0604020202020204" pitchFamily="34" charset="-120"/>
               </a:rPr>
-              <a:t>xxx</a:t>
+              <a:t>,</a:t>
             </a:r>
             <a:r>
               <a:rPr lang="zh-CN" altLang="en-US" dirty="0">
@@ -5339,7 +5339,17 @@
                 <a:ea typeface="Arial" panose="020B0604020202020204" pitchFamily="34" charset="-122"/>
                 <a:cs typeface="Arial" panose="020B0604020202020204" pitchFamily="34" charset="-120"/>
               </a:rPr>
-              <a:t>万平方米，</a:t>
+              <a:t>全市商品住宅销售</a:t>
+            </a:r>
+            <a:r>
+              <a:rPr lang="zh-CN" altLang="en-US" dirty="0">
+                <a:solidFill>
+                  <a:srgbClr val="000000"/>
+                </a:solidFill>
+                <a:ea typeface="Arial" panose="020B0604020202020204" pitchFamily="34" charset="-122"/>
+                <a:cs typeface="Arial" panose="020B0604020202020204" pitchFamily="34" charset="-120"/>
+              </a:rPr>
+              <a:t>面积</a:t>
             </a:r>
             <a:r>
               <a:rPr lang="en-US" altLang="zh-CN" dirty="0">
@@ -5349,7 +5359,27 @@
                 <a:ea typeface="Arial" panose="020B0604020202020204" pitchFamily="34" charset="-122"/>
                 <a:cs typeface="Arial" panose="020B0604020202020204" pitchFamily="34" charset="-120"/>
               </a:rPr>
-              <a:t>较上年同比为减少100%</a:t>
+              <a:t>{</a:t>
+            </a:r>
+            <a:r>
+              <a:rPr lang="zh-CN" altLang="zh-CN" dirty="0">
+                <a:solidFill>
+                  <a:srgbClr val="000000"/>
+                </a:solidFill>
+                <a:ea typeface="Arial" panose="020B0604020202020204" pitchFamily="34" charset="-122"/>
+                <a:cs typeface="Arial" panose="020B0604020202020204" pitchFamily="34" charset="-120"/>
+              </a:rPr>
+              <a:t>saleArea</a:t>
+            </a:r>
+            <a:r>
+              <a:rPr lang="en-US" altLang="zh-CN" dirty="0">
+                <a:solidFill>
+                  <a:srgbClr val="000000"/>
+                </a:solidFill>
+                <a:ea typeface="Arial" panose="020B0604020202020204" pitchFamily="34" charset="-122"/>
+                <a:cs typeface="Arial" panose="020B0604020202020204" pitchFamily="34" charset="-120"/>
+              </a:rPr>
+              <a:t>}</a:t>
             </a:r>
             <a:r>
               <a:rPr lang="zh-CN" altLang="en-US" dirty="0">
@@ -5359,7 +5389,27 @@
                 <a:ea typeface="Arial" panose="020B0604020202020204" pitchFamily="34" charset="-122"/>
                 <a:cs typeface="Arial" panose="020B0604020202020204" pitchFamily="34" charset="-120"/>
               </a:rPr>
-              <a:t>，销售均价为</a:t>
+              <a:t>万</a:t>
+            </a:r>
+            <a:r>
+              <a:rPr lang="zh-CN" altLang="en-US" dirty="0">
+                <a:solidFill>
+                  <a:srgbClr val="000000"/>
+                </a:solidFill>
+                <a:ea typeface="Arial" panose="020B0604020202020204" pitchFamily="34" charset="-122"/>
+                <a:cs typeface="Arial" panose="020B0604020202020204" pitchFamily="34" charset="-120"/>
+              </a:rPr>
+              <a:t>平方米，</a:t>
+            </a:r>
+            <a:r>
+              <a:rPr lang="en-US" altLang="zh-CN" dirty="0" err="1">
+                <a:solidFill>
+                  <a:srgbClr val="000000"/>
+                </a:solidFill>
+                <a:ea typeface="Arial" panose="020B0604020202020204" pitchFamily="34" charset="-122"/>
+                <a:cs typeface="Arial" panose="020B0604020202020204" pitchFamily="34" charset="-120"/>
+              </a:rPr>
+              <a:t>较上年同比为</a:t>
             </a:r>
             <a:r>
               <a:rPr lang="en-US" altLang="zh-CN" dirty="0">
@@ -5369,7 +5419,27 @@
                 <a:ea typeface="Arial" panose="020B0604020202020204" pitchFamily="34" charset="-122"/>
                 <a:cs typeface="Arial" panose="020B0604020202020204" pitchFamily="34" charset="-120"/>
               </a:rPr>
-              <a:t>xxx</a:t>
+              <a:t>{</a:t>
+            </a:r>
+            <a:r>
+              <a:rPr lang="zh-CN" altLang="zh-CN" dirty="0">
+                <a:solidFill>
+                  <a:srgbClr val="000000"/>
+                </a:solidFill>
+                <a:ea typeface="Arial" panose="020B0604020202020204" pitchFamily="34" charset="-122"/>
+                <a:cs typeface="Arial" panose="020B0604020202020204" pitchFamily="34" charset="-120"/>
+              </a:rPr>
+              <a:t>saleAreaPercent</a:t>
+            </a:r>
+            <a:r>
+              <a:rPr lang="en-US" altLang="zh-CN" dirty="0">
+                <a:solidFill>
+                  <a:srgbClr val="000000"/>
+                </a:solidFill>
+                <a:ea typeface="Arial" panose="020B0604020202020204" pitchFamily="34" charset="-122"/>
+                <a:cs typeface="Arial" panose="020B0604020202020204" pitchFamily="34" charset="-120"/>
+              </a:rPr>
+              <a:t>}</a:t>
             </a:r>
             <a:r>
               <a:rPr lang="zh-CN" altLang="en-US" dirty="0">
@@ -5379,7 +5449,7 @@
                 <a:ea typeface="Arial" panose="020B0604020202020204" pitchFamily="34" charset="-122"/>
                 <a:cs typeface="Arial" panose="020B0604020202020204" pitchFamily="34" charset="-120"/>
               </a:rPr>
-              <a:t>元</a:t>
+              <a:t>，销售均价为</a:t>
             </a:r>
             <a:r>
               <a:rPr lang="en-US" altLang="zh-CN" dirty="0">
@@ -5389,7 +5459,27 @@
                 <a:ea typeface="Arial" panose="020B0604020202020204" pitchFamily="34" charset="-122"/>
                 <a:cs typeface="Arial" panose="020B0604020202020204" pitchFamily="34" charset="-120"/>
               </a:rPr>
-              <a:t>/</a:t>
+              <a:t>{</a:t>
+            </a:r>
+            <a:r>
+              <a:rPr lang="zh-CN" altLang="zh-CN" dirty="0">
+                <a:solidFill>
+                  <a:srgbClr val="000000"/>
+                </a:solidFill>
+                <a:ea typeface="Arial" panose="020B0604020202020204" pitchFamily="34" charset="-122"/>
+                <a:cs typeface="Arial" panose="020B0604020202020204" pitchFamily="34" charset="-120"/>
+              </a:rPr>
+              <a:t>saleAveragePrice</a:t>
+            </a:r>
+            <a:r>
+              <a:rPr lang="en-US" altLang="zh-CN" dirty="0">
+                <a:solidFill>
+                  <a:srgbClr val="000000"/>
+                </a:solidFill>
+                <a:ea typeface="Arial" panose="020B0604020202020204" pitchFamily="34" charset="-122"/>
+                <a:cs typeface="Arial" panose="020B0604020202020204" pitchFamily="34" charset="-120"/>
+              </a:rPr>
+              <a:t>}</a:t>
             </a:r>
             <a:r>
               <a:rPr lang="zh-CN" altLang="en-US" dirty="0">
@@ -5399,7 +5489,7 @@
                 <a:ea typeface="Arial" panose="020B0604020202020204" pitchFamily="34" charset="-122"/>
                 <a:cs typeface="Arial" panose="020B0604020202020204" pitchFamily="34" charset="-120"/>
               </a:rPr>
-              <a:t>平方米；商品住宅开工面积</a:t>
+              <a:t>元</a:t>
             </a:r>
             <a:r>
               <a:rPr lang="en-US" altLang="zh-CN" dirty="0">
@@ -5409,7 +5499,7 @@
                 <a:ea typeface="Arial" panose="020B0604020202020204" pitchFamily="34" charset="-122"/>
                 <a:cs typeface="Arial" panose="020B0604020202020204" pitchFamily="34" charset="-120"/>
               </a:rPr>
-              <a:t>xxx</a:t>
+              <a:t>/</a:t>
             </a:r>
             <a:r>
               <a:rPr lang="zh-CN" altLang="en-US" dirty="0">
@@ -5419,7 +5509,7 @@
                 <a:ea typeface="Arial" panose="020B0604020202020204" pitchFamily="34" charset="-122"/>
                 <a:cs typeface="Arial" panose="020B0604020202020204" pitchFamily="34" charset="-120"/>
               </a:rPr>
-              <a:t>万平方米，竣工面积</a:t>
+              <a:t>平方米；商品住宅开工面积</a:t>
             </a:r>
             <a:r>
               <a:rPr lang="en-US" altLang="zh-CN" dirty="0">
@@ -5429,7 +5519,27 @@
                 <a:ea typeface="Arial" panose="020B0604020202020204" pitchFamily="34" charset="-122"/>
                 <a:cs typeface="Arial" panose="020B0604020202020204" pitchFamily="34" charset="-120"/>
               </a:rPr>
-              <a:t>xxx</a:t>
+              <a:t>{</a:t>
+            </a:r>
+            <a:r>
+              <a:rPr lang="zh-CN" altLang="zh-CN" dirty="0">
+                <a:solidFill>
+                  <a:srgbClr val="000000"/>
+                </a:solidFill>
+                <a:ea typeface="Arial" panose="020B0604020202020204" pitchFamily="34" charset="-122"/>
+                <a:cs typeface="Arial" panose="020B0604020202020204" pitchFamily="34" charset="-120"/>
+              </a:rPr>
+              <a:t>developmentArea</a:t>
+            </a:r>
+            <a:r>
+              <a:rPr lang="en-US" altLang="zh-CN" dirty="0">
+                <a:solidFill>
+                  <a:srgbClr val="000000"/>
+                </a:solidFill>
+                <a:ea typeface="Arial" panose="020B0604020202020204" pitchFamily="34" charset="-122"/>
+                <a:cs typeface="Arial" panose="020B0604020202020204" pitchFamily="34" charset="-120"/>
+              </a:rPr>
+              <a:t>}</a:t>
             </a:r>
             <a:r>
               <a:rPr lang="zh-CN" altLang="en-US" dirty="0">
@@ -5439,12 +5549,48 @@
                 <a:ea typeface="Arial" panose="020B0604020202020204" pitchFamily="34" charset="-122"/>
                 <a:cs typeface="Arial" panose="020B0604020202020204" pitchFamily="34" charset="-120"/>
               </a:rPr>
+              <a:t>万平方米，竣工面积</a:t>
+            </a:r>
+            <a:r>
+              <a:rPr lang="en-US" altLang="zh-CN" dirty="0">
+                <a:solidFill>
+                  <a:srgbClr val="000000"/>
+                </a:solidFill>
+                <a:ea typeface="Arial" panose="020B0604020202020204" pitchFamily="34" charset="-122"/>
+                <a:cs typeface="Arial" panose="020B0604020202020204" pitchFamily="34" charset="-120"/>
+              </a:rPr>
+              <a:t>{</a:t>
+            </a:r>
+            <a:r>
+              <a:rPr lang="zh-CN" altLang="zh-CN" dirty="0">
+                <a:solidFill>
+                  <a:srgbClr val="000000"/>
+                </a:solidFill>
+                <a:ea typeface="Arial" panose="020B0604020202020204" pitchFamily="34" charset="-122"/>
+                <a:cs typeface="Arial" panose="020B0604020202020204" pitchFamily="34" charset="-120"/>
+              </a:rPr>
+              <a:t>completedArea</a:t>
+            </a:r>
+            <a:r>
+              <a:rPr lang="en-US" altLang="zh-CN" dirty="0">
+                <a:solidFill>
+                  <a:srgbClr val="000000"/>
+                </a:solidFill>
+                <a:ea typeface="Arial" panose="020B0604020202020204" pitchFamily="34" charset="-122"/>
+                <a:cs typeface="Arial" panose="020B0604020202020204" pitchFamily="34" charset="-120"/>
+              </a:rPr>
+              <a:t>}</a:t>
+            </a:r>
+            <a:r>
+              <a:rPr lang="zh-CN" altLang="en-US" dirty="0">
+                <a:solidFill>
+                  <a:srgbClr val="000000"/>
+                </a:solidFill>
+                <a:ea typeface="Arial" panose="020B0604020202020204" pitchFamily="34" charset="-122"/>
+                <a:cs typeface="Arial" panose="020B0604020202020204" pitchFamily="34" charset="-120"/>
+              </a:rPr>
               <a:t>万平方米。</a:t>
             </a:r>
-            <a:endParaRPr lang="zh-CN" altLang="en-US" dirty="0">
-              <a:latin typeface="微软雅黑" panose="020B0503020204020204" pitchFamily="34" charset="-122"/>
-              <a:ea typeface="微软雅黑" panose="020B0503020204020204" pitchFamily="34" charset="-122"/>
-            </a:endParaRPr>
           </a:p>
         </p:txBody>
       </p:sp>
@@ -5463,14 +5609,14 @@
           <p:nvPr>
             <p:extLst>
               <p:ext uri="{D42A27DB-BD31-4B8C-83A1-F6EECF244321}">
-                <p14:modId xmlns:p14="http://schemas.microsoft.com/office/powerpoint/2010/main" val="1743113863"/>
+                <p14:modId xmlns:p14="http://schemas.microsoft.com/office/powerpoint/2010/main" val="108364599"/>
               </p:ext>
             </p:extLst>
           </p:nvPr>
         </p:nvGraphicFramePr>
         <p:xfrm>
-          <a:off x="396554" y="4540210"/>
-          <a:ext cx="3959423" cy="1285240"/>
+          <a:off x="107504" y="4880064"/>
+          <a:ext cx="4320479" cy="1285240"/>
         </p:xfrm>
         <a:graphic>
           <a:graphicData uri="http://schemas.openxmlformats.org/drawingml/2006/table">
@@ -5479,42 +5625,42 @@
                 <a:tableStyleId>{5C22544A-7EE6-4342-B048-85BDC9FD1C3A}</a:tableStyleId>
               </a:tblPr>
               <a:tblGrid>
-                <a:gridCol w="1002554">
+                <a:gridCol w="936104">
                   <a:extLst>
                     <a:ext uri="{9D8B030D-6E8A-4147-A177-3AD203B41FA5}">
                       <a16:colId xmlns:a16="http://schemas.microsoft.com/office/drawing/2014/main" val="3109247"/>
                     </a:ext>
                   </a:extLst>
                 </a:gridCol>
-                <a:gridCol w="602100">
+                <a:gridCol w="814877">
                   <a:extLst>
                     <a:ext uri="{9D8B030D-6E8A-4147-A177-3AD203B41FA5}">
                       <a16:colId xmlns:a16="http://schemas.microsoft.com/office/drawing/2014/main" val="4078681538"/>
                     </a:ext>
                   </a:extLst>
                 </a:gridCol>
-                <a:gridCol w="602100">
+                <a:gridCol w="657005">
                   <a:extLst>
                     <a:ext uri="{9D8B030D-6E8A-4147-A177-3AD203B41FA5}">
                       <a16:colId xmlns:a16="http://schemas.microsoft.com/office/drawing/2014/main" val="2915844198"/>
                     </a:ext>
                   </a:extLst>
                 </a:gridCol>
-                <a:gridCol w="535199">
+                <a:gridCol w="584003">
                   <a:extLst>
                     <a:ext uri="{9D8B030D-6E8A-4147-A177-3AD203B41FA5}">
                       <a16:colId xmlns:a16="http://schemas.microsoft.com/office/drawing/2014/main" val="2791978805"/>
                     </a:ext>
                   </a:extLst>
                 </a:gridCol>
-                <a:gridCol w="602100">
+                <a:gridCol w="657005">
                   <a:extLst>
                     <a:ext uri="{9D8B030D-6E8A-4147-A177-3AD203B41FA5}">
                       <a16:colId xmlns:a16="http://schemas.microsoft.com/office/drawing/2014/main" val="741427492"/>
                     </a:ext>
                   </a:extLst>
                 </a:gridCol>
-                <a:gridCol w="615370">
+                <a:gridCol w="671485">
                   <a:extLst>
                     <a:ext uri="{9D8B030D-6E8A-4147-A177-3AD203B41FA5}">
                       <a16:colId xmlns:a16="http://schemas.microsoft.com/office/drawing/2014/main" val="476539010"/>
@@ -6132,66 +6278,6 @@
           </a:graphicData>
         </a:graphic>
       </p:graphicFrame>
-      <p:pic>
-        <p:nvPicPr>
-          <p:cNvPr id="5" name="图片 4">
-            <a:extLst>
-              <a:ext uri="{FF2B5EF4-FFF2-40B4-BE49-F238E27FC236}">
-                <a16:creationId xmlns:a16="http://schemas.microsoft.com/office/drawing/2014/main" id="{04FA7FB2-455A-40E6-9128-282C30DD5EB7}"/>
-              </a:ext>
-            </a:extLst>
-          </p:cNvPr>
-          <p:cNvPicPr>
-            <a:picLocks noChangeAspect="1"/>
-          </p:cNvPicPr>
-          <p:nvPr/>
-        </p:nvPicPr>
-        <p:blipFill>
-          <a:blip r:embed="rId2"/>
-          <a:stretch>
-            <a:fillRect/>
-          </a:stretch>
-        </p:blipFill>
-        <p:spPr>
-          <a:xfrm>
-            <a:off x="4658293" y="1607456"/>
-            <a:ext cx="4151597" cy="2533426"/>
-          </a:xfrm>
-          <a:prstGeom prst="rect">
-            <a:avLst/>
-          </a:prstGeom>
-        </p:spPr>
-      </p:pic>
-      <p:pic>
-        <p:nvPicPr>
-          <p:cNvPr id="14" name="图片 13">
-            <a:extLst>
-              <a:ext uri="{FF2B5EF4-FFF2-40B4-BE49-F238E27FC236}">
-                <a16:creationId xmlns:a16="http://schemas.microsoft.com/office/drawing/2014/main" id="{F1986789-105F-4B45-BAF4-7E9603421146}"/>
-              </a:ext>
-            </a:extLst>
-          </p:cNvPr>
-          <p:cNvPicPr>
-            <a:picLocks noChangeAspect="1"/>
-          </p:cNvPicPr>
-          <p:nvPr/>
-        </p:nvPicPr>
-        <p:blipFill>
-          <a:blip r:embed="rId3"/>
-          <a:stretch>
-            <a:fillRect/>
-          </a:stretch>
-        </p:blipFill>
-        <p:spPr>
-          <a:xfrm>
-            <a:off x="539552" y="1494503"/>
-            <a:ext cx="3632987" cy="2731182"/>
-          </a:xfrm>
-          <a:prstGeom prst="rect">
-            <a:avLst/>
-          </a:prstGeom>
-        </p:spPr>
-      </p:pic>
       <p:graphicFrame>
         <p:nvGraphicFramePr>
           <p:cNvPr id="15" name="表格 14">
@@ -6207,14 +6293,14 @@
           <p:nvPr>
             <p:extLst>
               <p:ext uri="{D42A27DB-BD31-4B8C-83A1-F6EECF244321}">
-                <p14:modId xmlns:p14="http://schemas.microsoft.com/office/powerpoint/2010/main" val="4093194451"/>
+                <p14:modId xmlns:p14="http://schemas.microsoft.com/office/powerpoint/2010/main" val="4234136782"/>
               </p:ext>
             </p:extLst>
           </p:nvPr>
         </p:nvGraphicFramePr>
         <p:xfrm>
-          <a:off x="4658294" y="4540210"/>
-          <a:ext cx="4089155" cy="1285240"/>
+          <a:off x="4644010" y="4869160"/>
+          <a:ext cx="4464495" cy="1285240"/>
         </p:xfrm>
         <a:graphic>
           <a:graphicData uri="http://schemas.openxmlformats.org/drawingml/2006/table">
@@ -6223,42 +6309,42 @@
                 <a:tableStyleId>{5C22544A-7EE6-4342-B048-85BDC9FD1C3A}</a:tableStyleId>
               </a:tblPr>
               <a:tblGrid>
-                <a:gridCol w="1035403">
+                <a:gridCol w="1008110">
                   <a:extLst>
                     <a:ext uri="{9D8B030D-6E8A-4147-A177-3AD203B41FA5}">
                       <a16:colId xmlns:a16="http://schemas.microsoft.com/office/drawing/2014/main" val="3109247"/>
                     </a:ext>
                   </a:extLst>
                 </a:gridCol>
-                <a:gridCol w="621828">
+                <a:gridCol w="801237">
                   <a:extLst>
                     <a:ext uri="{9D8B030D-6E8A-4147-A177-3AD203B41FA5}">
                       <a16:colId xmlns:a16="http://schemas.microsoft.com/office/drawing/2014/main" val="4078681538"/>
                     </a:ext>
                   </a:extLst>
                 </a:gridCol>
-                <a:gridCol w="621828">
+                <a:gridCol w="678905">
                   <a:extLst>
                     <a:ext uri="{9D8B030D-6E8A-4147-A177-3AD203B41FA5}">
                       <a16:colId xmlns:a16="http://schemas.microsoft.com/office/drawing/2014/main" val="2915844198"/>
                     </a:ext>
                   </a:extLst>
                 </a:gridCol>
-                <a:gridCol w="552735">
+                <a:gridCol w="603470">
                   <a:extLst>
                     <a:ext uri="{9D8B030D-6E8A-4147-A177-3AD203B41FA5}">
                       <a16:colId xmlns:a16="http://schemas.microsoft.com/office/drawing/2014/main" val="2791978805"/>
                     </a:ext>
                   </a:extLst>
                 </a:gridCol>
-                <a:gridCol w="621828">
+                <a:gridCol w="678905">
                   <a:extLst>
                     <a:ext uri="{9D8B030D-6E8A-4147-A177-3AD203B41FA5}">
                       <a16:colId xmlns:a16="http://schemas.microsoft.com/office/drawing/2014/main" val="741427492"/>
                     </a:ext>
                   </a:extLst>
                 </a:gridCol>
-                <a:gridCol w="635533">
+                <a:gridCol w="693868">
                   <a:extLst>
                     <a:ext uri="{9D8B030D-6E8A-4147-A177-3AD203B41FA5}">
                       <a16:colId xmlns:a16="http://schemas.microsoft.com/office/drawing/2014/main" val="476539010"/>
